--- a/Plots/Presentation_Stauffenegger_Woessner.pptx
+++ b/Plots/Presentation_Stauffenegger_Woessner.pptx
@@ -177,7 +177,7 @@
 <file path=ppt/charts/chart1.xml><?xml version="1.0" encoding="utf-8"?>
 <c:chartSpace xmlns:c="http://schemas.openxmlformats.org/drawingml/2006/chart" xmlns:a="http://schemas.openxmlformats.org/drawingml/2006/main" xmlns:r="http://schemas.openxmlformats.org/officeDocument/2006/relationships" xmlns:c16r2="http://schemas.microsoft.com/office/drawing/2015/06/chart">
   <c:date1904 val="0"/>
-  <c:lang val="en-US"/>
+  <c:lang val="de-DE"/>
   <c:roundedCorners val="0"/>
   <mc:AlternateContent xmlns:mc="http://schemas.openxmlformats.org/markup-compatibility/2006">
     <mc:Choice xmlns:c14="http://schemas.microsoft.com/office/drawing/2007/8/2/chart" Requires="c14">
@@ -7568,7 +7568,7 @@
 <file path=ppt/charts/chart2.xml><?xml version="1.0" encoding="utf-8"?>
 <c:chartSpace xmlns:c="http://schemas.openxmlformats.org/drawingml/2006/chart" xmlns:a="http://schemas.openxmlformats.org/drawingml/2006/main" xmlns:r="http://schemas.openxmlformats.org/officeDocument/2006/relationships" xmlns:c16r2="http://schemas.microsoft.com/office/drawing/2015/06/chart">
   <c:date1904 val="0"/>
-  <c:lang val="en-US"/>
+  <c:lang val="de-DE"/>
   <c:roundedCorners val="0"/>
   <mc:AlternateContent xmlns:mc="http://schemas.openxmlformats.org/markup-compatibility/2006">
     <mc:Choice xmlns:c14="http://schemas.microsoft.com/office/drawing/2007/8/2/chart" Requires="c14">
@@ -12554,7 +12554,7 @@
           <a:p>
             <a:fld id="{176B0303-6F4F-5243-998E-2D2CC346AF00}" type="datetimeFigureOut">
               <a:rPr lang="en-US" smtClean="0"/>
-              <a:t>4/29/19</a:t>
+              <a:t>5/1/2019</a:t>
             </a:fld>
             <a:endParaRPr lang="en-US"/>
           </a:p>
@@ -12712,7 +12712,7 @@
           <a:p>
             <a:fld id="{FFAEC33B-D15A-F948-9B21-8F6BC0A9396E}" type="slidenum">
               <a:rPr lang="en-US" smtClean="0"/>
-              <a:t>‹#›</a:t>
+              <a:t>‹Nr.›</a:t>
             </a:fld>
             <a:endParaRPr lang="en-US"/>
           </a:p>
@@ -12821,6 +12821,566 @@
 </p:notesMaster>
 </file>
 
+<file path=ppt/notesSlides/notesSlide1.xml><?xml version="1.0" encoding="utf-8"?>
+<p:notes xmlns:a="http://schemas.openxmlformats.org/drawingml/2006/main" xmlns:r="http://schemas.openxmlformats.org/officeDocument/2006/relationships" xmlns:p="http://schemas.openxmlformats.org/presentationml/2006/main">
+  <p:cSld>
+    <p:spTree>
+      <p:nvGrpSpPr>
+        <p:cNvPr id="1" name=""/>
+        <p:cNvGrpSpPr/>
+        <p:nvPr/>
+      </p:nvGrpSpPr>
+      <p:grpSpPr>
+        <a:xfrm>
+          <a:off x="0" y="0"/>
+          <a:ext cx="0" cy="0"/>
+          <a:chOff x="0" y="0"/>
+          <a:chExt cx="0" cy="0"/>
+        </a:xfrm>
+      </p:grpSpPr>
+      <p:sp>
+        <p:nvSpPr>
+          <p:cNvPr id="2" name="Folienbildplatzhalter 1"/>
+          <p:cNvSpPr>
+            <a:spLocks noGrp="1" noRot="1" noChangeAspect="1"/>
+          </p:cNvSpPr>
+          <p:nvPr>
+            <p:ph type="sldImg"/>
+          </p:nvPr>
+        </p:nvSpPr>
+        <p:spPr/>
+      </p:sp>
+      <p:sp>
+        <p:nvSpPr>
+          <p:cNvPr id="3" name="Notizenplatzhalter 2"/>
+          <p:cNvSpPr>
+            <a:spLocks noGrp="1"/>
+          </p:cNvSpPr>
+          <p:nvPr>
+            <p:ph type="body" idx="1"/>
+          </p:nvPr>
+        </p:nvSpPr>
+        <p:spPr/>
+        <p:txBody>
+          <a:bodyPr/>
+          <a:lstStyle/>
+          <a:p>
+            <a:r>
+              <a:rPr lang="en-US" dirty="0">
+                <a:latin typeface="Garamond" panose="02020404030301010803" pitchFamily="18" charset="0"/>
+              </a:rPr>
+              <a:t>QE has become increasingly popular as a policy tool in zero interest environments</a:t>
+            </a:r>
+          </a:p>
+          <a:p>
+            <a:endParaRPr lang="en-US" dirty="0">
+              <a:latin typeface="Garamond" panose="02020404030301010803" pitchFamily="18" charset="0"/>
+            </a:endParaRPr>
+          </a:p>
+          <a:p>
+            <a:pPr marL="0" marR="0" lvl="0" indent="0" algn="l" defTabSz="914400" rtl="0" eaLnBrk="1" fontAlgn="auto" latinLnBrk="0" hangingPunct="1">
+              <a:lnSpc>
+                <a:spcPct val="100000"/>
+              </a:lnSpc>
+              <a:spcBef>
+                <a:spcPts val="0"/>
+              </a:spcBef>
+              <a:spcAft>
+                <a:spcPts val="0"/>
+              </a:spcAft>
+              <a:buClrTx/>
+              <a:buSzTx/>
+              <a:buFontTx/>
+              <a:buNone/>
+              <a:tabLst/>
+              <a:defRPr/>
+            </a:pPr>
+            <a:r>
+              <a:rPr lang="en-US" sz="1200" dirty="0">
+                <a:latin typeface="Garamond" panose="02020404030301010803" pitchFamily="18" charset="0"/>
+              </a:rPr>
+              <a:t>European financial crisis led to strong appreciation of the CHF compared to EURO.</a:t>
+            </a:r>
+          </a:p>
+          <a:p>
+            <a:endParaRPr lang="de-CH" dirty="0"/>
+          </a:p>
+        </p:txBody>
+      </p:sp>
+      <p:sp>
+        <p:nvSpPr>
+          <p:cNvPr id="4" name="Foliennummernplatzhalter 3"/>
+          <p:cNvSpPr>
+            <a:spLocks noGrp="1"/>
+          </p:cNvSpPr>
+          <p:nvPr>
+            <p:ph type="sldNum" sz="quarter" idx="5"/>
+          </p:nvPr>
+        </p:nvSpPr>
+        <p:spPr/>
+        <p:txBody>
+          <a:bodyPr/>
+          <a:lstStyle/>
+          <a:p>
+            <a:fld id="{FFAEC33B-D15A-F948-9B21-8F6BC0A9396E}" type="slidenum">
+              <a:rPr lang="en-US" smtClean="0"/>
+              <a:t>3</a:t>
+            </a:fld>
+            <a:endParaRPr lang="en-US"/>
+          </a:p>
+        </p:txBody>
+      </p:sp>
+    </p:spTree>
+    <p:extLst>
+      <p:ext uri="{BB962C8B-B14F-4D97-AF65-F5344CB8AC3E}">
+        <p14:creationId xmlns:p14="http://schemas.microsoft.com/office/powerpoint/2010/main" val="2944391626"/>
+      </p:ext>
+    </p:extLst>
+  </p:cSld>
+  <p:clrMapOvr>
+    <a:masterClrMapping/>
+  </p:clrMapOvr>
+</p:notes>
+</file>
+
+<file path=ppt/notesSlides/notesSlide2.xml><?xml version="1.0" encoding="utf-8"?>
+<p:notes xmlns:a="http://schemas.openxmlformats.org/drawingml/2006/main" xmlns:r="http://schemas.openxmlformats.org/officeDocument/2006/relationships" xmlns:p="http://schemas.openxmlformats.org/presentationml/2006/main">
+  <p:cSld>
+    <p:spTree>
+      <p:nvGrpSpPr>
+        <p:cNvPr id="1" name=""/>
+        <p:cNvGrpSpPr/>
+        <p:nvPr/>
+      </p:nvGrpSpPr>
+      <p:grpSpPr>
+        <a:xfrm>
+          <a:off x="0" y="0"/>
+          <a:ext cx="0" cy="0"/>
+          <a:chOff x="0" y="0"/>
+          <a:chExt cx="0" cy="0"/>
+        </a:xfrm>
+      </p:grpSpPr>
+      <p:sp>
+        <p:nvSpPr>
+          <p:cNvPr id="2" name="Folienbildplatzhalter 1"/>
+          <p:cNvSpPr>
+            <a:spLocks noGrp="1" noRot="1" noChangeAspect="1"/>
+          </p:cNvSpPr>
+          <p:nvPr>
+            <p:ph type="sldImg"/>
+          </p:nvPr>
+        </p:nvSpPr>
+        <p:spPr/>
+      </p:sp>
+      <p:sp>
+        <p:nvSpPr>
+          <p:cNvPr id="3" name="Notizenplatzhalter 2"/>
+          <p:cNvSpPr>
+            <a:spLocks noGrp="1"/>
+          </p:cNvSpPr>
+          <p:nvPr>
+            <p:ph type="body" idx="1"/>
+          </p:nvPr>
+        </p:nvSpPr>
+        <p:spPr/>
+        <p:txBody>
+          <a:bodyPr/>
+          <a:lstStyle/>
+          <a:p>
+            <a:pPr marL="0" marR="0" lvl="0" indent="0" algn="l" defTabSz="914400" rtl="0" eaLnBrk="1" fontAlgn="auto" latinLnBrk="0" hangingPunct="1">
+              <a:lnSpc>
+                <a:spcPct val="100000"/>
+              </a:lnSpc>
+              <a:spcBef>
+                <a:spcPts val="0"/>
+              </a:spcBef>
+              <a:spcAft>
+                <a:spcPts val="0"/>
+              </a:spcAft>
+              <a:buClrTx/>
+              <a:buSzTx/>
+              <a:buFontTx/>
+              <a:buNone/>
+              <a:tabLst/>
+              <a:defRPr/>
+            </a:pPr>
+            <a:r>
+              <a:rPr lang="en-US" dirty="0">
+                <a:latin typeface="Garamond" panose="02020404030301010803" pitchFamily="18" charset="0"/>
+              </a:rPr>
+              <a:t>Unconventional MP and spill over to other asset classes</a:t>
+            </a:r>
+            <a:endParaRPr lang="en-US" sz="1200" dirty="0">
+              <a:latin typeface="Garamond" panose="02020404030301010803" pitchFamily="18" charset="0"/>
+            </a:endParaRPr>
+          </a:p>
+          <a:p>
+            <a:pPr marL="0" marR="0" lvl="0" indent="0" algn="l" defTabSz="914400" rtl="0" eaLnBrk="1" fontAlgn="auto" latinLnBrk="0" hangingPunct="1">
+              <a:lnSpc>
+                <a:spcPct val="100000"/>
+              </a:lnSpc>
+              <a:spcBef>
+                <a:spcPts val="0"/>
+              </a:spcBef>
+              <a:spcAft>
+                <a:spcPts val="0"/>
+              </a:spcAft>
+              <a:buClrTx/>
+              <a:buSzTx/>
+              <a:buFontTx/>
+              <a:buNone/>
+              <a:tabLst/>
+              <a:defRPr/>
+            </a:pPr>
+            <a:r>
+              <a:rPr lang="en-US" sz="1200" dirty="0">
+                <a:latin typeface="Garamond" panose="02020404030301010803" pitchFamily="18" charset="0"/>
+              </a:rPr>
+              <a:t>New liquidity rests as sight deposits on the central banks balance sheet and is allocated to domestic banks.</a:t>
+            </a:r>
+          </a:p>
+          <a:p>
+            <a:endParaRPr lang="de-CH" dirty="0"/>
+          </a:p>
+        </p:txBody>
+      </p:sp>
+      <p:sp>
+        <p:nvSpPr>
+          <p:cNvPr id="4" name="Foliennummernplatzhalter 3"/>
+          <p:cNvSpPr>
+            <a:spLocks noGrp="1"/>
+          </p:cNvSpPr>
+          <p:nvPr>
+            <p:ph type="sldNum" sz="quarter" idx="5"/>
+          </p:nvPr>
+        </p:nvSpPr>
+        <p:spPr/>
+        <p:txBody>
+          <a:bodyPr/>
+          <a:lstStyle/>
+          <a:p>
+            <a:fld id="{FFAEC33B-D15A-F948-9B21-8F6BC0A9396E}" type="slidenum">
+              <a:rPr lang="en-US" smtClean="0"/>
+              <a:t>6</a:t>
+            </a:fld>
+            <a:endParaRPr lang="en-US"/>
+          </a:p>
+        </p:txBody>
+      </p:sp>
+    </p:spTree>
+    <p:extLst>
+      <p:ext uri="{BB962C8B-B14F-4D97-AF65-F5344CB8AC3E}">
+        <p14:creationId xmlns:p14="http://schemas.microsoft.com/office/powerpoint/2010/main" val="3343195843"/>
+      </p:ext>
+    </p:extLst>
+  </p:cSld>
+  <p:clrMapOvr>
+    <a:masterClrMapping/>
+  </p:clrMapOvr>
+</p:notes>
+</file>
+
+<file path=ppt/notesSlides/notesSlide3.xml><?xml version="1.0" encoding="utf-8"?>
+<p:notes xmlns:a="http://schemas.openxmlformats.org/drawingml/2006/main" xmlns:r="http://schemas.openxmlformats.org/officeDocument/2006/relationships" xmlns:p="http://schemas.openxmlformats.org/presentationml/2006/main">
+  <p:cSld>
+    <p:spTree>
+      <p:nvGrpSpPr>
+        <p:cNvPr id="1" name=""/>
+        <p:cNvGrpSpPr/>
+        <p:nvPr/>
+      </p:nvGrpSpPr>
+      <p:grpSpPr>
+        <a:xfrm>
+          <a:off x="0" y="0"/>
+          <a:ext cx="0" cy="0"/>
+          <a:chOff x="0" y="0"/>
+          <a:chExt cx="0" cy="0"/>
+        </a:xfrm>
+      </p:grpSpPr>
+      <p:sp>
+        <p:nvSpPr>
+          <p:cNvPr id="2" name="Folienbildplatzhalter 1"/>
+          <p:cNvSpPr>
+            <a:spLocks noGrp="1" noRot="1" noChangeAspect="1"/>
+          </p:cNvSpPr>
+          <p:nvPr>
+            <p:ph type="sldImg"/>
+          </p:nvPr>
+        </p:nvSpPr>
+        <p:spPr/>
+      </p:sp>
+      <p:sp>
+        <p:nvSpPr>
+          <p:cNvPr id="3" name="Notizenplatzhalter 2"/>
+          <p:cNvSpPr>
+            <a:spLocks noGrp="1"/>
+          </p:cNvSpPr>
+          <p:nvPr>
+            <p:ph type="body" idx="1"/>
+          </p:nvPr>
+        </p:nvSpPr>
+        <p:spPr/>
+        <p:txBody>
+          <a:bodyPr/>
+          <a:lstStyle/>
+          <a:p>
+            <a:r>
+              <a:rPr lang="de-CH" dirty="0"/>
+              <a:t>Do </a:t>
+            </a:r>
+            <a:r>
+              <a:rPr lang="de-CH" dirty="0" err="1"/>
+              <a:t>we</a:t>
+            </a:r>
+            <a:r>
+              <a:rPr lang="de-CH" dirty="0"/>
+              <a:t> find </a:t>
+            </a:r>
+            <a:r>
+              <a:rPr lang="de-CH" dirty="0" err="1"/>
+              <a:t>Spillover</a:t>
+            </a:r>
+            <a:r>
+              <a:rPr lang="de-CH" dirty="0"/>
+              <a:t> </a:t>
+            </a:r>
+            <a:r>
+              <a:rPr lang="de-CH" dirty="0" err="1"/>
+              <a:t>effects</a:t>
+            </a:r>
+            <a:r>
+              <a:rPr lang="de-CH" dirty="0"/>
+              <a:t> </a:t>
+            </a:r>
+            <a:r>
+              <a:rPr lang="de-CH" dirty="0" err="1"/>
+              <a:t>of</a:t>
+            </a:r>
+            <a:r>
+              <a:rPr lang="de-CH" dirty="0"/>
+              <a:t> SNB </a:t>
+            </a:r>
+            <a:r>
+              <a:rPr lang="de-CH" dirty="0" err="1"/>
+              <a:t>interventions</a:t>
+            </a:r>
+            <a:r>
+              <a:rPr lang="de-CH" dirty="0"/>
+              <a:t> </a:t>
+            </a:r>
+            <a:r>
+              <a:rPr lang="de-CH" dirty="0" err="1"/>
+              <a:t>to</a:t>
+            </a:r>
+            <a:r>
+              <a:rPr lang="de-CH" dirty="0"/>
+              <a:t> </a:t>
+            </a:r>
+            <a:r>
+              <a:rPr lang="de-CH" dirty="0" err="1"/>
+              <a:t>the</a:t>
+            </a:r>
+            <a:r>
+              <a:rPr lang="de-CH" dirty="0"/>
+              <a:t> Swiss Stock Market </a:t>
+            </a:r>
+            <a:r>
+              <a:rPr lang="de-CH" dirty="0" err="1"/>
+              <a:t>through</a:t>
+            </a:r>
+            <a:r>
+              <a:rPr lang="de-CH" dirty="0"/>
+              <a:t> </a:t>
+            </a:r>
+            <a:r>
+              <a:rPr lang="de-CH" dirty="0" err="1"/>
+              <a:t>the</a:t>
+            </a:r>
+            <a:r>
+              <a:rPr lang="de-CH" dirty="0"/>
+              <a:t> </a:t>
+            </a:r>
+            <a:r>
+              <a:rPr lang="de-CH" dirty="0" err="1"/>
+              <a:t>Signalling</a:t>
+            </a:r>
+            <a:r>
+              <a:rPr lang="de-CH" dirty="0"/>
+              <a:t> Channel?</a:t>
+            </a:r>
+          </a:p>
+          <a:p>
+            <a:r>
+              <a:rPr lang="de-CH" dirty="0" err="1"/>
+              <a:t>Is</a:t>
+            </a:r>
+            <a:r>
+              <a:rPr lang="de-CH" dirty="0"/>
+              <a:t> </a:t>
+            </a:r>
+            <a:r>
+              <a:rPr lang="de-CH" dirty="0" err="1"/>
+              <a:t>confirmed</a:t>
+            </a:r>
+            <a:r>
+              <a:rPr lang="de-CH" dirty="0"/>
+              <a:t>, </a:t>
+            </a:r>
+            <a:r>
+              <a:rPr lang="de-CH" dirty="0" err="1"/>
+              <a:t>if</a:t>
+            </a:r>
+            <a:r>
+              <a:rPr lang="de-CH" dirty="0"/>
+              <a:t> </a:t>
+            </a:r>
+            <a:r>
+              <a:rPr lang="de-CH" dirty="0" err="1"/>
+              <a:t>the</a:t>
+            </a:r>
+            <a:r>
+              <a:rPr lang="de-CH" dirty="0"/>
+              <a:t> </a:t>
+            </a:r>
+            <a:r>
+              <a:rPr lang="de-CH" dirty="0" err="1"/>
+              <a:t>classification</a:t>
+            </a:r>
+            <a:r>
+              <a:rPr lang="de-CH" dirty="0"/>
+              <a:t> </a:t>
+            </a:r>
+            <a:r>
+              <a:rPr lang="de-CH" dirty="0" err="1"/>
+              <a:t>Algorithm</a:t>
+            </a:r>
+            <a:r>
+              <a:rPr lang="de-CH" dirty="0"/>
+              <a:t> </a:t>
+            </a:r>
+          </a:p>
+        </p:txBody>
+      </p:sp>
+      <p:sp>
+        <p:nvSpPr>
+          <p:cNvPr id="4" name="Foliennummernplatzhalter 3"/>
+          <p:cNvSpPr>
+            <a:spLocks noGrp="1"/>
+          </p:cNvSpPr>
+          <p:nvPr>
+            <p:ph type="sldNum" sz="quarter" idx="5"/>
+          </p:nvPr>
+        </p:nvSpPr>
+        <p:spPr/>
+        <p:txBody>
+          <a:bodyPr/>
+          <a:lstStyle/>
+          <a:p>
+            <a:fld id="{FFAEC33B-D15A-F948-9B21-8F6BC0A9396E}" type="slidenum">
+              <a:rPr lang="en-US" smtClean="0"/>
+              <a:t>7</a:t>
+            </a:fld>
+            <a:endParaRPr lang="en-US"/>
+          </a:p>
+        </p:txBody>
+      </p:sp>
+    </p:spTree>
+    <p:extLst>
+      <p:ext uri="{BB962C8B-B14F-4D97-AF65-F5344CB8AC3E}">
+        <p14:creationId xmlns:p14="http://schemas.microsoft.com/office/powerpoint/2010/main" val="3949244575"/>
+      </p:ext>
+    </p:extLst>
+  </p:cSld>
+  <p:clrMapOvr>
+    <a:masterClrMapping/>
+  </p:clrMapOvr>
+</p:notes>
+</file>
+
+<file path=ppt/notesSlides/notesSlide4.xml><?xml version="1.0" encoding="utf-8"?>
+<p:notes xmlns:a="http://schemas.openxmlformats.org/drawingml/2006/main" xmlns:r="http://schemas.openxmlformats.org/officeDocument/2006/relationships" xmlns:p="http://schemas.openxmlformats.org/presentationml/2006/main">
+  <p:cSld>
+    <p:spTree>
+      <p:nvGrpSpPr>
+        <p:cNvPr id="1" name=""/>
+        <p:cNvGrpSpPr/>
+        <p:nvPr/>
+      </p:nvGrpSpPr>
+      <p:grpSpPr>
+        <a:xfrm>
+          <a:off x="0" y="0"/>
+          <a:ext cx="0" cy="0"/>
+          <a:chOff x="0" y="0"/>
+          <a:chExt cx="0" cy="0"/>
+        </a:xfrm>
+      </p:grpSpPr>
+      <p:sp>
+        <p:nvSpPr>
+          <p:cNvPr id="2" name="Folienbildplatzhalter 1"/>
+          <p:cNvSpPr>
+            <a:spLocks noGrp="1" noRot="1" noChangeAspect="1"/>
+          </p:cNvSpPr>
+          <p:nvPr>
+            <p:ph type="sldImg"/>
+          </p:nvPr>
+        </p:nvSpPr>
+        <p:spPr/>
+      </p:sp>
+      <p:sp>
+        <p:nvSpPr>
+          <p:cNvPr id="3" name="Notizenplatzhalter 2"/>
+          <p:cNvSpPr>
+            <a:spLocks noGrp="1"/>
+          </p:cNvSpPr>
+          <p:nvPr>
+            <p:ph type="body" idx="1"/>
+          </p:nvPr>
+        </p:nvSpPr>
+        <p:spPr/>
+        <p:txBody>
+          <a:bodyPr/>
+          <a:lstStyle/>
+          <a:p>
+            <a:endParaRPr lang="de-CH" dirty="0"/>
+          </a:p>
+        </p:txBody>
+      </p:sp>
+      <p:sp>
+        <p:nvSpPr>
+          <p:cNvPr id="4" name="Foliennummernplatzhalter 3"/>
+          <p:cNvSpPr>
+            <a:spLocks noGrp="1"/>
+          </p:cNvSpPr>
+          <p:nvPr>
+            <p:ph type="sldNum" sz="quarter" idx="5"/>
+          </p:nvPr>
+        </p:nvSpPr>
+        <p:spPr/>
+        <p:txBody>
+          <a:bodyPr/>
+          <a:lstStyle/>
+          <a:p>
+            <a:fld id="{FFAEC33B-D15A-F948-9B21-8F6BC0A9396E}" type="slidenum">
+              <a:rPr lang="en-US" smtClean="0"/>
+              <a:t>8</a:t>
+            </a:fld>
+            <a:endParaRPr lang="en-US"/>
+          </a:p>
+        </p:txBody>
+      </p:sp>
+    </p:spTree>
+    <p:extLst>
+      <p:ext uri="{BB962C8B-B14F-4D97-AF65-F5344CB8AC3E}">
+        <p14:creationId xmlns:p14="http://schemas.microsoft.com/office/powerpoint/2010/main" val="954470227"/>
+      </p:ext>
+    </p:extLst>
+  </p:cSld>
+  <p:clrMapOvr>
+    <a:masterClrMapping/>
+  </p:clrMapOvr>
+</p:notes>
+</file>
+
 <file path=ppt/slideLayouts/slideLayout1.xml><?xml version="1.0" encoding="utf-8"?>
 <p:sldLayout xmlns:a="http://schemas.openxmlformats.org/drawingml/2006/main" xmlns:r="http://schemas.openxmlformats.org/officeDocument/2006/relationships" xmlns:p="http://schemas.openxmlformats.org/presentationml/2006/main" type="title" preserve="1">
   <p:cSld name="Title Slide">
@@ -12978,7 +13538,7 @@
           <a:p>
             <a:fld id="{85634D96-BAC6-624E-89B2-93829D52EF74}" type="datetimeFigureOut">
               <a:rPr lang="de-DE" smtClean="0"/>
-              <a:t>29.04.19</a:t>
+              <a:t>01.05.2019</a:t>
             </a:fld>
             <a:endParaRPr lang="de-DE"/>
           </a:p>
@@ -13048,7 +13608,7 @@
           <a:p>
             <a:fld id="{3A79EDE4-AB98-A64A-BFD5-DA8FF91B9E2C}" type="slidenum">
               <a:rPr lang="de-DE" smtClean="0"/>
-              <a:t>‹#›</a:t>
+              <a:t>‹Nr.›</a:t>
             </a:fld>
             <a:endParaRPr lang="de-DE"/>
           </a:p>
@@ -13202,7 +13762,7 @@
           <a:p>
             <a:fld id="{85634D96-BAC6-624E-89B2-93829D52EF74}" type="datetimeFigureOut">
               <a:rPr lang="de-DE" smtClean="0"/>
-              <a:t>29.04.19</a:t>
+              <a:t>01.05.2019</a:t>
             </a:fld>
             <a:endParaRPr lang="de-DE"/>
           </a:p>
@@ -13272,7 +13832,7 @@
           <a:p>
             <a:fld id="{3A79EDE4-AB98-A64A-BFD5-DA8FF91B9E2C}" type="slidenum">
               <a:rPr lang="de-DE" smtClean="0"/>
-              <a:t>‹#›</a:t>
+              <a:t>‹Nr.›</a:t>
             </a:fld>
             <a:endParaRPr lang="de-DE"/>
           </a:p>
@@ -13436,7 +13996,7 @@
           <a:p>
             <a:fld id="{85634D96-BAC6-624E-89B2-93829D52EF74}" type="datetimeFigureOut">
               <a:rPr lang="de-DE" smtClean="0"/>
-              <a:t>29.04.19</a:t>
+              <a:t>01.05.2019</a:t>
             </a:fld>
             <a:endParaRPr lang="de-DE"/>
           </a:p>
@@ -13506,7 +14066,7 @@
           <a:p>
             <a:fld id="{3A79EDE4-AB98-A64A-BFD5-DA8FF91B9E2C}" type="slidenum">
               <a:rPr lang="de-DE" smtClean="0"/>
-              <a:t>‹#›</a:t>
+              <a:t>‹Nr.›</a:t>
             </a:fld>
             <a:endParaRPr lang="de-DE"/>
           </a:p>
@@ -13660,7 +14220,7 @@
           <a:p>
             <a:fld id="{85634D96-BAC6-624E-89B2-93829D52EF74}" type="datetimeFigureOut">
               <a:rPr lang="de-DE" smtClean="0"/>
-              <a:t>29.04.19</a:t>
+              <a:t>01.05.2019</a:t>
             </a:fld>
             <a:endParaRPr lang="de-DE"/>
           </a:p>
@@ -13730,7 +14290,7 @@
           <a:p>
             <a:fld id="{3A79EDE4-AB98-A64A-BFD5-DA8FF91B9E2C}" type="slidenum">
               <a:rPr lang="de-DE" smtClean="0"/>
-              <a:t>‹#›</a:t>
+              <a:t>‹Nr.›</a:t>
             </a:fld>
             <a:endParaRPr lang="de-DE"/>
           </a:p>
@@ -13960,7 +14520,7 @@
           <a:p>
             <a:fld id="{85634D96-BAC6-624E-89B2-93829D52EF74}" type="datetimeFigureOut">
               <a:rPr lang="de-DE" smtClean="0"/>
-              <a:t>29.04.19</a:t>
+              <a:t>01.05.2019</a:t>
             </a:fld>
             <a:endParaRPr lang="de-DE"/>
           </a:p>
@@ -14030,7 +14590,7 @@
           <a:p>
             <a:fld id="{3A79EDE4-AB98-A64A-BFD5-DA8FF91B9E2C}" type="slidenum">
               <a:rPr lang="de-DE" smtClean="0"/>
-              <a:t>‹#›</a:t>
+              <a:t>‹Nr.›</a:t>
             </a:fld>
             <a:endParaRPr lang="de-DE"/>
           </a:p>
@@ -14252,7 +14812,7 @@
           <a:p>
             <a:fld id="{85634D96-BAC6-624E-89B2-93829D52EF74}" type="datetimeFigureOut">
               <a:rPr lang="de-DE" smtClean="0"/>
-              <a:t>29.04.19</a:t>
+              <a:t>01.05.2019</a:t>
             </a:fld>
             <a:endParaRPr lang="de-DE"/>
           </a:p>
@@ -14322,7 +14882,7 @@
           <a:p>
             <a:fld id="{3A79EDE4-AB98-A64A-BFD5-DA8FF91B9E2C}" type="slidenum">
               <a:rPr lang="de-DE" smtClean="0"/>
-              <a:t>‹#›</a:t>
+              <a:t>‹Nr.›</a:t>
             </a:fld>
             <a:endParaRPr lang="de-DE"/>
           </a:p>
@@ -14691,7 +15251,7 @@
           <a:p>
             <a:fld id="{85634D96-BAC6-624E-89B2-93829D52EF74}" type="datetimeFigureOut">
               <a:rPr lang="de-DE" smtClean="0"/>
-              <a:t>29.04.19</a:t>
+              <a:t>01.05.2019</a:t>
             </a:fld>
             <a:endParaRPr lang="de-DE"/>
           </a:p>
@@ -14761,7 +15321,7 @@
           <a:p>
             <a:fld id="{3A79EDE4-AB98-A64A-BFD5-DA8FF91B9E2C}" type="slidenum">
               <a:rPr lang="de-DE" smtClean="0"/>
-              <a:t>‹#›</a:t>
+              <a:t>‹Nr.›</a:t>
             </a:fld>
             <a:endParaRPr lang="de-DE"/>
           </a:p>
@@ -14857,7 +15417,7 @@
           <a:p>
             <a:fld id="{85634D96-BAC6-624E-89B2-93829D52EF74}" type="datetimeFigureOut">
               <a:rPr lang="de-DE" smtClean="0"/>
-              <a:t>29.04.19</a:t>
+              <a:t>01.05.2019</a:t>
             </a:fld>
             <a:endParaRPr lang="de-DE"/>
           </a:p>
@@ -14927,7 +15487,7 @@
           <a:p>
             <a:fld id="{3A79EDE4-AB98-A64A-BFD5-DA8FF91B9E2C}" type="slidenum">
               <a:rPr lang="de-DE" smtClean="0"/>
-              <a:t>‹#›</a:t>
+              <a:t>‹Nr.›</a:t>
             </a:fld>
             <a:endParaRPr lang="de-DE"/>
           </a:p>
@@ -14994,7 +15554,7 @@
           <a:p>
             <a:fld id="{85634D96-BAC6-624E-89B2-93829D52EF74}" type="datetimeFigureOut">
               <a:rPr lang="de-DE" smtClean="0"/>
-              <a:t>29.04.19</a:t>
+              <a:t>01.05.2019</a:t>
             </a:fld>
             <a:endParaRPr lang="de-DE"/>
           </a:p>
@@ -15064,7 +15624,7 @@
           <a:p>
             <a:fld id="{3A79EDE4-AB98-A64A-BFD5-DA8FF91B9E2C}" type="slidenum">
               <a:rPr lang="de-DE" smtClean="0"/>
-              <a:t>‹#›</a:t>
+              <a:t>‹Nr.›</a:t>
             </a:fld>
             <a:endParaRPr lang="de-DE"/>
           </a:p>
@@ -15331,7 +15891,7 @@
           <a:p>
             <a:fld id="{85634D96-BAC6-624E-89B2-93829D52EF74}" type="datetimeFigureOut">
               <a:rPr lang="de-DE" smtClean="0"/>
-              <a:t>29.04.19</a:t>
+              <a:t>01.05.2019</a:t>
             </a:fld>
             <a:endParaRPr lang="de-DE"/>
           </a:p>
@@ -15401,7 +15961,7 @@
           <a:p>
             <a:fld id="{3A79EDE4-AB98-A64A-BFD5-DA8FF91B9E2C}" type="slidenum">
               <a:rPr lang="de-DE" smtClean="0"/>
-              <a:t>‹#›</a:t>
+              <a:t>‹Nr.›</a:t>
             </a:fld>
             <a:endParaRPr lang="de-DE"/>
           </a:p>
@@ -15644,7 +16204,7 @@
           <a:p>
             <a:fld id="{85634D96-BAC6-624E-89B2-93829D52EF74}" type="datetimeFigureOut">
               <a:rPr lang="de-DE" smtClean="0"/>
-              <a:t>29.04.19</a:t>
+              <a:t>01.05.2019</a:t>
             </a:fld>
             <a:endParaRPr lang="de-DE"/>
           </a:p>
@@ -15714,7 +16274,7 @@
           <a:p>
             <a:fld id="{3A79EDE4-AB98-A64A-BFD5-DA8FF91B9E2C}" type="slidenum">
               <a:rPr lang="de-DE" smtClean="0"/>
-              <a:t>‹#›</a:t>
+              <a:t>‹Nr.›</a:t>
             </a:fld>
             <a:endParaRPr lang="de-DE"/>
           </a:p>
@@ -15946,7 +16506,7 @@
           <a:p>
             <a:fld id="{3A79EDE4-AB98-A64A-BFD5-DA8FF91B9E2C}" type="slidenum">
               <a:rPr lang="de-DE" smtClean="0"/>
-              <a:t>‹#›</a:t>
+              <a:t>‹Nr.›</a:t>
             </a:fld>
             <a:endParaRPr lang="de-DE" dirty="0"/>
           </a:p>
@@ -20201,7 +20761,7 @@
               <a:rPr lang="en-US" sz="1400" dirty="0" err="1">
                 <a:latin typeface="Garamond" panose="02020404030301010803" pitchFamily="18" charset="0"/>
               </a:rPr>
-              <a:t>SDdomBanks</a:t>
+              <a:t>SDdomBanksdir</a:t>
             </a:r>
             <a:r>
               <a:rPr lang="en-US" sz="1400" dirty="0">
@@ -25147,7 +25707,7 @@
           <p:nvPr/>
         </p:nvPicPr>
         <p:blipFill>
-          <a:blip r:embed="rId2"/>
+          <a:blip r:embed="rId3"/>
           <a:stretch>
             <a:fillRect/>
           </a:stretch>
@@ -25180,14 +25740,16 @@
         </p:nvSpPr>
         <p:spPr/>
         <p:txBody>
-          <a:bodyPr/>
+          <a:bodyPr>
+            <a:normAutofit/>
+          </a:bodyPr>
           <a:lstStyle/>
           <a:p>
             <a:r>
               <a:rPr lang="en-US" dirty="0">
                 <a:latin typeface="Garamond" panose="02020404030301010803" pitchFamily="18" charset="0"/>
               </a:rPr>
-              <a:t>QE has become increasingly popular as a policy tool in zero interest environments</a:t>
+              <a:t>10 years of global Quantitative Easing</a:t>
             </a:r>
           </a:p>
         </p:txBody>
@@ -25362,10 +25924,10 @@
           <p:nvPr/>
         </p:nvPicPr>
         <p:blipFill>
-          <a:blip r:embed="rId3">
+          <a:blip r:embed="rId4">
             <a:extLst>
               <a:ext uri="{96DAC541-7B7A-43D3-8B79-37D633B846F1}">
-                <asvg:svgBlip xmlns:asvg="http://schemas.microsoft.com/office/drawing/2016/SVG/main" r:embed="rId4"/>
+                <asvg:svgBlip xmlns:asvg="http://schemas.microsoft.com/office/drawing/2016/SVG/main" r:embed="rId5"/>
               </a:ext>
             </a:extLst>
           </a:blip>
@@ -25398,10 +25960,10 @@
           <p:nvPr/>
         </p:nvPicPr>
         <p:blipFill>
-          <a:blip r:embed="rId3">
+          <a:blip r:embed="rId4">
             <a:extLst>
               <a:ext uri="{96DAC541-7B7A-43D3-8B79-37D633B846F1}">
-                <asvg:svgBlip xmlns:asvg="http://schemas.microsoft.com/office/drawing/2016/SVG/main" r:embed="rId4"/>
+                <asvg:svgBlip xmlns:asvg="http://schemas.microsoft.com/office/drawing/2016/SVG/main" r:embed="rId5"/>
               </a:ext>
             </a:extLst>
           </a:blip>
@@ -25434,10 +25996,10 @@
           <p:nvPr/>
         </p:nvPicPr>
         <p:blipFill>
-          <a:blip r:embed="rId5">
+          <a:blip r:embed="rId6">
             <a:extLst>
               <a:ext uri="{96DAC541-7B7A-43D3-8B79-37D633B846F1}">
-                <asvg:svgBlip xmlns:asvg="http://schemas.microsoft.com/office/drawing/2016/SVG/main" r:embed="rId6"/>
+                <asvg:svgBlip xmlns:asvg="http://schemas.microsoft.com/office/drawing/2016/SVG/main" r:embed="rId7"/>
               </a:ext>
             </a:extLst>
           </a:blip>
@@ -25470,10 +26032,10 @@
           <p:nvPr/>
         </p:nvPicPr>
         <p:blipFill>
-          <a:blip r:embed="rId7">
+          <a:blip r:embed="rId8">
             <a:extLst>
               <a:ext uri="{96DAC541-7B7A-43D3-8B79-37D633B846F1}">
-                <asvg:svgBlip xmlns:asvg="http://schemas.microsoft.com/office/drawing/2016/SVG/main" r:embed="rId8"/>
+                <asvg:svgBlip xmlns:asvg="http://schemas.microsoft.com/office/drawing/2016/SVG/main" r:embed="rId9"/>
               </a:ext>
             </a:extLst>
           </a:blip>
@@ -25553,7 +26115,7 @@
           <p:nvPr/>
         </p:nvPicPr>
         <p:blipFill>
-          <a:blip r:embed="rId9">
+          <a:blip r:embed="rId10">
             <a:extLst>
               <a:ext uri="{28A0092B-C50C-407E-A947-70E740481C1C}">
                 <a14:useLocalDpi xmlns:a14="http://schemas.microsoft.com/office/drawing/2010/main" val="0"/>
@@ -25600,7 +26162,7 @@
           <p:nvPr/>
         </p:nvPicPr>
         <p:blipFill>
-          <a:blip r:embed="rId10">
+          <a:blip r:embed="rId11">
             <a:extLst>
               <a:ext uri="{28A0092B-C50C-407E-A947-70E740481C1C}">
                 <a14:useLocalDpi xmlns:a14="http://schemas.microsoft.com/office/drawing/2010/main" val="0"/>
@@ -25825,7 +26387,7 @@
               <a:rPr lang="en-US" sz="1600" dirty="0">
                 <a:latin typeface="Garamond" panose="02020404030301010803" pitchFamily="18" charset="0"/>
               </a:rPr>
-              <a:t>Financial crisis in 2010 in Europe.</a:t>
+              <a:t>Govt Debt crisis in 2010 in Europe.</a:t>
             </a:r>
           </a:p>
           <a:p>
@@ -25943,10 +26505,10 @@
           <p:nvPr/>
         </p:nvPicPr>
         <p:blipFill>
-          <a:blip r:embed="rId3">
+          <a:blip r:embed="rId4">
             <a:extLst>
               <a:ext uri="{96DAC541-7B7A-43D3-8B79-37D633B846F1}">
-                <asvg:svgBlip xmlns:asvg="http://schemas.microsoft.com/office/drawing/2016/SVG/main" r:embed="rId4"/>
+                <asvg:svgBlip xmlns:asvg="http://schemas.microsoft.com/office/drawing/2016/SVG/main" r:embed="rId5"/>
               </a:ext>
             </a:extLst>
           </a:blip>
@@ -26019,7 +26581,7 @@
           <p:nvPr/>
         </p:nvPicPr>
         <p:blipFill>
-          <a:blip r:embed="rId11">
+          <a:blip r:embed="rId12">
             <a:extLst>
               <a:ext uri="{28A0092B-C50C-407E-A947-70E740481C1C}">
                 <a14:useLocalDpi xmlns:a14="http://schemas.microsoft.com/office/drawing/2010/main" val="0"/>
@@ -26066,7 +26628,7 @@
         <p:spPr>
           <a:xfrm>
             <a:off x="8821166" y="2724455"/>
-            <a:ext cx="2178807" cy="646331"/>
+            <a:ext cx="2586952" cy="369332"/>
           </a:xfrm>
           <a:prstGeom prst="rect">
             <a:avLst/>
@@ -26103,7 +26665,7 @@
         <p:spPr>
           <a:xfrm>
             <a:off x="8345911" y="3064813"/>
-            <a:ext cx="3007486" cy="2800767"/>
+            <a:ext cx="3007486" cy="2554545"/>
           </a:xfrm>
           <a:prstGeom prst="rect">
             <a:avLst/>
@@ -26124,7 +26686,7 @@
               <a:rPr lang="en-US" sz="1600" dirty="0">
                 <a:latin typeface="Garamond" panose="02020404030301010803" pitchFamily="18" charset="0"/>
               </a:rPr>
-              <a:t>European financial crisis led to strong appreciation of the CHF compared to EURO.</a:t>
+              <a:t>Strong appreciation of the CHF compared to EURO.</a:t>
             </a:r>
           </a:p>
           <a:p>
@@ -26166,7 +26728,7 @@
               <a:rPr lang="en-US" sz="1600" dirty="0">
                 <a:latin typeface="Garamond" panose="02020404030301010803" pitchFamily="18" charset="0"/>
               </a:rPr>
-              <a:t>SNB stepped in and created CHF liquidity by increasing sight deposits from CHF 5bn to CHF 500bn over ten years.</a:t>
+              <a:t>SNB created CHF liquidity by increasing sight deposits from CHF 5bn to almost CHF 500bn over ten years.</a:t>
             </a:r>
           </a:p>
         </p:txBody>
@@ -26352,7 +26914,7 @@
               <a:rPr lang="en-US" dirty="0">
                 <a:latin typeface="Garamond" panose="02020404030301010803" pitchFamily="18" charset="0"/>
               </a:rPr>
-              <a:t>Development of Sight Deposits, SMI and Exchange rate</a:t>
+              <a:t>Sight Deposits of Domestic Banks, SMI and Exchange rate</a:t>
             </a:r>
           </a:p>
         </p:txBody>
@@ -26935,7 +27497,7 @@
           <p:nvPr/>
         </p:nvPicPr>
         <p:blipFill>
-          <a:blip r:embed="rId2"/>
+          <a:blip r:embed="rId3"/>
           <a:stretch>
             <a:fillRect/>
           </a:stretch>
@@ -26975,7 +27537,7 @@
               <a:rPr lang="en-US" dirty="0">
                 <a:latin typeface="Garamond" panose="02020404030301010803" pitchFamily="18" charset="0"/>
               </a:rPr>
-              <a:t>Unconventional MP and spill over to other asset classes</a:t>
+              <a:t>Transmission Channels</a:t>
             </a:r>
           </a:p>
         </p:txBody>
@@ -27037,8 +27599,8 @@
         </p:nvSpPr>
         <p:spPr>
           <a:xfrm>
-            <a:off x="883170" y="2407654"/>
-            <a:ext cx="10515600" cy="3723320"/>
+            <a:off x="883170" y="2407655"/>
+            <a:ext cx="10515600" cy="2759658"/>
           </a:xfrm>
           <a:prstGeom prst="rect">
             <a:avLst/>
@@ -27183,14 +27745,11 @@
           <a:p>
             <a:pPr algn="ctr"/>
             <a:r>
-              <a:rPr lang="en-US" sz="1400" dirty="0" err="1">
+              <a:rPr lang="en-US" sz="1400" dirty="0">
                 <a:latin typeface="Garamond" panose="02020404030301010803" pitchFamily="18" charset="0"/>
               </a:rPr>
-              <a:t>Signalling</a:t>
+              <a:t>SIGNALLING</a:t>
             </a:r>
-            <a:endParaRPr lang="en-US" sz="1400" dirty="0">
-              <a:latin typeface="Garamond" panose="02020404030301010803" pitchFamily="18" charset="0"/>
-            </a:endParaRPr>
           </a:p>
         </p:txBody>
       </p:sp>
@@ -27240,7 +27799,7 @@
               <a:rPr lang="en-US" sz="1400" dirty="0">
                 <a:latin typeface="Garamond" panose="02020404030301010803" pitchFamily="18" charset="0"/>
               </a:rPr>
-              <a:t>Portfolio Rebalancing</a:t>
+              <a:t>PORTFOLIO REBALANCING</a:t>
             </a:r>
           </a:p>
         </p:txBody>
@@ -27260,7 +27819,7 @@
         <p:spPr>
           <a:xfrm>
             <a:off x="1359877" y="3274541"/>
-            <a:ext cx="4736123" cy="1815882"/>
+            <a:ext cx="5346401" cy="1877437"/>
           </a:xfrm>
           <a:prstGeom prst="rect">
             <a:avLst/>
@@ -27302,7 +27861,7 @@
               <a:rPr lang="en-US" sz="1400" dirty="0">
                 <a:latin typeface="Garamond" panose="02020404030301010803" pitchFamily="18" charset="0"/>
               </a:rPr>
-              <a:t>If the signal is considered credible, market participants change their expectations regarding future policy.</a:t>
+              <a:t>Credible signals change market participants expectations.</a:t>
             </a:r>
           </a:p>
           <a:p>
@@ -27323,13 +27882,13 @@
               <a:rPr lang="en-US" sz="1400" dirty="0">
                 <a:latin typeface="Garamond" panose="02020404030301010803" pitchFamily="18" charset="0"/>
               </a:rPr>
-              <a:t>The changed expectations lead to the </a:t>
+              <a:t>The changed expectations lead to a </a:t>
             </a:r>
             <a:r>
               <a:rPr lang="en-US" sz="1400" b="1" dirty="0">
                 <a:latin typeface="Garamond" panose="02020404030301010803" pitchFamily="18" charset="0"/>
               </a:rPr>
-              <a:t>relative change of asset prices</a:t>
+              <a:t>change of asset prices</a:t>
             </a:r>
             <a:r>
               <a:rPr lang="en-US" sz="1400" dirty="0">
@@ -27338,6 +27897,25 @@
               <a:t>.</a:t>
             </a:r>
           </a:p>
+          <a:p>
+            <a:pPr marL="285750" indent="-285750">
+              <a:buFont typeface="Wingdings" pitchFamily="2" charset="2"/>
+              <a:buChar char="§"/>
+            </a:pPr>
+            <a:endParaRPr lang="en-US" sz="1400" dirty="0">
+              <a:latin typeface="Garamond" panose="02020404030301010803" pitchFamily="18" charset="0"/>
+            </a:endParaRPr>
+          </a:p>
+          <a:p>
+            <a:endParaRPr lang="en-US" dirty="0">
+              <a:latin typeface="Garamond" panose="02020404030301010803" pitchFamily="18" charset="0"/>
+            </a:endParaRPr>
+          </a:p>
+          <a:p>
+            <a:endParaRPr lang="en-US" sz="1400" dirty="0">
+              <a:latin typeface="Garamond" panose="02020404030301010803" pitchFamily="18" charset="0"/>
+            </a:endParaRPr>
+          </a:p>
         </p:txBody>
       </p:sp>
       <p:sp>
@@ -27355,7 +27933,7 @@
         <p:spPr>
           <a:xfrm>
             <a:off x="6796217" y="3274541"/>
-            <a:ext cx="4512614" cy="2462213"/>
+            <a:ext cx="4512614" cy="1815882"/>
           </a:xfrm>
           <a:prstGeom prst="rect">
             <a:avLst/>
@@ -27377,27 +27955,6 @@
                 <a:latin typeface="Garamond" panose="02020404030301010803" pitchFamily="18" charset="0"/>
               </a:rPr>
               <a:t>The central bank buys from foreign investors and creates fiat money.</a:t>
-            </a:r>
-          </a:p>
-          <a:p>
-            <a:pPr marL="285750" indent="-285750">
-              <a:buFont typeface="Wingdings" pitchFamily="2" charset="2"/>
-              <a:buChar char="§"/>
-            </a:pPr>
-            <a:endParaRPr lang="en-US" sz="1400" dirty="0">
-              <a:latin typeface="Garamond" panose="02020404030301010803" pitchFamily="18" charset="0"/>
-            </a:endParaRPr>
-          </a:p>
-          <a:p>
-            <a:pPr marL="285750" indent="-285750">
-              <a:buFont typeface="Wingdings" pitchFamily="2" charset="2"/>
-              <a:buChar char="§"/>
-            </a:pPr>
-            <a:r>
-              <a:rPr lang="en-US" sz="1400" dirty="0">
-                <a:latin typeface="Garamond" panose="02020404030301010803" pitchFamily="18" charset="0"/>
-              </a:rPr>
-              <a:t>New liquidity rests as sight deposits on the central banks balance sheet and is allocated to domestic banks.</a:t>
             </a:r>
           </a:p>
           <a:p>
@@ -27455,9 +28012,6 @@
               </a:rPr>
               <a:t>Price of the assets is affected</a:t>
             </a:r>
-            <a:endParaRPr lang="en-US" sz="1400" b="1" dirty="0">
-              <a:latin typeface="Garamond" panose="02020404030301010803" pitchFamily="18" charset="0"/>
-            </a:endParaRPr>
           </a:p>
         </p:txBody>
       </p:sp>
@@ -27476,10 +28030,10 @@
           <p:nvPr/>
         </p:nvPicPr>
         <p:blipFill>
-          <a:blip r:embed="rId3">
+          <a:blip r:embed="rId4">
             <a:extLst>
               <a:ext uri="{96DAC541-7B7A-43D3-8B79-37D633B846F1}">
-                <asvg:svgBlip xmlns:asvg="http://schemas.microsoft.com/office/drawing/2016/SVG/main" r:embed="rId4"/>
+                <asvg:svgBlip xmlns:asvg="http://schemas.microsoft.com/office/drawing/2016/SVG/main" r:embed="rId5"/>
               </a:ext>
             </a:extLst>
           </a:blip>
@@ -27512,10 +28066,10 @@
           <p:nvPr/>
         </p:nvPicPr>
         <p:blipFill>
-          <a:blip r:embed="rId5">
+          <a:blip r:embed="rId6">
             <a:extLst>
               <a:ext uri="{96DAC541-7B7A-43D3-8B79-37D633B846F1}">
-                <asvg:svgBlip xmlns:asvg="http://schemas.microsoft.com/office/drawing/2016/SVG/main" r:embed="rId6"/>
+                <asvg:svgBlip xmlns:asvg="http://schemas.microsoft.com/office/drawing/2016/SVG/main" r:embed="rId7"/>
               </a:ext>
             </a:extLst>
           </a:blip>
@@ -27533,6 +28087,71 @@
           </a:prstGeom>
         </p:spPr>
       </p:pic>
+      <p:sp>
+        <p:nvSpPr>
+          <p:cNvPr id="6" name="Textfeld 5">
+            <a:extLst>
+              <a:ext uri="{FF2B5EF4-FFF2-40B4-BE49-F238E27FC236}">
+                <a16:creationId xmlns:a16="http://schemas.microsoft.com/office/drawing/2014/main" id="{0D9712E1-CFBD-4EA8-8DED-7B507AC2DD4F}"/>
+              </a:ext>
+            </a:extLst>
+          </p:cNvPr>
+          <p:cNvSpPr txBox="1"/>
+          <p:nvPr/>
+        </p:nvSpPr>
+        <p:spPr>
+          <a:xfrm>
+            <a:off x="1014898" y="5432545"/>
+            <a:ext cx="9641955" cy="1092607"/>
+          </a:xfrm>
+          <a:prstGeom prst="rect">
+            <a:avLst/>
+          </a:prstGeom>
+          <a:noFill/>
+        </p:spPr>
+        <p:txBody>
+          <a:bodyPr wrap="square" rtlCol="0">
+            <a:spAutoFit/>
+          </a:bodyPr>
+          <a:lstStyle/>
+          <a:p>
+            <a:pPr marL="285750" indent="-285750">
+              <a:buFont typeface="Wingdings" panose="05000000000000000000" pitchFamily="2" charset="2"/>
+              <a:buChar char="§"/>
+            </a:pPr>
+            <a:r>
+              <a:rPr lang="en-US" dirty="0">
+                <a:latin typeface="Garamond" panose="02020404030301010803" pitchFamily="18" charset="0"/>
+              </a:rPr>
+              <a:t>Information about Sight Deposit as our Signal to be priced into the Stock Market.</a:t>
+            </a:r>
+          </a:p>
+          <a:p>
+            <a:pPr marL="285750" indent="-285750">
+              <a:buFont typeface="Wingdings" panose="05000000000000000000" pitchFamily="2" charset="2"/>
+              <a:buChar char="§"/>
+            </a:pPr>
+            <a:endParaRPr lang="en-US" sz="1000" dirty="0">
+              <a:latin typeface="Garamond" panose="02020404030301010803" pitchFamily="18" charset="0"/>
+            </a:endParaRPr>
+          </a:p>
+          <a:p>
+            <a:pPr marL="285750" indent="-285750">
+              <a:buFont typeface="Wingdings" panose="05000000000000000000" pitchFamily="2" charset="2"/>
+              <a:buChar char="§"/>
+            </a:pPr>
+            <a:r>
+              <a:rPr lang="en-US" dirty="0">
+                <a:latin typeface="Garamond" panose="02020404030301010803" pitchFamily="18" charset="0"/>
+              </a:rPr>
+              <a:t>No conclusion about directions of patterns</a:t>
+            </a:r>
+          </a:p>
+          <a:p>
+            <a:endParaRPr lang="de-CH" dirty="0"/>
+          </a:p>
+        </p:txBody>
+      </p:sp>
     </p:spTree>
     <p:extLst>
       <p:ext uri="{BB962C8B-B14F-4D97-AF65-F5344CB8AC3E}">
@@ -27578,7 +28197,7 @@
           <p:nvPr/>
         </p:nvPicPr>
         <p:blipFill>
-          <a:blip r:embed="rId2"/>
+          <a:blip r:embed="rId3"/>
           <a:stretch>
             <a:fillRect/>
           </a:stretch>
@@ -27967,7 +28586,7 @@
           <p:nvPr/>
         </p:nvPicPr>
         <p:blipFill>
-          <a:blip r:embed="rId2"/>
+          <a:blip r:embed="rId3"/>
           <a:stretch>
             <a:fillRect/>
           </a:stretch>
@@ -27997,7 +28616,7 @@
           <p:nvPr/>
         </p:nvPicPr>
         <p:blipFill>
-          <a:blip r:embed="rId3"/>
+          <a:blip r:embed="rId4"/>
           <a:stretch>
             <a:fillRect/>
           </a:stretch>

--- a/Plots/Presentation_Stauffenegger_Woessner.pptx
+++ b/Plots/Presentation_Stauffenegger_Woessner.pptx
@@ -5,7 +5,7 @@
     <p:sldMasterId id="2147483648" r:id="rId1"/>
   </p:sldMasterIdLst>
   <p:notesMasterIdLst>
-    <p:notesMasterId r:id="rId26"/>
+    <p:notesMasterId r:id="rId28"/>
   </p:notesMasterIdLst>
   <p:sldIdLst>
     <p:sldId id="256" r:id="rId2"/>
@@ -22,16 +22,18 @@
     <p:sldId id="292" r:id="rId13"/>
     <p:sldId id="279" r:id="rId14"/>
     <p:sldId id="296" r:id="rId15"/>
-    <p:sldId id="307" r:id="rId16"/>
-    <p:sldId id="293" r:id="rId17"/>
-    <p:sldId id="266" r:id="rId18"/>
-    <p:sldId id="277" r:id="rId19"/>
-    <p:sldId id="299" r:id="rId20"/>
-    <p:sldId id="303" r:id="rId21"/>
-    <p:sldId id="300" r:id="rId22"/>
-    <p:sldId id="301" r:id="rId23"/>
-    <p:sldId id="302" r:id="rId24"/>
-    <p:sldId id="304" r:id="rId25"/>
+    <p:sldId id="310" r:id="rId16"/>
+    <p:sldId id="307" r:id="rId17"/>
+    <p:sldId id="293" r:id="rId18"/>
+    <p:sldId id="309" r:id="rId19"/>
+    <p:sldId id="266" r:id="rId20"/>
+    <p:sldId id="277" r:id="rId21"/>
+    <p:sldId id="299" r:id="rId22"/>
+    <p:sldId id="303" r:id="rId23"/>
+    <p:sldId id="300" r:id="rId24"/>
+    <p:sldId id="301" r:id="rId25"/>
+    <p:sldId id="302" r:id="rId26"/>
+    <p:sldId id="304" r:id="rId27"/>
   </p:sldIdLst>
   <p:sldSz cx="12192000" cy="6858000"/>
   <p:notesSz cx="6858000" cy="9144000"/>
@@ -13381,6 +13383,223 @@
 </p:notes>
 </file>
 
+<file path=ppt/notesSlides/notesSlide5.xml><?xml version="1.0" encoding="utf-8"?>
+<p:notes xmlns:a="http://schemas.openxmlformats.org/drawingml/2006/main" xmlns:r="http://schemas.openxmlformats.org/officeDocument/2006/relationships" xmlns:p="http://schemas.openxmlformats.org/presentationml/2006/main">
+  <p:cSld>
+    <p:spTree>
+      <p:nvGrpSpPr>
+        <p:cNvPr id="1" name=""/>
+        <p:cNvGrpSpPr/>
+        <p:nvPr/>
+      </p:nvGrpSpPr>
+      <p:grpSpPr>
+        <a:xfrm>
+          <a:off x="0" y="0"/>
+          <a:ext cx="0" cy="0"/>
+          <a:chOff x="0" y="0"/>
+          <a:chExt cx="0" cy="0"/>
+        </a:xfrm>
+      </p:grpSpPr>
+      <p:sp>
+        <p:nvSpPr>
+          <p:cNvPr id="2" name="Folienbildplatzhalter 1"/>
+          <p:cNvSpPr>
+            <a:spLocks noGrp="1" noRot="1" noChangeAspect="1"/>
+          </p:cNvSpPr>
+          <p:nvPr>
+            <p:ph type="sldImg"/>
+          </p:nvPr>
+        </p:nvSpPr>
+        <p:spPr/>
+      </p:sp>
+      <p:sp>
+        <p:nvSpPr>
+          <p:cNvPr id="3" name="Notizenplatzhalter 2"/>
+          <p:cNvSpPr>
+            <a:spLocks noGrp="1"/>
+          </p:cNvSpPr>
+          <p:nvPr>
+            <p:ph type="body" idx="1"/>
+          </p:nvPr>
+        </p:nvSpPr>
+        <p:spPr/>
+        <p:txBody>
+          <a:bodyPr/>
+          <a:lstStyle/>
+          <a:p>
+            <a:r>
+              <a:rPr lang="de-CH" dirty="0"/>
+              <a:t>Do </a:t>
+            </a:r>
+            <a:r>
+              <a:rPr lang="de-CH" dirty="0" err="1"/>
+              <a:t>we</a:t>
+            </a:r>
+            <a:r>
+              <a:rPr lang="de-CH" dirty="0"/>
+              <a:t> find </a:t>
+            </a:r>
+            <a:r>
+              <a:rPr lang="de-CH" dirty="0" err="1"/>
+              <a:t>Spillover</a:t>
+            </a:r>
+            <a:r>
+              <a:rPr lang="de-CH" dirty="0"/>
+              <a:t> </a:t>
+            </a:r>
+            <a:r>
+              <a:rPr lang="de-CH" dirty="0" err="1"/>
+              <a:t>effects</a:t>
+            </a:r>
+            <a:r>
+              <a:rPr lang="de-CH" dirty="0"/>
+              <a:t> </a:t>
+            </a:r>
+            <a:r>
+              <a:rPr lang="de-CH" dirty="0" err="1"/>
+              <a:t>of</a:t>
+            </a:r>
+            <a:r>
+              <a:rPr lang="de-CH" dirty="0"/>
+              <a:t> SNB </a:t>
+            </a:r>
+            <a:r>
+              <a:rPr lang="de-CH" dirty="0" err="1"/>
+              <a:t>interventions</a:t>
+            </a:r>
+            <a:r>
+              <a:rPr lang="de-CH" dirty="0"/>
+              <a:t> </a:t>
+            </a:r>
+            <a:r>
+              <a:rPr lang="de-CH" dirty="0" err="1"/>
+              <a:t>to</a:t>
+            </a:r>
+            <a:r>
+              <a:rPr lang="de-CH" dirty="0"/>
+              <a:t> </a:t>
+            </a:r>
+            <a:r>
+              <a:rPr lang="de-CH" dirty="0" err="1"/>
+              <a:t>the</a:t>
+            </a:r>
+            <a:r>
+              <a:rPr lang="de-CH" dirty="0"/>
+              <a:t> Swiss Stock Market </a:t>
+            </a:r>
+            <a:r>
+              <a:rPr lang="de-CH" dirty="0" err="1"/>
+              <a:t>through</a:t>
+            </a:r>
+            <a:r>
+              <a:rPr lang="de-CH" dirty="0"/>
+              <a:t> </a:t>
+            </a:r>
+            <a:r>
+              <a:rPr lang="de-CH" dirty="0" err="1"/>
+              <a:t>the</a:t>
+            </a:r>
+            <a:r>
+              <a:rPr lang="de-CH" dirty="0"/>
+              <a:t> </a:t>
+            </a:r>
+            <a:r>
+              <a:rPr lang="de-CH" dirty="0" err="1"/>
+              <a:t>Signalling</a:t>
+            </a:r>
+            <a:r>
+              <a:rPr lang="de-CH" dirty="0"/>
+              <a:t> Channel?</a:t>
+            </a:r>
+          </a:p>
+          <a:p>
+            <a:r>
+              <a:rPr lang="de-CH" dirty="0" err="1"/>
+              <a:t>Is</a:t>
+            </a:r>
+            <a:r>
+              <a:rPr lang="de-CH" dirty="0"/>
+              <a:t> </a:t>
+            </a:r>
+            <a:r>
+              <a:rPr lang="de-CH" dirty="0" err="1"/>
+              <a:t>confirmed</a:t>
+            </a:r>
+            <a:r>
+              <a:rPr lang="de-CH" dirty="0"/>
+              <a:t>, </a:t>
+            </a:r>
+            <a:r>
+              <a:rPr lang="de-CH" dirty="0" err="1"/>
+              <a:t>if</a:t>
+            </a:r>
+            <a:r>
+              <a:rPr lang="de-CH" dirty="0"/>
+              <a:t> </a:t>
+            </a:r>
+            <a:r>
+              <a:rPr lang="de-CH" dirty="0" err="1"/>
+              <a:t>the</a:t>
+            </a:r>
+            <a:r>
+              <a:rPr lang="de-CH" dirty="0"/>
+              <a:t> </a:t>
+            </a:r>
+            <a:r>
+              <a:rPr lang="de-CH" dirty="0" err="1"/>
+              <a:t>classification</a:t>
+            </a:r>
+            <a:r>
+              <a:rPr lang="de-CH" dirty="0"/>
+              <a:t> </a:t>
+            </a:r>
+            <a:r>
+              <a:rPr lang="de-CH" dirty="0" err="1"/>
+              <a:t>Algorithm</a:t>
+            </a:r>
+            <a:r>
+              <a:rPr lang="de-CH" dirty="0"/>
+              <a:t> </a:t>
+            </a:r>
+          </a:p>
+        </p:txBody>
+      </p:sp>
+      <p:sp>
+        <p:nvSpPr>
+          <p:cNvPr id="4" name="Foliennummernplatzhalter 3"/>
+          <p:cNvSpPr>
+            <a:spLocks noGrp="1"/>
+          </p:cNvSpPr>
+          <p:nvPr>
+            <p:ph type="sldNum" sz="quarter" idx="5"/>
+          </p:nvPr>
+        </p:nvSpPr>
+        <p:spPr/>
+        <p:txBody>
+          <a:bodyPr/>
+          <a:lstStyle/>
+          <a:p>
+            <a:fld id="{FFAEC33B-D15A-F948-9B21-8F6BC0A9396E}" type="slidenum">
+              <a:rPr lang="en-US" smtClean="0"/>
+              <a:t>18</a:t>
+            </a:fld>
+            <a:endParaRPr lang="en-US"/>
+          </a:p>
+        </p:txBody>
+      </p:sp>
+    </p:spTree>
+    <p:extLst>
+      <p:ext uri="{BB962C8B-B14F-4D97-AF65-F5344CB8AC3E}">
+        <p14:creationId xmlns:p14="http://schemas.microsoft.com/office/powerpoint/2010/main" val="2328783392"/>
+      </p:ext>
+    </p:extLst>
+  </p:cSld>
+  <p:clrMapOvr>
+    <a:masterClrMapping/>
+  </p:clrMapOvr>
+</p:notes>
+</file>
+
 <file path=ppt/slideLayouts/slideLayout1.xml><?xml version="1.0" encoding="utf-8"?>
 <p:sldLayout xmlns:a="http://schemas.openxmlformats.org/drawingml/2006/main" xmlns:r="http://schemas.openxmlformats.org/officeDocument/2006/relationships" xmlns:p="http://schemas.openxmlformats.org/presentationml/2006/main" type="title" preserve="1">
   <p:cSld name="Title Slide">
@@ -17670,7 +17889,7 @@
               <a:rPr lang="en-US" dirty="0">
                 <a:latin typeface="Garamond" panose="02020404030301010803" pitchFamily="18" charset="0"/>
               </a:rPr>
-              <a:t>Decision Trees and the C5.0</a:t>
+              <a:t>Decision Tree (C5.0)</a:t>
             </a:r>
           </a:p>
         </p:txBody>
@@ -17849,16 +18068,75 @@
         </p:nvSpPr>
         <p:spPr>
           <a:xfrm>
-            <a:off x="5588197" y="3188157"/>
+            <a:off x="5519849" y="3188157"/>
+            <a:ext cx="1242237" cy="434571"/>
+          </a:xfrm>
+          <a:prstGeom prst="ellipse">
+            <a:avLst/>
+          </a:prstGeom>
+          <a:solidFill>
+            <a:srgbClr val="BDDCA8"/>
+          </a:solidFill>
+          <a:ln>
+            <a:noFill/>
+          </a:ln>
+        </p:spPr>
+        <p:style>
+          <a:lnRef idx="2">
+            <a:schemeClr val="accent1">
+              <a:shade val="50000"/>
+            </a:schemeClr>
+          </a:lnRef>
+          <a:fillRef idx="1">
+            <a:schemeClr val="accent1"/>
+          </a:fillRef>
+          <a:effectRef idx="0">
+            <a:schemeClr val="accent1"/>
+          </a:effectRef>
+          <a:fontRef idx="minor">
+            <a:schemeClr val="lt1"/>
+          </a:fontRef>
+        </p:style>
+        <p:txBody>
+          <a:bodyPr rtlCol="0" anchor="ctr"/>
+          <a:lstStyle/>
+          <a:p>
+            <a:pPr algn="ctr"/>
+            <a:r>
+              <a:rPr lang="en-US" sz="1200" dirty="0">
+                <a:solidFill>
+                  <a:schemeClr val="tx1"/>
+                </a:solidFill>
+                <a:latin typeface="Garamond" panose="02020404030301010803" pitchFamily="18" charset="0"/>
+              </a:rPr>
+              <a:t>CHF/EUR &lt; 1.20</a:t>
+            </a:r>
+          </a:p>
+        </p:txBody>
+      </p:sp>
+      <p:sp>
+        <p:nvSpPr>
+          <p:cNvPr id="8" name="Oval 7">
+            <a:extLst>
+              <a:ext uri="{FF2B5EF4-FFF2-40B4-BE49-F238E27FC236}">
+                <a16:creationId xmlns:a16="http://schemas.microsoft.com/office/drawing/2014/main" id="{19BA1195-001E-FC48-85F4-063AA8AB2789}"/>
+              </a:ext>
+            </a:extLst>
+          </p:cNvPr>
+          <p:cNvSpPr/>
+          <p:nvPr/>
+        </p:nvSpPr>
+        <p:spPr>
+          <a:xfrm>
+            <a:off x="7540774" y="3841101"/>
             <a:ext cx="1105546" cy="434571"/>
           </a:xfrm>
           <a:prstGeom prst="ellipse">
             <a:avLst/>
           </a:prstGeom>
           <a:solidFill>
-            <a:schemeClr val="accent1">
-              <a:lumMod val="20000"/>
-              <a:lumOff val="80000"/>
+            <a:schemeClr val="bg1">
+              <a:lumMod val="95000"/>
             </a:schemeClr>
           </a:solidFill>
           <a:ln>
@@ -17887,86 +18165,38 @@
           <a:p>
             <a:pPr algn="ctr"/>
             <a:r>
+              <a:rPr lang="en-US" sz="1200">
+                <a:solidFill>
+                  <a:schemeClr val="tx1"/>
+                </a:solidFill>
+                <a:latin typeface="Garamond" panose="02020404030301010803" pitchFamily="18" charset="0"/>
+              </a:rPr>
+              <a:t>SMIret</a:t>
+            </a:r>
+            <a:r>
               <a:rPr lang="en-US" sz="1200" dirty="0">
                 <a:solidFill>
                   <a:schemeClr val="tx1"/>
                 </a:solidFill>
                 <a:latin typeface="Garamond" panose="02020404030301010803" pitchFamily="18" charset="0"/>
               </a:rPr>
-              <a:t>CHF/EUR &lt; 1.20</a:t>
-            </a:r>
-          </a:p>
-        </p:txBody>
-      </p:sp>
-      <p:sp>
-        <p:nvSpPr>
-          <p:cNvPr id="8" name="Oval 7">
-            <a:extLst>
-              <a:ext uri="{FF2B5EF4-FFF2-40B4-BE49-F238E27FC236}">
-                <a16:creationId xmlns:a16="http://schemas.microsoft.com/office/drawing/2014/main" id="{19BA1195-001E-FC48-85F4-063AA8AB2789}"/>
-              </a:ext>
-            </a:extLst>
-          </p:cNvPr>
-          <p:cNvSpPr/>
-          <p:nvPr/>
-        </p:nvSpPr>
-        <p:spPr>
-          <a:xfrm>
-            <a:off x="7540774" y="3841101"/>
-            <a:ext cx="1105546" cy="434571"/>
-          </a:xfrm>
-          <a:prstGeom prst="ellipse">
-            <a:avLst/>
-          </a:prstGeom>
-          <a:solidFill>
-            <a:schemeClr val="accent1">
-              <a:lumMod val="20000"/>
-              <a:lumOff val="80000"/>
-            </a:schemeClr>
-          </a:solidFill>
-          <a:ln>
-            <a:noFill/>
-          </a:ln>
-        </p:spPr>
-        <p:style>
-          <a:lnRef idx="2">
-            <a:schemeClr val="accent1">
-              <a:shade val="50000"/>
-            </a:schemeClr>
-          </a:lnRef>
-          <a:fillRef idx="1">
-            <a:schemeClr val="accent1"/>
-          </a:fillRef>
-          <a:effectRef idx="0">
-            <a:schemeClr val="accent1"/>
-          </a:effectRef>
-          <a:fontRef idx="minor">
-            <a:schemeClr val="lt1"/>
-          </a:fontRef>
-        </p:style>
-        <p:txBody>
-          <a:bodyPr rtlCol="0" anchor="ctr"/>
-          <a:lstStyle/>
-          <a:p>
-            <a:pPr algn="ctr"/>
-            <a:r>
-              <a:rPr lang="en-US" sz="1200" dirty="0" err="1">
+              <a:t> </a:t>
+            </a:r>
+            <a:r>
+              <a:rPr lang="en-US" sz="1200">
                 <a:solidFill>
                   <a:schemeClr val="tx1"/>
                 </a:solidFill>
                 <a:latin typeface="Garamond" panose="02020404030301010803" pitchFamily="18" charset="0"/>
               </a:rPr>
-              <a:t>SMIret</a:t>
-            </a:r>
-            <a:r>
-              <a:rPr lang="en-US" sz="1200" dirty="0">
-                <a:solidFill>
-                  <a:schemeClr val="tx1"/>
-                </a:solidFill>
-                <a:latin typeface="Garamond" panose="02020404030301010803" pitchFamily="18" charset="0"/>
-              </a:rPr>
-              <a:t> &gt; 0.01</a:t>
-            </a:r>
+              <a:t>&gt; 0.01</a:t>
+            </a:r>
+            <a:endParaRPr lang="en-US" sz="1200" dirty="0">
+              <a:solidFill>
+                <a:schemeClr val="tx1"/>
+              </a:solidFill>
+              <a:latin typeface="Garamond" panose="02020404030301010803" pitchFamily="18" charset="0"/>
+            </a:endParaRPr>
           </a:p>
         </p:txBody>
       </p:sp>
@@ -18048,9 +18278,8 @@
             <a:avLst/>
           </a:prstGeom>
           <a:solidFill>
-            <a:schemeClr val="accent1">
-              <a:lumMod val="20000"/>
-              <a:lumOff val="80000"/>
+            <a:schemeClr val="bg1">
+              <a:lumMod val="95000"/>
             </a:schemeClr>
           </a:solidFill>
           <a:ln>
@@ -18111,9 +18340,95 @@
             <a:avLst/>
           </a:prstGeom>
           <a:solidFill>
+            <a:srgbClr val="D5E3CF"/>
+          </a:solidFill>
+          <a:ln>
+            <a:noFill/>
+          </a:ln>
+        </p:spPr>
+        <p:style>
+          <a:lnRef idx="2">
             <a:schemeClr val="accent1">
-              <a:lumMod val="20000"/>
-              <a:lumOff val="80000"/>
+              <a:shade val="50000"/>
+            </a:schemeClr>
+          </a:lnRef>
+          <a:fillRef idx="1">
+            <a:schemeClr val="accent1"/>
+          </a:fillRef>
+          <a:effectRef idx="0">
+            <a:schemeClr val="accent1"/>
+          </a:effectRef>
+          <a:fontRef idx="minor">
+            <a:schemeClr val="lt1"/>
+          </a:fontRef>
+        </p:style>
+        <p:txBody>
+          <a:bodyPr rtlCol="0" anchor="ctr"/>
+          <a:lstStyle/>
+          <a:p>
+            <a:pPr algn="ctr"/>
+            <a:r>
+              <a:rPr lang="en-US" sz="1200">
+                <a:solidFill>
+                  <a:schemeClr val="tx1"/>
+                </a:solidFill>
+                <a:latin typeface="Garamond" panose="02020404030301010803" pitchFamily="18" charset="0"/>
+              </a:rPr>
+              <a:t>SDdir</a:t>
+            </a:r>
+            <a:r>
+              <a:rPr lang="en-US" sz="1200" dirty="0">
+                <a:solidFill>
+                  <a:schemeClr val="tx1"/>
+                </a:solidFill>
+                <a:latin typeface="Garamond" panose="02020404030301010803" pitchFamily="18" charset="0"/>
+              </a:rPr>
+              <a:t> </a:t>
+            </a:r>
+            <a:r>
+              <a:rPr lang="en-US" sz="1200">
+                <a:solidFill>
+                  <a:schemeClr val="tx1"/>
+                </a:solidFill>
+                <a:latin typeface="Garamond" panose="02020404030301010803" pitchFamily="18" charset="0"/>
+              </a:rPr>
+              <a:t>= u</a:t>
+            </a:r>
+            <a:r>
+              <a:rPr lang="en-US" sz="1200" dirty="0">
+                <a:solidFill>
+                  <a:schemeClr val="tx1"/>
+                </a:solidFill>
+                <a:latin typeface="Garamond" panose="02020404030301010803" pitchFamily="18" charset="0"/>
+              </a:rPr>
+              <a:t>p</a:t>
+            </a:r>
+          </a:p>
+        </p:txBody>
+      </p:sp>
+      <p:sp>
+        <p:nvSpPr>
+          <p:cNvPr id="14" name="Oval 13">
+            <a:extLst>
+              <a:ext uri="{FF2B5EF4-FFF2-40B4-BE49-F238E27FC236}">
+                <a16:creationId xmlns:a16="http://schemas.microsoft.com/office/drawing/2014/main" id="{CD278D5C-3256-5848-A073-1771AE791AB9}"/>
+              </a:ext>
+            </a:extLst>
+          </p:cNvPr>
+          <p:cNvSpPr/>
+          <p:nvPr/>
+        </p:nvSpPr>
+        <p:spPr>
+          <a:xfrm>
+            <a:off x="2440135" y="4639507"/>
+            <a:ext cx="1105546" cy="434571"/>
+          </a:xfrm>
+          <a:prstGeom prst="ellipse">
+            <a:avLst/>
+          </a:prstGeom>
+          <a:solidFill>
+            <a:schemeClr val="bg1">
+              <a:lumMod val="95000"/>
             </a:schemeClr>
           </a:solidFill>
           <a:ln>
@@ -18148,17 +18463,32 @@
                 </a:solidFill>
                 <a:latin typeface="Garamond" panose="02020404030301010803" pitchFamily="18" charset="0"/>
               </a:rPr>
-              <a:t>Gov3yr &gt; 0.005</a:t>
-            </a:r>
+              <a:t>Gov10yr </a:t>
+            </a:r>
+            <a:r>
+              <a:rPr lang="en-US" sz="1200">
+                <a:solidFill>
+                  <a:schemeClr val="tx1"/>
+                </a:solidFill>
+                <a:latin typeface="Garamond" panose="02020404030301010803" pitchFamily="18" charset="0"/>
+              </a:rPr>
+              <a:t>&lt; 0.001</a:t>
+            </a:r>
+            <a:endParaRPr lang="en-US" sz="1200" dirty="0">
+              <a:solidFill>
+                <a:schemeClr val="tx1"/>
+              </a:solidFill>
+              <a:latin typeface="Garamond" panose="02020404030301010803" pitchFamily="18" charset="0"/>
+            </a:endParaRPr>
           </a:p>
         </p:txBody>
       </p:sp>
       <p:sp>
         <p:nvSpPr>
-          <p:cNvPr id="14" name="Oval 13">
-            <a:extLst>
-              <a:ext uri="{FF2B5EF4-FFF2-40B4-BE49-F238E27FC236}">
-                <a16:creationId xmlns:a16="http://schemas.microsoft.com/office/drawing/2014/main" id="{CD278D5C-3256-5848-A073-1771AE791AB9}"/>
+          <p:cNvPr id="15" name="Oval 14">
+            <a:extLst>
+              <a:ext uri="{FF2B5EF4-FFF2-40B4-BE49-F238E27FC236}">
+                <a16:creationId xmlns:a16="http://schemas.microsoft.com/office/drawing/2014/main" id="{28A02B97-7348-5E4E-87CC-BF024E76C667}"/>
               </a:ext>
             </a:extLst>
           </p:cNvPr>
@@ -18167,16 +18497,99 @@
         </p:nvSpPr>
         <p:spPr>
           <a:xfrm>
-            <a:off x="2440135" y="4639507"/>
+            <a:off x="6435228" y="4639506"/>
             <a:ext cx="1105546" cy="434571"/>
           </a:xfrm>
           <a:prstGeom prst="ellipse">
             <a:avLst/>
           </a:prstGeom>
           <a:solidFill>
+            <a:srgbClr val="D5E3CF"/>
+          </a:solidFill>
+          <a:ln>
+            <a:noFill/>
+          </a:ln>
+        </p:spPr>
+        <p:style>
+          <a:lnRef idx="2">
             <a:schemeClr val="accent1">
-              <a:lumMod val="20000"/>
-              <a:lumOff val="80000"/>
+              <a:shade val="50000"/>
+            </a:schemeClr>
+          </a:lnRef>
+          <a:fillRef idx="1">
+            <a:schemeClr val="accent1"/>
+          </a:fillRef>
+          <a:effectRef idx="0">
+            <a:schemeClr val="accent1"/>
+          </a:effectRef>
+          <a:fontRef idx="minor">
+            <a:schemeClr val="lt1"/>
+          </a:fontRef>
+        </p:style>
+        <p:txBody>
+          <a:bodyPr rtlCol="0" anchor="ctr"/>
+          <a:lstStyle/>
+          <a:p>
+            <a:pPr algn="ctr"/>
+            <a:r>
+              <a:rPr lang="en-US" sz="1200">
+                <a:solidFill>
+                  <a:schemeClr val="tx1"/>
+                </a:solidFill>
+                <a:latin typeface="Garamond" panose="02020404030301010803" pitchFamily="18" charset="0"/>
+              </a:rPr>
+              <a:t>SDdir</a:t>
+            </a:r>
+            <a:r>
+              <a:rPr lang="en-US" sz="1200" dirty="0">
+                <a:solidFill>
+                  <a:schemeClr val="tx1"/>
+                </a:solidFill>
+                <a:latin typeface="Garamond" panose="02020404030301010803" pitchFamily="18" charset="0"/>
+              </a:rPr>
+              <a:t> </a:t>
+            </a:r>
+            <a:r>
+              <a:rPr lang="en-US" sz="1200">
+                <a:solidFill>
+                  <a:schemeClr val="tx1"/>
+                </a:solidFill>
+                <a:latin typeface="Garamond" panose="02020404030301010803" pitchFamily="18" charset="0"/>
+              </a:rPr>
+              <a:t>= down</a:t>
+            </a:r>
+            <a:endParaRPr lang="en-US" sz="1200" dirty="0">
+              <a:solidFill>
+                <a:schemeClr val="tx1"/>
+              </a:solidFill>
+              <a:latin typeface="Garamond" panose="02020404030301010803" pitchFamily="18" charset="0"/>
+            </a:endParaRPr>
+          </a:p>
+        </p:txBody>
+      </p:sp>
+      <p:sp>
+        <p:nvSpPr>
+          <p:cNvPr id="16" name="Oval 15">
+            <a:extLst>
+              <a:ext uri="{FF2B5EF4-FFF2-40B4-BE49-F238E27FC236}">
+                <a16:creationId xmlns:a16="http://schemas.microsoft.com/office/drawing/2014/main" id="{6505795C-7157-6348-A9AF-FC0A51058A44}"/>
+              </a:ext>
+            </a:extLst>
+          </p:cNvPr>
+          <p:cNvSpPr/>
+          <p:nvPr/>
+        </p:nvSpPr>
+        <p:spPr>
+          <a:xfrm>
+            <a:off x="8646318" y="4642221"/>
+            <a:ext cx="1105546" cy="434571"/>
+          </a:xfrm>
+          <a:prstGeom prst="ellipse">
+            <a:avLst/>
+          </a:prstGeom>
+          <a:solidFill>
+            <a:schemeClr val="bg1">
+              <a:lumMod val="95000"/>
             </a:schemeClr>
           </a:solidFill>
           <a:ln>
@@ -18205,142 +18618,7 @@
           <a:p>
             <a:pPr algn="ctr"/>
             <a:r>
-              <a:rPr lang="en-US" sz="1200" dirty="0">
-                <a:solidFill>
-                  <a:schemeClr val="tx1"/>
-                </a:solidFill>
-                <a:latin typeface="Garamond" panose="02020404030301010803" pitchFamily="18" charset="0"/>
-              </a:rPr>
-              <a:t>Gov10yr &lt; 0.001</a:t>
-            </a:r>
-          </a:p>
-        </p:txBody>
-      </p:sp>
-      <p:sp>
-        <p:nvSpPr>
-          <p:cNvPr id="15" name="Oval 14">
-            <a:extLst>
-              <a:ext uri="{FF2B5EF4-FFF2-40B4-BE49-F238E27FC236}">
-                <a16:creationId xmlns:a16="http://schemas.microsoft.com/office/drawing/2014/main" id="{28A02B97-7348-5E4E-87CC-BF024E76C667}"/>
-              </a:ext>
-            </a:extLst>
-          </p:cNvPr>
-          <p:cNvSpPr/>
-          <p:nvPr/>
-        </p:nvSpPr>
-        <p:spPr>
-          <a:xfrm>
-            <a:off x="6435228" y="4639506"/>
-            <a:ext cx="1105546" cy="434571"/>
-          </a:xfrm>
-          <a:prstGeom prst="ellipse">
-            <a:avLst/>
-          </a:prstGeom>
-          <a:solidFill>
-            <a:schemeClr val="accent1">
-              <a:lumMod val="20000"/>
-              <a:lumOff val="80000"/>
-            </a:schemeClr>
-          </a:solidFill>
-          <a:ln>
-            <a:noFill/>
-          </a:ln>
-        </p:spPr>
-        <p:style>
-          <a:lnRef idx="2">
-            <a:schemeClr val="accent1">
-              <a:shade val="50000"/>
-            </a:schemeClr>
-          </a:lnRef>
-          <a:fillRef idx="1">
-            <a:schemeClr val="accent1"/>
-          </a:fillRef>
-          <a:effectRef idx="0">
-            <a:schemeClr val="accent1"/>
-          </a:effectRef>
-          <a:fontRef idx="minor">
-            <a:schemeClr val="lt1"/>
-          </a:fontRef>
-        </p:style>
-        <p:txBody>
-          <a:bodyPr rtlCol="0" anchor="ctr"/>
-          <a:lstStyle/>
-          <a:p>
-            <a:pPr algn="ctr"/>
-            <a:r>
-              <a:rPr lang="en-US" sz="1200" dirty="0" err="1">
-                <a:solidFill>
-                  <a:schemeClr val="tx1"/>
-                </a:solidFill>
-                <a:latin typeface="Garamond" panose="02020404030301010803" pitchFamily="18" charset="0"/>
-              </a:rPr>
-              <a:t>ChgSD</a:t>
-            </a:r>
-            <a:r>
-              <a:rPr lang="en-US" sz="1200" dirty="0">
-                <a:solidFill>
-                  <a:schemeClr val="tx1"/>
-                </a:solidFill>
-                <a:latin typeface="Garamond" panose="02020404030301010803" pitchFamily="18" charset="0"/>
-              </a:rPr>
-              <a:t> &lt; 0.2</a:t>
-            </a:r>
-          </a:p>
-        </p:txBody>
-      </p:sp>
-      <p:sp>
-        <p:nvSpPr>
-          <p:cNvPr id="16" name="Oval 15">
-            <a:extLst>
-              <a:ext uri="{FF2B5EF4-FFF2-40B4-BE49-F238E27FC236}">
-                <a16:creationId xmlns:a16="http://schemas.microsoft.com/office/drawing/2014/main" id="{6505795C-7157-6348-A9AF-FC0A51058A44}"/>
-              </a:ext>
-            </a:extLst>
-          </p:cNvPr>
-          <p:cNvSpPr/>
-          <p:nvPr/>
-        </p:nvSpPr>
-        <p:spPr>
-          <a:xfrm>
-            <a:off x="8646318" y="4642221"/>
-            <a:ext cx="1105546" cy="434571"/>
-          </a:xfrm>
-          <a:prstGeom prst="ellipse">
-            <a:avLst/>
-          </a:prstGeom>
-          <a:solidFill>
-            <a:schemeClr val="accent1">
-              <a:lumMod val="20000"/>
-              <a:lumOff val="80000"/>
-            </a:schemeClr>
-          </a:solidFill>
-          <a:ln>
-            <a:noFill/>
-          </a:ln>
-        </p:spPr>
-        <p:style>
-          <a:lnRef idx="2">
-            <a:schemeClr val="accent1">
-              <a:shade val="50000"/>
-            </a:schemeClr>
-          </a:lnRef>
-          <a:fillRef idx="1">
-            <a:schemeClr val="accent1"/>
-          </a:fillRef>
-          <a:effectRef idx="0">
-            <a:schemeClr val="accent1"/>
-          </a:effectRef>
-          <a:fontRef idx="minor">
-            <a:schemeClr val="lt1"/>
-          </a:fontRef>
-        </p:style>
-        <p:txBody>
-          <a:bodyPr rtlCol="0" anchor="ctr"/>
-          <a:lstStyle/>
-          <a:p>
-            <a:pPr algn="ctr"/>
-            <a:r>
-              <a:rPr lang="en-US" sz="1200" dirty="0">
+              <a:rPr lang="en-US" sz="1200">
                 <a:solidFill>
                   <a:schemeClr val="tx1"/>
                 </a:solidFill>
@@ -18348,6 +18626,12 @@
               </a:rPr>
               <a:t>LIBOR &lt; 0.001</a:t>
             </a:r>
+            <a:endParaRPr lang="en-US" sz="1200" dirty="0">
+              <a:solidFill>
+                <a:schemeClr val="tx1"/>
+              </a:solidFill>
+              <a:latin typeface="Garamond" panose="02020404030301010803" pitchFamily="18" charset="0"/>
+            </a:endParaRPr>
           </a:p>
         </p:txBody>
       </p:sp>
@@ -18649,12 +18933,12 @@
         </p:nvCxnSpPr>
         <p:spPr>
           <a:xfrm rot="16200000" flipH="1">
-            <a:off x="7008072" y="2755625"/>
-            <a:ext cx="218373" cy="1952577"/>
+            <a:off x="7008071" y="2755624"/>
+            <a:ext cx="218373" cy="1952579"/>
           </a:xfrm>
           <a:prstGeom prst="bentConnector3">
             <a:avLst>
-              <a:gd name="adj1" fmla="val 42903"/>
+              <a:gd name="adj1" fmla="val 50000"/>
             </a:avLst>
           </a:prstGeom>
           <a:ln>
@@ -18694,12 +18978,12 @@
         </p:nvCxnSpPr>
         <p:spPr>
           <a:xfrm rot="5400000">
-            <a:off x="5010526" y="2710658"/>
-            <a:ext cx="218374" cy="2042515"/>
+            <a:off x="5010525" y="2710659"/>
+            <a:ext cx="218374" cy="2042513"/>
           </a:xfrm>
           <a:prstGeom prst="bentConnector3">
             <a:avLst>
-              <a:gd name="adj1" fmla="val 42902"/>
+              <a:gd name="adj1" fmla="val 50000"/>
             </a:avLst>
           </a:prstGeom>
           <a:ln>
@@ -18949,13 +19233,19 @@
           </a:fontRef>
         </p:style>
         <p:txBody>
-          <a:bodyPr rtlCol="0" anchor="ctr"/>
+          <a:bodyPr rtlCol="0" anchor="t"/>
           <a:lstStyle/>
           <a:p>
             <a:pPr algn="ctr"/>
-            <a:endParaRPr lang="en-US">
-              <a:latin typeface="Garamond" panose="02020404030301010803" pitchFamily="18" charset="0"/>
-            </a:endParaRPr>
+            <a:r>
+              <a:rPr lang="en-US" sz="1400" dirty="0">
+                <a:solidFill>
+                  <a:schemeClr val="tx1"/>
+                </a:solidFill>
+                <a:latin typeface="Garamond" panose="02020404030301010803" pitchFamily="18" charset="0"/>
+              </a:rPr>
+              <a:t>9/10</a:t>
+            </a:r>
           </a:p>
         </p:txBody>
       </p:sp>
@@ -19067,13 +19357,19 @@
           </a:fontRef>
         </p:style>
         <p:txBody>
-          <a:bodyPr rtlCol="0" anchor="ctr"/>
+          <a:bodyPr rtlCol="0" anchor="t"/>
           <a:lstStyle/>
           <a:p>
             <a:pPr algn="ctr"/>
-            <a:endParaRPr lang="en-US">
-              <a:latin typeface="Garamond" panose="02020404030301010803" pitchFamily="18" charset="0"/>
-            </a:endParaRPr>
+            <a:r>
+              <a:rPr lang="en-US" sz="1400" dirty="0">
+                <a:solidFill>
+                  <a:schemeClr val="tx1"/>
+                </a:solidFill>
+                <a:latin typeface="Garamond" panose="02020404030301010803" pitchFamily="18" charset="0"/>
+              </a:rPr>
+              <a:t>18/2</a:t>
+            </a:r>
           </a:p>
         </p:txBody>
       </p:sp>
@@ -19152,7 +19448,7 @@
         <p:spPr>
           <a:xfrm>
             <a:off x="6693743" y="5348794"/>
-            <a:ext cx="557939" cy="310211"/>
+            <a:ext cx="557939" cy="426767"/>
           </a:xfrm>
           <a:prstGeom prst="rect">
             <a:avLst/>
@@ -19185,13 +19481,19 @@
           </a:fontRef>
         </p:style>
         <p:txBody>
-          <a:bodyPr rtlCol="0" anchor="ctr"/>
+          <a:bodyPr rtlCol="0" anchor="t"/>
           <a:lstStyle/>
           <a:p>
             <a:pPr algn="ctr"/>
-            <a:endParaRPr lang="en-US">
-              <a:latin typeface="Garamond" panose="02020404030301010803" pitchFamily="18" charset="0"/>
-            </a:endParaRPr>
+            <a:r>
+              <a:rPr lang="en-US" sz="1400" dirty="0">
+                <a:solidFill>
+                  <a:schemeClr val="tx1"/>
+                </a:solidFill>
+                <a:latin typeface="Garamond" panose="02020404030301010803" pitchFamily="18" charset="0"/>
+              </a:rPr>
+              <a:t>7/3</a:t>
+            </a:r>
           </a:p>
         </p:txBody>
       </p:sp>
@@ -19209,8 +19511,8 @@
         </p:nvSpPr>
         <p:spPr>
           <a:xfrm>
-            <a:off x="6693743" y="5659005"/>
-            <a:ext cx="557939" cy="354583"/>
+            <a:off x="6693743" y="5775561"/>
+            <a:ext cx="557939" cy="238027"/>
           </a:xfrm>
           <a:prstGeom prst="rect">
             <a:avLst/>
@@ -19307,9 +19609,15 @@
           <a:lstStyle/>
           <a:p>
             <a:pPr algn="ctr"/>
-            <a:endParaRPr lang="en-US">
-              <a:latin typeface="Garamond" panose="02020404030301010803" pitchFamily="18" charset="0"/>
-            </a:endParaRPr>
+            <a:r>
+              <a:rPr lang="en-US" sz="1200" dirty="0">
+                <a:solidFill>
+                  <a:schemeClr val="tx1"/>
+                </a:solidFill>
+                <a:latin typeface="Garamond" panose="02020404030301010803" pitchFamily="18" charset="0"/>
+              </a:rPr>
+              <a:t>4/10</a:t>
+            </a:r>
           </a:p>
         </p:txBody>
       </p:sp>
@@ -19714,6 +20022,320 @@
           </a:p>
         </p:txBody>
       </p:sp>
+      <p:graphicFrame>
+        <p:nvGraphicFramePr>
+          <p:cNvPr id="17" name="Tabelle 16">
+            <a:extLst>
+              <a:ext uri="{FF2B5EF4-FFF2-40B4-BE49-F238E27FC236}">
+                <a16:creationId xmlns:a16="http://schemas.microsoft.com/office/drawing/2014/main" id="{877C3433-20BD-44EE-8D6B-9C00CD7AD6D6}"/>
+              </a:ext>
+            </a:extLst>
+          </p:cNvPr>
+          <p:cNvGraphicFramePr>
+            <a:graphicFrameLocks noGrp="1"/>
+          </p:cNvGraphicFramePr>
+          <p:nvPr>
+            <p:extLst>
+              <p:ext uri="{D42A27DB-BD31-4B8C-83A1-F6EECF244321}">
+                <p14:modId xmlns:p14="http://schemas.microsoft.com/office/powerpoint/2010/main" val="1295802726"/>
+              </p:ext>
+            </p:extLst>
+          </p:nvPr>
+        </p:nvGraphicFramePr>
+        <p:xfrm>
+          <a:off x="8920123" y="3198606"/>
+          <a:ext cx="2397264" cy="943028"/>
+        </p:xfrm>
+        <a:graphic>
+          <a:graphicData uri="http://schemas.openxmlformats.org/drawingml/2006/table">
+            <a:tbl>
+              <a:tblPr firstRow="1" bandRow="1">
+                <a:tableStyleId>{93296810-A885-4BE3-A3E7-6D5BEEA58F35}</a:tableStyleId>
+              </a:tblPr>
+              <a:tblGrid>
+                <a:gridCol w="1118544">
+                  <a:extLst>
+                    <a:ext uri="{9D8B030D-6E8A-4147-A177-3AD203B41FA5}">
+                      <a16:colId xmlns:a16="http://schemas.microsoft.com/office/drawing/2014/main" val="1565233969"/>
+                    </a:ext>
+                  </a:extLst>
+                </a:gridCol>
+                <a:gridCol w="691376">
+                  <a:extLst>
+                    <a:ext uri="{9D8B030D-6E8A-4147-A177-3AD203B41FA5}">
+                      <a16:colId xmlns:a16="http://schemas.microsoft.com/office/drawing/2014/main" val="837631337"/>
+                    </a:ext>
+                  </a:extLst>
+                </a:gridCol>
+                <a:gridCol w="587344">
+                  <a:extLst>
+                    <a:ext uri="{9D8B030D-6E8A-4147-A177-3AD203B41FA5}">
+                      <a16:colId xmlns:a16="http://schemas.microsoft.com/office/drawing/2014/main" val="196691282"/>
+                    </a:ext>
+                  </a:extLst>
+                </a:gridCol>
+              </a:tblGrid>
+              <a:tr h="0">
+                <a:tc>
+                  <a:txBody>
+                    <a:bodyPr/>
+                    <a:lstStyle/>
+                    <a:p>
+                      <a:r>
+                        <a:rPr lang="de-CH" sz="1400" dirty="0" err="1">
+                          <a:solidFill>
+                            <a:schemeClr val="bg1"/>
+                          </a:solidFill>
+                          <a:latin typeface="Garamond" panose="02020404030301010803" pitchFamily="18" charset="0"/>
+                        </a:rPr>
+                        <a:t>Importance</a:t>
+                      </a:r>
+                      <a:endParaRPr lang="de-CH" sz="1200" dirty="0">
+                        <a:solidFill>
+                          <a:schemeClr val="bg1"/>
+                        </a:solidFill>
+                        <a:latin typeface="Garamond" panose="02020404030301010803" pitchFamily="18" charset="0"/>
+                      </a:endParaRPr>
+                    </a:p>
+                  </a:txBody>
+                  <a:tcPr>
+                    <a:solidFill>
+                      <a:srgbClr val="008240"/>
+                    </a:solidFill>
+                  </a:tcPr>
+                </a:tc>
+                <a:tc>
+                  <a:txBody>
+                    <a:bodyPr/>
+                    <a:lstStyle/>
+                    <a:p>
+                      <a:r>
+                        <a:rPr lang="de-CH" sz="1400" b="1" i="1" dirty="0" err="1">
+                          <a:latin typeface="Garamond" panose="02020404030301010803" pitchFamily="18" charset="0"/>
+                        </a:rPr>
+                        <a:t>usage</a:t>
+                      </a:r>
+                      <a:endParaRPr lang="de-CH" sz="1400" b="1" i="1" dirty="0">
+                        <a:solidFill>
+                          <a:schemeClr val="tx1"/>
+                        </a:solidFill>
+                        <a:latin typeface="Garamond" panose="02020404030301010803" pitchFamily="18" charset="0"/>
+                      </a:endParaRPr>
+                    </a:p>
+                  </a:txBody>
+                  <a:tcPr>
+                    <a:solidFill>
+                      <a:srgbClr val="008240"/>
+                    </a:solidFill>
+                  </a:tcPr>
+                </a:tc>
+                <a:tc>
+                  <a:txBody>
+                    <a:bodyPr/>
+                    <a:lstStyle/>
+                    <a:p>
+                      <a:r>
+                        <a:rPr lang="de-CH" sz="1400" b="1" i="1" dirty="0" err="1">
+                          <a:latin typeface="Garamond" panose="02020404030301010803" pitchFamily="18" charset="0"/>
+                        </a:rPr>
+                        <a:t>splits</a:t>
+                      </a:r>
+                      <a:endParaRPr lang="de-CH" sz="1400" b="1" i="1" dirty="0">
+                        <a:solidFill>
+                          <a:schemeClr val="tx1"/>
+                        </a:solidFill>
+                        <a:latin typeface="Garamond" panose="02020404030301010803" pitchFamily="18" charset="0"/>
+                      </a:endParaRPr>
+                    </a:p>
+                  </a:txBody>
+                  <a:tcPr>
+                    <a:solidFill>
+                      <a:srgbClr val="008240"/>
+                    </a:solidFill>
+                  </a:tcPr>
+                </a:tc>
+                <a:extLst>
+                  <a:ext uri="{0D108BD9-81ED-4DB2-BD59-A6C34878D82A}">
+                    <a16:rowId xmlns:a16="http://schemas.microsoft.com/office/drawing/2014/main" val="3056426337"/>
+                  </a:ext>
+                </a:extLst>
+              </a:tr>
+              <a:tr h="333428">
+                <a:tc>
+                  <a:txBody>
+                    <a:bodyPr/>
+                    <a:lstStyle/>
+                    <a:p>
+                      <a:r>
+                        <a:rPr lang="de-CH" sz="1400" dirty="0">
+                          <a:latin typeface="Garamond" panose="02020404030301010803" pitchFamily="18" charset="0"/>
+                        </a:rPr>
+                        <a:t>CHF/EUR</a:t>
+                      </a:r>
+                      <a:endParaRPr lang="de-CH" sz="1400" dirty="0">
+                        <a:solidFill>
+                          <a:schemeClr val="tx1"/>
+                        </a:solidFill>
+                        <a:latin typeface="Garamond" panose="02020404030301010803" pitchFamily="18" charset="0"/>
+                      </a:endParaRPr>
+                    </a:p>
+                  </a:txBody>
+                  <a:tcPr>
+                    <a:solidFill>
+                      <a:srgbClr val="BDDCA8"/>
+                    </a:solidFill>
+                  </a:tcPr>
+                </a:tc>
+                <a:tc>
+                  <a:txBody>
+                    <a:bodyPr/>
+                    <a:lstStyle/>
+                    <a:p>
+                      <a:r>
+                        <a:rPr lang="de-CH" sz="1400" dirty="0">
+                          <a:latin typeface="Garamond" panose="02020404030301010803" pitchFamily="18" charset="0"/>
+                        </a:rPr>
+                        <a:t>100%</a:t>
+                      </a:r>
+                      <a:endParaRPr lang="de-CH" sz="1400" dirty="0">
+                        <a:solidFill>
+                          <a:schemeClr val="tx1"/>
+                        </a:solidFill>
+                        <a:latin typeface="Garamond" panose="02020404030301010803" pitchFamily="18" charset="0"/>
+                      </a:endParaRPr>
+                    </a:p>
+                  </a:txBody>
+                  <a:tcPr>
+                    <a:solidFill>
+                      <a:srgbClr val="BDDCA8"/>
+                    </a:solidFill>
+                  </a:tcPr>
+                </a:tc>
+                <a:tc>
+                  <a:txBody>
+                    <a:bodyPr/>
+                    <a:lstStyle/>
+                    <a:p>
+                      <a:r>
+                        <a:rPr lang="de-CH" sz="1400" dirty="0">
+                          <a:latin typeface="Garamond" panose="02020404030301010803" pitchFamily="18" charset="0"/>
+                        </a:rPr>
+                        <a:t>14%</a:t>
+                      </a:r>
+                      <a:endParaRPr lang="de-CH" sz="1400" dirty="0">
+                        <a:solidFill>
+                          <a:schemeClr val="tx1"/>
+                        </a:solidFill>
+                        <a:latin typeface="Garamond" panose="02020404030301010803" pitchFamily="18" charset="0"/>
+                      </a:endParaRPr>
+                    </a:p>
+                  </a:txBody>
+                  <a:tcPr>
+                    <a:solidFill>
+                      <a:srgbClr val="BDDCA8"/>
+                    </a:solidFill>
+                  </a:tcPr>
+                </a:tc>
+                <a:extLst>
+                  <a:ext uri="{0D108BD9-81ED-4DB2-BD59-A6C34878D82A}">
+                    <a16:rowId xmlns:a16="http://schemas.microsoft.com/office/drawing/2014/main" val="2990111731"/>
+                  </a:ext>
+                </a:extLst>
+              </a:tr>
+              <a:tr h="286228">
+                <a:tc>
+                  <a:txBody>
+                    <a:bodyPr/>
+                    <a:lstStyle/>
+                    <a:p>
+                      <a:pPr marL="0" algn="l" defTabSz="914400" rtl="0" eaLnBrk="1" latinLnBrk="0" hangingPunct="1"/>
+                      <a:r>
+                        <a:rPr lang="de-CH" sz="1400" kern="1200" dirty="0" err="1">
+                          <a:solidFill>
+                            <a:schemeClr val="dk1"/>
+                          </a:solidFill>
+                          <a:latin typeface="Garamond" panose="02020404030301010803" pitchFamily="18" charset="0"/>
+                          <a:ea typeface="+mn-ea"/>
+                          <a:cs typeface="+mn-cs"/>
+                        </a:rPr>
+                        <a:t>SDdir</a:t>
+                      </a:r>
+                      <a:endParaRPr lang="de-CH" sz="1400" kern="1200" dirty="0">
+                        <a:solidFill>
+                          <a:schemeClr val="dk1"/>
+                        </a:solidFill>
+                        <a:latin typeface="Garamond" panose="02020404030301010803" pitchFamily="18" charset="0"/>
+                        <a:ea typeface="+mn-ea"/>
+                        <a:cs typeface="+mn-cs"/>
+                      </a:endParaRPr>
+                    </a:p>
+                  </a:txBody>
+                  <a:tcPr>
+                    <a:solidFill>
+                      <a:srgbClr val="D5E3CF"/>
+                    </a:solidFill>
+                  </a:tcPr>
+                </a:tc>
+                <a:tc>
+                  <a:txBody>
+                    <a:bodyPr/>
+                    <a:lstStyle/>
+                    <a:p>
+                      <a:pPr marL="0" algn="l" defTabSz="914400" rtl="0" eaLnBrk="1" latinLnBrk="0" hangingPunct="1"/>
+                      <a:r>
+                        <a:rPr lang="de-CH" sz="1400" kern="1200" dirty="0">
+                          <a:solidFill>
+                            <a:schemeClr val="dk1"/>
+                          </a:solidFill>
+                          <a:latin typeface="Garamond" panose="02020404030301010803" pitchFamily="18" charset="0"/>
+                          <a:ea typeface="+mn-ea"/>
+                          <a:cs typeface="+mn-cs"/>
+                        </a:rPr>
+                        <a:t>48%</a:t>
+                      </a:r>
+                    </a:p>
+                  </a:txBody>
+                  <a:tcPr>
+                    <a:solidFill>
+                      <a:srgbClr val="D5E3CF"/>
+                    </a:solidFill>
+                  </a:tcPr>
+                </a:tc>
+                <a:tc>
+                  <a:txBody>
+                    <a:bodyPr/>
+                    <a:lstStyle/>
+                    <a:p>
+                      <a:pPr marL="0" algn="l" defTabSz="914400" rtl="0" eaLnBrk="1" latinLnBrk="0" hangingPunct="1"/>
+                      <a:r>
+                        <a:rPr lang="de-CH" sz="1400" kern="1200" dirty="0">
+                          <a:solidFill>
+                            <a:schemeClr val="dk1"/>
+                          </a:solidFill>
+                          <a:latin typeface="Garamond" panose="02020404030301010803" pitchFamily="18" charset="0"/>
+                          <a:ea typeface="+mn-ea"/>
+                          <a:cs typeface="+mn-cs"/>
+                        </a:rPr>
+                        <a:t>29%</a:t>
+                      </a:r>
+                    </a:p>
+                  </a:txBody>
+                  <a:tcPr>
+                    <a:solidFill>
+                      <a:srgbClr val="D5E3CF"/>
+                    </a:solidFill>
+                  </a:tcPr>
+                </a:tc>
+                <a:extLst>
+                  <a:ext uri="{0D108BD9-81ED-4DB2-BD59-A6C34878D82A}">
+                    <a16:rowId xmlns:a16="http://schemas.microsoft.com/office/drawing/2014/main" val="3929731099"/>
+                  </a:ext>
+                </a:extLst>
+              </a:tr>
+            </a:tbl>
+          </a:graphicData>
+        </a:graphic>
+      </p:graphicFrame>
     </p:spTree>
     <p:extLst>
       <p:ext uri="{BB962C8B-B14F-4D97-AF65-F5344CB8AC3E}">
@@ -22127,6 +22749,342 @@
       </p:grpSpPr>
       <p:pic>
         <p:nvPicPr>
+          <p:cNvPr id="7" name="Picture 6">
+            <a:extLst>
+              <a:ext uri="{FF2B5EF4-FFF2-40B4-BE49-F238E27FC236}">
+                <a16:creationId xmlns:a16="http://schemas.microsoft.com/office/drawing/2014/main" id="{07B5C61B-8F33-D04F-AA20-C7F6ECCB9EAF}"/>
+              </a:ext>
+            </a:extLst>
+          </p:cNvPr>
+          <p:cNvPicPr>
+            <a:picLocks noChangeAspect="1"/>
+          </p:cNvPicPr>
+          <p:nvPr/>
+        </p:nvPicPr>
+        <p:blipFill>
+          <a:blip r:embed="rId2"/>
+          <a:stretch>
+            <a:fillRect/>
+          </a:stretch>
+        </p:blipFill>
+        <p:spPr>
+          <a:xfrm>
+            <a:off x="9541432" y="5942509"/>
+            <a:ext cx="2230843" cy="685027"/>
+          </a:xfrm>
+          <a:prstGeom prst="rect">
+            <a:avLst/>
+          </a:prstGeom>
+        </p:spPr>
+      </p:pic>
+      <p:sp>
+        <p:nvSpPr>
+          <p:cNvPr id="2" name="Title 1">
+            <a:extLst>
+              <a:ext uri="{FF2B5EF4-FFF2-40B4-BE49-F238E27FC236}">
+                <a16:creationId xmlns:a16="http://schemas.microsoft.com/office/drawing/2014/main" id="{06E72185-1262-224E-A639-374C64E7CD29}"/>
+              </a:ext>
+            </a:extLst>
+          </p:cNvPr>
+          <p:cNvSpPr>
+            <a:spLocks noGrp="1"/>
+          </p:cNvSpPr>
+          <p:nvPr>
+            <p:ph type="title"/>
+          </p:nvPr>
+        </p:nvSpPr>
+        <p:spPr/>
+        <p:txBody>
+          <a:bodyPr/>
+          <a:lstStyle/>
+          <a:p>
+            <a:r>
+              <a:rPr lang="en-US" dirty="0">
+                <a:latin typeface="Garamond" panose="02020404030301010803" pitchFamily="18" charset="0"/>
+              </a:rPr>
+              <a:t>Robustness</a:t>
+            </a:r>
+          </a:p>
+        </p:txBody>
+      </p:sp>
+      <p:cxnSp>
+        <p:nvCxnSpPr>
+          <p:cNvPr id="5" name="Straight Connector 4">
+            <a:extLst>
+              <a:ext uri="{FF2B5EF4-FFF2-40B4-BE49-F238E27FC236}">
+                <a16:creationId xmlns:a16="http://schemas.microsoft.com/office/drawing/2014/main" id="{F0CA2925-7FF0-E94D-B547-3A2C56441DCE}"/>
+              </a:ext>
+            </a:extLst>
+          </p:cNvPr>
+          <p:cNvCxnSpPr>
+            <a:cxnSpLocks/>
+          </p:cNvCxnSpPr>
+          <p:nvPr/>
+        </p:nvCxnSpPr>
+        <p:spPr>
+          <a:xfrm>
+            <a:off x="838200" y="1690688"/>
+            <a:ext cx="10515600" cy="0"/>
+          </a:xfrm>
+          <a:prstGeom prst="line">
+            <a:avLst/>
+          </a:prstGeom>
+          <a:ln w="44450">
+            <a:solidFill>
+              <a:srgbClr val="008240"/>
+            </a:solidFill>
+          </a:ln>
+        </p:spPr>
+        <p:style>
+          <a:lnRef idx="2">
+            <a:schemeClr val="dk1"/>
+          </a:lnRef>
+          <a:fillRef idx="0">
+            <a:schemeClr val="dk1"/>
+          </a:fillRef>
+          <a:effectRef idx="1">
+            <a:schemeClr val="dk1"/>
+          </a:effectRef>
+          <a:fontRef idx="minor">
+            <a:schemeClr val="tx1"/>
+          </a:fontRef>
+        </p:style>
+      </p:cxnSp>
+      <p:sp>
+        <p:nvSpPr>
+          <p:cNvPr id="12" name="Rectangle 11">
+            <a:extLst>
+              <a:ext uri="{FF2B5EF4-FFF2-40B4-BE49-F238E27FC236}">
+                <a16:creationId xmlns:a16="http://schemas.microsoft.com/office/drawing/2014/main" id="{06F453C1-B8D8-5D40-A757-DDF4F8EC21E8}"/>
+              </a:ext>
+            </a:extLst>
+          </p:cNvPr>
+          <p:cNvSpPr/>
+          <p:nvPr/>
+        </p:nvSpPr>
+        <p:spPr>
+          <a:xfrm>
+            <a:off x="883170" y="2397854"/>
+            <a:ext cx="10515600" cy="3733119"/>
+          </a:xfrm>
+          <a:prstGeom prst="rect">
+            <a:avLst/>
+          </a:prstGeom>
+          <a:noFill/>
+          <a:ln w="25400">
+            <a:solidFill>
+              <a:srgbClr val="008240"/>
+            </a:solidFill>
+          </a:ln>
+        </p:spPr>
+        <p:style>
+          <a:lnRef idx="2">
+            <a:schemeClr val="accent1">
+              <a:shade val="50000"/>
+            </a:schemeClr>
+          </a:lnRef>
+          <a:fillRef idx="1">
+            <a:schemeClr val="accent1"/>
+          </a:fillRef>
+          <a:effectRef idx="0">
+            <a:schemeClr val="accent1"/>
+          </a:effectRef>
+          <a:fontRef idx="minor">
+            <a:schemeClr val="lt1"/>
+          </a:fontRef>
+        </p:style>
+        <p:txBody>
+          <a:bodyPr rtlCol="0" anchor="ctr"/>
+          <a:lstStyle/>
+          <a:p>
+            <a:pPr algn="ctr"/>
+            <a:endParaRPr lang="en-US">
+              <a:latin typeface="Garamond" panose="02020404030301010803" pitchFamily="18" charset="0"/>
+            </a:endParaRPr>
+          </a:p>
+        </p:txBody>
+      </p:sp>
+      <p:sp>
+        <p:nvSpPr>
+          <p:cNvPr id="19" name="TextBox 7">
+            <a:extLst>
+              <a:ext uri="{FF2B5EF4-FFF2-40B4-BE49-F238E27FC236}">
+                <a16:creationId xmlns:a16="http://schemas.microsoft.com/office/drawing/2014/main" id="{D4B444D3-5D51-40F6-8397-435651508AB3}"/>
+              </a:ext>
+            </a:extLst>
+          </p:cNvPr>
+          <p:cNvSpPr txBox="1"/>
+          <p:nvPr/>
+        </p:nvSpPr>
+        <p:spPr>
+          <a:xfrm>
+            <a:off x="1042286" y="2559041"/>
+            <a:ext cx="7633363" cy="3662541"/>
+          </a:xfrm>
+          <a:prstGeom prst="rect">
+            <a:avLst/>
+          </a:prstGeom>
+          <a:noFill/>
+        </p:spPr>
+        <p:txBody>
+          <a:bodyPr wrap="square" rtlCol="0">
+            <a:spAutoFit/>
+          </a:bodyPr>
+          <a:lstStyle/>
+          <a:p>
+            <a:r>
+              <a:rPr lang="en-US" dirty="0">
+                <a:latin typeface="Garamond" panose="02020404030301010803" pitchFamily="18" charset="0"/>
+              </a:rPr>
+              <a:t>Run algorithm against different Target Variables</a:t>
+            </a:r>
+          </a:p>
+          <a:p>
+            <a:endParaRPr lang="en-US" dirty="0">
+              <a:latin typeface="Garamond" panose="02020404030301010803" pitchFamily="18" charset="0"/>
+            </a:endParaRPr>
+          </a:p>
+          <a:p>
+            <a:pPr marL="285750" indent="-285750">
+              <a:buFont typeface="Wingdings" pitchFamily="2" charset="2"/>
+              <a:buChar char="§"/>
+            </a:pPr>
+            <a:r>
+              <a:rPr lang="en-US" b="1" dirty="0">
+                <a:latin typeface="Garamond" panose="02020404030301010803" pitchFamily="18" charset="0"/>
+              </a:rPr>
+              <a:t>Next week’s SMI: </a:t>
+            </a:r>
+            <a:r>
+              <a:rPr lang="en-US" dirty="0">
+                <a:latin typeface="Garamond" panose="02020404030301010803" pitchFamily="18" charset="0"/>
+              </a:rPr>
+              <a:t>no evidence for lagged effect on stock market </a:t>
+            </a:r>
+          </a:p>
+          <a:p>
+            <a:pPr marL="285750" indent="-285750">
+              <a:buFont typeface="Wingdings" pitchFamily="2" charset="2"/>
+              <a:buChar char="§"/>
+            </a:pPr>
+            <a:r>
+              <a:rPr lang="en-US" b="1" dirty="0">
+                <a:latin typeface="Garamond" panose="02020404030301010803" pitchFamily="18" charset="0"/>
+              </a:rPr>
+              <a:t>CHF/EUR: </a:t>
+            </a:r>
+            <a:r>
+              <a:rPr lang="en-US" dirty="0">
+                <a:latin typeface="Garamond" panose="02020404030301010803" pitchFamily="18" charset="0"/>
+              </a:rPr>
+              <a:t>confirms importance of Sight Deposits</a:t>
+            </a:r>
+          </a:p>
+          <a:p>
+            <a:pPr marL="285750" indent="-285750">
+              <a:buFont typeface="Wingdings" pitchFamily="2" charset="2"/>
+              <a:buChar char="§"/>
+            </a:pPr>
+            <a:endParaRPr lang="en-US" b="1" dirty="0">
+              <a:latin typeface="Garamond" panose="02020404030301010803" pitchFamily="18" charset="0"/>
+            </a:endParaRPr>
+          </a:p>
+          <a:p>
+            <a:pPr marL="285750" indent="-285750">
+              <a:buFont typeface="Wingdings" pitchFamily="2" charset="2"/>
+              <a:buChar char="§"/>
+            </a:pPr>
+            <a:endParaRPr lang="en-US" b="1" dirty="0">
+              <a:latin typeface="Garamond" panose="02020404030301010803" pitchFamily="18" charset="0"/>
+            </a:endParaRPr>
+          </a:p>
+          <a:p>
+            <a:r>
+              <a:rPr lang="en-US" dirty="0">
+                <a:latin typeface="Garamond" panose="02020404030301010803" pitchFamily="18" charset="0"/>
+              </a:rPr>
+              <a:t>Splitting data differently</a:t>
+            </a:r>
+          </a:p>
+          <a:p>
+            <a:endParaRPr lang="en-US" dirty="0">
+              <a:latin typeface="Garamond" panose="02020404030301010803" pitchFamily="18" charset="0"/>
+            </a:endParaRPr>
+          </a:p>
+          <a:p>
+            <a:pPr marL="285750" indent="-285750">
+              <a:buFont typeface="Wingdings" pitchFamily="2" charset="2"/>
+              <a:buChar char="§"/>
+            </a:pPr>
+            <a:r>
+              <a:rPr lang="en-US" b="1" dirty="0">
+                <a:latin typeface="Garamond" panose="02020404030301010803" pitchFamily="18" charset="0"/>
+              </a:rPr>
+              <a:t>75%-Quantile of Sight Deposit Changes:</a:t>
+            </a:r>
+            <a:endParaRPr lang="en-US" dirty="0">
+              <a:latin typeface="Garamond" panose="02020404030301010803" pitchFamily="18" charset="0"/>
+            </a:endParaRPr>
+          </a:p>
+          <a:p>
+            <a:endParaRPr lang="en-US" sz="1400" dirty="0">
+              <a:latin typeface="Garamond" panose="02020404030301010803" pitchFamily="18" charset="0"/>
+            </a:endParaRPr>
+          </a:p>
+          <a:p>
+            <a:endParaRPr lang="en-US" sz="1400" dirty="0">
+              <a:latin typeface="Garamond" panose="02020404030301010803" pitchFamily="18" charset="0"/>
+            </a:endParaRPr>
+          </a:p>
+          <a:p>
+            <a:endParaRPr lang="en-US" sz="1400" dirty="0">
+              <a:latin typeface="Garamond" panose="02020404030301010803" pitchFamily="18" charset="0"/>
+            </a:endParaRPr>
+          </a:p>
+          <a:p>
+            <a:endParaRPr lang="en-US" sz="1400" dirty="0">
+              <a:latin typeface="Garamond" panose="02020404030301010803" pitchFamily="18" charset="0"/>
+            </a:endParaRPr>
+          </a:p>
+          <a:p>
+            <a:endParaRPr lang="en-US" sz="1400" dirty="0">
+              <a:latin typeface="Garamond" panose="02020404030301010803" pitchFamily="18" charset="0"/>
+            </a:endParaRPr>
+          </a:p>
+        </p:txBody>
+      </p:sp>
+    </p:spTree>
+    <p:extLst>
+      <p:ext uri="{BB962C8B-B14F-4D97-AF65-F5344CB8AC3E}">
+        <p14:creationId xmlns:p14="http://schemas.microsoft.com/office/powerpoint/2010/main" val="1657729084"/>
+      </p:ext>
+    </p:extLst>
+  </p:cSld>
+  <p:clrMapOvr>
+    <a:masterClrMapping/>
+  </p:clrMapOvr>
+</p:sld>
+</file>
+
+<file path=ppt/slides/slide16.xml><?xml version="1.0" encoding="utf-8"?>
+<p:sld xmlns:a="http://schemas.openxmlformats.org/drawingml/2006/main" xmlns:r="http://schemas.openxmlformats.org/officeDocument/2006/relationships" xmlns:p="http://schemas.openxmlformats.org/presentationml/2006/main">
+  <p:cSld>
+    <p:spTree>
+      <p:nvGrpSpPr>
+        <p:cNvPr id="1" name=""/>
+        <p:cNvGrpSpPr/>
+        <p:nvPr/>
+      </p:nvGrpSpPr>
+      <p:grpSpPr>
+        <a:xfrm>
+          <a:off x="0" y="0"/>
+          <a:ext cx="0" cy="0"/>
+          <a:chOff x="0" y="0"/>
+          <a:chExt cx="0" cy="0"/>
+        </a:xfrm>
+      </p:grpSpPr>
+      <p:pic>
+        <p:nvPicPr>
           <p:cNvPr id="4" name="Picture 3">
             <a:extLst>
               <a:ext uri="{FF2B5EF4-FFF2-40B4-BE49-F238E27FC236}">
@@ -22619,7 +23577,7 @@
 </p:sld>
 </file>
 
-<file path=ppt/slides/slide16.xml><?xml version="1.0" encoding="utf-8"?>
+<file path=ppt/slides/slide17.xml><?xml version="1.0" encoding="utf-8"?>
 <p:sld xmlns:a="http://schemas.openxmlformats.org/drawingml/2006/main" xmlns:r="http://schemas.openxmlformats.org/officeDocument/2006/relationships" xmlns:p="http://schemas.openxmlformats.org/presentationml/2006/main">
   <p:cSld>
     <p:spTree>
@@ -23044,7 +24002,396 @@
 </p:sld>
 </file>
 
-<file path=ppt/slides/slide17.xml><?xml version="1.0" encoding="utf-8"?>
+<file path=ppt/slides/slide18.xml><?xml version="1.0" encoding="utf-8"?>
+<p:sld xmlns:a="http://schemas.openxmlformats.org/drawingml/2006/main" xmlns:r="http://schemas.openxmlformats.org/officeDocument/2006/relationships" xmlns:p="http://schemas.openxmlformats.org/presentationml/2006/main">
+  <p:cSld>
+    <p:spTree>
+      <p:nvGrpSpPr>
+        <p:cNvPr id="1" name=""/>
+        <p:cNvGrpSpPr/>
+        <p:nvPr/>
+      </p:nvGrpSpPr>
+      <p:grpSpPr>
+        <a:xfrm>
+          <a:off x="0" y="0"/>
+          <a:ext cx="0" cy="0"/>
+          <a:chOff x="0" y="0"/>
+          <a:chExt cx="0" cy="0"/>
+        </a:xfrm>
+      </p:grpSpPr>
+      <p:pic>
+        <p:nvPicPr>
+          <p:cNvPr id="7" name="Picture 6">
+            <a:extLst>
+              <a:ext uri="{FF2B5EF4-FFF2-40B4-BE49-F238E27FC236}">
+                <a16:creationId xmlns:a16="http://schemas.microsoft.com/office/drawing/2014/main" id="{07B5C61B-8F33-D04F-AA20-C7F6ECCB9EAF}"/>
+              </a:ext>
+            </a:extLst>
+          </p:cNvPr>
+          <p:cNvPicPr>
+            <a:picLocks noChangeAspect="1"/>
+          </p:cNvPicPr>
+          <p:nvPr/>
+        </p:nvPicPr>
+        <p:blipFill>
+          <a:blip r:embed="rId3"/>
+          <a:stretch>
+            <a:fillRect/>
+          </a:stretch>
+        </p:blipFill>
+        <p:spPr>
+          <a:xfrm>
+            <a:off x="9541432" y="5942509"/>
+            <a:ext cx="2230843" cy="685027"/>
+          </a:xfrm>
+          <a:prstGeom prst="rect">
+            <a:avLst/>
+          </a:prstGeom>
+        </p:spPr>
+      </p:pic>
+      <p:sp>
+        <p:nvSpPr>
+          <p:cNvPr id="2" name="Title 1">
+            <a:extLst>
+              <a:ext uri="{FF2B5EF4-FFF2-40B4-BE49-F238E27FC236}">
+                <a16:creationId xmlns:a16="http://schemas.microsoft.com/office/drawing/2014/main" id="{06E72185-1262-224E-A639-374C64E7CD29}"/>
+              </a:ext>
+            </a:extLst>
+          </p:cNvPr>
+          <p:cNvSpPr>
+            <a:spLocks noGrp="1"/>
+          </p:cNvSpPr>
+          <p:nvPr>
+            <p:ph type="title"/>
+          </p:nvPr>
+        </p:nvSpPr>
+        <p:spPr/>
+        <p:txBody>
+          <a:bodyPr/>
+          <a:lstStyle/>
+          <a:p>
+            <a:r>
+              <a:rPr lang="en-US" dirty="0">
+                <a:latin typeface="Garamond" panose="02020404030301010803" pitchFamily="18" charset="0"/>
+              </a:rPr>
+              <a:t>Conclusion</a:t>
+            </a:r>
+          </a:p>
+        </p:txBody>
+      </p:sp>
+      <p:cxnSp>
+        <p:nvCxnSpPr>
+          <p:cNvPr id="5" name="Straight Connector 4">
+            <a:extLst>
+              <a:ext uri="{FF2B5EF4-FFF2-40B4-BE49-F238E27FC236}">
+                <a16:creationId xmlns:a16="http://schemas.microsoft.com/office/drawing/2014/main" id="{F0CA2925-7FF0-E94D-B547-3A2C56441DCE}"/>
+              </a:ext>
+            </a:extLst>
+          </p:cNvPr>
+          <p:cNvCxnSpPr>
+            <a:cxnSpLocks/>
+          </p:cNvCxnSpPr>
+          <p:nvPr/>
+        </p:nvCxnSpPr>
+        <p:spPr>
+          <a:xfrm>
+            <a:off x="838200" y="1690688"/>
+            <a:ext cx="10515600" cy="0"/>
+          </a:xfrm>
+          <a:prstGeom prst="line">
+            <a:avLst/>
+          </a:prstGeom>
+          <a:ln w="44450">
+            <a:solidFill>
+              <a:srgbClr val="008240"/>
+            </a:solidFill>
+          </a:ln>
+        </p:spPr>
+        <p:style>
+          <a:lnRef idx="2">
+            <a:schemeClr val="dk1"/>
+          </a:lnRef>
+          <a:fillRef idx="0">
+            <a:schemeClr val="dk1"/>
+          </a:fillRef>
+          <a:effectRef idx="1">
+            <a:schemeClr val="dk1"/>
+          </a:effectRef>
+          <a:fontRef idx="minor">
+            <a:schemeClr val="tx1"/>
+          </a:fontRef>
+        </p:style>
+      </p:cxnSp>
+      <p:sp>
+        <p:nvSpPr>
+          <p:cNvPr id="12" name="Rectangle 11">
+            <a:extLst>
+              <a:ext uri="{FF2B5EF4-FFF2-40B4-BE49-F238E27FC236}">
+                <a16:creationId xmlns:a16="http://schemas.microsoft.com/office/drawing/2014/main" id="{06F453C1-B8D8-5D40-A757-DDF4F8EC21E8}"/>
+              </a:ext>
+            </a:extLst>
+          </p:cNvPr>
+          <p:cNvSpPr/>
+          <p:nvPr/>
+        </p:nvSpPr>
+        <p:spPr>
+          <a:xfrm>
+            <a:off x="883170" y="2407654"/>
+            <a:ext cx="10515600" cy="3723320"/>
+          </a:xfrm>
+          <a:prstGeom prst="rect">
+            <a:avLst/>
+          </a:prstGeom>
+          <a:noFill/>
+          <a:ln w="25400">
+            <a:solidFill>
+              <a:srgbClr val="008240"/>
+            </a:solidFill>
+          </a:ln>
+        </p:spPr>
+        <p:style>
+          <a:lnRef idx="2">
+            <a:schemeClr val="accent1">
+              <a:shade val="50000"/>
+            </a:schemeClr>
+          </a:lnRef>
+          <a:fillRef idx="1">
+            <a:schemeClr val="accent1"/>
+          </a:fillRef>
+          <a:effectRef idx="0">
+            <a:schemeClr val="accent1"/>
+          </a:effectRef>
+          <a:fontRef idx="minor">
+            <a:schemeClr val="lt1"/>
+          </a:fontRef>
+        </p:style>
+        <p:txBody>
+          <a:bodyPr rtlCol="0" anchor="ctr"/>
+          <a:lstStyle/>
+          <a:p>
+            <a:pPr algn="ctr"/>
+            <a:endParaRPr lang="en-US">
+              <a:latin typeface="Garamond" panose="02020404030301010803" pitchFamily="18" charset="0"/>
+            </a:endParaRPr>
+          </a:p>
+        </p:txBody>
+      </p:sp>
+      <p:sp>
+        <p:nvSpPr>
+          <p:cNvPr id="13" name="Rectangle 12">
+            <a:extLst>
+              <a:ext uri="{FF2B5EF4-FFF2-40B4-BE49-F238E27FC236}">
+                <a16:creationId xmlns:a16="http://schemas.microsoft.com/office/drawing/2014/main" id="{1F0A47D9-B7F6-ED44-8D10-37B998545356}"/>
+              </a:ext>
+            </a:extLst>
+          </p:cNvPr>
+          <p:cNvSpPr/>
+          <p:nvPr/>
+        </p:nvSpPr>
+        <p:spPr>
+          <a:xfrm>
+            <a:off x="883170" y="1912976"/>
+            <a:ext cx="10515600" cy="494677"/>
+          </a:xfrm>
+          <a:prstGeom prst="rect">
+            <a:avLst/>
+          </a:prstGeom>
+          <a:solidFill>
+            <a:schemeClr val="bg1">
+              <a:lumMod val="65000"/>
+            </a:schemeClr>
+          </a:solidFill>
+          <a:ln w="25400">
+            <a:solidFill>
+              <a:schemeClr val="bg1">
+                <a:lumMod val="65000"/>
+              </a:schemeClr>
+            </a:solidFill>
+          </a:ln>
+        </p:spPr>
+        <p:style>
+          <a:lnRef idx="2">
+            <a:schemeClr val="accent1">
+              <a:shade val="50000"/>
+            </a:schemeClr>
+          </a:lnRef>
+          <a:fillRef idx="1">
+            <a:schemeClr val="accent1"/>
+          </a:fillRef>
+          <a:effectRef idx="0">
+            <a:schemeClr val="accent1"/>
+          </a:effectRef>
+          <a:fontRef idx="minor">
+            <a:schemeClr val="lt1"/>
+          </a:fontRef>
+        </p:style>
+        <p:txBody>
+          <a:bodyPr rtlCol="0" anchor="ctr"/>
+          <a:lstStyle/>
+          <a:p>
+            <a:pPr algn="ctr"/>
+            <a:r>
+              <a:rPr lang="en-US" sz="3200" dirty="0">
+                <a:latin typeface="Garamond" panose="02020404030301010803" pitchFamily="18" charset="0"/>
+              </a:rPr>
+              <a:t>Hypothesis</a:t>
+            </a:r>
+          </a:p>
+        </p:txBody>
+      </p:sp>
+      <p:sp>
+        <p:nvSpPr>
+          <p:cNvPr id="4" name="TextBox 3">
+            <a:extLst>
+              <a:ext uri="{FF2B5EF4-FFF2-40B4-BE49-F238E27FC236}">
+                <a16:creationId xmlns:a16="http://schemas.microsoft.com/office/drawing/2014/main" id="{B7FE3326-8E38-D141-AEDA-4D109188EC4A}"/>
+              </a:ext>
+            </a:extLst>
+          </p:cNvPr>
+          <p:cNvSpPr txBox="1"/>
+          <p:nvPr/>
+        </p:nvSpPr>
+        <p:spPr>
+          <a:xfrm>
+            <a:off x="1188871" y="4619069"/>
+            <a:ext cx="9904198" cy="1323439"/>
+          </a:xfrm>
+          <a:prstGeom prst="rect">
+            <a:avLst/>
+          </a:prstGeom>
+          <a:solidFill>
+            <a:schemeClr val="bg1"/>
+          </a:solidFill>
+        </p:spPr>
+        <p:txBody>
+          <a:bodyPr wrap="square" rtlCol="0">
+            <a:spAutoFit/>
+          </a:bodyPr>
+          <a:lstStyle/>
+          <a:p>
+            <a:r>
+              <a:rPr lang="en-US" sz="1600" b="1" dirty="0">
+                <a:latin typeface="Garamond" panose="02020404030301010803" pitchFamily="18" charset="0"/>
+              </a:rPr>
+              <a:t>H1: The SNB interventions proxied by the domestic banks’ sight deposits are classified as important inputs for the development of the SMI.</a:t>
+            </a:r>
+          </a:p>
+          <a:p>
+            <a:endParaRPr lang="en-US" sz="1600" b="1" dirty="0">
+              <a:latin typeface="Garamond" panose="02020404030301010803" pitchFamily="18" charset="0"/>
+            </a:endParaRPr>
+          </a:p>
+          <a:p>
+            <a:r>
+              <a:rPr lang="en-US" sz="1600" b="1" dirty="0">
+                <a:latin typeface="Garamond" panose="02020404030301010803" pitchFamily="18" charset="0"/>
+              </a:rPr>
+              <a:t>H2: As during the Cap period there is an official signal about the SNB’s strategy, the importance of the SNB interventions proxied by the domestic bank’s sight deposits differs compared to the other periods.</a:t>
+            </a:r>
+          </a:p>
+        </p:txBody>
+      </p:sp>
+      <p:sp>
+        <p:nvSpPr>
+          <p:cNvPr id="10" name="TextBox 9">
+            <a:extLst>
+              <a:ext uri="{FF2B5EF4-FFF2-40B4-BE49-F238E27FC236}">
+                <a16:creationId xmlns:a16="http://schemas.microsoft.com/office/drawing/2014/main" id="{3FD71945-1450-E643-A7EB-86DF7C8EF808}"/>
+              </a:ext>
+            </a:extLst>
+          </p:cNvPr>
+          <p:cNvSpPr txBox="1"/>
+          <p:nvPr/>
+        </p:nvSpPr>
+        <p:spPr>
+          <a:xfrm>
+            <a:off x="1188871" y="2767280"/>
+            <a:ext cx="9904198" cy="1569660"/>
+          </a:xfrm>
+          <a:prstGeom prst="rect">
+            <a:avLst/>
+          </a:prstGeom>
+          <a:solidFill>
+            <a:schemeClr val="accent1">
+              <a:alpha val="20000"/>
+            </a:schemeClr>
+          </a:solidFill>
+        </p:spPr>
+        <p:txBody>
+          <a:bodyPr wrap="square" rtlCol="0">
+            <a:spAutoFit/>
+          </a:bodyPr>
+          <a:lstStyle/>
+          <a:p>
+            <a:pPr marL="285750" indent="-285750">
+              <a:buFont typeface="Wingdings" pitchFamily="2" charset="2"/>
+              <a:buChar char="§"/>
+            </a:pPr>
+            <a:r>
+              <a:rPr lang="en-US" sz="1600" dirty="0">
+                <a:latin typeface="Garamond" panose="02020404030301010803" pitchFamily="18" charset="0"/>
+              </a:rPr>
+              <a:t>Several studies have already found that QE affects other asset markets.</a:t>
+            </a:r>
+          </a:p>
+          <a:p>
+            <a:pPr marL="285750" indent="-285750">
+              <a:buFont typeface="Wingdings" pitchFamily="2" charset="2"/>
+              <a:buChar char="§"/>
+            </a:pPr>
+            <a:endParaRPr lang="en-US" sz="1600" dirty="0">
+              <a:latin typeface="Garamond" panose="02020404030301010803" pitchFamily="18" charset="0"/>
+            </a:endParaRPr>
+          </a:p>
+          <a:p>
+            <a:pPr marL="285750" indent="-285750">
+              <a:buFont typeface="Wingdings" pitchFamily="2" charset="2"/>
+              <a:buChar char="§"/>
+            </a:pPr>
+            <a:r>
+              <a:rPr lang="en-US" sz="1600" dirty="0">
+                <a:latin typeface="Garamond" panose="02020404030301010803" pitchFamily="18" charset="0"/>
+              </a:rPr>
+              <a:t>A previous decision tree analysis performed for the US market established a relationship between the increase of the central bank balance sheet and the stock market.</a:t>
+            </a:r>
+          </a:p>
+          <a:p>
+            <a:pPr marL="285750" indent="-285750">
+              <a:buFont typeface="Wingdings" pitchFamily="2" charset="2"/>
+              <a:buChar char="§"/>
+            </a:pPr>
+            <a:endParaRPr lang="en-US" sz="1600" dirty="0">
+              <a:latin typeface="Garamond" panose="02020404030301010803" pitchFamily="18" charset="0"/>
+            </a:endParaRPr>
+          </a:p>
+          <a:p>
+            <a:pPr marL="285750" indent="-285750">
+              <a:buFont typeface="Wingdings" pitchFamily="2" charset="2"/>
+              <a:buChar char="§"/>
+            </a:pPr>
+            <a:r>
+              <a:rPr lang="en-US" sz="1600" dirty="0">
+                <a:latin typeface="Garamond" panose="02020404030301010803" pitchFamily="18" charset="0"/>
+              </a:rPr>
+              <a:t>It stays relatively controversial which transmission channels play a role for different asset markets. </a:t>
+            </a:r>
+          </a:p>
+        </p:txBody>
+      </p:sp>
+    </p:spTree>
+    <p:extLst>
+      <p:ext uri="{BB962C8B-B14F-4D97-AF65-F5344CB8AC3E}">
+        <p14:creationId xmlns:p14="http://schemas.microsoft.com/office/powerpoint/2010/main" val="4275593387"/>
+      </p:ext>
+    </p:extLst>
+  </p:cSld>
+  <p:clrMapOvr>
+    <a:masterClrMapping/>
+  </p:clrMapOvr>
+</p:sld>
+</file>
+
+<file path=ppt/slides/slide19.xml><?xml version="1.0" encoding="utf-8"?>
 <p:sld xmlns:a="http://schemas.openxmlformats.org/drawingml/2006/main" xmlns:r="http://schemas.openxmlformats.org/officeDocument/2006/relationships" xmlns:p="http://schemas.openxmlformats.org/presentationml/2006/main">
   <p:cSld>
     <p:spTree>
@@ -23200,626 +24547,6 @@
     <p:extLst>
       <p:ext uri="{BB962C8B-B14F-4D97-AF65-F5344CB8AC3E}">
         <p14:creationId xmlns:p14="http://schemas.microsoft.com/office/powerpoint/2010/main" val="895532807"/>
-      </p:ext>
-    </p:extLst>
-  </p:cSld>
-  <p:clrMapOvr>
-    <a:masterClrMapping/>
-  </p:clrMapOvr>
-</p:sld>
-</file>
-
-<file path=ppt/slides/slide18.xml><?xml version="1.0" encoding="utf-8"?>
-<p:sld xmlns:a="http://schemas.openxmlformats.org/drawingml/2006/main" xmlns:r="http://schemas.openxmlformats.org/officeDocument/2006/relationships" xmlns:p="http://schemas.openxmlformats.org/presentationml/2006/main">
-  <p:cSld>
-    <p:spTree>
-      <p:nvGrpSpPr>
-        <p:cNvPr id="1" name=""/>
-        <p:cNvGrpSpPr/>
-        <p:nvPr/>
-      </p:nvGrpSpPr>
-      <p:grpSpPr>
-        <a:xfrm>
-          <a:off x="0" y="0"/>
-          <a:ext cx="0" cy="0"/>
-          <a:chOff x="0" y="0"/>
-          <a:chExt cx="0" cy="0"/>
-        </a:xfrm>
-      </p:grpSpPr>
-      <p:pic>
-        <p:nvPicPr>
-          <p:cNvPr id="10" name="Picture 9">
-            <a:extLst>
-              <a:ext uri="{FF2B5EF4-FFF2-40B4-BE49-F238E27FC236}">
-                <a16:creationId xmlns:a16="http://schemas.microsoft.com/office/drawing/2014/main" id="{7431712F-65BD-3F4C-8608-07861ADC8CF4}"/>
-              </a:ext>
-            </a:extLst>
-          </p:cNvPr>
-          <p:cNvPicPr>
-            <a:picLocks noChangeAspect="1"/>
-          </p:cNvPicPr>
-          <p:nvPr/>
-        </p:nvPicPr>
-        <p:blipFill>
-          <a:blip r:embed="rId2"/>
-          <a:stretch>
-            <a:fillRect/>
-          </a:stretch>
-        </p:blipFill>
-        <p:spPr>
-          <a:xfrm>
-            <a:off x="3480576" y="4116994"/>
-            <a:ext cx="5139254" cy="2030690"/>
-          </a:xfrm>
-          <a:prstGeom prst="rect">
-            <a:avLst/>
-          </a:prstGeom>
-        </p:spPr>
-      </p:pic>
-      <p:pic>
-        <p:nvPicPr>
-          <p:cNvPr id="4" name="Picture 3">
-            <a:extLst>
-              <a:ext uri="{FF2B5EF4-FFF2-40B4-BE49-F238E27FC236}">
-                <a16:creationId xmlns:a16="http://schemas.microsoft.com/office/drawing/2014/main" id="{68A66B4C-1323-A749-A140-8F0831AC4D97}"/>
-              </a:ext>
-            </a:extLst>
-          </p:cNvPr>
-          <p:cNvPicPr>
-            <a:picLocks noChangeAspect="1"/>
-          </p:cNvPicPr>
-          <p:nvPr/>
-        </p:nvPicPr>
-        <p:blipFill>
-          <a:blip r:embed="rId3"/>
-          <a:stretch>
-            <a:fillRect/>
-          </a:stretch>
-        </p:blipFill>
-        <p:spPr>
-          <a:xfrm>
-            <a:off x="883171" y="2247382"/>
-            <a:ext cx="4990092" cy="2049394"/>
-          </a:xfrm>
-          <a:prstGeom prst="rect">
-            <a:avLst/>
-          </a:prstGeom>
-        </p:spPr>
-      </p:pic>
-      <p:pic>
-        <p:nvPicPr>
-          <p:cNvPr id="9" name="Picture 8">
-            <a:extLst>
-              <a:ext uri="{FF2B5EF4-FFF2-40B4-BE49-F238E27FC236}">
-                <a16:creationId xmlns:a16="http://schemas.microsoft.com/office/drawing/2014/main" id="{F5853959-8788-D943-BB6C-74143084D371}"/>
-              </a:ext>
-            </a:extLst>
-          </p:cNvPr>
-          <p:cNvPicPr>
-            <a:picLocks noChangeAspect="1"/>
-          </p:cNvPicPr>
-          <p:nvPr/>
-        </p:nvPicPr>
-        <p:blipFill>
-          <a:blip r:embed="rId4"/>
-          <a:stretch>
-            <a:fillRect/>
-          </a:stretch>
-        </p:blipFill>
-        <p:spPr>
-          <a:xfrm>
-            <a:off x="6095998" y="2212656"/>
-            <a:ext cx="5047665" cy="2084119"/>
-          </a:xfrm>
-          <a:prstGeom prst="rect">
-            <a:avLst/>
-          </a:prstGeom>
-        </p:spPr>
-      </p:pic>
-      <p:sp>
-        <p:nvSpPr>
-          <p:cNvPr id="2" name="Title 1">
-            <a:extLst>
-              <a:ext uri="{FF2B5EF4-FFF2-40B4-BE49-F238E27FC236}">
-                <a16:creationId xmlns:a16="http://schemas.microsoft.com/office/drawing/2014/main" id="{06E72185-1262-224E-A639-374C64E7CD29}"/>
-              </a:ext>
-            </a:extLst>
-          </p:cNvPr>
-          <p:cNvSpPr>
-            <a:spLocks noGrp="1"/>
-          </p:cNvSpPr>
-          <p:nvPr>
-            <p:ph type="title"/>
-          </p:nvPr>
-        </p:nvSpPr>
-        <p:spPr/>
-        <p:txBody>
-          <a:bodyPr/>
-          <a:lstStyle/>
-          <a:p>
-            <a:r>
-              <a:rPr lang="en-US" dirty="0">
-                <a:latin typeface="Garamond" panose="02020404030301010803" pitchFamily="18" charset="0"/>
-              </a:rPr>
-              <a:t>Appendix A</a:t>
-            </a:r>
-          </a:p>
-        </p:txBody>
-      </p:sp>
-      <p:cxnSp>
-        <p:nvCxnSpPr>
-          <p:cNvPr id="5" name="Straight Connector 4">
-            <a:extLst>
-              <a:ext uri="{FF2B5EF4-FFF2-40B4-BE49-F238E27FC236}">
-                <a16:creationId xmlns:a16="http://schemas.microsoft.com/office/drawing/2014/main" id="{F0CA2925-7FF0-E94D-B547-3A2C56441DCE}"/>
-              </a:ext>
-            </a:extLst>
-          </p:cNvPr>
-          <p:cNvCxnSpPr>
-            <a:cxnSpLocks/>
-          </p:cNvCxnSpPr>
-          <p:nvPr/>
-        </p:nvCxnSpPr>
-        <p:spPr>
-          <a:xfrm>
-            <a:off x="838200" y="1690688"/>
-            <a:ext cx="10515600" cy="0"/>
-          </a:xfrm>
-          <a:prstGeom prst="line">
-            <a:avLst/>
-          </a:prstGeom>
-          <a:ln w="44450">
-            <a:solidFill>
-              <a:srgbClr val="008240"/>
-            </a:solidFill>
-          </a:ln>
-        </p:spPr>
-        <p:style>
-          <a:lnRef idx="2">
-            <a:schemeClr val="dk1"/>
-          </a:lnRef>
-          <a:fillRef idx="0">
-            <a:schemeClr val="dk1"/>
-          </a:fillRef>
-          <a:effectRef idx="1">
-            <a:schemeClr val="dk1"/>
-          </a:effectRef>
-          <a:fontRef idx="minor">
-            <a:schemeClr val="tx1"/>
-          </a:fontRef>
-        </p:style>
-      </p:cxnSp>
-      <p:pic>
-        <p:nvPicPr>
-          <p:cNvPr id="6" name="Picture 5">
-            <a:extLst>
-              <a:ext uri="{FF2B5EF4-FFF2-40B4-BE49-F238E27FC236}">
-                <a16:creationId xmlns:a16="http://schemas.microsoft.com/office/drawing/2014/main" id="{9C06C3B5-9468-1140-9979-953666A8127D}"/>
-              </a:ext>
-            </a:extLst>
-          </p:cNvPr>
-          <p:cNvPicPr>
-            <a:picLocks noChangeAspect="1"/>
-          </p:cNvPicPr>
-          <p:nvPr/>
-        </p:nvPicPr>
-        <p:blipFill>
-          <a:blip r:embed="rId5"/>
-          <a:stretch>
-            <a:fillRect/>
-          </a:stretch>
-        </p:blipFill>
-        <p:spPr>
-          <a:xfrm>
-            <a:off x="9541432" y="5942509"/>
-            <a:ext cx="2230843" cy="685027"/>
-          </a:xfrm>
-          <a:prstGeom prst="rect">
-            <a:avLst/>
-          </a:prstGeom>
-        </p:spPr>
-      </p:pic>
-      <p:sp>
-        <p:nvSpPr>
-          <p:cNvPr id="7" name="Rectangle 6">
-            <a:extLst>
-              <a:ext uri="{FF2B5EF4-FFF2-40B4-BE49-F238E27FC236}">
-                <a16:creationId xmlns:a16="http://schemas.microsoft.com/office/drawing/2014/main" id="{05CD7D05-DE61-204F-9E8D-2F9EFA09454C}"/>
-              </a:ext>
-            </a:extLst>
-          </p:cNvPr>
-          <p:cNvSpPr/>
-          <p:nvPr/>
-        </p:nvSpPr>
-        <p:spPr>
-          <a:xfrm>
-            <a:off x="883170" y="2316834"/>
-            <a:ext cx="10515600" cy="3814139"/>
-          </a:xfrm>
-          <a:prstGeom prst="rect">
-            <a:avLst/>
-          </a:prstGeom>
-          <a:noFill/>
-          <a:ln w="25400">
-            <a:solidFill>
-              <a:srgbClr val="008240"/>
-            </a:solidFill>
-          </a:ln>
-        </p:spPr>
-        <p:style>
-          <a:lnRef idx="2">
-            <a:schemeClr val="accent1">
-              <a:shade val="50000"/>
-            </a:schemeClr>
-          </a:lnRef>
-          <a:fillRef idx="1">
-            <a:schemeClr val="accent1"/>
-          </a:fillRef>
-          <a:effectRef idx="0">
-            <a:schemeClr val="accent1"/>
-          </a:effectRef>
-          <a:fontRef idx="minor">
-            <a:schemeClr val="lt1"/>
-          </a:fontRef>
-        </p:style>
-        <p:txBody>
-          <a:bodyPr rtlCol="0" anchor="ctr"/>
-          <a:lstStyle/>
-          <a:p>
-            <a:pPr algn="ctr"/>
-            <a:endParaRPr lang="en-US">
-              <a:latin typeface="Garamond" panose="02020404030301010803" pitchFamily="18" charset="0"/>
-            </a:endParaRPr>
-          </a:p>
-        </p:txBody>
-      </p:sp>
-      <p:sp>
-        <p:nvSpPr>
-          <p:cNvPr id="8" name="Rectangle 7">
-            <a:extLst>
-              <a:ext uri="{FF2B5EF4-FFF2-40B4-BE49-F238E27FC236}">
-                <a16:creationId xmlns:a16="http://schemas.microsoft.com/office/drawing/2014/main" id="{69FCC24B-2CE0-6547-BB53-C6993586B9DE}"/>
-              </a:ext>
-            </a:extLst>
-          </p:cNvPr>
-          <p:cNvSpPr/>
-          <p:nvPr/>
-        </p:nvSpPr>
-        <p:spPr>
-          <a:xfrm>
-            <a:off x="883170" y="1822157"/>
-            <a:ext cx="10515600" cy="494677"/>
-          </a:xfrm>
-          <a:prstGeom prst="rect">
-            <a:avLst/>
-          </a:prstGeom>
-          <a:solidFill>
-            <a:schemeClr val="bg1">
-              <a:lumMod val="65000"/>
-            </a:schemeClr>
-          </a:solidFill>
-          <a:ln w="25400">
-            <a:solidFill>
-              <a:schemeClr val="bg1">
-                <a:lumMod val="65000"/>
-              </a:schemeClr>
-            </a:solidFill>
-          </a:ln>
-        </p:spPr>
-        <p:style>
-          <a:lnRef idx="2">
-            <a:schemeClr val="accent1">
-              <a:shade val="50000"/>
-            </a:schemeClr>
-          </a:lnRef>
-          <a:fillRef idx="1">
-            <a:schemeClr val="accent1"/>
-          </a:fillRef>
-          <a:effectRef idx="0">
-            <a:schemeClr val="accent1"/>
-          </a:effectRef>
-          <a:fontRef idx="minor">
-            <a:schemeClr val="lt1"/>
-          </a:fontRef>
-        </p:style>
-        <p:txBody>
-          <a:bodyPr rtlCol="0" anchor="ctr"/>
-          <a:lstStyle/>
-          <a:p>
-            <a:pPr algn="ctr"/>
-            <a:r>
-              <a:rPr lang="en-US" sz="3200" dirty="0">
-                <a:latin typeface="Garamond" panose="02020404030301010803" pitchFamily="18" charset="0"/>
-              </a:rPr>
-              <a:t>Descriptive statistics</a:t>
-            </a:r>
-          </a:p>
-        </p:txBody>
-      </p:sp>
-    </p:spTree>
-    <p:extLst>
-      <p:ext uri="{BB962C8B-B14F-4D97-AF65-F5344CB8AC3E}">
-        <p14:creationId xmlns:p14="http://schemas.microsoft.com/office/powerpoint/2010/main" val="2115519025"/>
-      </p:ext>
-    </p:extLst>
-  </p:cSld>
-  <p:clrMapOvr>
-    <a:masterClrMapping/>
-  </p:clrMapOvr>
-</p:sld>
-</file>
-
-<file path=ppt/slides/slide19.xml><?xml version="1.0" encoding="utf-8"?>
-<p:sld xmlns:a="http://schemas.openxmlformats.org/drawingml/2006/main" xmlns:r="http://schemas.openxmlformats.org/officeDocument/2006/relationships" xmlns:p="http://schemas.openxmlformats.org/presentationml/2006/main">
-  <p:cSld>
-    <p:spTree>
-      <p:nvGrpSpPr>
-        <p:cNvPr id="1" name=""/>
-        <p:cNvGrpSpPr/>
-        <p:nvPr/>
-      </p:nvGrpSpPr>
-      <p:grpSpPr>
-        <a:xfrm>
-          <a:off x="0" y="0"/>
-          <a:ext cx="0" cy="0"/>
-          <a:chOff x="0" y="0"/>
-          <a:chExt cx="0" cy="0"/>
-        </a:xfrm>
-      </p:grpSpPr>
-      <p:sp>
-        <p:nvSpPr>
-          <p:cNvPr id="2" name="Title 1">
-            <a:extLst>
-              <a:ext uri="{FF2B5EF4-FFF2-40B4-BE49-F238E27FC236}">
-                <a16:creationId xmlns:a16="http://schemas.microsoft.com/office/drawing/2014/main" id="{06E72185-1262-224E-A639-374C64E7CD29}"/>
-              </a:ext>
-            </a:extLst>
-          </p:cNvPr>
-          <p:cNvSpPr>
-            <a:spLocks noGrp="1"/>
-          </p:cNvSpPr>
-          <p:nvPr>
-            <p:ph type="title"/>
-          </p:nvPr>
-        </p:nvSpPr>
-        <p:spPr/>
-        <p:txBody>
-          <a:bodyPr/>
-          <a:lstStyle/>
-          <a:p>
-            <a:r>
-              <a:rPr lang="en-US" dirty="0">
-                <a:latin typeface="Garamond" panose="02020404030301010803" pitchFamily="18" charset="0"/>
-              </a:rPr>
-              <a:t>Appendix B.1</a:t>
-            </a:r>
-          </a:p>
-        </p:txBody>
-      </p:sp>
-      <p:cxnSp>
-        <p:nvCxnSpPr>
-          <p:cNvPr id="5" name="Straight Connector 4">
-            <a:extLst>
-              <a:ext uri="{FF2B5EF4-FFF2-40B4-BE49-F238E27FC236}">
-                <a16:creationId xmlns:a16="http://schemas.microsoft.com/office/drawing/2014/main" id="{F0CA2925-7FF0-E94D-B547-3A2C56441DCE}"/>
-              </a:ext>
-            </a:extLst>
-          </p:cNvPr>
-          <p:cNvCxnSpPr>
-            <a:cxnSpLocks/>
-          </p:cNvCxnSpPr>
-          <p:nvPr/>
-        </p:nvCxnSpPr>
-        <p:spPr>
-          <a:xfrm>
-            <a:off x="838200" y="1690688"/>
-            <a:ext cx="10515600" cy="0"/>
-          </a:xfrm>
-          <a:prstGeom prst="line">
-            <a:avLst/>
-          </a:prstGeom>
-          <a:ln w="44450">
-            <a:solidFill>
-              <a:srgbClr val="008240"/>
-            </a:solidFill>
-          </a:ln>
-        </p:spPr>
-        <p:style>
-          <a:lnRef idx="2">
-            <a:schemeClr val="dk1"/>
-          </a:lnRef>
-          <a:fillRef idx="0">
-            <a:schemeClr val="dk1"/>
-          </a:fillRef>
-          <a:effectRef idx="1">
-            <a:schemeClr val="dk1"/>
-          </a:effectRef>
-          <a:fontRef idx="minor">
-            <a:schemeClr val="tx1"/>
-          </a:fontRef>
-        </p:style>
-      </p:cxnSp>
-      <p:pic>
-        <p:nvPicPr>
-          <p:cNvPr id="6" name="Picture 5">
-            <a:extLst>
-              <a:ext uri="{FF2B5EF4-FFF2-40B4-BE49-F238E27FC236}">
-                <a16:creationId xmlns:a16="http://schemas.microsoft.com/office/drawing/2014/main" id="{9C06C3B5-9468-1140-9979-953666A8127D}"/>
-              </a:ext>
-            </a:extLst>
-          </p:cNvPr>
-          <p:cNvPicPr>
-            <a:picLocks noChangeAspect="1"/>
-          </p:cNvPicPr>
-          <p:nvPr/>
-        </p:nvPicPr>
-        <p:blipFill>
-          <a:blip r:embed="rId2"/>
-          <a:stretch>
-            <a:fillRect/>
-          </a:stretch>
-        </p:blipFill>
-        <p:spPr>
-          <a:xfrm>
-            <a:off x="9541432" y="5942509"/>
-            <a:ext cx="2230843" cy="685027"/>
-          </a:xfrm>
-          <a:prstGeom prst="rect">
-            <a:avLst/>
-          </a:prstGeom>
-        </p:spPr>
-      </p:pic>
-      <p:sp>
-        <p:nvSpPr>
-          <p:cNvPr id="7" name="Rectangle 6">
-            <a:extLst>
-              <a:ext uri="{FF2B5EF4-FFF2-40B4-BE49-F238E27FC236}">
-                <a16:creationId xmlns:a16="http://schemas.microsoft.com/office/drawing/2014/main" id="{5870F770-99EF-A04E-8F29-BD68C515E8A6}"/>
-              </a:ext>
-            </a:extLst>
-          </p:cNvPr>
-          <p:cNvSpPr/>
-          <p:nvPr/>
-        </p:nvSpPr>
-        <p:spPr>
-          <a:xfrm>
-            <a:off x="883170" y="2548328"/>
-            <a:ext cx="10515600" cy="3582645"/>
-          </a:xfrm>
-          <a:prstGeom prst="rect">
-            <a:avLst/>
-          </a:prstGeom>
-          <a:noFill/>
-          <a:ln w="25400">
-            <a:solidFill>
-              <a:srgbClr val="008240"/>
-            </a:solidFill>
-          </a:ln>
-        </p:spPr>
-        <p:style>
-          <a:lnRef idx="2">
-            <a:schemeClr val="accent1">
-              <a:shade val="50000"/>
-            </a:schemeClr>
-          </a:lnRef>
-          <a:fillRef idx="1">
-            <a:schemeClr val="accent1"/>
-          </a:fillRef>
-          <a:effectRef idx="0">
-            <a:schemeClr val="accent1"/>
-          </a:effectRef>
-          <a:fontRef idx="minor">
-            <a:schemeClr val="lt1"/>
-          </a:fontRef>
-        </p:style>
-        <p:txBody>
-          <a:bodyPr rtlCol="0" anchor="ctr"/>
-          <a:lstStyle/>
-          <a:p>
-            <a:pPr algn="ctr"/>
-            <a:endParaRPr lang="en-US">
-              <a:latin typeface="Garamond" panose="02020404030301010803" pitchFamily="18" charset="0"/>
-            </a:endParaRPr>
-          </a:p>
-        </p:txBody>
-      </p:sp>
-      <p:sp>
-        <p:nvSpPr>
-          <p:cNvPr id="8" name="Rectangle 7">
-            <a:extLst>
-              <a:ext uri="{FF2B5EF4-FFF2-40B4-BE49-F238E27FC236}">
-                <a16:creationId xmlns:a16="http://schemas.microsoft.com/office/drawing/2014/main" id="{C36AD6B3-18C7-F742-A984-A2CEF7803288}"/>
-              </a:ext>
-            </a:extLst>
-          </p:cNvPr>
-          <p:cNvSpPr/>
-          <p:nvPr/>
-        </p:nvSpPr>
-        <p:spPr>
-          <a:xfrm>
-            <a:off x="883170" y="2053652"/>
-            <a:ext cx="10515600" cy="494677"/>
-          </a:xfrm>
-          <a:prstGeom prst="rect">
-            <a:avLst/>
-          </a:prstGeom>
-          <a:solidFill>
-            <a:schemeClr val="bg1">
-              <a:lumMod val="65000"/>
-            </a:schemeClr>
-          </a:solidFill>
-          <a:ln w="25400">
-            <a:solidFill>
-              <a:schemeClr val="bg1">
-                <a:lumMod val="65000"/>
-              </a:schemeClr>
-            </a:solidFill>
-          </a:ln>
-        </p:spPr>
-        <p:style>
-          <a:lnRef idx="2">
-            <a:schemeClr val="accent1">
-              <a:shade val="50000"/>
-            </a:schemeClr>
-          </a:lnRef>
-          <a:fillRef idx="1">
-            <a:schemeClr val="accent1"/>
-          </a:fillRef>
-          <a:effectRef idx="0">
-            <a:schemeClr val="accent1"/>
-          </a:effectRef>
-          <a:fontRef idx="minor">
-            <a:schemeClr val="lt1"/>
-          </a:fontRef>
-        </p:style>
-        <p:txBody>
-          <a:bodyPr rtlCol="0" anchor="ctr"/>
-          <a:lstStyle/>
-          <a:p>
-            <a:pPr algn="ctr"/>
-            <a:r>
-              <a:rPr lang="en-US" sz="3200" dirty="0">
-                <a:latin typeface="Garamond" panose="02020404030301010803" pitchFamily="18" charset="0"/>
-              </a:rPr>
-              <a:t>Model Results for the SPIEX</a:t>
-            </a:r>
-          </a:p>
-        </p:txBody>
-      </p:sp>
-      <p:pic>
-        <p:nvPicPr>
-          <p:cNvPr id="9" name="Picture 8">
-            <a:extLst>
-              <a:ext uri="{FF2B5EF4-FFF2-40B4-BE49-F238E27FC236}">
-                <a16:creationId xmlns:a16="http://schemas.microsoft.com/office/drawing/2014/main" id="{7EA57CF8-2BE6-614B-8D87-141A1F38ABF2}"/>
-              </a:ext>
-            </a:extLst>
-          </p:cNvPr>
-          <p:cNvPicPr>
-            <a:picLocks noChangeAspect="1"/>
-          </p:cNvPicPr>
-          <p:nvPr/>
-        </p:nvPicPr>
-        <p:blipFill>
-          <a:blip r:embed="rId3"/>
-          <a:stretch>
-            <a:fillRect/>
-          </a:stretch>
-        </p:blipFill>
-        <p:spPr>
-          <a:xfrm>
-            <a:off x="2303361" y="2560943"/>
-            <a:ext cx="7963383" cy="3389543"/>
-          </a:xfrm>
-          <a:prstGeom prst="rect">
-            <a:avLst/>
-          </a:prstGeom>
-        </p:spPr>
-      </p:pic>
-    </p:spTree>
-    <p:extLst>
-      <p:ext uri="{BB962C8B-B14F-4D97-AF65-F5344CB8AC3E}">
-        <p14:creationId xmlns:p14="http://schemas.microsoft.com/office/powerpoint/2010/main" val="681053974"/>
       </p:ext>
     </p:extLst>
   </p:cSld>
@@ -24273,7 +25000,7 @@
           <p:cNvPr id="10" name="Picture 9">
             <a:extLst>
               <a:ext uri="{FF2B5EF4-FFF2-40B4-BE49-F238E27FC236}">
-                <a16:creationId xmlns:a16="http://schemas.microsoft.com/office/drawing/2014/main" id="{710EA53A-32B8-2541-9661-E0E60441E8B7}"/>
+                <a16:creationId xmlns:a16="http://schemas.microsoft.com/office/drawing/2014/main" id="{7431712F-65BD-3F4C-8608-07861ADC8CF4}"/>
               </a:ext>
             </a:extLst>
           </p:cNvPr>
@@ -24290,8 +25017,68 @@
         </p:blipFill>
         <p:spPr>
           <a:xfrm>
-            <a:off x="2248025" y="2502027"/>
-            <a:ext cx="8037941" cy="3440482"/>
+            <a:off x="3480576" y="4116994"/>
+            <a:ext cx="5139254" cy="2030690"/>
+          </a:xfrm>
+          <a:prstGeom prst="rect">
+            <a:avLst/>
+          </a:prstGeom>
+        </p:spPr>
+      </p:pic>
+      <p:pic>
+        <p:nvPicPr>
+          <p:cNvPr id="4" name="Picture 3">
+            <a:extLst>
+              <a:ext uri="{FF2B5EF4-FFF2-40B4-BE49-F238E27FC236}">
+                <a16:creationId xmlns:a16="http://schemas.microsoft.com/office/drawing/2014/main" id="{68A66B4C-1323-A749-A140-8F0831AC4D97}"/>
+              </a:ext>
+            </a:extLst>
+          </p:cNvPr>
+          <p:cNvPicPr>
+            <a:picLocks noChangeAspect="1"/>
+          </p:cNvPicPr>
+          <p:nvPr/>
+        </p:nvPicPr>
+        <p:blipFill>
+          <a:blip r:embed="rId3"/>
+          <a:stretch>
+            <a:fillRect/>
+          </a:stretch>
+        </p:blipFill>
+        <p:spPr>
+          <a:xfrm>
+            <a:off x="883171" y="2247382"/>
+            <a:ext cx="4990092" cy="2049394"/>
+          </a:xfrm>
+          <a:prstGeom prst="rect">
+            <a:avLst/>
+          </a:prstGeom>
+        </p:spPr>
+      </p:pic>
+      <p:pic>
+        <p:nvPicPr>
+          <p:cNvPr id="9" name="Picture 8">
+            <a:extLst>
+              <a:ext uri="{FF2B5EF4-FFF2-40B4-BE49-F238E27FC236}">
+                <a16:creationId xmlns:a16="http://schemas.microsoft.com/office/drawing/2014/main" id="{F5853959-8788-D943-BB6C-74143084D371}"/>
+              </a:ext>
+            </a:extLst>
+          </p:cNvPr>
+          <p:cNvPicPr>
+            <a:picLocks noChangeAspect="1"/>
+          </p:cNvPicPr>
+          <p:nvPr/>
+        </p:nvPicPr>
+        <p:blipFill>
+          <a:blip r:embed="rId4"/>
+          <a:stretch>
+            <a:fillRect/>
+          </a:stretch>
+        </p:blipFill>
+        <p:spPr>
+          <a:xfrm>
+            <a:off x="6095998" y="2212656"/>
+            <a:ext cx="5047665" cy="2084119"/>
           </a:xfrm>
           <a:prstGeom prst="rect">
             <a:avLst/>
@@ -24323,7 +25110,7 @@
               <a:rPr lang="en-US" dirty="0">
                 <a:latin typeface="Garamond" panose="02020404030301010803" pitchFamily="18" charset="0"/>
               </a:rPr>
-              <a:t>Appendix B.2</a:t>
+              <a:t>Appendix A</a:t>
             </a:r>
           </a:p>
         </p:txBody>
@@ -24386,7 +25173,257 @@
           <p:nvPr/>
         </p:nvPicPr>
         <p:blipFill>
-          <a:blip r:embed="rId3"/>
+          <a:blip r:embed="rId5"/>
+          <a:stretch>
+            <a:fillRect/>
+          </a:stretch>
+        </p:blipFill>
+        <p:spPr>
+          <a:xfrm>
+            <a:off x="9541432" y="5942509"/>
+            <a:ext cx="2230843" cy="685027"/>
+          </a:xfrm>
+          <a:prstGeom prst="rect">
+            <a:avLst/>
+          </a:prstGeom>
+        </p:spPr>
+      </p:pic>
+      <p:sp>
+        <p:nvSpPr>
+          <p:cNvPr id="7" name="Rectangle 6">
+            <a:extLst>
+              <a:ext uri="{FF2B5EF4-FFF2-40B4-BE49-F238E27FC236}">
+                <a16:creationId xmlns:a16="http://schemas.microsoft.com/office/drawing/2014/main" id="{05CD7D05-DE61-204F-9E8D-2F9EFA09454C}"/>
+              </a:ext>
+            </a:extLst>
+          </p:cNvPr>
+          <p:cNvSpPr/>
+          <p:nvPr/>
+        </p:nvSpPr>
+        <p:spPr>
+          <a:xfrm>
+            <a:off x="883170" y="2316834"/>
+            <a:ext cx="10515600" cy="3814139"/>
+          </a:xfrm>
+          <a:prstGeom prst="rect">
+            <a:avLst/>
+          </a:prstGeom>
+          <a:noFill/>
+          <a:ln w="25400">
+            <a:solidFill>
+              <a:srgbClr val="008240"/>
+            </a:solidFill>
+          </a:ln>
+        </p:spPr>
+        <p:style>
+          <a:lnRef idx="2">
+            <a:schemeClr val="accent1">
+              <a:shade val="50000"/>
+            </a:schemeClr>
+          </a:lnRef>
+          <a:fillRef idx="1">
+            <a:schemeClr val="accent1"/>
+          </a:fillRef>
+          <a:effectRef idx="0">
+            <a:schemeClr val="accent1"/>
+          </a:effectRef>
+          <a:fontRef idx="minor">
+            <a:schemeClr val="lt1"/>
+          </a:fontRef>
+        </p:style>
+        <p:txBody>
+          <a:bodyPr rtlCol="0" anchor="ctr"/>
+          <a:lstStyle/>
+          <a:p>
+            <a:pPr algn="ctr"/>
+            <a:endParaRPr lang="en-US">
+              <a:latin typeface="Garamond" panose="02020404030301010803" pitchFamily="18" charset="0"/>
+            </a:endParaRPr>
+          </a:p>
+        </p:txBody>
+      </p:sp>
+      <p:sp>
+        <p:nvSpPr>
+          <p:cNvPr id="8" name="Rectangle 7">
+            <a:extLst>
+              <a:ext uri="{FF2B5EF4-FFF2-40B4-BE49-F238E27FC236}">
+                <a16:creationId xmlns:a16="http://schemas.microsoft.com/office/drawing/2014/main" id="{69FCC24B-2CE0-6547-BB53-C6993586B9DE}"/>
+              </a:ext>
+            </a:extLst>
+          </p:cNvPr>
+          <p:cNvSpPr/>
+          <p:nvPr/>
+        </p:nvSpPr>
+        <p:spPr>
+          <a:xfrm>
+            <a:off x="883170" y="1822157"/>
+            <a:ext cx="10515600" cy="494677"/>
+          </a:xfrm>
+          <a:prstGeom prst="rect">
+            <a:avLst/>
+          </a:prstGeom>
+          <a:solidFill>
+            <a:schemeClr val="bg1">
+              <a:lumMod val="65000"/>
+            </a:schemeClr>
+          </a:solidFill>
+          <a:ln w="25400">
+            <a:solidFill>
+              <a:schemeClr val="bg1">
+                <a:lumMod val="65000"/>
+              </a:schemeClr>
+            </a:solidFill>
+          </a:ln>
+        </p:spPr>
+        <p:style>
+          <a:lnRef idx="2">
+            <a:schemeClr val="accent1">
+              <a:shade val="50000"/>
+            </a:schemeClr>
+          </a:lnRef>
+          <a:fillRef idx="1">
+            <a:schemeClr val="accent1"/>
+          </a:fillRef>
+          <a:effectRef idx="0">
+            <a:schemeClr val="accent1"/>
+          </a:effectRef>
+          <a:fontRef idx="minor">
+            <a:schemeClr val="lt1"/>
+          </a:fontRef>
+        </p:style>
+        <p:txBody>
+          <a:bodyPr rtlCol="0" anchor="ctr"/>
+          <a:lstStyle/>
+          <a:p>
+            <a:pPr algn="ctr"/>
+            <a:r>
+              <a:rPr lang="en-US" sz="3200" dirty="0">
+                <a:latin typeface="Garamond" panose="02020404030301010803" pitchFamily="18" charset="0"/>
+              </a:rPr>
+              <a:t>Descriptive statistics</a:t>
+            </a:r>
+          </a:p>
+        </p:txBody>
+      </p:sp>
+    </p:spTree>
+    <p:extLst>
+      <p:ext uri="{BB962C8B-B14F-4D97-AF65-F5344CB8AC3E}">
+        <p14:creationId xmlns:p14="http://schemas.microsoft.com/office/powerpoint/2010/main" val="2115519025"/>
+      </p:ext>
+    </p:extLst>
+  </p:cSld>
+  <p:clrMapOvr>
+    <a:masterClrMapping/>
+  </p:clrMapOvr>
+</p:sld>
+</file>
+
+<file path=ppt/slides/slide21.xml><?xml version="1.0" encoding="utf-8"?>
+<p:sld xmlns:a="http://schemas.openxmlformats.org/drawingml/2006/main" xmlns:r="http://schemas.openxmlformats.org/officeDocument/2006/relationships" xmlns:p="http://schemas.openxmlformats.org/presentationml/2006/main">
+  <p:cSld>
+    <p:spTree>
+      <p:nvGrpSpPr>
+        <p:cNvPr id="1" name=""/>
+        <p:cNvGrpSpPr/>
+        <p:nvPr/>
+      </p:nvGrpSpPr>
+      <p:grpSpPr>
+        <a:xfrm>
+          <a:off x="0" y="0"/>
+          <a:ext cx="0" cy="0"/>
+          <a:chOff x="0" y="0"/>
+          <a:chExt cx="0" cy="0"/>
+        </a:xfrm>
+      </p:grpSpPr>
+      <p:sp>
+        <p:nvSpPr>
+          <p:cNvPr id="2" name="Title 1">
+            <a:extLst>
+              <a:ext uri="{FF2B5EF4-FFF2-40B4-BE49-F238E27FC236}">
+                <a16:creationId xmlns:a16="http://schemas.microsoft.com/office/drawing/2014/main" id="{06E72185-1262-224E-A639-374C64E7CD29}"/>
+              </a:ext>
+            </a:extLst>
+          </p:cNvPr>
+          <p:cNvSpPr>
+            <a:spLocks noGrp="1"/>
+          </p:cNvSpPr>
+          <p:nvPr>
+            <p:ph type="title"/>
+          </p:nvPr>
+        </p:nvSpPr>
+        <p:spPr/>
+        <p:txBody>
+          <a:bodyPr/>
+          <a:lstStyle/>
+          <a:p>
+            <a:r>
+              <a:rPr lang="en-US" dirty="0">
+                <a:latin typeface="Garamond" panose="02020404030301010803" pitchFamily="18" charset="0"/>
+              </a:rPr>
+              <a:t>Appendix B.1</a:t>
+            </a:r>
+          </a:p>
+        </p:txBody>
+      </p:sp>
+      <p:cxnSp>
+        <p:nvCxnSpPr>
+          <p:cNvPr id="5" name="Straight Connector 4">
+            <a:extLst>
+              <a:ext uri="{FF2B5EF4-FFF2-40B4-BE49-F238E27FC236}">
+                <a16:creationId xmlns:a16="http://schemas.microsoft.com/office/drawing/2014/main" id="{F0CA2925-7FF0-E94D-B547-3A2C56441DCE}"/>
+              </a:ext>
+            </a:extLst>
+          </p:cNvPr>
+          <p:cNvCxnSpPr>
+            <a:cxnSpLocks/>
+          </p:cNvCxnSpPr>
+          <p:nvPr/>
+        </p:nvCxnSpPr>
+        <p:spPr>
+          <a:xfrm>
+            <a:off x="838200" y="1690688"/>
+            <a:ext cx="10515600" cy="0"/>
+          </a:xfrm>
+          <a:prstGeom prst="line">
+            <a:avLst/>
+          </a:prstGeom>
+          <a:ln w="44450">
+            <a:solidFill>
+              <a:srgbClr val="008240"/>
+            </a:solidFill>
+          </a:ln>
+        </p:spPr>
+        <p:style>
+          <a:lnRef idx="2">
+            <a:schemeClr val="dk1"/>
+          </a:lnRef>
+          <a:fillRef idx="0">
+            <a:schemeClr val="dk1"/>
+          </a:fillRef>
+          <a:effectRef idx="1">
+            <a:schemeClr val="dk1"/>
+          </a:effectRef>
+          <a:fontRef idx="minor">
+            <a:schemeClr val="tx1"/>
+          </a:fontRef>
+        </p:style>
+      </p:cxnSp>
+      <p:pic>
+        <p:nvPicPr>
+          <p:cNvPr id="6" name="Picture 5">
+            <a:extLst>
+              <a:ext uri="{FF2B5EF4-FFF2-40B4-BE49-F238E27FC236}">
+                <a16:creationId xmlns:a16="http://schemas.microsoft.com/office/drawing/2014/main" id="{9C06C3B5-9468-1140-9979-953666A8127D}"/>
+              </a:ext>
+            </a:extLst>
+          </p:cNvPr>
+          <p:cNvPicPr>
+            <a:picLocks noChangeAspect="1"/>
+          </p:cNvPicPr>
+          <p:nvPr/>
+        </p:nvPicPr>
+        <p:blipFill>
+          <a:blip r:embed="rId2"/>
           <a:stretch>
             <a:fillRect/>
           </a:stretch>
@@ -24518,10 +25555,40 @@
           </a:p>
         </p:txBody>
       </p:sp>
+      <p:pic>
+        <p:nvPicPr>
+          <p:cNvPr id="9" name="Picture 8">
+            <a:extLst>
+              <a:ext uri="{FF2B5EF4-FFF2-40B4-BE49-F238E27FC236}">
+                <a16:creationId xmlns:a16="http://schemas.microsoft.com/office/drawing/2014/main" id="{7EA57CF8-2BE6-614B-8D87-141A1F38ABF2}"/>
+              </a:ext>
+            </a:extLst>
+          </p:cNvPr>
+          <p:cNvPicPr>
+            <a:picLocks noChangeAspect="1"/>
+          </p:cNvPicPr>
+          <p:nvPr/>
+        </p:nvPicPr>
+        <p:blipFill>
+          <a:blip r:embed="rId3"/>
+          <a:stretch>
+            <a:fillRect/>
+          </a:stretch>
+        </p:blipFill>
+        <p:spPr>
+          <a:xfrm>
+            <a:off x="2303361" y="2560943"/>
+            <a:ext cx="7963383" cy="3389543"/>
+          </a:xfrm>
+          <a:prstGeom prst="rect">
+            <a:avLst/>
+          </a:prstGeom>
+        </p:spPr>
+      </p:pic>
     </p:spTree>
     <p:extLst>
       <p:ext uri="{BB962C8B-B14F-4D97-AF65-F5344CB8AC3E}">
-        <p14:creationId xmlns:p14="http://schemas.microsoft.com/office/powerpoint/2010/main" val="3393459973"/>
+        <p14:creationId xmlns:p14="http://schemas.microsoft.com/office/powerpoint/2010/main" val="681053974"/>
       </p:ext>
     </p:extLst>
   </p:cSld>
@@ -24531,7 +25598,7 @@
 </p:sld>
 </file>
 
-<file path=ppt/slides/slide21.xml><?xml version="1.0" encoding="utf-8"?>
+<file path=ppt/slides/slide22.xml><?xml version="1.0" encoding="utf-8"?>
 <p:sld xmlns:a="http://schemas.openxmlformats.org/drawingml/2006/main" xmlns:r="http://schemas.openxmlformats.org/officeDocument/2006/relationships" xmlns:p="http://schemas.openxmlformats.org/presentationml/2006/main">
   <p:cSld>
     <p:spTree>
@@ -24550,10 +25617,10 @@
       </p:grpSpPr>
       <p:pic>
         <p:nvPicPr>
-          <p:cNvPr id="4" name="Picture 3">
-            <a:extLst>
-              <a:ext uri="{FF2B5EF4-FFF2-40B4-BE49-F238E27FC236}">
-                <a16:creationId xmlns:a16="http://schemas.microsoft.com/office/drawing/2014/main" id="{FFA4738B-B7EE-304B-9460-6ED9C8595776}"/>
+          <p:cNvPr id="10" name="Picture 9">
+            <a:extLst>
+              <a:ext uri="{FF2B5EF4-FFF2-40B4-BE49-F238E27FC236}">
+                <a16:creationId xmlns:a16="http://schemas.microsoft.com/office/drawing/2014/main" id="{710EA53A-32B8-2541-9661-E0E60441E8B7}"/>
               </a:ext>
             </a:extLst>
           </p:cNvPr>
@@ -24570,8 +25637,8 @@
         </p:blipFill>
         <p:spPr>
           <a:xfrm>
-            <a:off x="2164466" y="2494561"/>
-            <a:ext cx="8160152" cy="3501715"/>
+            <a:off x="2248025" y="2502027"/>
+            <a:ext cx="8037941" cy="3440482"/>
           </a:xfrm>
           <a:prstGeom prst="rect">
             <a:avLst/>
@@ -24603,7 +25670,7 @@
               <a:rPr lang="en-US" dirty="0">
                 <a:latin typeface="Garamond" panose="02020404030301010803" pitchFamily="18" charset="0"/>
               </a:rPr>
-              <a:t>Appendix C</a:t>
+              <a:t>Appendix B.2</a:t>
             </a:r>
           </a:p>
         </p:txBody>
@@ -24686,7 +25753,7 @@
           <p:cNvPr id="7" name="Rectangle 6">
             <a:extLst>
               <a:ext uri="{FF2B5EF4-FFF2-40B4-BE49-F238E27FC236}">
-                <a16:creationId xmlns:a16="http://schemas.microsoft.com/office/drawing/2014/main" id="{C40747F0-41CF-974A-8999-11129CFE57A7}"/>
+                <a16:creationId xmlns:a16="http://schemas.microsoft.com/office/drawing/2014/main" id="{5870F770-99EF-A04E-8F29-BD68C515E8A6}"/>
               </a:ext>
             </a:extLst>
           </p:cNvPr>
@@ -24740,7 +25807,7 @@
           <p:cNvPr id="8" name="Rectangle 7">
             <a:extLst>
               <a:ext uri="{FF2B5EF4-FFF2-40B4-BE49-F238E27FC236}">
-                <a16:creationId xmlns:a16="http://schemas.microsoft.com/office/drawing/2014/main" id="{F8EC4C43-E34B-4847-88EE-73559ABA41CC}"/>
+                <a16:creationId xmlns:a16="http://schemas.microsoft.com/office/drawing/2014/main" id="{C36AD6B3-18C7-F742-A984-A2CEF7803288}"/>
               </a:ext>
             </a:extLst>
           </p:cNvPr>
@@ -24793,31 +25860,7 @@
               <a:rPr lang="en-US" sz="3200" dirty="0">
                 <a:latin typeface="Garamond" panose="02020404030301010803" pitchFamily="18" charset="0"/>
               </a:rPr>
-              <a:t>Model Results for </a:t>
-            </a:r>
-            <a:r>
-              <a:rPr lang="en-US" sz="3200" dirty="0" err="1">
-                <a:latin typeface="Garamond" panose="02020404030301010803" pitchFamily="18" charset="0"/>
-              </a:rPr>
-              <a:t>Int</a:t>
-            </a:r>
-            <a:r>
-              <a:rPr lang="en-US" sz="3200" dirty="0">
-                <a:latin typeface="Garamond" panose="02020404030301010803" pitchFamily="18" charset="0"/>
-              </a:rPr>
-              <a:t>/No </a:t>
-            </a:r>
-            <a:r>
-              <a:rPr lang="en-US" sz="3200" dirty="0" err="1">
-                <a:latin typeface="Garamond" panose="02020404030301010803" pitchFamily="18" charset="0"/>
-              </a:rPr>
-              <a:t>Int</a:t>
-            </a:r>
-            <a:r>
-              <a:rPr lang="en-US" sz="3200" dirty="0">
-                <a:latin typeface="Garamond" panose="02020404030301010803" pitchFamily="18" charset="0"/>
-              </a:rPr>
-              <a:t> (large SD interventions)</a:t>
+              <a:t>Model Results for the SPIEX</a:t>
             </a:r>
           </a:p>
         </p:txBody>
@@ -24825,7 +25868,7 @@
     </p:spTree>
     <p:extLst>
       <p:ext uri="{BB962C8B-B14F-4D97-AF65-F5344CB8AC3E}">
-        <p14:creationId xmlns:p14="http://schemas.microsoft.com/office/powerpoint/2010/main" val="445610850"/>
+        <p14:creationId xmlns:p14="http://schemas.microsoft.com/office/powerpoint/2010/main" val="3393459973"/>
       </p:ext>
     </p:extLst>
   </p:cSld>
@@ -24835,7 +25878,7 @@
 </p:sld>
 </file>
 
-<file path=ppt/slides/slide22.xml><?xml version="1.0" encoding="utf-8"?>
+<file path=ppt/slides/slide23.xml><?xml version="1.0" encoding="utf-8"?>
 <p:sld xmlns:a="http://schemas.openxmlformats.org/drawingml/2006/main" xmlns:r="http://schemas.openxmlformats.org/officeDocument/2006/relationships" xmlns:p="http://schemas.openxmlformats.org/presentationml/2006/main">
   <p:cSld>
     <p:spTree>
@@ -24857,7 +25900,7 @@
           <p:cNvPr id="4" name="Picture 3">
             <a:extLst>
               <a:ext uri="{FF2B5EF4-FFF2-40B4-BE49-F238E27FC236}">
-                <a16:creationId xmlns:a16="http://schemas.microsoft.com/office/drawing/2014/main" id="{2803AA9C-D714-0148-A381-B55823F2DE73}"/>
+                <a16:creationId xmlns:a16="http://schemas.microsoft.com/office/drawing/2014/main" id="{FFA4738B-B7EE-304B-9460-6ED9C8595776}"/>
               </a:ext>
             </a:extLst>
           </p:cNvPr>
@@ -24874,8 +25917,8 @@
         </p:blipFill>
         <p:spPr>
           <a:xfrm>
-            <a:off x="2424113" y="2502338"/>
-            <a:ext cx="7867009" cy="3556732"/>
+            <a:off x="2164466" y="2494561"/>
+            <a:ext cx="8160152" cy="3501715"/>
           </a:xfrm>
           <a:prstGeom prst="rect">
             <a:avLst/>
@@ -24907,7 +25950,7 @@
               <a:rPr lang="en-US" dirty="0">
                 <a:latin typeface="Garamond" panose="02020404030301010803" pitchFamily="18" charset="0"/>
               </a:rPr>
-              <a:t>Appendix D</a:t>
+              <a:t>Appendix C</a:t>
             </a:r>
           </a:p>
         </p:txBody>
@@ -24990,7 +26033,7 @@
           <p:cNvPr id="7" name="Rectangle 6">
             <a:extLst>
               <a:ext uri="{FF2B5EF4-FFF2-40B4-BE49-F238E27FC236}">
-                <a16:creationId xmlns:a16="http://schemas.microsoft.com/office/drawing/2014/main" id="{D7B2ACD5-B88F-BF46-8AEB-B98EDE2D89ED}"/>
+                <a16:creationId xmlns:a16="http://schemas.microsoft.com/office/drawing/2014/main" id="{C40747F0-41CF-974A-8999-11129CFE57A7}"/>
               </a:ext>
             </a:extLst>
           </p:cNvPr>
@@ -25044,7 +26087,7 @@
           <p:cNvPr id="8" name="Rectangle 7">
             <a:extLst>
               <a:ext uri="{FF2B5EF4-FFF2-40B4-BE49-F238E27FC236}">
-                <a16:creationId xmlns:a16="http://schemas.microsoft.com/office/drawing/2014/main" id="{666A8675-0167-A243-A867-C4CF8FBFE0E3}"/>
+                <a16:creationId xmlns:a16="http://schemas.microsoft.com/office/drawing/2014/main" id="{F8EC4C43-E34B-4847-88EE-73559ABA41CC}"/>
               </a:ext>
             </a:extLst>
           </p:cNvPr>
@@ -25097,7 +26140,31 @@
               <a:rPr lang="en-US" sz="3200" dirty="0">
                 <a:latin typeface="Garamond" panose="02020404030301010803" pitchFamily="18" charset="0"/>
               </a:rPr>
-              <a:t>Model results for the FX interventions set</a:t>
+              <a:t>Model Results for </a:t>
+            </a:r>
+            <a:r>
+              <a:rPr lang="en-US" sz="3200" dirty="0" err="1">
+                <a:latin typeface="Garamond" panose="02020404030301010803" pitchFamily="18" charset="0"/>
+              </a:rPr>
+              <a:t>Int</a:t>
+            </a:r>
+            <a:r>
+              <a:rPr lang="en-US" sz="3200" dirty="0">
+                <a:latin typeface="Garamond" panose="02020404030301010803" pitchFamily="18" charset="0"/>
+              </a:rPr>
+              <a:t>/No </a:t>
+            </a:r>
+            <a:r>
+              <a:rPr lang="en-US" sz="3200" dirty="0" err="1">
+                <a:latin typeface="Garamond" panose="02020404030301010803" pitchFamily="18" charset="0"/>
+              </a:rPr>
+              <a:t>Int</a:t>
+            </a:r>
+            <a:r>
+              <a:rPr lang="en-US" sz="3200" dirty="0">
+                <a:latin typeface="Garamond" panose="02020404030301010803" pitchFamily="18" charset="0"/>
+              </a:rPr>
+              <a:t> (large SD interventions)</a:t>
             </a:r>
           </a:p>
         </p:txBody>
@@ -25105,7 +26172,7 @@
     </p:spTree>
     <p:extLst>
       <p:ext uri="{BB962C8B-B14F-4D97-AF65-F5344CB8AC3E}">
-        <p14:creationId xmlns:p14="http://schemas.microsoft.com/office/powerpoint/2010/main" val="1851334656"/>
+        <p14:creationId xmlns:p14="http://schemas.microsoft.com/office/powerpoint/2010/main" val="445610850"/>
       </p:ext>
     </p:extLst>
   </p:cSld>
@@ -25115,7 +26182,7 @@
 </p:sld>
 </file>
 
-<file path=ppt/slides/slide23.xml><?xml version="1.0" encoding="utf-8"?>
+<file path=ppt/slides/slide24.xml><?xml version="1.0" encoding="utf-8"?>
 <p:sld xmlns:a="http://schemas.openxmlformats.org/drawingml/2006/main" xmlns:r="http://schemas.openxmlformats.org/officeDocument/2006/relationships" xmlns:p="http://schemas.openxmlformats.org/presentationml/2006/main">
   <p:cSld>
     <p:spTree>
@@ -25132,6 +26199,36 @@
           <a:chExt cx="0" cy="0"/>
         </a:xfrm>
       </p:grpSpPr>
+      <p:pic>
+        <p:nvPicPr>
+          <p:cNvPr id="4" name="Picture 3">
+            <a:extLst>
+              <a:ext uri="{FF2B5EF4-FFF2-40B4-BE49-F238E27FC236}">
+                <a16:creationId xmlns:a16="http://schemas.microsoft.com/office/drawing/2014/main" id="{2803AA9C-D714-0148-A381-B55823F2DE73}"/>
+              </a:ext>
+            </a:extLst>
+          </p:cNvPr>
+          <p:cNvPicPr>
+            <a:picLocks noChangeAspect="1"/>
+          </p:cNvPicPr>
+          <p:nvPr/>
+        </p:nvPicPr>
+        <p:blipFill>
+          <a:blip r:embed="rId2"/>
+          <a:stretch>
+            <a:fillRect/>
+          </a:stretch>
+        </p:blipFill>
+        <p:spPr>
+          <a:xfrm>
+            <a:off x="2424113" y="2502338"/>
+            <a:ext cx="7867009" cy="3556732"/>
+          </a:xfrm>
+          <a:prstGeom prst="rect">
+            <a:avLst/>
+          </a:prstGeom>
+        </p:spPr>
+      </p:pic>
       <p:sp>
         <p:nvSpPr>
           <p:cNvPr id="2" name="Title 1">
@@ -25157,7 +26254,7 @@
               <a:rPr lang="en-US" dirty="0">
                 <a:latin typeface="Garamond" panose="02020404030301010803" pitchFamily="18" charset="0"/>
               </a:rPr>
-              <a:t>Appendix E.1</a:t>
+              <a:t>Appendix D</a:t>
             </a:r>
           </a:p>
         </p:txBody>
@@ -25220,7 +26317,7 @@
           <p:nvPr/>
         </p:nvPicPr>
         <p:blipFill>
-          <a:blip r:embed="rId2"/>
+          <a:blip r:embed="rId3"/>
           <a:stretch>
             <a:fillRect/>
           </a:stretch>
@@ -25240,7 +26337,7 @@
           <p:cNvPr id="7" name="Rectangle 6">
             <a:extLst>
               <a:ext uri="{FF2B5EF4-FFF2-40B4-BE49-F238E27FC236}">
-                <a16:creationId xmlns:a16="http://schemas.microsoft.com/office/drawing/2014/main" id="{9756BD24-9682-C140-8E69-875CFD4C22DA}"/>
+                <a16:creationId xmlns:a16="http://schemas.microsoft.com/office/drawing/2014/main" id="{D7B2ACD5-B88F-BF46-8AEB-B98EDE2D89ED}"/>
               </a:ext>
             </a:extLst>
           </p:cNvPr>
@@ -25294,7 +26391,7 @@
           <p:cNvPr id="8" name="Rectangle 7">
             <a:extLst>
               <a:ext uri="{FF2B5EF4-FFF2-40B4-BE49-F238E27FC236}">
-                <a16:creationId xmlns:a16="http://schemas.microsoft.com/office/drawing/2014/main" id="{3512E4BF-972A-6847-B658-E736EDEE2166}"/>
+                <a16:creationId xmlns:a16="http://schemas.microsoft.com/office/drawing/2014/main" id="{666A8675-0167-A243-A867-C4CF8FBFE0E3}"/>
               </a:ext>
             </a:extLst>
           </p:cNvPr>
@@ -25347,6 +26444,256 @@
               <a:rPr lang="en-US" sz="3200" dirty="0">
                 <a:latin typeface="Garamond" panose="02020404030301010803" pitchFamily="18" charset="0"/>
               </a:rPr>
+              <a:t>Model results for the FX interventions set</a:t>
+            </a:r>
+          </a:p>
+        </p:txBody>
+      </p:sp>
+    </p:spTree>
+    <p:extLst>
+      <p:ext uri="{BB962C8B-B14F-4D97-AF65-F5344CB8AC3E}">
+        <p14:creationId xmlns:p14="http://schemas.microsoft.com/office/powerpoint/2010/main" val="1851334656"/>
+      </p:ext>
+    </p:extLst>
+  </p:cSld>
+  <p:clrMapOvr>
+    <a:masterClrMapping/>
+  </p:clrMapOvr>
+</p:sld>
+</file>
+
+<file path=ppt/slides/slide25.xml><?xml version="1.0" encoding="utf-8"?>
+<p:sld xmlns:a="http://schemas.openxmlformats.org/drawingml/2006/main" xmlns:r="http://schemas.openxmlformats.org/officeDocument/2006/relationships" xmlns:p="http://schemas.openxmlformats.org/presentationml/2006/main">
+  <p:cSld>
+    <p:spTree>
+      <p:nvGrpSpPr>
+        <p:cNvPr id="1" name=""/>
+        <p:cNvGrpSpPr/>
+        <p:nvPr/>
+      </p:nvGrpSpPr>
+      <p:grpSpPr>
+        <a:xfrm>
+          <a:off x="0" y="0"/>
+          <a:ext cx="0" cy="0"/>
+          <a:chOff x="0" y="0"/>
+          <a:chExt cx="0" cy="0"/>
+        </a:xfrm>
+      </p:grpSpPr>
+      <p:sp>
+        <p:nvSpPr>
+          <p:cNvPr id="2" name="Title 1">
+            <a:extLst>
+              <a:ext uri="{FF2B5EF4-FFF2-40B4-BE49-F238E27FC236}">
+                <a16:creationId xmlns:a16="http://schemas.microsoft.com/office/drawing/2014/main" id="{06E72185-1262-224E-A639-374C64E7CD29}"/>
+              </a:ext>
+            </a:extLst>
+          </p:cNvPr>
+          <p:cNvSpPr>
+            <a:spLocks noGrp="1"/>
+          </p:cNvSpPr>
+          <p:nvPr>
+            <p:ph type="title"/>
+          </p:nvPr>
+        </p:nvSpPr>
+        <p:spPr/>
+        <p:txBody>
+          <a:bodyPr/>
+          <a:lstStyle/>
+          <a:p>
+            <a:r>
+              <a:rPr lang="en-US" dirty="0">
+                <a:latin typeface="Garamond" panose="02020404030301010803" pitchFamily="18" charset="0"/>
+              </a:rPr>
+              <a:t>Appendix E.1</a:t>
+            </a:r>
+          </a:p>
+        </p:txBody>
+      </p:sp>
+      <p:cxnSp>
+        <p:nvCxnSpPr>
+          <p:cNvPr id="5" name="Straight Connector 4">
+            <a:extLst>
+              <a:ext uri="{FF2B5EF4-FFF2-40B4-BE49-F238E27FC236}">
+                <a16:creationId xmlns:a16="http://schemas.microsoft.com/office/drawing/2014/main" id="{F0CA2925-7FF0-E94D-B547-3A2C56441DCE}"/>
+              </a:ext>
+            </a:extLst>
+          </p:cNvPr>
+          <p:cNvCxnSpPr>
+            <a:cxnSpLocks/>
+          </p:cNvCxnSpPr>
+          <p:nvPr/>
+        </p:nvCxnSpPr>
+        <p:spPr>
+          <a:xfrm>
+            <a:off x="838200" y="1690688"/>
+            <a:ext cx="10515600" cy="0"/>
+          </a:xfrm>
+          <a:prstGeom prst="line">
+            <a:avLst/>
+          </a:prstGeom>
+          <a:ln w="44450">
+            <a:solidFill>
+              <a:srgbClr val="008240"/>
+            </a:solidFill>
+          </a:ln>
+        </p:spPr>
+        <p:style>
+          <a:lnRef idx="2">
+            <a:schemeClr val="dk1"/>
+          </a:lnRef>
+          <a:fillRef idx="0">
+            <a:schemeClr val="dk1"/>
+          </a:fillRef>
+          <a:effectRef idx="1">
+            <a:schemeClr val="dk1"/>
+          </a:effectRef>
+          <a:fontRef idx="minor">
+            <a:schemeClr val="tx1"/>
+          </a:fontRef>
+        </p:style>
+      </p:cxnSp>
+      <p:pic>
+        <p:nvPicPr>
+          <p:cNvPr id="6" name="Picture 5">
+            <a:extLst>
+              <a:ext uri="{FF2B5EF4-FFF2-40B4-BE49-F238E27FC236}">
+                <a16:creationId xmlns:a16="http://schemas.microsoft.com/office/drawing/2014/main" id="{9C06C3B5-9468-1140-9979-953666A8127D}"/>
+              </a:ext>
+            </a:extLst>
+          </p:cNvPr>
+          <p:cNvPicPr>
+            <a:picLocks noChangeAspect="1"/>
+          </p:cNvPicPr>
+          <p:nvPr/>
+        </p:nvPicPr>
+        <p:blipFill>
+          <a:blip r:embed="rId2"/>
+          <a:stretch>
+            <a:fillRect/>
+          </a:stretch>
+        </p:blipFill>
+        <p:spPr>
+          <a:xfrm>
+            <a:off x="9541432" y="5942509"/>
+            <a:ext cx="2230843" cy="685027"/>
+          </a:xfrm>
+          <a:prstGeom prst="rect">
+            <a:avLst/>
+          </a:prstGeom>
+        </p:spPr>
+      </p:pic>
+      <p:sp>
+        <p:nvSpPr>
+          <p:cNvPr id="7" name="Rectangle 6">
+            <a:extLst>
+              <a:ext uri="{FF2B5EF4-FFF2-40B4-BE49-F238E27FC236}">
+                <a16:creationId xmlns:a16="http://schemas.microsoft.com/office/drawing/2014/main" id="{9756BD24-9682-C140-8E69-875CFD4C22DA}"/>
+              </a:ext>
+            </a:extLst>
+          </p:cNvPr>
+          <p:cNvSpPr/>
+          <p:nvPr/>
+        </p:nvSpPr>
+        <p:spPr>
+          <a:xfrm>
+            <a:off x="883170" y="2548328"/>
+            <a:ext cx="10515600" cy="3582645"/>
+          </a:xfrm>
+          <a:prstGeom prst="rect">
+            <a:avLst/>
+          </a:prstGeom>
+          <a:noFill/>
+          <a:ln w="25400">
+            <a:solidFill>
+              <a:srgbClr val="008240"/>
+            </a:solidFill>
+          </a:ln>
+        </p:spPr>
+        <p:style>
+          <a:lnRef idx="2">
+            <a:schemeClr val="accent1">
+              <a:shade val="50000"/>
+            </a:schemeClr>
+          </a:lnRef>
+          <a:fillRef idx="1">
+            <a:schemeClr val="accent1"/>
+          </a:fillRef>
+          <a:effectRef idx="0">
+            <a:schemeClr val="accent1"/>
+          </a:effectRef>
+          <a:fontRef idx="minor">
+            <a:schemeClr val="lt1"/>
+          </a:fontRef>
+        </p:style>
+        <p:txBody>
+          <a:bodyPr rtlCol="0" anchor="ctr"/>
+          <a:lstStyle/>
+          <a:p>
+            <a:pPr algn="ctr"/>
+            <a:endParaRPr lang="en-US">
+              <a:latin typeface="Garamond" panose="02020404030301010803" pitchFamily="18" charset="0"/>
+            </a:endParaRPr>
+          </a:p>
+        </p:txBody>
+      </p:sp>
+      <p:sp>
+        <p:nvSpPr>
+          <p:cNvPr id="8" name="Rectangle 7">
+            <a:extLst>
+              <a:ext uri="{FF2B5EF4-FFF2-40B4-BE49-F238E27FC236}">
+                <a16:creationId xmlns:a16="http://schemas.microsoft.com/office/drawing/2014/main" id="{3512E4BF-972A-6847-B658-E736EDEE2166}"/>
+              </a:ext>
+            </a:extLst>
+          </p:cNvPr>
+          <p:cNvSpPr/>
+          <p:nvPr/>
+        </p:nvSpPr>
+        <p:spPr>
+          <a:xfrm>
+            <a:off x="883170" y="2053652"/>
+            <a:ext cx="10515600" cy="494677"/>
+          </a:xfrm>
+          <a:prstGeom prst="rect">
+            <a:avLst/>
+          </a:prstGeom>
+          <a:solidFill>
+            <a:schemeClr val="bg1">
+              <a:lumMod val="65000"/>
+            </a:schemeClr>
+          </a:solidFill>
+          <a:ln w="25400">
+            <a:solidFill>
+              <a:schemeClr val="bg1">
+                <a:lumMod val="65000"/>
+              </a:schemeClr>
+            </a:solidFill>
+          </a:ln>
+        </p:spPr>
+        <p:style>
+          <a:lnRef idx="2">
+            <a:schemeClr val="accent1">
+              <a:shade val="50000"/>
+            </a:schemeClr>
+          </a:lnRef>
+          <a:fillRef idx="1">
+            <a:schemeClr val="accent1"/>
+          </a:fillRef>
+          <a:effectRef idx="0">
+            <a:schemeClr val="accent1"/>
+          </a:effectRef>
+          <a:fontRef idx="minor">
+            <a:schemeClr val="lt1"/>
+          </a:fontRef>
+        </p:style>
+        <p:txBody>
+          <a:bodyPr rtlCol="0" anchor="ctr"/>
+          <a:lstStyle/>
+          <a:p>
+            <a:pPr algn="ctr"/>
+            <a:r>
+              <a:rPr lang="en-US" sz="3200" dirty="0">
+                <a:latin typeface="Garamond" panose="02020404030301010803" pitchFamily="18" charset="0"/>
+              </a:rPr>
               <a:t>Model results for the CHF/EUR set</a:t>
             </a:r>
           </a:p>
@@ -25395,7 +26742,7 @@
 </p:sld>
 </file>
 
-<file path=ppt/slides/slide24.xml><?xml version="1.0" encoding="utf-8"?>
+<file path=ppt/slides/slide26.xml><?xml version="1.0" encoding="utf-8"?>
 <p:sld xmlns:a="http://schemas.openxmlformats.org/drawingml/2006/main" xmlns:r="http://schemas.openxmlformats.org/officeDocument/2006/relationships" xmlns:p="http://schemas.openxmlformats.org/presentationml/2006/main">
   <p:cSld>
     <p:spTree>

--- a/Plots/Presentation_Stauffenegger_Woessner.pptx
+++ b/Plots/Presentation_Stauffenegger_Woessner.pptx
@@ -179,7 +179,7 @@
 <file path=ppt/charts/chart1.xml><?xml version="1.0" encoding="utf-8"?>
 <c:chartSpace xmlns:c="http://schemas.openxmlformats.org/drawingml/2006/chart" xmlns:a="http://schemas.openxmlformats.org/drawingml/2006/main" xmlns:r="http://schemas.openxmlformats.org/officeDocument/2006/relationships" xmlns:c16r2="http://schemas.microsoft.com/office/drawing/2015/06/chart">
   <c:date1904 val="0"/>
-  <c:lang val="de-DE"/>
+  <c:lang val="en-US"/>
   <c:roundedCorners val="0"/>
   <mc:AlternateContent xmlns:mc="http://schemas.openxmlformats.org/markup-compatibility/2006">
     <mc:Choice xmlns:c14="http://schemas.microsoft.com/office/drawing/2007/8/2/chart" Requires="c14">
@@ -7570,7 +7570,7 @@
 <file path=ppt/charts/chart2.xml><?xml version="1.0" encoding="utf-8"?>
 <c:chartSpace xmlns:c="http://schemas.openxmlformats.org/drawingml/2006/chart" xmlns:a="http://schemas.openxmlformats.org/drawingml/2006/main" xmlns:r="http://schemas.openxmlformats.org/officeDocument/2006/relationships" xmlns:c16r2="http://schemas.microsoft.com/office/drawing/2015/06/chart">
   <c:date1904 val="0"/>
-  <c:lang val="de-DE"/>
+  <c:lang val="en-US"/>
   <c:roundedCorners val="0"/>
   <mc:AlternateContent xmlns:mc="http://schemas.openxmlformats.org/markup-compatibility/2006">
     <mc:Choice xmlns:c14="http://schemas.microsoft.com/office/drawing/2007/8/2/chart" Requires="c14">
@@ -12556,7 +12556,7 @@
           <a:p>
             <a:fld id="{176B0303-6F4F-5243-998E-2D2CC346AF00}" type="datetimeFigureOut">
               <a:rPr lang="en-US" smtClean="0"/>
-              <a:t>5/1/2019</a:t>
+              <a:t>5/1/19</a:t>
             </a:fld>
             <a:endParaRPr lang="en-US"/>
           </a:p>
@@ -12714,7 +12714,7 @@
           <a:p>
             <a:fld id="{FFAEC33B-D15A-F948-9B21-8F6BC0A9396E}" type="slidenum">
               <a:rPr lang="en-US" smtClean="0"/>
-              <a:t>‹Nr.›</a:t>
+              <a:t>‹#›</a:t>
             </a:fld>
             <a:endParaRPr lang="en-US"/>
           </a:p>
@@ -13757,7 +13757,7 @@
           <a:p>
             <a:fld id="{85634D96-BAC6-624E-89B2-93829D52EF74}" type="datetimeFigureOut">
               <a:rPr lang="de-DE" smtClean="0"/>
-              <a:t>01.05.2019</a:t>
+              <a:t>01.05.19</a:t>
             </a:fld>
             <a:endParaRPr lang="de-DE"/>
           </a:p>
@@ -13827,7 +13827,7 @@
           <a:p>
             <a:fld id="{3A79EDE4-AB98-A64A-BFD5-DA8FF91B9E2C}" type="slidenum">
               <a:rPr lang="de-DE" smtClean="0"/>
-              <a:t>‹Nr.›</a:t>
+              <a:t>‹#›</a:t>
             </a:fld>
             <a:endParaRPr lang="de-DE"/>
           </a:p>
@@ -13981,7 +13981,7 @@
           <a:p>
             <a:fld id="{85634D96-BAC6-624E-89B2-93829D52EF74}" type="datetimeFigureOut">
               <a:rPr lang="de-DE" smtClean="0"/>
-              <a:t>01.05.2019</a:t>
+              <a:t>01.05.19</a:t>
             </a:fld>
             <a:endParaRPr lang="de-DE"/>
           </a:p>
@@ -14051,7 +14051,7 @@
           <a:p>
             <a:fld id="{3A79EDE4-AB98-A64A-BFD5-DA8FF91B9E2C}" type="slidenum">
               <a:rPr lang="de-DE" smtClean="0"/>
-              <a:t>‹Nr.›</a:t>
+              <a:t>‹#›</a:t>
             </a:fld>
             <a:endParaRPr lang="de-DE"/>
           </a:p>
@@ -14215,7 +14215,7 @@
           <a:p>
             <a:fld id="{85634D96-BAC6-624E-89B2-93829D52EF74}" type="datetimeFigureOut">
               <a:rPr lang="de-DE" smtClean="0"/>
-              <a:t>01.05.2019</a:t>
+              <a:t>01.05.19</a:t>
             </a:fld>
             <a:endParaRPr lang="de-DE"/>
           </a:p>
@@ -14285,7 +14285,7 @@
           <a:p>
             <a:fld id="{3A79EDE4-AB98-A64A-BFD5-DA8FF91B9E2C}" type="slidenum">
               <a:rPr lang="de-DE" smtClean="0"/>
-              <a:t>‹Nr.›</a:t>
+              <a:t>‹#›</a:t>
             </a:fld>
             <a:endParaRPr lang="de-DE"/>
           </a:p>
@@ -14439,7 +14439,7 @@
           <a:p>
             <a:fld id="{85634D96-BAC6-624E-89B2-93829D52EF74}" type="datetimeFigureOut">
               <a:rPr lang="de-DE" smtClean="0"/>
-              <a:t>01.05.2019</a:t>
+              <a:t>01.05.19</a:t>
             </a:fld>
             <a:endParaRPr lang="de-DE"/>
           </a:p>
@@ -14509,7 +14509,7 @@
           <a:p>
             <a:fld id="{3A79EDE4-AB98-A64A-BFD5-DA8FF91B9E2C}" type="slidenum">
               <a:rPr lang="de-DE" smtClean="0"/>
-              <a:t>‹Nr.›</a:t>
+              <a:t>‹#›</a:t>
             </a:fld>
             <a:endParaRPr lang="de-DE"/>
           </a:p>
@@ -14739,7 +14739,7 @@
           <a:p>
             <a:fld id="{85634D96-BAC6-624E-89B2-93829D52EF74}" type="datetimeFigureOut">
               <a:rPr lang="de-DE" smtClean="0"/>
-              <a:t>01.05.2019</a:t>
+              <a:t>01.05.19</a:t>
             </a:fld>
             <a:endParaRPr lang="de-DE"/>
           </a:p>
@@ -14809,7 +14809,7 @@
           <a:p>
             <a:fld id="{3A79EDE4-AB98-A64A-BFD5-DA8FF91B9E2C}" type="slidenum">
               <a:rPr lang="de-DE" smtClean="0"/>
-              <a:t>‹Nr.›</a:t>
+              <a:t>‹#›</a:t>
             </a:fld>
             <a:endParaRPr lang="de-DE"/>
           </a:p>
@@ -15031,7 +15031,7 @@
           <a:p>
             <a:fld id="{85634D96-BAC6-624E-89B2-93829D52EF74}" type="datetimeFigureOut">
               <a:rPr lang="de-DE" smtClean="0"/>
-              <a:t>01.05.2019</a:t>
+              <a:t>01.05.19</a:t>
             </a:fld>
             <a:endParaRPr lang="de-DE"/>
           </a:p>
@@ -15101,7 +15101,7 @@
           <a:p>
             <a:fld id="{3A79EDE4-AB98-A64A-BFD5-DA8FF91B9E2C}" type="slidenum">
               <a:rPr lang="de-DE" smtClean="0"/>
-              <a:t>‹Nr.›</a:t>
+              <a:t>‹#›</a:t>
             </a:fld>
             <a:endParaRPr lang="de-DE"/>
           </a:p>
@@ -15470,7 +15470,7 @@
           <a:p>
             <a:fld id="{85634D96-BAC6-624E-89B2-93829D52EF74}" type="datetimeFigureOut">
               <a:rPr lang="de-DE" smtClean="0"/>
-              <a:t>01.05.2019</a:t>
+              <a:t>01.05.19</a:t>
             </a:fld>
             <a:endParaRPr lang="de-DE"/>
           </a:p>
@@ -15540,7 +15540,7 @@
           <a:p>
             <a:fld id="{3A79EDE4-AB98-A64A-BFD5-DA8FF91B9E2C}" type="slidenum">
               <a:rPr lang="de-DE" smtClean="0"/>
-              <a:t>‹Nr.›</a:t>
+              <a:t>‹#›</a:t>
             </a:fld>
             <a:endParaRPr lang="de-DE"/>
           </a:p>
@@ -15636,7 +15636,7 @@
           <a:p>
             <a:fld id="{85634D96-BAC6-624E-89B2-93829D52EF74}" type="datetimeFigureOut">
               <a:rPr lang="de-DE" smtClean="0"/>
-              <a:t>01.05.2019</a:t>
+              <a:t>01.05.19</a:t>
             </a:fld>
             <a:endParaRPr lang="de-DE"/>
           </a:p>
@@ -15706,7 +15706,7 @@
           <a:p>
             <a:fld id="{3A79EDE4-AB98-A64A-BFD5-DA8FF91B9E2C}" type="slidenum">
               <a:rPr lang="de-DE" smtClean="0"/>
-              <a:t>‹Nr.›</a:t>
+              <a:t>‹#›</a:t>
             </a:fld>
             <a:endParaRPr lang="de-DE"/>
           </a:p>
@@ -15773,7 +15773,7 @@
           <a:p>
             <a:fld id="{85634D96-BAC6-624E-89B2-93829D52EF74}" type="datetimeFigureOut">
               <a:rPr lang="de-DE" smtClean="0"/>
-              <a:t>01.05.2019</a:t>
+              <a:t>01.05.19</a:t>
             </a:fld>
             <a:endParaRPr lang="de-DE"/>
           </a:p>
@@ -15843,7 +15843,7 @@
           <a:p>
             <a:fld id="{3A79EDE4-AB98-A64A-BFD5-DA8FF91B9E2C}" type="slidenum">
               <a:rPr lang="de-DE" smtClean="0"/>
-              <a:t>‹Nr.›</a:t>
+              <a:t>‹#›</a:t>
             </a:fld>
             <a:endParaRPr lang="de-DE"/>
           </a:p>
@@ -16110,7 +16110,7 @@
           <a:p>
             <a:fld id="{85634D96-BAC6-624E-89B2-93829D52EF74}" type="datetimeFigureOut">
               <a:rPr lang="de-DE" smtClean="0"/>
-              <a:t>01.05.2019</a:t>
+              <a:t>01.05.19</a:t>
             </a:fld>
             <a:endParaRPr lang="de-DE"/>
           </a:p>
@@ -16180,7 +16180,7 @@
           <a:p>
             <a:fld id="{3A79EDE4-AB98-A64A-BFD5-DA8FF91B9E2C}" type="slidenum">
               <a:rPr lang="de-DE" smtClean="0"/>
-              <a:t>‹Nr.›</a:t>
+              <a:t>‹#›</a:t>
             </a:fld>
             <a:endParaRPr lang="de-DE"/>
           </a:p>
@@ -16423,7 +16423,7 @@
           <a:p>
             <a:fld id="{85634D96-BAC6-624E-89B2-93829D52EF74}" type="datetimeFigureOut">
               <a:rPr lang="de-DE" smtClean="0"/>
-              <a:t>01.05.2019</a:t>
+              <a:t>01.05.19</a:t>
             </a:fld>
             <a:endParaRPr lang="de-DE"/>
           </a:p>
@@ -16493,7 +16493,7 @@
           <a:p>
             <a:fld id="{3A79EDE4-AB98-A64A-BFD5-DA8FF91B9E2C}" type="slidenum">
               <a:rPr lang="de-DE" smtClean="0"/>
-              <a:t>‹Nr.›</a:t>
+              <a:t>‹#›</a:t>
             </a:fld>
             <a:endParaRPr lang="de-DE"/>
           </a:p>
@@ -16725,7 +16725,7 @@
           <a:p>
             <a:fld id="{3A79EDE4-AB98-A64A-BFD5-DA8FF91B9E2C}" type="slidenum">
               <a:rPr lang="de-DE" smtClean="0"/>
-              <a:t>‹Nr.›</a:t>
+              <a:t>‹#›</a:t>
             </a:fld>
             <a:endParaRPr lang="de-DE" dirty="0"/>
           </a:p>
@@ -21550,35 +21550,7 @@
                 <a:latin typeface="Garamond" panose="02020404030301010803" pitchFamily="18" charset="0"/>
                 <a:sym typeface="Wingdings" pitchFamily="2" charset="2"/>
               </a:rPr>
-              <a:t>The </a:t>
-            </a:r>
-            <a:r>
-              <a:rPr lang="en-US" sz="1400" dirty="0" err="1">
-                <a:latin typeface="Garamond" panose="02020404030301010803" pitchFamily="18" charset="0"/>
-                <a:sym typeface="Wingdings" pitchFamily="2" charset="2"/>
-              </a:rPr>
-              <a:t>swich</a:t>
-            </a:r>
-            <a:r>
-              <a:rPr lang="en-US" sz="1400" dirty="0">
-                <a:latin typeface="Garamond" panose="02020404030301010803" pitchFamily="18" charset="0"/>
-                <a:sym typeface="Wingdings" pitchFamily="2" charset="2"/>
-              </a:rPr>
-              <a:t> in </a:t>
-            </a:r>
-            <a:r>
-              <a:rPr lang="en-US" sz="1400" dirty="0" err="1">
-                <a:latin typeface="Garamond" panose="02020404030301010803" pitchFamily="18" charset="0"/>
-                <a:sym typeface="Wingdings" pitchFamily="2" charset="2"/>
-              </a:rPr>
-              <a:t>importances</a:t>
-            </a:r>
-            <a:r>
-              <a:rPr lang="en-US" sz="1400" dirty="0">
-                <a:latin typeface="Garamond" panose="02020404030301010803" pitchFamily="18" charset="0"/>
-                <a:sym typeface="Wingdings" pitchFamily="2" charset="2"/>
-              </a:rPr>
-              <a:t> indicates that different signals sent by the SNB influenced the development of the SMI</a:t>
+              <a:t>The switch in importance indicates that different signals sent by the SNB influenced the development of the SMI</a:t>
             </a:r>
             <a:endParaRPr lang="en-US" sz="1400" dirty="0">
               <a:latin typeface="Garamond" panose="02020404030301010803" pitchFamily="18" charset="0"/>

--- a/Plots/Presentation_Stauffenegger_Woessner.pptx
+++ b/Plots/Presentation_Stauffenegger_Woessner.pptx
@@ -5,7 +5,7 @@
     <p:sldMasterId id="2147483648" r:id="rId1"/>
   </p:sldMasterIdLst>
   <p:notesMasterIdLst>
-    <p:notesMasterId r:id="rId28"/>
+    <p:notesMasterId r:id="rId30"/>
   </p:notesMasterIdLst>
   <p:sldIdLst>
     <p:sldId id="256" r:id="rId2"/>
@@ -19,21 +19,23 @@
     <p:sldId id="306" r:id="rId10"/>
     <p:sldId id="291" r:id="rId11"/>
     <p:sldId id="298" r:id="rId12"/>
-    <p:sldId id="292" r:id="rId13"/>
-    <p:sldId id="279" r:id="rId14"/>
-    <p:sldId id="296" r:id="rId15"/>
-    <p:sldId id="310" r:id="rId16"/>
-    <p:sldId id="307" r:id="rId17"/>
-    <p:sldId id="293" r:id="rId18"/>
-    <p:sldId id="309" r:id="rId19"/>
-    <p:sldId id="266" r:id="rId20"/>
-    <p:sldId id="277" r:id="rId21"/>
-    <p:sldId id="299" r:id="rId22"/>
-    <p:sldId id="303" r:id="rId23"/>
-    <p:sldId id="300" r:id="rId24"/>
-    <p:sldId id="301" r:id="rId25"/>
-    <p:sldId id="302" r:id="rId26"/>
-    <p:sldId id="304" r:id="rId27"/>
+    <p:sldId id="311" r:id="rId13"/>
+    <p:sldId id="312" r:id="rId14"/>
+    <p:sldId id="292" r:id="rId15"/>
+    <p:sldId id="279" r:id="rId16"/>
+    <p:sldId id="296" r:id="rId17"/>
+    <p:sldId id="310" r:id="rId18"/>
+    <p:sldId id="307" r:id="rId19"/>
+    <p:sldId id="293" r:id="rId20"/>
+    <p:sldId id="309" r:id="rId21"/>
+    <p:sldId id="266" r:id="rId22"/>
+    <p:sldId id="277" r:id="rId23"/>
+    <p:sldId id="299" r:id="rId24"/>
+    <p:sldId id="303" r:id="rId25"/>
+    <p:sldId id="300" r:id="rId26"/>
+    <p:sldId id="301" r:id="rId27"/>
+    <p:sldId id="302" r:id="rId28"/>
+    <p:sldId id="304" r:id="rId29"/>
   </p:sldIdLst>
   <p:sldSz cx="12192000" cy="6858000"/>
   <p:notesSz cx="6858000" cy="9144000"/>
@@ -12556,7 +12558,7 @@
           <a:p>
             <a:fld id="{176B0303-6F4F-5243-998E-2D2CC346AF00}" type="datetimeFigureOut">
               <a:rPr lang="en-US" smtClean="0"/>
-              <a:t>5/1/19</a:t>
+              <a:t>5/2/19</a:t>
             </a:fld>
             <a:endParaRPr lang="en-US"/>
           </a:p>
@@ -13581,7 +13583,7 @@
           <a:p>
             <a:fld id="{FFAEC33B-D15A-F948-9B21-8F6BC0A9396E}" type="slidenum">
               <a:rPr lang="en-US" smtClean="0"/>
-              <a:t>18</a:t>
+              <a:t>20</a:t>
             </a:fld>
             <a:endParaRPr lang="en-US"/>
           </a:p>
@@ -13757,7 +13759,7 @@
           <a:p>
             <a:fld id="{85634D96-BAC6-624E-89B2-93829D52EF74}" type="datetimeFigureOut">
               <a:rPr lang="de-DE" smtClean="0"/>
-              <a:t>01.05.19</a:t>
+              <a:t>02.05.19</a:t>
             </a:fld>
             <a:endParaRPr lang="de-DE"/>
           </a:p>
@@ -13981,7 +13983,7 @@
           <a:p>
             <a:fld id="{85634D96-BAC6-624E-89B2-93829D52EF74}" type="datetimeFigureOut">
               <a:rPr lang="de-DE" smtClean="0"/>
-              <a:t>01.05.19</a:t>
+              <a:t>02.05.19</a:t>
             </a:fld>
             <a:endParaRPr lang="de-DE"/>
           </a:p>
@@ -14215,7 +14217,7 @@
           <a:p>
             <a:fld id="{85634D96-BAC6-624E-89B2-93829D52EF74}" type="datetimeFigureOut">
               <a:rPr lang="de-DE" smtClean="0"/>
-              <a:t>01.05.19</a:t>
+              <a:t>02.05.19</a:t>
             </a:fld>
             <a:endParaRPr lang="de-DE"/>
           </a:p>
@@ -14439,7 +14441,7 @@
           <a:p>
             <a:fld id="{85634D96-BAC6-624E-89B2-93829D52EF74}" type="datetimeFigureOut">
               <a:rPr lang="de-DE" smtClean="0"/>
-              <a:t>01.05.19</a:t>
+              <a:t>02.05.19</a:t>
             </a:fld>
             <a:endParaRPr lang="de-DE"/>
           </a:p>
@@ -14739,7 +14741,7 @@
           <a:p>
             <a:fld id="{85634D96-BAC6-624E-89B2-93829D52EF74}" type="datetimeFigureOut">
               <a:rPr lang="de-DE" smtClean="0"/>
-              <a:t>01.05.19</a:t>
+              <a:t>02.05.19</a:t>
             </a:fld>
             <a:endParaRPr lang="de-DE"/>
           </a:p>
@@ -15031,7 +15033,7 @@
           <a:p>
             <a:fld id="{85634D96-BAC6-624E-89B2-93829D52EF74}" type="datetimeFigureOut">
               <a:rPr lang="de-DE" smtClean="0"/>
-              <a:t>01.05.19</a:t>
+              <a:t>02.05.19</a:t>
             </a:fld>
             <a:endParaRPr lang="de-DE"/>
           </a:p>
@@ -15470,7 +15472,7 @@
           <a:p>
             <a:fld id="{85634D96-BAC6-624E-89B2-93829D52EF74}" type="datetimeFigureOut">
               <a:rPr lang="de-DE" smtClean="0"/>
-              <a:t>01.05.19</a:t>
+              <a:t>02.05.19</a:t>
             </a:fld>
             <a:endParaRPr lang="de-DE"/>
           </a:p>
@@ -15636,7 +15638,7 @@
           <a:p>
             <a:fld id="{85634D96-BAC6-624E-89B2-93829D52EF74}" type="datetimeFigureOut">
               <a:rPr lang="de-DE" smtClean="0"/>
-              <a:t>01.05.19</a:t>
+              <a:t>02.05.19</a:t>
             </a:fld>
             <a:endParaRPr lang="de-DE"/>
           </a:p>
@@ -15773,7 +15775,7 @@
           <a:p>
             <a:fld id="{85634D96-BAC6-624E-89B2-93829D52EF74}" type="datetimeFigureOut">
               <a:rPr lang="de-DE" smtClean="0"/>
-              <a:t>01.05.19</a:t>
+              <a:t>02.05.19</a:t>
             </a:fld>
             <a:endParaRPr lang="de-DE"/>
           </a:p>
@@ -16110,7 +16112,7 @@
           <a:p>
             <a:fld id="{85634D96-BAC6-624E-89B2-93829D52EF74}" type="datetimeFigureOut">
               <a:rPr lang="de-DE" smtClean="0"/>
-              <a:t>01.05.19</a:t>
+              <a:t>02.05.19</a:t>
             </a:fld>
             <a:endParaRPr lang="de-DE"/>
           </a:p>
@@ -16423,7 +16425,7 @@
           <a:p>
             <a:fld id="{85634D96-BAC6-624E-89B2-93829D52EF74}" type="datetimeFigureOut">
               <a:rPr lang="de-DE" smtClean="0"/>
-              <a:t>01.05.19</a:t>
+              <a:t>02.05.19</a:t>
             </a:fld>
             <a:endParaRPr lang="de-DE"/>
           </a:p>
@@ -20366,6 +20368,767 @@
           <a:chExt cx="0" cy="0"/>
         </a:xfrm>
       </p:grpSpPr>
+      <p:pic>
+        <p:nvPicPr>
+          <p:cNvPr id="7" name="Picture 6">
+            <a:extLst>
+              <a:ext uri="{FF2B5EF4-FFF2-40B4-BE49-F238E27FC236}">
+                <a16:creationId xmlns:a16="http://schemas.microsoft.com/office/drawing/2014/main" id="{07B5C61B-8F33-D04F-AA20-C7F6ECCB9EAF}"/>
+              </a:ext>
+            </a:extLst>
+          </p:cNvPr>
+          <p:cNvPicPr>
+            <a:picLocks noChangeAspect="1"/>
+          </p:cNvPicPr>
+          <p:nvPr/>
+        </p:nvPicPr>
+        <p:blipFill>
+          <a:blip r:embed="rId2"/>
+          <a:stretch>
+            <a:fillRect/>
+          </a:stretch>
+        </p:blipFill>
+        <p:spPr>
+          <a:xfrm>
+            <a:off x="9541432" y="5942509"/>
+            <a:ext cx="2230843" cy="685027"/>
+          </a:xfrm>
+          <a:prstGeom prst="rect">
+            <a:avLst/>
+          </a:prstGeom>
+        </p:spPr>
+      </p:pic>
+      <p:sp>
+        <p:nvSpPr>
+          <p:cNvPr id="2" name="Title 1">
+            <a:extLst>
+              <a:ext uri="{FF2B5EF4-FFF2-40B4-BE49-F238E27FC236}">
+                <a16:creationId xmlns:a16="http://schemas.microsoft.com/office/drawing/2014/main" id="{06E72185-1262-224E-A639-374C64E7CD29}"/>
+              </a:ext>
+            </a:extLst>
+          </p:cNvPr>
+          <p:cNvSpPr>
+            <a:spLocks noGrp="1"/>
+          </p:cNvSpPr>
+          <p:nvPr>
+            <p:ph type="title"/>
+          </p:nvPr>
+        </p:nvSpPr>
+        <p:spPr/>
+        <p:txBody>
+          <a:bodyPr/>
+          <a:lstStyle/>
+          <a:p>
+            <a:r>
+              <a:rPr lang="en-US" dirty="0">
+                <a:latin typeface="Garamond" panose="02020404030301010803" pitchFamily="18" charset="0"/>
+              </a:rPr>
+              <a:t>The approach in a nutshell</a:t>
+            </a:r>
+          </a:p>
+        </p:txBody>
+      </p:sp>
+      <p:cxnSp>
+        <p:nvCxnSpPr>
+          <p:cNvPr id="5" name="Straight Connector 4">
+            <a:extLst>
+              <a:ext uri="{FF2B5EF4-FFF2-40B4-BE49-F238E27FC236}">
+                <a16:creationId xmlns:a16="http://schemas.microsoft.com/office/drawing/2014/main" id="{F0CA2925-7FF0-E94D-B547-3A2C56441DCE}"/>
+              </a:ext>
+            </a:extLst>
+          </p:cNvPr>
+          <p:cNvCxnSpPr>
+            <a:cxnSpLocks/>
+          </p:cNvCxnSpPr>
+          <p:nvPr/>
+        </p:nvCxnSpPr>
+        <p:spPr>
+          <a:xfrm>
+            <a:off x="838200" y="1690688"/>
+            <a:ext cx="10515600" cy="0"/>
+          </a:xfrm>
+          <a:prstGeom prst="line">
+            <a:avLst/>
+          </a:prstGeom>
+          <a:ln w="44450">
+            <a:solidFill>
+              <a:srgbClr val="008240"/>
+            </a:solidFill>
+          </a:ln>
+        </p:spPr>
+        <p:style>
+          <a:lnRef idx="2">
+            <a:schemeClr val="dk1"/>
+          </a:lnRef>
+          <a:fillRef idx="0">
+            <a:schemeClr val="dk1"/>
+          </a:fillRef>
+          <a:effectRef idx="1">
+            <a:schemeClr val="dk1"/>
+          </a:effectRef>
+          <a:fontRef idx="minor">
+            <a:schemeClr val="tx1"/>
+          </a:fontRef>
+        </p:style>
+      </p:cxnSp>
+      <p:sp>
+        <p:nvSpPr>
+          <p:cNvPr id="12" name="Rectangle 11">
+            <a:extLst>
+              <a:ext uri="{FF2B5EF4-FFF2-40B4-BE49-F238E27FC236}">
+                <a16:creationId xmlns:a16="http://schemas.microsoft.com/office/drawing/2014/main" id="{06F453C1-B8D8-5D40-A757-DDF4F8EC21E8}"/>
+              </a:ext>
+            </a:extLst>
+          </p:cNvPr>
+          <p:cNvSpPr/>
+          <p:nvPr/>
+        </p:nvSpPr>
+        <p:spPr>
+          <a:xfrm>
+            <a:off x="883170" y="2407654"/>
+            <a:ext cx="10515600" cy="3723320"/>
+          </a:xfrm>
+          <a:prstGeom prst="rect">
+            <a:avLst/>
+          </a:prstGeom>
+          <a:noFill/>
+          <a:ln w="25400">
+            <a:solidFill>
+              <a:srgbClr val="008240"/>
+            </a:solidFill>
+          </a:ln>
+        </p:spPr>
+        <p:style>
+          <a:lnRef idx="2">
+            <a:schemeClr val="accent1">
+              <a:shade val="50000"/>
+            </a:schemeClr>
+          </a:lnRef>
+          <a:fillRef idx="1">
+            <a:schemeClr val="accent1"/>
+          </a:fillRef>
+          <a:effectRef idx="0">
+            <a:schemeClr val="accent1"/>
+          </a:effectRef>
+          <a:fontRef idx="minor">
+            <a:schemeClr val="lt1"/>
+          </a:fontRef>
+        </p:style>
+        <p:txBody>
+          <a:bodyPr rtlCol="0" anchor="ctr"/>
+          <a:lstStyle/>
+          <a:p>
+            <a:pPr algn="ctr"/>
+            <a:endParaRPr lang="en-US">
+              <a:latin typeface="Garamond" panose="02020404030301010803" pitchFamily="18" charset="0"/>
+            </a:endParaRPr>
+          </a:p>
+        </p:txBody>
+      </p:sp>
+      <p:sp>
+        <p:nvSpPr>
+          <p:cNvPr id="13" name="Rectangle 12">
+            <a:extLst>
+              <a:ext uri="{FF2B5EF4-FFF2-40B4-BE49-F238E27FC236}">
+                <a16:creationId xmlns:a16="http://schemas.microsoft.com/office/drawing/2014/main" id="{1F0A47D9-B7F6-ED44-8D10-37B998545356}"/>
+              </a:ext>
+            </a:extLst>
+          </p:cNvPr>
+          <p:cNvSpPr/>
+          <p:nvPr/>
+        </p:nvSpPr>
+        <p:spPr>
+          <a:xfrm>
+            <a:off x="883170" y="1912976"/>
+            <a:ext cx="10515600" cy="494677"/>
+          </a:xfrm>
+          <a:prstGeom prst="rect">
+            <a:avLst/>
+          </a:prstGeom>
+          <a:solidFill>
+            <a:schemeClr val="bg1">
+              <a:lumMod val="65000"/>
+            </a:schemeClr>
+          </a:solidFill>
+          <a:ln w="25400">
+            <a:solidFill>
+              <a:schemeClr val="bg1">
+                <a:lumMod val="65000"/>
+              </a:schemeClr>
+            </a:solidFill>
+          </a:ln>
+        </p:spPr>
+        <p:style>
+          <a:lnRef idx="2">
+            <a:schemeClr val="accent1">
+              <a:shade val="50000"/>
+            </a:schemeClr>
+          </a:lnRef>
+          <a:fillRef idx="1">
+            <a:schemeClr val="accent1"/>
+          </a:fillRef>
+          <a:effectRef idx="0">
+            <a:schemeClr val="accent1"/>
+          </a:effectRef>
+          <a:fontRef idx="minor">
+            <a:schemeClr val="lt1"/>
+          </a:fontRef>
+        </p:style>
+        <p:txBody>
+          <a:bodyPr rtlCol="0" anchor="ctr"/>
+          <a:lstStyle/>
+          <a:p>
+            <a:pPr algn="ctr"/>
+            <a:r>
+              <a:rPr lang="en-US" sz="3200" dirty="0">
+                <a:latin typeface="Garamond" panose="02020404030301010803" pitchFamily="18" charset="0"/>
+              </a:rPr>
+              <a:t>We use a six step approach </a:t>
+            </a:r>
+          </a:p>
+        </p:txBody>
+      </p:sp>
+      <p:sp>
+        <p:nvSpPr>
+          <p:cNvPr id="48" name="TextBox 47">
+            <a:extLst>
+              <a:ext uri="{FF2B5EF4-FFF2-40B4-BE49-F238E27FC236}">
+                <a16:creationId xmlns:a16="http://schemas.microsoft.com/office/drawing/2014/main" id="{74241D18-7F58-FF40-B387-914219881127}"/>
+              </a:ext>
+            </a:extLst>
+          </p:cNvPr>
+          <p:cNvSpPr txBox="1"/>
+          <p:nvPr/>
+        </p:nvSpPr>
+        <p:spPr>
+          <a:xfrm>
+            <a:off x="1019175" y="2495332"/>
+            <a:ext cx="10289655" cy="2546210"/>
+          </a:xfrm>
+          <a:prstGeom prst="rect">
+            <a:avLst/>
+          </a:prstGeom>
+          <a:noFill/>
+        </p:spPr>
+        <p:txBody>
+          <a:bodyPr wrap="square" rtlCol="0">
+            <a:spAutoFit/>
+          </a:bodyPr>
+          <a:lstStyle/>
+          <a:p>
+            <a:pPr marL="342900" indent="-342900">
+              <a:lnSpc>
+                <a:spcPct val="150000"/>
+              </a:lnSpc>
+              <a:buFont typeface="+mj-lt"/>
+              <a:buAutoNum type="arabicPeriod"/>
+            </a:pPr>
+            <a:r>
+              <a:rPr lang="en-US" dirty="0">
+                <a:latin typeface="Garamond" panose="02020404030301010803" pitchFamily="18" charset="0"/>
+              </a:rPr>
+              <a:t>We apply the decision tree algorithm on our data set</a:t>
+            </a:r>
+          </a:p>
+          <a:p>
+            <a:pPr marL="342900" indent="-342900">
+              <a:lnSpc>
+                <a:spcPct val="150000"/>
+              </a:lnSpc>
+              <a:buFont typeface="+mj-lt"/>
+              <a:buAutoNum type="arabicPeriod"/>
+            </a:pPr>
+            <a:r>
+              <a:rPr lang="en-US" dirty="0">
+                <a:latin typeface="Garamond" panose="02020404030301010803" pitchFamily="18" charset="0"/>
+              </a:rPr>
+              <a:t>Model is built on randomly sampled 70% of the data of every period</a:t>
+            </a:r>
+          </a:p>
+          <a:p>
+            <a:pPr marL="342900" indent="-342900">
+              <a:lnSpc>
+                <a:spcPct val="150000"/>
+              </a:lnSpc>
+              <a:buFont typeface="+mj-lt"/>
+              <a:buAutoNum type="arabicPeriod"/>
+            </a:pPr>
+            <a:r>
+              <a:rPr lang="en-US" dirty="0">
+                <a:latin typeface="Garamond" panose="02020404030301010803" pitchFamily="18" charset="0"/>
+              </a:rPr>
+              <a:t>The model is used to forecast the remaining 30% of outcomes in the respective data set</a:t>
+            </a:r>
+          </a:p>
+          <a:p>
+            <a:pPr marL="342900" indent="-342900">
+              <a:lnSpc>
+                <a:spcPct val="150000"/>
+              </a:lnSpc>
+              <a:buFont typeface="+mj-lt"/>
+              <a:buAutoNum type="arabicPeriod"/>
+            </a:pPr>
+            <a:r>
+              <a:rPr lang="en-US" dirty="0">
+                <a:latin typeface="Garamond" panose="02020404030301010803" pitchFamily="18" charset="0"/>
+              </a:rPr>
+              <a:t>We perform this procedure for 2000 times to reduce noise</a:t>
+            </a:r>
+          </a:p>
+          <a:p>
+            <a:pPr marL="342900" indent="-342900">
+              <a:lnSpc>
+                <a:spcPct val="150000"/>
+              </a:lnSpc>
+              <a:buFont typeface="+mj-lt"/>
+              <a:buAutoNum type="arabicPeriod"/>
+            </a:pPr>
+            <a:r>
+              <a:rPr lang="en-US" dirty="0">
+                <a:latin typeface="Garamond" panose="02020404030301010803" pitchFamily="18" charset="0"/>
+              </a:rPr>
+              <a:t>Average variable importance and forecast accuracy for every period are parsed from the model outputs</a:t>
+            </a:r>
+          </a:p>
+          <a:p>
+            <a:pPr marL="342900" indent="-342900">
+              <a:lnSpc>
+                <a:spcPct val="150000"/>
+              </a:lnSpc>
+              <a:buFont typeface="+mj-lt"/>
+              <a:buAutoNum type="arabicPeriod"/>
+            </a:pPr>
+            <a:r>
+              <a:rPr lang="en-US" dirty="0">
+                <a:latin typeface="Garamond" panose="02020404030301010803" pitchFamily="18" charset="0"/>
+              </a:rPr>
+              <a:t>Common statistical testing to ensure significance of results</a:t>
+            </a:r>
+          </a:p>
+        </p:txBody>
+      </p:sp>
+    </p:spTree>
+    <p:extLst>
+      <p:ext uri="{BB962C8B-B14F-4D97-AF65-F5344CB8AC3E}">
+        <p14:creationId xmlns:p14="http://schemas.microsoft.com/office/powerpoint/2010/main" val="1946425471"/>
+      </p:ext>
+    </p:extLst>
+  </p:cSld>
+  <p:clrMapOvr>
+    <a:masterClrMapping/>
+  </p:clrMapOvr>
+</p:sld>
+</file>
+
+<file path=ppt/slides/slide13.xml><?xml version="1.0" encoding="utf-8"?>
+<p:sld xmlns:a="http://schemas.openxmlformats.org/drawingml/2006/main" xmlns:r="http://schemas.openxmlformats.org/officeDocument/2006/relationships" xmlns:p="http://schemas.openxmlformats.org/presentationml/2006/main">
+  <p:cSld>
+    <p:spTree>
+      <p:nvGrpSpPr>
+        <p:cNvPr id="1" name=""/>
+        <p:cNvGrpSpPr/>
+        <p:nvPr/>
+      </p:nvGrpSpPr>
+      <p:grpSpPr>
+        <a:xfrm>
+          <a:off x="0" y="0"/>
+          <a:ext cx="0" cy="0"/>
+          <a:chOff x="0" y="0"/>
+          <a:chExt cx="0" cy="0"/>
+        </a:xfrm>
+      </p:grpSpPr>
+      <p:pic>
+        <p:nvPicPr>
+          <p:cNvPr id="8" name="Picture 7">
+            <a:extLst>
+              <a:ext uri="{FF2B5EF4-FFF2-40B4-BE49-F238E27FC236}">
+                <a16:creationId xmlns:a16="http://schemas.microsoft.com/office/drawing/2014/main" id="{93A900A4-C4F0-5849-90B6-41E1F58D2788}"/>
+              </a:ext>
+            </a:extLst>
+          </p:cNvPr>
+          <p:cNvPicPr>
+            <a:picLocks noChangeAspect="1"/>
+          </p:cNvPicPr>
+          <p:nvPr/>
+        </p:nvPicPr>
+        <p:blipFill>
+          <a:blip r:embed="rId2"/>
+          <a:stretch>
+            <a:fillRect/>
+          </a:stretch>
+        </p:blipFill>
+        <p:spPr>
+          <a:xfrm>
+            <a:off x="6568342" y="4575633"/>
+            <a:ext cx="4556369" cy="1334589"/>
+          </a:xfrm>
+          <a:prstGeom prst="rect">
+            <a:avLst/>
+          </a:prstGeom>
+        </p:spPr>
+      </p:pic>
+      <p:pic>
+        <p:nvPicPr>
+          <p:cNvPr id="7" name="Picture 6">
+            <a:extLst>
+              <a:ext uri="{FF2B5EF4-FFF2-40B4-BE49-F238E27FC236}">
+                <a16:creationId xmlns:a16="http://schemas.microsoft.com/office/drawing/2014/main" id="{07B5C61B-8F33-D04F-AA20-C7F6ECCB9EAF}"/>
+              </a:ext>
+            </a:extLst>
+          </p:cNvPr>
+          <p:cNvPicPr>
+            <a:picLocks noChangeAspect="1"/>
+          </p:cNvPicPr>
+          <p:nvPr/>
+        </p:nvPicPr>
+        <p:blipFill>
+          <a:blip r:embed="rId3"/>
+          <a:stretch>
+            <a:fillRect/>
+          </a:stretch>
+        </p:blipFill>
+        <p:spPr>
+          <a:xfrm>
+            <a:off x="9541432" y="5942509"/>
+            <a:ext cx="2230843" cy="685027"/>
+          </a:xfrm>
+          <a:prstGeom prst="rect">
+            <a:avLst/>
+          </a:prstGeom>
+        </p:spPr>
+      </p:pic>
+      <p:sp>
+        <p:nvSpPr>
+          <p:cNvPr id="2" name="Title 1">
+            <a:extLst>
+              <a:ext uri="{FF2B5EF4-FFF2-40B4-BE49-F238E27FC236}">
+                <a16:creationId xmlns:a16="http://schemas.microsoft.com/office/drawing/2014/main" id="{06E72185-1262-224E-A639-374C64E7CD29}"/>
+              </a:ext>
+            </a:extLst>
+          </p:cNvPr>
+          <p:cNvSpPr>
+            <a:spLocks noGrp="1"/>
+          </p:cNvSpPr>
+          <p:nvPr>
+            <p:ph type="title"/>
+          </p:nvPr>
+        </p:nvSpPr>
+        <p:spPr/>
+        <p:txBody>
+          <a:bodyPr/>
+          <a:lstStyle/>
+          <a:p>
+            <a:r>
+              <a:rPr lang="en-US" dirty="0">
+                <a:latin typeface="Garamond" panose="02020404030301010803" pitchFamily="18" charset="0"/>
+              </a:rPr>
+              <a:t>Ensuring statistical significance</a:t>
+            </a:r>
+          </a:p>
+        </p:txBody>
+      </p:sp>
+      <p:cxnSp>
+        <p:nvCxnSpPr>
+          <p:cNvPr id="5" name="Straight Connector 4">
+            <a:extLst>
+              <a:ext uri="{FF2B5EF4-FFF2-40B4-BE49-F238E27FC236}">
+                <a16:creationId xmlns:a16="http://schemas.microsoft.com/office/drawing/2014/main" id="{F0CA2925-7FF0-E94D-B547-3A2C56441DCE}"/>
+              </a:ext>
+            </a:extLst>
+          </p:cNvPr>
+          <p:cNvCxnSpPr>
+            <a:cxnSpLocks/>
+          </p:cNvCxnSpPr>
+          <p:nvPr/>
+        </p:nvCxnSpPr>
+        <p:spPr>
+          <a:xfrm>
+            <a:off x="838200" y="1690688"/>
+            <a:ext cx="10515600" cy="0"/>
+          </a:xfrm>
+          <a:prstGeom prst="line">
+            <a:avLst/>
+          </a:prstGeom>
+          <a:ln w="44450">
+            <a:solidFill>
+              <a:srgbClr val="008240"/>
+            </a:solidFill>
+          </a:ln>
+        </p:spPr>
+        <p:style>
+          <a:lnRef idx="2">
+            <a:schemeClr val="dk1"/>
+          </a:lnRef>
+          <a:fillRef idx="0">
+            <a:schemeClr val="dk1"/>
+          </a:fillRef>
+          <a:effectRef idx="1">
+            <a:schemeClr val="dk1"/>
+          </a:effectRef>
+          <a:fontRef idx="minor">
+            <a:schemeClr val="tx1"/>
+          </a:fontRef>
+        </p:style>
+      </p:cxnSp>
+      <p:sp>
+        <p:nvSpPr>
+          <p:cNvPr id="12" name="Rectangle 11">
+            <a:extLst>
+              <a:ext uri="{FF2B5EF4-FFF2-40B4-BE49-F238E27FC236}">
+                <a16:creationId xmlns:a16="http://schemas.microsoft.com/office/drawing/2014/main" id="{06F453C1-B8D8-5D40-A757-DDF4F8EC21E8}"/>
+              </a:ext>
+            </a:extLst>
+          </p:cNvPr>
+          <p:cNvSpPr/>
+          <p:nvPr/>
+        </p:nvSpPr>
+        <p:spPr>
+          <a:xfrm>
+            <a:off x="883170" y="2407654"/>
+            <a:ext cx="10515600" cy="3723320"/>
+          </a:xfrm>
+          <a:prstGeom prst="rect">
+            <a:avLst/>
+          </a:prstGeom>
+          <a:noFill/>
+          <a:ln w="25400">
+            <a:solidFill>
+              <a:srgbClr val="008240"/>
+            </a:solidFill>
+          </a:ln>
+        </p:spPr>
+        <p:style>
+          <a:lnRef idx="2">
+            <a:schemeClr val="accent1">
+              <a:shade val="50000"/>
+            </a:schemeClr>
+          </a:lnRef>
+          <a:fillRef idx="1">
+            <a:schemeClr val="accent1"/>
+          </a:fillRef>
+          <a:effectRef idx="0">
+            <a:schemeClr val="accent1"/>
+          </a:effectRef>
+          <a:fontRef idx="minor">
+            <a:schemeClr val="lt1"/>
+          </a:fontRef>
+        </p:style>
+        <p:txBody>
+          <a:bodyPr rtlCol="0" anchor="ctr"/>
+          <a:lstStyle/>
+          <a:p>
+            <a:pPr algn="ctr"/>
+            <a:endParaRPr lang="en-US">
+              <a:latin typeface="Garamond" panose="02020404030301010803" pitchFamily="18" charset="0"/>
+            </a:endParaRPr>
+          </a:p>
+        </p:txBody>
+      </p:sp>
+      <p:sp>
+        <p:nvSpPr>
+          <p:cNvPr id="13" name="Rectangle 12">
+            <a:extLst>
+              <a:ext uri="{FF2B5EF4-FFF2-40B4-BE49-F238E27FC236}">
+                <a16:creationId xmlns:a16="http://schemas.microsoft.com/office/drawing/2014/main" id="{1F0A47D9-B7F6-ED44-8D10-37B998545356}"/>
+              </a:ext>
+            </a:extLst>
+          </p:cNvPr>
+          <p:cNvSpPr/>
+          <p:nvPr/>
+        </p:nvSpPr>
+        <p:spPr>
+          <a:xfrm>
+            <a:off x="883170" y="1912976"/>
+            <a:ext cx="10515600" cy="494677"/>
+          </a:xfrm>
+          <a:prstGeom prst="rect">
+            <a:avLst/>
+          </a:prstGeom>
+          <a:solidFill>
+            <a:schemeClr val="bg1">
+              <a:lumMod val="65000"/>
+            </a:schemeClr>
+          </a:solidFill>
+          <a:ln w="25400">
+            <a:solidFill>
+              <a:schemeClr val="bg1">
+                <a:lumMod val="65000"/>
+              </a:schemeClr>
+            </a:solidFill>
+          </a:ln>
+        </p:spPr>
+        <p:style>
+          <a:lnRef idx="2">
+            <a:schemeClr val="accent1">
+              <a:shade val="50000"/>
+            </a:schemeClr>
+          </a:lnRef>
+          <a:fillRef idx="1">
+            <a:schemeClr val="accent1"/>
+          </a:fillRef>
+          <a:effectRef idx="0">
+            <a:schemeClr val="accent1"/>
+          </a:effectRef>
+          <a:fontRef idx="minor">
+            <a:schemeClr val="lt1"/>
+          </a:fontRef>
+        </p:style>
+        <p:txBody>
+          <a:bodyPr rtlCol="0" anchor="ctr"/>
+          <a:lstStyle/>
+          <a:p>
+            <a:pPr algn="ctr"/>
+            <a:r>
+              <a:rPr lang="en-US" sz="3200" dirty="0">
+                <a:latin typeface="Garamond" panose="02020404030301010803" pitchFamily="18" charset="0"/>
+              </a:rPr>
+              <a:t>We use two ways to assess our model</a:t>
+            </a:r>
+          </a:p>
+        </p:txBody>
+      </p:sp>
+      <p:sp>
+        <p:nvSpPr>
+          <p:cNvPr id="6" name="TextBox 5">
+            <a:extLst>
+              <a:ext uri="{FF2B5EF4-FFF2-40B4-BE49-F238E27FC236}">
+                <a16:creationId xmlns:a16="http://schemas.microsoft.com/office/drawing/2014/main" id="{F36476EB-A22B-EE47-AD90-A83D55FA40B1}"/>
+              </a:ext>
+            </a:extLst>
+          </p:cNvPr>
+          <p:cNvSpPr txBox="1"/>
+          <p:nvPr/>
+        </p:nvSpPr>
+        <p:spPr>
+          <a:xfrm>
+            <a:off x="1160584" y="2719754"/>
+            <a:ext cx="5908431" cy="646331"/>
+          </a:xfrm>
+          <a:prstGeom prst="rect">
+            <a:avLst/>
+          </a:prstGeom>
+          <a:noFill/>
+        </p:spPr>
+        <p:txBody>
+          <a:bodyPr wrap="square" rtlCol="0">
+            <a:spAutoFit/>
+          </a:bodyPr>
+          <a:lstStyle/>
+          <a:p>
+            <a:pPr marL="285750" indent="-285750">
+              <a:buFont typeface="Arial" panose="020B0604020202020204" pitchFamily="34" charset="0"/>
+              <a:buChar char="•"/>
+            </a:pPr>
+            <a:r>
+              <a:rPr lang="en-US" dirty="0">
+                <a:latin typeface="Garamond" panose="02020404030301010803" pitchFamily="18" charset="0"/>
+              </a:rPr>
+              <a:t>Assessing the model fit via t-test if out of sample accuracy is significantly different from 50%</a:t>
+            </a:r>
+          </a:p>
+        </p:txBody>
+      </p:sp>
+      <p:sp>
+        <p:nvSpPr>
+          <p:cNvPr id="48" name="TextBox 47">
+            <a:extLst>
+              <a:ext uri="{FF2B5EF4-FFF2-40B4-BE49-F238E27FC236}">
+                <a16:creationId xmlns:a16="http://schemas.microsoft.com/office/drawing/2014/main" id="{74241D18-7F58-FF40-B387-914219881127}"/>
+              </a:ext>
+            </a:extLst>
+          </p:cNvPr>
+          <p:cNvSpPr txBox="1"/>
+          <p:nvPr/>
+        </p:nvSpPr>
+        <p:spPr>
+          <a:xfrm>
+            <a:off x="1160583" y="3695672"/>
+            <a:ext cx="5908431" cy="646331"/>
+          </a:xfrm>
+          <a:prstGeom prst="rect">
+            <a:avLst/>
+          </a:prstGeom>
+          <a:noFill/>
+        </p:spPr>
+        <p:txBody>
+          <a:bodyPr wrap="square" rtlCol="0">
+            <a:spAutoFit/>
+          </a:bodyPr>
+          <a:lstStyle/>
+          <a:p>
+            <a:pPr marL="285750" indent="-285750">
+              <a:buFont typeface="Arial" panose="020B0604020202020204" pitchFamily="34" charset="0"/>
+              <a:buChar char="•"/>
+            </a:pPr>
+            <a:r>
+              <a:rPr lang="en-US" dirty="0">
+                <a:latin typeface="Garamond" panose="02020404030301010803" pitchFamily="18" charset="0"/>
+              </a:rPr>
+              <a:t>Change in variable importance via Welch t-test to investigate if difference is significant</a:t>
+            </a:r>
+          </a:p>
+        </p:txBody>
+      </p:sp>
+      <p:pic>
+        <p:nvPicPr>
+          <p:cNvPr id="3" name="Picture 2">
+            <a:extLst>
+              <a:ext uri="{FF2B5EF4-FFF2-40B4-BE49-F238E27FC236}">
+                <a16:creationId xmlns:a16="http://schemas.microsoft.com/office/drawing/2014/main" id="{34887556-97CD-874E-A839-212EA76A8821}"/>
+              </a:ext>
+            </a:extLst>
+          </p:cNvPr>
+          <p:cNvPicPr>
+            <a:picLocks noChangeAspect="1"/>
+          </p:cNvPicPr>
+          <p:nvPr/>
+        </p:nvPicPr>
+        <p:blipFill>
+          <a:blip r:embed="rId4"/>
+          <a:stretch>
+            <a:fillRect/>
+          </a:stretch>
+        </p:blipFill>
+        <p:spPr>
+          <a:xfrm>
+            <a:off x="8591030" y="3745103"/>
+            <a:ext cx="2717800" cy="1193800"/>
+          </a:xfrm>
+          <a:prstGeom prst="rect">
+            <a:avLst/>
+          </a:prstGeom>
+        </p:spPr>
+      </p:pic>
+    </p:spTree>
+    <p:extLst>
+      <p:ext uri="{BB962C8B-B14F-4D97-AF65-F5344CB8AC3E}">
+        <p14:creationId xmlns:p14="http://schemas.microsoft.com/office/powerpoint/2010/main" val="1991962433"/>
+      </p:ext>
+    </p:extLst>
+  </p:cSld>
+  <p:clrMapOvr>
+    <a:masterClrMapping/>
+  </p:clrMapOvr>
+</p:sld>
+</file>
+
+<file path=ppt/slides/slide14.xml><?xml version="1.0" encoding="utf-8"?>
+<p:sld xmlns:a="http://schemas.openxmlformats.org/drawingml/2006/main" xmlns:r="http://schemas.openxmlformats.org/officeDocument/2006/relationships" xmlns:p="http://schemas.openxmlformats.org/presentationml/2006/main">
+  <p:cSld>
+    <p:spTree>
+      <p:nvGrpSpPr>
+        <p:cNvPr id="1" name=""/>
+        <p:cNvGrpSpPr/>
+        <p:nvPr/>
+      </p:nvGrpSpPr>
+      <p:grpSpPr>
+        <a:xfrm>
+          <a:off x="0" y="0"/>
+          <a:ext cx="0" cy="0"/>
+          <a:chOff x="0" y="0"/>
+          <a:chExt cx="0" cy="0"/>
+        </a:xfrm>
+      </p:grpSpPr>
       <p:sp>
         <p:nvSpPr>
           <p:cNvPr id="2" name="Title 1">
@@ -20779,7 +21542,7 @@
 </p:sld>
 </file>
 
-<file path=ppt/slides/slide13.xml><?xml version="1.0" encoding="utf-8"?>
+<file path=ppt/slides/slide15.xml><?xml version="1.0" encoding="utf-8"?>
 <p:sld xmlns:a="http://schemas.openxmlformats.org/drawingml/2006/main" xmlns:r="http://schemas.openxmlformats.org/officeDocument/2006/relationships" xmlns:p="http://schemas.openxmlformats.org/presentationml/2006/main">
   <p:cSld>
     <p:spTree>
@@ -21762,7 +22525,7 @@
 </p:sld>
 </file>
 
-<file path=ppt/slides/slide14.xml><?xml version="1.0" encoding="utf-8"?>
+<file path=ppt/slides/slide16.xml><?xml version="1.0" encoding="utf-8"?>
 <p:sld xmlns:a="http://schemas.openxmlformats.org/drawingml/2006/main" xmlns:r="http://schemas.openxmlformats.org/officeDocument/2006/relationships" xmlns:p="http://schemas.openxmlformats.org/presentationml/2006/main">
   <p:cSld>
     <p:spTree>
@@ -22702,7 +23465,7 @@
 </p:sld>
 </file>
 
-<file path=ppt/slides/slide15.xml><?xml version="1.0" encoding="utf-8"?>
+<file path=ppt/slides/slide17.xml><?xml version="1.0" encoding="utf-8"?>
 <p:sld xmlns:a="http://schemas.openxmlformats.org/drawingml/2006/main" xmlns:r="http://schemas.openxmlformats.org/officeDocument/2006/relationships" xmlns:p="http://schemas.openxmlformats.org/presentationml/2006/main">
   <p:cSld>
     <p:spTree>
@@ -23038,7 +23801,7 @@
 </p:sld>
 </file>
 
-<file path=ppt/slides/slide16.xml><?xml version="1.0" encoding="utf-8"?>
+<file path=ppt/slides/slide18.xml><?xml version="1.0" encoding="utf-8"?>
 <p:sld xmlns:a="http://schemas.openxmlformats.org/drawingml/2006/main" xmlns:r="http://schemas.openxmlformats.org/officeDocument/2006/relationships" xmlns:p="http://schemas.openxmlformats.org/presentationml/2006/main">
   <p:cSld>
     <p:spTree>
@@ -23549,7 +24312,7 @@
 </p:sld>
 </file>
 
-<file path=ppt/slides/slide17.xml><?xml version="1.0" encoding="utf-8"?>
+<file path=ppt/slides/slide19.xml><?xml version="1.0" encoding="utf-8"?>
 <p:sld xmlns:a="http://schemas.openxmlformats.org/drawingml/2006/main" xmlns:r="http://schemas.openxmlformats.org/officeDocument/2006/relationships" xmlns:p="http://schemas.openxmlformats.org/presentationml/2006/main">
   <p:cSld>
     <p:spTree>
@@ -23965,560 +24728,6 @@
     <p:extLst>
       <p:ext uri="{BB962C8B-B14F-4D97-AF65-F5344CB8AC3E}">
         <p14:creationId xmlns:p14="http://schemas.microsoft.com/office/powerpoint/2010/main" val="2474722194"/>
-      </p:ext>
-    </p:extLst>
-  </p:cSld>
-  <p:clrMapOvr>
-    <a:masterClrMapping/>
-  </p:clrMapOvr>
-</p:sld>
-</file>
-
-<file path=ppt/slides/slide18.xml><?xml version="1.0" encoding="utf-8"?>
-<p:sld xmlns:a="http://schemas.openxmlformats.org/drawingml/2006/main" xmlns:r="http://schemas.openxmlformats.org/officeDocument/2006/relationships" xmlns:p="http://schemas.openxmlformats.org/presentationml/2006/main">
-  <p:cSld>
-    <p:spTree>
-      <p:nvGrpSpPr>
-        <p:cNvPr id="1" name=""/>
-        <p:cNvGrpSpPr/>
-        <p:nvPr/>
-      </p:nvGrpSpPr>
-      <p:grpSpPr>
-        <a:xfrm>
-          <a:off x="0" y="0"/>
-          <a:ext cx="0" cy="0"/>
-          <a:chOff x="0" y="0"/>
-          <a:chExt cx="0" cy="0"/>
-        </a:xfrm>
-      </p:grpSpPr>
-      <p:pic>
-        <p:nvPicPr>
-          <p:cNvPr id="7" name="Picture 6">
-            <a:extLst>
-              <a:ext uri="{FF2B5EF4-FFF2-40B4-BE49-F238E27FC236}">
-                <a16:creationId xmlns:a16="http://schemas.microsoft.com/office/drawing/2014/main" id="{07B5C61B-8F33-D04F-AA20-C7F6ECCB9EAF}"/>
-              </a:ext>
-            </a:extLst>
-          </p:cNvPr>
-          <p:cNvPicPr>
-            <a:picLocks noChangeAspect="1"/>
-          </p:cNvPicPr>
-          <p:nvPr/>
-        </p:nvPicPr>
-        <p:blipFill>
-          <a:blip r:embed="rId3"/>
-          <a:stretch>
-            <a:fillRect/>
-          </a:stretch>
-        </p:blipFill>
-        <p:spPr>
-          <a:xfrm>
-            <a:off x="9541432" y="5942509"/>
-            <a:ext cx="2230843" cy="685027"/>
-          </a:xfrm>
-          <a:prstGeom prst="rect">
-            <a:avLst/>
-          </a:prstGeom>
-        </p:spPr>
-      </p:pic>
-      <p:sp>
-        <p:nvSpPr>
-          <p:cNvPr id="2" name="Title 1">
-            <a:extLst>
-              <a:ext uri="{FF2B5EF4-FFF2-40B4-BE49-F238E27FC236}">
-                <a16:creationId xmlns:a16="http://schemas.microsoft.com/office/drawing/2014/main" id="{06E72185-1262-224E-A639-374C64E7CD29}"/>
-              </a:ext>
-            </a:extLst>
-          </p:cNvPr>
-          <p:cNvSpPr>
-            <a:spLocks noGrp="1"/>
-          </p:cNvSpPr>
-          <p:nvPr>
-            <p:ph type="title"/>
-          </p:nvPr>
-        </p:nvSpPr>
-        <p:spPr/>
-        <p:txBody>
-          <a:bodyPr/>
-          <a:lstStyle/>
-          <a:p>
-            <a:r>
-              <a:rPr lang="en-US" dirty="0">
-                <a:latin typeface="Garamond" panose="02020404030301010803" pitchFamily="18" charset="0"/>
-              </a:rPr>
-              <a:t>Conclusion</a:t>
-            </a:r>
-          </a:p>
-        </p:txBody>
-      </p:sp>
-      <p:cxnSp>
-        <p:nvCxnSpPr>
-          <p:cNvPr id="5" name="Straight Connector 4">
-            <a:extLst>
-              <a:ext uri="{FF2B5EF4-FFF2-40B4-BE49-F238E27FC236}">
-                <a16:creationId xmlns:a16="http://schemas.microsoft.com/office/drawing/2014/main" id="{F0CA2925-7FF0-E94D-B547-3A2C56441DCE}"/>
-              </a:ext>
-            </a:extLst>
-          </p:cNvPr>
-          <p:cNvCxnSpPr>
-            <a:cxnSpLocks/>
-          </p:cNvCxnSpPr>
-          <p:nvPr/>
-        </p:nvCxnSpPr>
-        <p:spPr>
-          <a:xfrm>
-            <a:off x="838200" y="1690688"/>
-            <a:ext cx="10515600" cy="0"/>
-          </a:xfrm>
-          <a:prstGeom prst="line">
-            <a:avLst/>
-          </a:prstGeom>
-          <a:ln w="44450">
-            <a:solidFill>
-              <a:srgbClr val="008240"/>
-            </a:solidFill>
-          </a:ln>
-        </p:spPr>
-        <p:style>
-          <a:lnRef idx="2">
-            <a:schemeClr val="dk1"/>
-          </a:lnRef>
-          <a:fillRef idx="0">
-            <a:schemeClr val="dk1"/>
-          </a:fillRef>
-          <a:effectRef idx="1">
-            <a:schemeClr val="dk1"/>
-          </a:effectRef>
-          <a:fontRef idx="minor">
-            <a:schemeClr val="tx1"/>
-          </a:fontRef>
-        </p:style>
-      </p:cxnSp>
-      <p:sp>
-        <p:nvSpPr>
-          <p:cNvPr id="12" name="Rectangle 11">
-            <a:extLst>
-              <a:ext uri="{FF2B5EF4-FFF2-40B4-BE49-F238E27FC236}">
-                <a16:creationId xmlns:a16="http://schemas.microsoft.com/office/drawing/2014/main" id="{06F453C1-B8D8-5D40-A757-DDF4F8EC21E8}"/>
-              </a:ext>
-            </a:extLst>
-          </p:cNvPr>
-          <p:cNvSpPr/>
-          <p:nvPr/>
-        </p:nvSpPr>
-        <p:spPr>
-          <a:xfrm>
-            <a:off x="883170" y="2407654"/>
-            <a:ext cx="10515600" cy="3723320"/>
-          </a:xfrm>
-          <a:prstGeom prst="rect">
-            <a:avLst/>
-          </a:prstGeom>
-          <a:noFill/>
-          <a:ln w="25400">
-            <a:solidFill>
-              <a:srgbClr val="008240"/>
-            </a:solidFill>
-          </a:ln>
-        </p:spPr>
-        <p:style>
-          <a:lnRef idx="2">
-            <a:schemeClr val="accent1">
-              <a:shade val="50000"/>
-            </a:schemeClr>
-          </a:lnRef>
-          <a:fillRef idx="1">
-            <a:schemeClr val="accent1"/>
-          </a:fillRef>
-          <a:effectRef idx="0">
-            <a:schemeClr val="accent1"/>
-          </a:effectRef>
-          <a:fontRef idx="minor">
-            <a:schemeClr val="lt1"/>
-          </a:fontRef>
-        </p:style>
-        <p:txBody>
-          <a:bodyPr rtlCol="0" anchor="ctr"/>
-          <a:lstStyle/>
-          <a:p>
-            <a:pPr algn="ctr"/>
-            <a:endParaRPr lang="en-US">
-              <a:latin typeface="Garamond" panose="02020404030301010803" pitchFamily="18" charset="0"/>
-            </a:endParaRPr>
-          </a:p>
-        </p:txBody>
-      </p:sp>
-      <p:sp>
-        <p:nvSpPr>
-          <p:cNvPr id="13" name="Rectangle 12">
-            <a:extLst>
-              <a:ext uri="{FF2B5EF4-FFF2-40B4-BE49-F238E27FC236}">
-                <a16:creationId xmlns:a16="http://schemas.microsoft.com/office/drawing/2014/main" id="{1F0A47D9-B7F6-ED44-8D10-37B998545356}"/>
-              </a:ext>
-            </a:extLst>
-          </p:cNvPr>
-          <p:cNvSpPr/>
-          <p:nvPr/>
-        </p:nvSpPr>
-        <p:spPr>
-          <a:xfrm>
-            <a:off x="883170" y="1912976"/>
-            <a:ext cx="10515600" cy="494677"/>
-          </a:xfrm>
-          <a:prstGeom prst="rect">
-            <a:avLst/>
-          </a:prstGeom>
-          <a:solidFill>
-            <a:schemeClr val="bg1">
-              <a:lumMod val="65000"/>
-            </a:schemeClr>
-          </a:solidFill>
-          <a:ln w="25400">
-            <a:solidFill>
-              <a:schemeClr val="bg1">
-                <a:lumMod val="65000"/>
-              </a:schemeClr>
-            </a:solidFill>
-          </a:ln>
-        </p:spPr>
-        <p:style>
-          <a:lnRef idx="2">
-            <a:schemeClr val="accent1">
-              <a:shade val="50000"/>
-            </a:schemeClr>
-          </a:lnRef>
-          <a:fillRef idx="1">
-            <a:schemeClr val="accent1"/>
-          </a:fillRef>
-          <a:effectRef idx="0">
-            <a:schemeClr val="accent1"/>
-          </a:effectRef>
-          <a:fontRef idx="minor">
-            <a:schemeClr val="lt1"/>
-          </a:fontRef>
-        </p:style>
-        <p:txBody>
-          <a:bodyPr rtlCol="0" anchor="ctr"/>
-          <a:lstStyle/>
-          <a:p>
-            <a:pPr algn="ctr"/>
-            <a:r>
-              <a:rPr lang="en-US" sz="3200" dirty="0">
-                <a:latin typeface="Garamond" panose="02020404030301010803" pitchFamily="18" charset="0"/>
-              </a:rPr>
-              <a:t>Hypothesis</a:t>
-            </a:r>
-          </a:p>
-        </p:txBody>
-      </p:sp>
-      <p:sp>
-        <p:nvSpPr>
-          <p:cNvPr id="4" name="TextBox 3">
-            <a:extLst>
-              <a:ext uri="{FF2B5EF4-FFF2-40B4-BE49-F238E27FC236}">
-                <a16:creationId xmlns:a16="http://schemas.microsoft.com/office/drawing/2014/main" id="{B7FE3326-8E38-D141-AEDA-4D109188EC4A}"/>
-              </a:ext>
-            </a:extLst>
-          </p:cNvPr>
-          <p:cNvSpPr txBox="1"/>
-          <p:nvPr/>
-        </p:nvSpPr>
-        <p:spPr>
-          <a:xfrm>
-            <a:off x="1188871" y="4619069"/>
-            <a:ext cx="9904198" cy="1323439"/>
-          </a:xfrm>
-          <a:prstGeom prst="rect">
-            <a:avLst/>
-          </a:prstGeom>
-          <a:solidFill>
-            <a:schemeClr val="bg1"/>
-          </a:solidFill>
-        </p:spPr>
-        <p:txBody>
-          <a:bodyPr wrap="square" rtlCol="0">
-            <a:spAutoFit/>
-          </a:bodyPr>
-          <a:lstStyle/>
-          <a:p>
-            <a:r>
-              <a:rPr lang="en-US" sz="1600" b="1" dirty="0">
-                <a:latin typeface="Garamond" panose="02020404030301010803" pitchFamily="18" charset="0"/>
-              </a:rPr>
-              <a:t>H1: The SNB interventions proxied by the domestic banks’ sight deposits are classified as important inputs for the development of the SMI.</a:t>
-            </a:r>
-          </a:p>
-          <a:p>
-            <a:endParaRPr lang="en-US" sz="1600" b="1" dirty="0">
-              <a:latin typeface="Garamond" panose="02020404030301010803" pitchFamily="18" charset="0"/>
-            </a:endParaRPr>
-          </a:p>
-          <a:p>
-            <a:r>
-              <a:rPr lang="en-US" sz="1600" b="1" dirty="0">
-                <a:latin typeface="Garamond" panose="02020404030301010803" pitchFamily="18" charset="0"/>
-              </a:rPr>
-              <a:t>H2: As during the Cap period there is an official signal about the SNB’s strategy, the importance of the SNB interventions proxied by the domestic bank’s sight deposits differs compared to the other periods.</a:t>
-            </a:r>
-          </a:p>
-        </p:txBody>
-      </p:sp>
-      <p:sp>
-        <p:nvSpPr>
-          <p:cNvPr id="10" name="TextBox 9">
-            <a:extLst>
-              <a:ext uri="{FF2B5EF4-FFF2-40B4-BE49-F238E27FC236}">
-                <a16:creationId xmlns:a16="http://schemas.microsoft.com/office/drawing/2014/main" id="{3FD71945-1450-E643-A7EB-86DF7C8EF808}"/>
-              </a:ext>
-            </a:extLst>
-          </p:cNvPr>
-          <p:cNvSpPr txBox="1"/>
-          <p:nvPr/>
-        </p:nvSpPr>
-        <p:spPr>
-          <a:xfrm>
-            <a:off x="1188871" y="2767280"/>
-            <a:ext cx="9904198" cy="1569660"/>
-          </a:xfrm>
-          <a:prstGeom prst="rect">
-            <a:avLst/>
-          </a:prstGeom>
-          <a:solidFill>
-            <a:schemeClr val="accent1">
-              <a:alpha val="20000"/>
-            </a:schemeClr>
-          </a:solidFill>
-        </p:spPr>
-        <p:txBody>
-          <a:bodyPr wrap="square" rtlCol="0">
-            <a:spAutoFit/>
-          </a:bodyPr>
-          <a:lstStyle/>
-          <a:p>
-            <a:pPr marL="285750" indent="-285750">
-              <a:buFont typeface="Wingdings" pitchFamily="2" charset="2"/>
-              <a:buChar char="§"/>
-            </a:pPr>
-            <a:r>
-              <a:rPr lang="en-US" sz="1600" dirty="0">
-                <a:latin typeface="Garamond" panose="02020404030301010803" pitchFamily="18" charset="0"/>
-              </a:rPr>
-              <a:t>Several studies have already found that QE affects other asset markets.</a:t>
-            </a:r>
-          </a:p>
-          <a:p>
-            <a:pPr marL="285750" indent="-285750">
-              <a:buFont typeface="Wingdings" pitchFamily="2" charset="2"/>
-              <a:buChar char="§"/>
-            </a:pPr>
-            <a:endParaRPr lang="en-US" sz="1600" dirty="0">
-              <a:latin typeface="Garamond" panose="02020404030301010803" pitchFamily="18" charset="0"/>
-            </a:endParaRPr>
-          </a:p>
-          <a:p>
-            <a:pPr marL="285750" indent="-285750">
-              <a:buFont typeface="Wingdings" pitchFamily="2" charset="2"/>
-              <a:buChar char="§"/>
-            </a:pPr>
-            <a:r>
-              <a:rPr lang="en-US" sz="1600" dirty="0">
-                <a:latin typeface="Garamond" panose="02020404030301010803" pitchFamily="18" charset="0"/>
-              </a:rPr>
-              <a:t>A previous decision tree analysis performed for the US market established a relationship between the increase of the central bank balance sheet and the stock market.</a:t>
-            </a:r>
-          </a:p>
-          <a:p>
-            <a:pPr marL="285750" indent="-285750">
-              <a:buFont typeface="Wingdings" pitchFamily="2" charset="2"/>
-              <a:buChar char="§"/>
-            </a:pPr>
-            <a:endParaRPr lang="en-US" sz="1600" dirty="0">
-              <a:latin typeface="Garamond" panose="02020404030301010803" pitchFamily="18" charset="0"/>
-            </a:endParaRPr>
-          </a:p>
-          <a:p>
-            <a:pPr marL="285750" indent="-285750">
-              <a:buFont typeface="Wingdings" pitchFamily="2" charset="2"/>
-              <a:buChar char="§"/>
-            </a:pPr>
-            <a:r>
-              <a:rPr lang="en-US" sz="1600" dirty="0">
-                <a:latin typeface="Garamond" panose="02020404030301010803" pitchFamily="18" charset="0"/>
-              </a:rPr>
-              <a:t>It stays relatively controversial which transmission channels play a role for different asset markets. </a:t>
-            </a:r>
-          </a:p>
-        </p:txBody>
-      </p:sp>
-    </p:spTree>
-    <p:extLst>
-      <p:ext uri="{BB962C8B-B14F-4D97-AF65-F5344CB8AC3E}">
-        <p14:creationId xmlns:p14="http://schemas.microsoft.com/office/powerpoint/2010/main" val="4275593387"/>
-      </p:ext>
-    </p:extLst>
-  </p:cSld>
-  <p:clrMapOvr>
-    <a:masterClrMapping/>
-  </p:clrMapOvr>
-</p:sld>
-</file>
-
-<file path=ppt/slides/slide19.xml><?xml version="1.0" encoding="utf-8"?>
-<p:sld xmlns:a="http://schemas.openxmlformats.org/drawingml/2006/main" xmlns:r="http://schemas.openxmlformats.org/officeDocument/2006/relationships" xmlns:p="http://schemas.openxmlformats.org/presentationml/2006/main">
-  <p:cSld>
-    <p:spTree>
-      <p:nvGrpSpPr>
-        <p:cNvPr id="1" name=""/>
-        <p:cNvGrpSpPr/>
-        <p:nvPr/>
-      </p:nvGrpSpPr>
-      <p:grpSpPr>
-        <a:xfrm>
-          <a:off x="0" y="0"/>
-          <a:ext cx="0" cy="0"/>
-          <a:chOff x="0" y="0"/>
-          <a:chExt cx="0" cy="0"/>
-        </a:xfrm>
-      </p:grpSpPr>
-      <p:sp>
-        <p:nvSpPr>
-          <p:cNvPr id="2" name="Title 1">
-            <a:extLst>
-              <a:ext uri="{FF2B5EF4-FFF2-40B4-BE49-F238E27FC236}">
-                <a16:creationId xmlns:a16="http://schemas.microsoft.com/office/drawing/2014/main" id="{06E72185-1262-224E-A639-374C64E7CD29}"/>
-              </a:ext>
-            </a:extLst>
-          </p:cNvPr>
-          <p:cNvSpPr>
-            <a:spLocks noGrp="1"/>
-          </p:cNvSpPr>
-          <p:nvPr>
-            <p:ph type="title"/>
-          </p:nvPr>
-        </p:nvSpPr>
-        <p:spPr/>
-        <p:txBody>
-          <a:bodyPr/>
-          <a:lstStyle/>
-          <a:p>
-            <a:r>
-              <a:rPr lang="en-US" dirty="0">
-                <a:latin typeface="Garamond" panose="02020404030301010803" pitchFamily="18" charset="0"/>
-              </a:rPr>
-              <a:t>References</a:t>
-            </a:r>
-          </a:p>
-        </p:txBody>
-      </p:sp>
-      <p:sp>
-        <p:nvSpPr>
-          <p:cNvPr id="3" name="Content Placeholder 2">
-            <a:extLst>
-              <a:ext uri="{FF2B5EF4-FFF2-40B4-BE49-F238E27FC236}">
-                <a16:creationId xmlns:a16="http://schemas.microsoft.com/office/drawing/2014/main" id="{831EDF60-5079-2A45-9811-8DB06D873F3B}"/>
-              </a:ext>
-            </a:extLst>
-          </p:cNvPr>
-          <p:cNvSpPr>
-            <a:spLocks noGrp="1"/>
-          </p:cNvSpPr>
-          <p:nvPr>
-            <p:ph idx="1"/>
-          </p:nvPr>
-        </p:nvSpPr>
-        <p:spPr/>
-        <p:txBody>
-          <a:bodyPr>
-            <a:normAutofit/>
-          </a:bodyPr>
-          <a:lstStyle/>
-          <a:p>
-            <a:pPr marL="0" indent="0">
-              <a:buNone/>
-            </a:pPr>
-            <a:endParaRPr lang="de-DE" sz="2000" dirty="0">
-              <a:latin typeface="Garamond" panose="02020404030301010803" pitchFamily="18" charset="0"/>
-            </a:endParaRPr>
-          </a:p>
-        </p:txBody>
-      </p:sp>
-      <p:cxnSp>
-        <p:nvCxnSpPr>
-          <p:cNvPr id="5" name="Straight Connector 4">
-            <a:extLst>
-              <a:ext uri="{FF2B5EF4-FFF2-40B4-BE49-F238E27FC236}">
-                <a16:creationId xmlns:a16="http://schemas.microsoft.com/office/drawing/2014/main" id="{F0CA2925-7FF0-E94D-B547-3A2C56441DCE}"/>
-              </a:ext>
-            </a:extLst>
-          </p:cNvPr>
-          <p:cNvCxnSpPr>
-            <a:cxnSpLocks/>
-          </p:cNvCxnSpPr>
-          <p:nvPr/>
-        </p:nvCxnSpPr>
-        <p:spPr>
-          <a:xfrm>
-            <a:off x="838200" y="1690688"/>
-            <a:ext cx="10515600" cy="0"/>
-          </a:xfrm>
-          <a:prstGeom prst="line">
-            <a:avLst/>
-          </a:prstGeom>
-          <a:ln w="44450">
-            <a:solidFill>
-              <a:srgbClr val="008240"/>
-            </a:solidFill>
-          </a:ln>
-        </p:spPr>
-        <p:style>
-          <a:lnRef idx="2">
-            <a:schemeClr val="dk1"/>
-          </a:lnRef>
-          <a:fillRef idx="0">
-            <a:schemeClr val="dk1"/>
-          </a:fillRef>
-          <a:effectRef idx="1">
-            <a:schemeClr val="dk1"/>
-          </a:effectRef>
-          <a:fontRef idx="minor">
-            <a:schemeClr val="tx1"/>
-          </a:fontRef>
-        </p:style>
-      </p:cxnSp>
-      <p:pic>
-        <p:nvPicPr>
-          <p:cNvPr id="6" name="Picture 5">
-            <a:extLst>
-              <a:ext uri="{FF2B5EF4-FFF2-40B4-BE49-F238E27FC236}">
-                <a16:creationId xmlns:a16="http://schemas.microsoft.com/office/drawing/2014/main" id="{86F5246E-AFA4-E544-B96D-4825691C09F9}"/>
-              </a:ext>
-            </a:extLst>
-          </p:cNvPr>
-          <p:cNvPicPr>
-            <a:picLocks noChangeAspect="1"/>
-          </p:cNvPicPr>
-          <p:nvPr/>
-        </p:nvPicPr>
-        <p:blipFill>
-          <a:blip r:embed="rId2"/>
-          <a:stretch>
-            <a:fillRect/>
-          </a:stretch>
-        </p:blipFill>
-        <p:spPr>
-          <a:xfrm>
-            <a:off x="9541432" y="5942509"/>
-            <a:ext cx="2230843" cy="685027"/>
-          </a:xfrm>
-          <a:prstGeom prst="rect">
-            <a:avLst/>
-          </a:prstGeom>
-        </p:spPr>
-      </p:pic>
-    </p:spTree>
-    <p:extLst>
-      <p:ext uri="{BB962C8B-B14F-4D97-AF65-F5344CB8AC3E}">
-        <p14:creationId xmlns:p14="http://schemas.microsoft.com/office/powerpoint/2010/main" val="895532807"/>
       </p:ext>
     </p:extLst>
   </p:cSld>
@@ -24969,6 +25178,621 @@
       </p:grpSpPr>
       <p:pic>
         <p:nvPicPr>
+          <p:cNvPr id="7" name="Picture 6">
+            <a:extLst>
+              <a:ext uri="{FF2B5EF4-FFF2-40B4-BE49-F238E27FC236}">
+                <a16:creationId xmlns:a16="http://schemas.microsoft.com/office/drawing/2014/main" id="{07B5C61B-8F33-D04F-AA20-C7F6ECCB9EAF}"/>
+              </a:ext>
+            </a:extLst>
+          </p:cNvPr>
+          <p:cNvPicPr>
+            <a:picLocks noChangeAspect="1"/>
+          </p:cNvPicPr>
+          <p:nvPr/>
+        </p:nvPicPr>
+        <p:blipFill>
+          <a:blip r:embed="rId3"/>
+          <a:stretch>
+            <a:fillRect/>
+          </a:stretch>
+        </p:blipFill>
+        <p:spPr>
+          <a:xfrm>
+            <a:off x="9541432" y="5942509"/>
+            <a:ext cx="2230843" cy="685027"/>
+          </a:xfrm>
+          <a:prstGeom prst="rect">
+            <a:avLst/>
+          </a:prstGeom>
+        </p:spPr>
+      </p:pic>
+      <p:sp>
+        <p:nvSpPr>
+          <p:cNvPr id="2" name="Title 1">
+            <a:extLst>
+              <a:ext uri="{FF2B5EF4-FFF2-40B4-BE49-F238E27FC236}">
+                <a16:creationId xmlns:a16="http://schemas.microsoft.com/office/drawing/2014/main" id="{06E72185-1262-224E-A639-374C64E7CD29}"/>
+              </a:ext>
+            </a:extLst>
+          </p:cNvPr>
+          <p:cNvSpPr>
+            <a:spLocks noGrp="1"/>
+          </p:cNvSpPr>
+          <p:nvPr>
+            <p:ph type="title"/>
+          </p:nvPr>
+        </p:nvSpPr>
+        <p:spPr/>
+        <p:txBody>
+          <a:bodyPr/>
+          <a:lstStyle/>
+          <a:p>
+            <a:r>
+              <a:rPr lang="en-US" dirty="0">
+                <a:latin typeface="Garamond" panose="02020404030301010803" pitchFamily="18" charset="0"/>
+              </a:rPr>
+              <a:t>Conclusion</a:t>
+            </a:r>
+          </a:p>
+        </p:txBody>
+      </p:sp>
+      <p:cxnSp>
+        <p:nvCxnSpPr>
+          <p:cNvPr id="5" name="Straight Connector 4">
+            <a:extLst>
+              <a:ext uri="{FF2B5EF4-FFF2-40B4-BE49-F238E27FC236}">
+                <a16:creationId xmlns:a16="http://schemas.microsoft.com/office/drawing/2014/main" id="{F0CA2925-7FF0-E94D-B547-3A2C56441DCE}"/>
+              </a:ext>
+            </a:extLst>
+          </p:cNvPr>
+          <p:cNvCxnSpPr>
+            <a:cxnSpLocks/>
+          </p:cNvCxnSpPr>
+          <p:nvPr/>
+        </p:nvCxnSpPr>
+        <p:spPr>
+          <a:xfrm>
+            <a:off x="838200" y="1690688"/>
+            <a:ext cx="10515600" cy="0"/>
+          </a:xfrm>
+          <a:prstGeom prst="line">
+            <a:avLst/>
+          </a:prstGeom>
+          <a:ln w="44450">
+            <a:solidFill>
+              <a:srgbClr val="008240"/>
+            </a:solidFill>
+          </a:ln>
+        </p:spPr>
+        <p:style>
+          <a:lnRef idx="2">
+            <a:schemeClr val="dk1"/>
+          </a:lnRef>
+          <a:fillRef idx="0">
+            <a:schemeClr val="dk1"/>
+          </a:fillRef>
+          <a:effectRef idx="1">
+            <a:schemeClr val="dk1"/>
+          </a:effectRef>
+          <a:fontRef idx="minor">
+            <a:schemeClr val="tx1"/>
+          </a:fontRef>
+        </p:style>
+      </p:cxnSp>
+      <p:sp>
+        <p:nvSpPr>
+          <p:cNvPr id="12" name="Rectangle 11">
+            <a:extLst>
+              <a:ext uri="{FF2B5EF4-FFF2-40B4-BE49-F238E27FC236}">
+                <a16:creationId xmlns:a16="http://schemas.microsoft.com/office/drawing/2014/main" id="{06F453C1-B8D8-5D40-A757-DDF4F8EC21E8}"/>
+              </a:ext>
+            </a:extLst>
+          </p:cNvPr>
+          <p:cNvSpPr/>
+          <p:nvPr/>
+        </p:nvSpPr>
+        <p:spPr>
+          <a:xfrm>
+            <a:off x="883170" y="2407654"/>
+            <a:ext cx="10515600" cy="3723320"/>
+          </a:xfrm>
+          <a:prstGeom prst="rect">
+            <a:avLst/>
+          </a:prstGeom>
+          <a:noFill/>
+          <a:ln w="25400">
+            <a:solidFill>
+              <a:srgbClr val="008240"/>
+            </a:solidFill>
+          </a:ln>
+        </p:spPr>
+        <p:style>
+          <a:lnRef idx="2">
+            <a:schemeClr val="accent1">
+              <a:shade val="50000"/>
+            </a:schemeClr>
+          </a:lnRef>
+          <a:fillRef idx="1">
+            <a:schemeClr val="accent1"/>
+          </a:fillRef>
+          <a:effectRef idx="0">
+            <a:schemeClr val="accent1"/>
+          </a:effectRef>
+          <a:fontRef idx="minor">
+            <a:schemeClr val="lt1"/>
+          </a:fontRef>
+        </p:style>
+        <p:txBody>
+          <a:bodyPr rtlCol="0" anchor="ctr"/>
+          <a:lstStyle/>
+          <a:p>
+            <a:pPr algn="ctr"/>
+            <a:endParaRPr lang="en-US">
+              <a:latin typeface="Garamond" panose="02020404030301010803" pitchFamily="18" charset="0"/>
+            </a:endParaRPr>
+          </a:p>
+        </p:txBody>
+      </p:sp>
+      <p:sp>
+        <p:nvSpPr>
+          <p:cNvPr id="13" name="Rectangle 12">
+            <a:extLst>
+              <a:ext uri="{FF2B5EF4-FFF2-40B4-BE49-F238E27FC236}">
+                <a16:creationId xmlns:a16="http://schemas.microsoft.com/office/drawing/2014/main" id="{1F0A47D9-B7F6-ED44-8D10-37B998545356}"/>
+              </a:ext>
+            </a:extLst>
+          </p:cNvPr>
+          <p:cNvSpPr/>
+          <p:nvPr/>
+        </p:nvSpPr>
+        <p:spPr>
+          <a:xfrm>
+            <a:off x="883170" y="1912976"/>
+            <a:ext cx="10515600" cy="494677"/>
+          </a:xfrm>
+          <a:prstGeom prst="rect">
+            <a:avLst/>
+          </a:prstGeom>
+          <a:solidFill>
+            <a:schemeClr val="bg1">
+              <a:lumMod val="65000"/>
+            </a:schemeClr>
+          </a:solidFill>
+          <a:ln w="25400">
+            <a:solidFill>
+              <a:schemeClr val="bg1">
+                <a:lumMod val="65000"/>
+              </a:schemeClr>
+            </a:solidFill>
+          </a:ln>
+        </p:spPr>
+        <p:style>
+          <a:lnRef idx="2">
+            <a:schemeClr val="accent1">
+              <a:shade val="50000"/>
+            </a:schemeClr>
+          </a:lnRef>
+          <a:fillRef idx="1">
+            <a:schemeClr val="accent1"/>
+          </a:fillRef>
+          <a:effectRef idx="0">
+            <a:schemeClr val="accent1"/>
+          </a:effectRef>
+          <a:fontRef idx="minor">
+            <a:schemeClr val="lt1"/>
+          </a:fontRef>
+        </p:style>
+        <p:txBody>
+          <a:bodyPr rtlCol="0" anchor="ctr"/>
+          <a:lstStyle/>
+          <a:p>
+            <a:pPr algn="ctr"/>
+            <a:r>
+              <a:rPr lang="en-US" sz="3200" dirty="0">
+                <a:latin typeface="Garamond" panose="02020404030301010803" pitchFamily="18" charset="0"/>
+              </a:rPr>
+              <a:t>On a glance</a:t>
+            </a:r>
+          </a:p>
+        </p:txBody>
+      </p:sp>
+      <p:sp>
+        <p:nvSpPr>
+          <p:cNvPr id="3" name="TextBox 2">
+            <a:extLst>
+              <a:ext uri="{FF2B5EF4-FFF2-40B4-BE49-F238E27FC236}">
+                <a16:creationId xmlns:a16="http://schemas.microsoft.com/office/drawing/2014/main" id="{56D85C1D-CE36-CF45-A0F2-A1F75B29732D}"/>
+              </a:ext>
+            </a:extLst>
+          </p:cNvPr>
+          <p:cNvSpPr txBox="1"/>
+          <p:nvPr/>
+        </p:nvSpPr>
+        <p:spPr>
+          <a:xfrm>
+            <a:off x="996690" y="4716624"/>
+            <a:ext cx="10379595" cy="1299715"/>
+          </a:xfrm>
+          <a:prstGeom prst="rect">
+            <a:avLst/>
+          </a:prstGeom>
+          <a:noFill/>
+        </p:spPr>
+        <p:txBody>
+          <a:bodyPr wrap="square" rtlCol="0">
+            <a:spAutoFit/>
+          </a:bodyPr>
+          <a:lstStyle/>
+          <a:p>
+            <a:pPr marL="285750" indent="-285750">
+              <a:lnSpc>
+                <a:spcPct val="150000"/>
+              </a:lnSpc>
+              <a:buFont typeface="Arial" panose="020B0604020202020204" pitchFamily="34" charset="0"/>
+              <a:buChar char="•"/>
+            </a:pPr>
+            <a:r>
+              <a:rPr lang="en-US" dirty="0">
+                <a:latin typeface="Garamond" panose="02020404030301010803" pitchFamily="18" charset="0"/>
+              </a:rPr>
+              <a:t>We are one of very few paper that are able to establish a direct connection between QE and stock markets</a:t>
+            </a:r>
+          </a:p>
+          <a:p>
+            <a:pPr marL="285750" indent="-285750">
+              <a:lnSpc>
+                <a:spcPct val="150000"/>
+              </a:lnSpc>
+              <a:buFont typeface="Arial" panose="020B0604020202020204" pitchFamily="34" charset="0"/>
+              <a:buChar char="•"/>
+            </a:pPr>
+            <a:r>
+              <a:rPr lang="en-US" dirty="0">
+                <a:latin typeface="Garamond" panose="02020404030301010803" pitchFamily="18" charset="0"/>
+              </a:rPr>
+              <a:t>Our results provide important insights for regulators and market participants</a:t>
+            </a:r>
+          </a:p>
+          <a:p>
+            <a:pPr marL="285750" indent="-285750">
+              <a:lnSpc>
+                <a:spcPct val="150000"/>
+              </a:lnSpc>
+              <a:buFont typeface="Arial" panose="020B0604020202020204" pitchFamily="34" charset="0"/>
+              <a:buChar char="•"/>
+            </a:pPr>
+            <a:r>
+              <a:rPr lang="en-US" dirty="0">
+                <a:latin typeface="Garamond" panose="02020404030301010803" pitchFamily="18" charset="0"/>
+              </a:rPr>
+              <a:t>The methodology used opens field for further research in areas where common statistical methods might fail</a:t>
+            </a:r>
+          </a:p>
+        </p:txBody>
+      </p:sp>
+      <p:sp>
+        <p:nvSpPr>
+          <p:cNvPr id="11" name="TextBox 10">
+            <a:extLst>
+              <a:ext uri="{FF2B5EF4-FFF2-40B4-BE49-F238E27FC236}">
+                <a16:creationId xmlns:a16="http://schemas.microsoft.com/office/drawing/2014/main" id="{9640D1A5-89F6-9F45-8925-E1863BD16CCB}"/>
+              </a:ext>
+            </a:extLst>
+          </p:cNvPr>
+          <p:cNvSpPr txBox="1"/>
+          <p:nvPr/>
+        </p:nvSpPr>
+        <p:spPr>
+          <a:xfrm>
+            <a:off x="974205" y="2539706"/>
+            <a:ext cx="10379595" cy="1715213"/>
+          </a:xfrm>
+          <a:prstGeom prst="rect">
+            <a:avLst/>
+          </a:prstGeom>
+          <a:noFill/>
+        </p:spPr>
+        <p:txBody>
+          <a:bodyPr wrap="square" rtlCol="0">
+            <a:spAutoFit/>
+          </a:bodyPr>
+          <a:lstStyle/>
+          <a:p>
+            <a:pPr marL="285750" indent="-285750">
+              <a:lnSpc>
+                <a:spcPct val="150000"/>
+              </a:lnSpc>
+              <a:buFont typeface="Arial" panose="020B0604020202020204" pitchFamily="34" charset="0"/>
+              <a:buChar char="•"/>
+            </a:pPr>
+            <a:r>
+              <a:rPr lang="en-US" dirty="0">
+                <a:latin typeface="Garamond" panose="02020404030301010803" pitchFamily="18" charset="0"/>
+              </a:rPr>
+              <a:t>We find strong evidence that the signaling channel played a role in the transmission</a:t>
+            </a:r>
+          </a:p>
+          <a:p>
+            <a:pPr marL="285750" indent="-285750">
+              <a:lnSpc>
+                <a:spcPct val="150000"/>
+              </a:lnSpc>
+              <a:buFont typeface="Arial" panose="020B0604020202020204" pitchFamily="34" charset="0"/>
+              <a:buChar char="•"/>
+            </a:pPr>
+            <a:r>
+              <a:rPr lang="en-US" dirty="0">
+                <a:latin typeface="Garamond" panose="02020404030301010803" pitchFamily="18" charset="0"/>
+              </a:rPr>
+              <a:t>Market participants use communications by the SNB to infer its state of mind and adapt!</a:t>
+            </a:r>
+          </a:p>
+          <a:p>
+            <a:pPr marL="285750" indent="-285750">
+              <a:lnSpc>
+                <a:spcPct val="150000"/>
+              </a:lnSpc>
+              <a:buFont typeface="Arial" panose="020B0604020202020204" pitchFamily="34" charset="0"/>
+              <a:buChar char="•"/>
+            </a:pPr>
+            <a:r>
+              <a:rPr lang="en-US" dirty="0">
+                <a:latin typeface="Garamond" panose="02020404030301010803" pitchFamily="18" charset="0"/>
+              </a:rPr>
+              <a:t>QE has side effects, some of which might not be intended in the first place</a:t>
+            </a:r>
+          </a:p>
+          <a:p>
+            <a:pPr marL="285750" indent="-285750">
+              <a:lnSpc>
+                <a:spcPct val="150000"/>
+              </a:lnSpc>
+              <a:buFont typeface="Arial" panose="020B0604020202020204" pitchFamily="34" charset="0"/>
+              <a:buChar char="•"/>
+            </a:pPr>
+            <a:r>
+              <a:rPr lang="en-US" dirty="0">
+                <a:latin typeface="Garamond" panose="02020404030301010803" pitchFamily="18" charset="0"/>
+              </a:rPr>
+              <a:t>Portfolio balance effects might also be present in our case… We leave it to further research!</a:t>
+            </a:r>
+          </a:p>
+        </p:txBody>
+      </p:sp>
+      <p:sp>
+        <p:nvSpPr>
+          <p:cNvPr id="14" name="TextBox 13">
+            <a:extLst>
+              <a:ext uri="{FF2B5EF4-FFF2-40B4-BE49-F238E27FC236}">
+                <a16:creationId xmlns:a16="http://schemas.microsoft.com/office/drawing/2014/main" id="{89511A5F-C9D8-1A4B-B581-C2A8FDCBF539}"/>
+              </a:ext>
+            </a:extLst>
+          </p:cNvPr>
+          <p:cNvSpPr txBox="1"/>
+          <p:nvPr/>
+        </p:nvSpPr>
+        <p:spPr>
+          <a:xfrm>
+            <a:off x="974205" y="4421121"/>
+            <a:ext cx="10379595" cy="369332"/>
+          </a:xfrm>
+          <a:prstGeom prst="rect">
+            <a:avLst/>
+          </a:prstGeom>
+          <a:noFill/>
+        </p:spPr>
+        <p:txBody>
+          <a:bodyPr wrap="square" rtlCol="0">
+            <a:spAutoFit/>
+          </a:bodyPr>
+          <a:lstStyle/>
+          <a:p>
+            <a:r>
+              <a:rPr lang="en-US" b="1" dirty="0">
+                <a:latin typeface="Garamond" panose="02020404030301010803" pitchFamily="18" charset="0"/>
+              </a:rPr>
+              <a:t>Contribution / Implications</a:t>
+            </a:r>
+          </a:p>
+        </p:txBody>
+      </p:sp>
+    </p:spTree>
+    <p:extLst>
+      <p:ext uri="{BB962C8B-B14F-4D97-AF65-F5344CB8AC3E}">
+        <p14:creationId xmlns:p14="http://schemas.microsoft.com/office/powerpoint/2010/main" val="4275593387"/>
+      </p:ext>
+    </p:extLst>
+  </p:cSld>
+  <p:clrMapOvr>
+    <a:masterClrMapping/>
+  </p:clrMapOvr>
+</p:sld>
+</file>
+
+<file path=ppt/slides/slide21.xml><?xml version="1.0" encoding="utf-8"?>
+<p:sld xmlns:a="http://schemas.openxmlformats.org/drawingml/2006/main" xmlns:r="http://schemas.openxmlformats.org/officeDocument/2006/relationships" xmlns:p="http://schemas.openxmlformats.org/presentationml/2006/main">
+  <p:cSld>
+    <p:spTree>
+      <p:nvGrpSpPr>
+        <p:cNvPr id="1" name=""/>
+        <p:cNvGrpSpPr/>
+        <p:nvPr/>
+      </p:nvGrpSpPr>
+      <p:grpSpPr>
+        <a:xfrm>
+          <a:off x="0" y="0"/>
+          <a:ext cx="0" cy="0"/>
+          <a:chOff x="0" y="0"/>
+          <a:chExt cx="0" cy="0"/>
+        </a:xfrm>
+      </p:grpSpPr>
+      <p:sp>
+        <p:nvSpPr>
+          <p:cNvPr id="2" name="Title 1">
+            <a:extLst>
+              <a:ext uri="{FF2B5EF4-FFF2-40B4-BE49-F238E27FC236}">
+                <a16:creationId xmlns:a16="http://schemas.microsoft.com/office/drawing/2014/main" id="{06E72185-1262-224E-A639-374C64E7CD29}"/>
+              </a:ext>
+            </a:extLst>
+          </p:cNvPr>
+          <p:cNvSpPr>
+            <a:spLocks noGrp="1"/>
+          </p:cNvSpPr>
+          <p:nvPr>
+            <p:ph type="title"/>
+          </p:nvPr>
+        </p:nvSpPr>
+        <p:spPr/>
+        <p:txBody>
+          <a:bodyPr/>
+          <a:lstStyle/>
+          <a:p>
+            <a:r>
+              <a:rPr lang="en-US" dirty="0">
+                <a:latin typeface="Garamond" panose="02020404030301010803" pitchFamily="18" charset="0"/>
+              </a:rPr>
+              <a:t>References</a:t>
+            </a:r>
+          </a:p>
+        </p:txBody>
+      </p:sp>
+      <p:sp>
+        <p:nvSpPr>
+          <p:cNvPr id="3" name="Content Placeholder 2">
+            <a:extLst>
+              <a:ext uri="{FF2B5EF4-FFF2-40B4-BE49-F238E27FC236}">
+                <a16:creationId xmlns:a16="http://schemas.microsoft.com/office/drawing/2014/main" id="{831EDF60-5079-2A45-9811-8DB06D873F3B}"/>
+              </a:ext>
+            </a:extLst>
+          </p:cNvPr>
+          <p:cNvSpPr>
+            <a:spLocks noGrp="1"/>
+          </p:cNvSpPr>
+          <p:nvPr>
+            <p:ph idx="1"/>
+          </p:nvPr>
+        </p:nvSpPr>
+        <p:spPr/>
+        <p:txBody>
+          <a:bodyPr>
+            <a:normAutofit/>
+          </a:bodyPr>
+          <a:lstStyle/>
+          <a:p>
+            <a:pPr marL="0" indent="0">
+              <a:buNone/>
+            </a:pPr>
+            <a:endParaRPr lang="de-DE" sz="2000" dirty="0">
+              <a:latin typeface="Garamond" panose="02020404030301010803" pitchFamily="18" charset="0"/>
+            </a:endParaRPr>
+          </a:p>
+        </p:txBody>
+      </p:sp>
+      <p:cxnSp>
+        <p:nvCxnSpPr>
+          <p:cNvPr id="5" name="Straight Connector 4">
+            <a:extLst>
+              <a:ext uri="{FF2B5EF4-FFF2-40B4-BE49-F238E27FC236}">
+                <a16:creationId xmlns:a16="http://schemas.microsoft.com/office/drawing/2014/main" id="{F0CA2925-7FF0-E94D-B547-3A2C56441DCE}"/>
+              </a:ext>
+            </a:extLst>
+          </p:cNvPr>
+          <p:cNvCxnSpPr>
+            <a:cxnSpLocks/>
+          </p:cNvCxnSpPr>
+          <p:nvPr/>
+        </p:nvCxnSpPr>
+        <p:spPr>
+          <a:xfrm>
+            <a:off x="838200" y="1690688"/>
+            <a:ext cx="10515600" cy="0"/>
+          </a:xfrm>
+          <a:prstGeom prst="line">
+            <a:avLst/>
+          </a:prstGeom>
+          <a:ln w="44450">
+            <a:solidFill>
+              <a:srgbClr val="008240"/>
+            </a:solidFill>
+          </a:ln>
+        </p:spPr>
+        <p:style>
+          <a:lnRef idx="2">
+            <a:schemeClr val="dk1"/>
+          </a:lnRef>
+          <a:fillRef idx="0">
+            <a:schemeClr val="dk1"/>
+          </a:fillRef>
+          <a:effectRef idx="1">
+            <a:schemeClr val="dk1"/>
+          </a:effectRef>
+          <a:fontRef idx="minor">
+            <a:schemeClr val="tx1"/>
+          </a:fontRef>
+        </p:style>
+      </p:cxnSp>
+      <p:pic>
+        <p:nvPicPr>
+          <p:cNvPr id="6" name="Picture 5">
+            <a:extLst>
+              <a:ext uri="{FF2B5EF4-FFF2-40B4-BE49-F238E27FC236}">
+                <a16:creationId xmlns:a16="http://schemas.microsoft.com/office/drawing/2014/main" id="{86F5246E-AFA4-E544-B96D-4825691C09F9}"/>
+              </a:ext>
+            </a:extLst>
+          </p:cNvPr>
+          <p:cNvPicPr>
+            <a:picLocks noChangeAspect="1"/>
+          </p:cNvPicPr>
+          <p:nvPr/>
+        </p:nvPicPr>
+        <p:blipFill>
+          <a:blip r:embed="rId2"/>
+          <a:stretch>
+            <a:fillRect/>
+          </a:stretch>
+        </p:blipFill>
+        <p:spPr>
+          <a:xfrm>
+            <a:off x="9541432" y="5942509"/>
+            <a:ext cx="2230843" cy="685027"/>
+          </a:xfrm>
+          <a:prstGeom prst="rect">
+            <a:avLst/>
+          </a:prstGeom>
+        </p:spPr>
+      </p:pic>
+    </p:spTree>
+    <p:extLst>
+      <p:ext uri="{BB962C8B-B14F-4D97-AF65-F5344CB8AC3E}">
+        <p14:creationId xmlns:p14="http://schemas.microsoft.com/office/powerpoint/2010/main" val="895532807"/>
+      </p:ext>
+    </p:extLst>
+  </p:cSld>
+  <p:clrMapOvr>
+    <a:masterClrMapping/>
+  </p:clrMapOvr>
+</p:sld>
+</file>
+
+<file path=ppt/slides/slide22.xml><?xml version="1.0" encoding="utf-8"?>
+<p:sld xmlns:a="http://schemas.openxmlformats.org/drawingml/2006/main" xmlns:r="http://schemas.openxmlformats.org/officeDocument/2006/relationships" xmlns:p="http://schemas.openxmlformats.org/presentationml/2006/main">
+  <p:cSld>
+    <p:spTree>
+      <p:nvGrpSpPr>
+        <p:cNvPr id="1" name=""/>
+        <p:cNvGrpSpPr/>
+        <p:nvPr/>
+      </p:nvGrpSpPr>
+      <p:grpSpPr>
+        <a:xfrm>
+          <a:off x="0" y="0"/>
+          <a:ext cx="0" cy="0"/>
+          <a:chOff x="0" y="0"/>
+          <a:chExt cx="0" cy="0"/>
+        </a:xfrm>
+      </p:grpSpPr>
+      <p:pic>
+        <p:nvPicPr>
           <p:cNvPr id="10" name="Picture 9">
             <a:extLst>
               <a:ext uri="{FF2B5EF4-FFF2-40B4-BE49-F238E27FC236}">
@@ -25290,7 +26114,7 @@
 </p:sld>
 </file>
 
-<file path=ppt/slides/slide21.xml><?xml version="1.0" encoding="utf-8"?>
+<file path=ppt/slides/slide23.xml><?xml version="1.0" encoding="utf-8"?>
 <p:sld xmlns:a="http://schemas.openxmlformats.org/drawingml/2006/main" xmlns:r="http://schemas.openxmlformats.org/officeDocument/2006/relationships" xmlns:p="http://schemas.openxmlformats.org/presentationml/2006/main">
   <p:cSld>
     <p:spTree>
@@ -25570,7 +26394,7 @@
 </p:sld>
 </file>
 
-<file path=ppt/slides/slide22.xml><?xml version="1.0" encoding="utf-8"?>
+<file path=ppt/slides/slide24.xml><?xml version="1.0" encoding="utf-8"?>
 <p:sld xmlns:a="http://schemas.openxmlformats.org/drawingml/2006/main" xmlns:r="http://schemas.openxmlformats.org/officeDocument/2006/relationships" xmlns:p="http://schemas.openxmlformats.org/presentationml/2006/main">
   <p:cSld>
     <p:spTree>
@@ -25850,7 +26674,7 @@
 </p:sld>
 </file>
 
-<file path=ppt/slides/slide23.xml><?xml version="1.0" encoding="utf-8"?>
+<file path=ppt/slides/slide25.xml><?xml version="1.0" encoding="utf-8"?>
 <p:sld xmlns:a="http://schemas.openxmlformats.org/drawingml/2006/main" xmlns:r="http://schemas.openxmlformats.org/officeDocument/2006/relationships" xmlns:p="http://schemas.openxmlformats.org/presentationml/2006/main">
   <p:cSld>
     <p:spTree>
@@ -26154,7 +26978,7 @@
 </p:sld>
 </file>
 
-<file path=ppt/slides/slide24.xml><?xml version="1.0" encoding="utf-8"?>
+<file path=ppt/slides/slide26.xml><?xml version="1.0" encoding="utf-8"?>
 <p:sld xmlns:a="http://schemas.openxmlformats.org/drawingml/2006/main" xmlns:r="http://schemas.openxmlformats.org/officeDocument/2006/relationships" xmlns:p="http://schemas.openxmlformats.org/presentationml/2006/main">
   <p:cSld>
     <p:spTree>
@@ -26434,7 +27258,7 @@
 </p:sld>
 </file>
 
-<file path=ppt/slides/slide25.xml><?xml version="1.0" encoding="utf-8"?>
+<file path=ppt/slides/slide27.xml><?xml version="1.0" encoding="utf-8"?>
 <p:sld xmlns:a="http://schemas.openxmlformats.org/drawingml/2006/main" xmlns:r="http://schemas.openxmlformats.org/officeDocument/2006/relationships" xmlns:p="http://schemas.openxmlformats.org/presentationml/2006/main">
   <p:cSld>
     <p:spTree>
@@ -26714,7 +27538,7 @@
 </p:sld>
 </file>
 
-<file path=ppt/slides/slide26.xml><?xml version="1.0" encoding="utf-8"?>
+<file path=ppt/slides/slide28.xml><?xml version="1.0" encoding="utf-8"?>
 <p:sld xmlns:a="http://schemas.openxmlformats.org/drawingml/2006/main" xmlns:r="http://schemas.openxmlformats.org/officeDocument/2006/relationships" xmlns:p="http://schemas.openxmlformats.org/presentationml/2006/main">
   <p:cSld>
     <p:spTree>

--- a/Plots/Presentation_Stauffenegger_Woessner.pptx
+++ b/Plots/Presentation_Stauffenegger_Woessner.pptx
@@ -5,7 +5,7 @@
     <p:sldMasterId id="2147483648" r:id="rId1"/>
   </p:sldMasterIdLst>
   <p:notesMasterIdLst>
-    <p:notesMasterId r:id="rId30"/>
+    <p:notesMasterId r:id="rId31"/>
   </p:notesMasterIdLst>
   <p:sldIdLst>
     <p:sldId id="256" r:id="rId2"/>
@@ -22,10 +22,10 @@
     <p:sldId id="311" r:id="rId13"/>
     <p:sldId id="312" r:id="rId14"/>
     <p:sldId id="292" r:id="rId15"/>
-    <p:sldId id="279" r:id="rId16"/>
-    <p:sldId id="296" r:id="rId17"/>
-    <p:sldId id="310" r:id="rId18"/>
-    <p:sldId id="307" r:id="rId19"/>
+    <p:sldId id="314" r:id="rId16"/>
+    <p:sldId id="279" r:id="rId17"/>
+    <p:sldId id="296" r:id="rId18"/>
+    <p:sldId id="310" r:id="rId19"/>
     <p:sldId id="293" r:id="rId20"/>
     <p:sldId id="309" r:id="rId21"/>
     <p:sldId id="266" r:id="rId22"/>
@@ -36,6 +36,7 @@
     <p:sldId id="301" r:id="rId27"/>
     <p:sldId id="302" r:id="rId28"/>
     <p:sldId id="304" r:id="rId29"/>
+    <p:sldId id="307" r:id="rId30"/>
   </p:sldIdLst>
   <p:sldSz cx="12192000" cy="6858000"/>
   <p:notesSz cx="6858000" cy="9144000"/>
@@ -181,7 +182,7 @@
 <file path=ppt/charts/chart1.xml><?xml version="1.0" encoding="utf-8"?>
 <c:chartSpace xmlns:c="http://schemas.openxmlformats.org/drawingml/2006/chart" xmlns:a="http://schemas.openxmlformats.org/drawingml/2006/main" xmlns:r="http://schemas.openxmlformats.org/officeDocument/2006/relationships" xmlns:c16r2="http://schemas.microsoft.com/office/drawing/2015/06/chart">
   <c:date1904 val="0"/>
-  <c:lang val="en-US"/>
+  <c:lang val="de-DE"/>
   <c:roundedCorners val="0"/>
   <mc:AlternateContent xmlns:mc="http://schemas.openxmlformats.org/markup-compatibility/2006">
     <mc:Choice xmlns:c14="http://schemas.microsoft.com/office/drawing/2007/8/2/chart" Requires="c14">
@@ -7572,7 +7573,7 @@
 <file path=ppt/charts/chart2.xml><?xml version="1.0" encoding="utf-8"?>
 <c:chartSpace xmlns:c="http://schemas.openxmlformats.org/drawingml/2006/chart" xmlns:a="http://schemas.openxmlformats.org/drawingml/2006/main" xmlns:r="http://schemas.openxmlformats.org/officeDocument/2006/relationships" xmlns:c16r2="http://schemas.microsoft.com/office/drawing/2015/06/chart">
   <c:date1904 val="0"/>
-  <c:lang val="en-US"/>
+  <c:lang val="de-DE"/>
   <c:roundedCorners val="0"/>
   <mc:AlternateContent xmlns:mc="http://schemas.openxmlformats.org/markup-compatibility/2006">
     <mc:Choice xmlns:c14="http://schemas.microsoft.com/office/drawing/2007/8/2/chart" Requires="c14">
@@ -12558,7 +12559,7 @@
           <a:p>
             <a:fld id="{176B0303-6F4F-5243-998E-2D2CC346AF00}" type="datetimeFigureOut">
               <a:rPr lang="en-US" smtClean="0"/>
-              <a:t>5/2/19</a:t>
+              <a:t>5/3/2019</a:t>
             </a:fld>
             <a:endParaRPr lang="en-US"/>
           </a:p>
@@ -12716,7 +12717,7 @@
           <a:p>
             <a:fld id="{FFAEC33B-D15A-F948-9B21-8F6BC0A9396E}" type="slidenum">
               <a:rPr lang="en-US" smtClean="0"/>
-              <a:t>‹#›</a:t>
+              <a:t>‹Nr.›</a:t>
             </a:fld>
             <a:endParaRPr lang="en-US"/>
           </a:p>
@@ -13759,7 +13760,7 @@
           <a:p>
             <a:fld id="{85634D96-BAC6-624E-89B2-93829D52EF74}" type="datetimeFigureOut">
               <a:rPr lang="de-DE" smtClean="0"/>
-              <a:t>02.05.19</a:t>
+              <a:t>03.05.2019</a:t>
             </a:fld>
             <a:endParaRPr lang="de-DE"/>
           </a:p>
@@ -13829,7 +13830,7 @@
           <a:p>
             <a:fld id="{3A79EDE4-AB98-A64A-BFD5-DA8FF91B9E2C}" type="slidenum">
               <a:rPr lang="de-DE" smtClean="0"/>
-              <a:t>‹#›</a:t>
+              <a:t>‹Nr.›</a:t>
             </a:fld>
             <a:endParaRPr lang="de-DE"/>
           </a:p>
@@ -13983,7 +13984,7 @@
           <a:p>
             <a:fld id="{85634D96-BAC6-624E-89B2-93829D52EF74}" type="datetimeFigureOut">
               <a:rPr lang="de-DE" smtClean="0"/>
-              <a:t>02.05.19</a:t>
+              <a:t>03.05.2019</a:t>
             </a:fld>
             <a:endParaRPr lang="de-DE"/>
           </a:p>
@@ -14053,7 +14054,7 @@
           <a:p>
             <a:fld id="{3A79EDE4-AB98-A64A-BFD5-DA8FF91B9E2C}" type="slidenum">
               <a:rPr lang="de-DE" smtClean="0"/>
-              <a:t>‹#›</a:t>
+              <a:t>‹Nr.›</a:t>
             </a:fld>
             <a:endParaRPr lang="de-DE"/>
           </a:p>
@@ -14217,7 +14218,7 @@
           <a:p>
             <a:fld id="{85634D96-BAC6-624E-89B2-93829D52EF74}" type="datetimeFigureOut">
               <a:rPr lang="de-DE" smtClean="0"/>
-              <a:t>02.05.19</a:t>
+              <a:t>03.05.2019</a:t>
             </a:fld>
             <a:endParaRPr lang="de-DE"/>
           </a:p>
@@ -14287,7 +14288,7 @@
           <a:p>
             <a:fld id="{3A79EDE4-AB98-A64A-BFD5-DA8FF91B9E2C}" type="slidenum">
               <a:rPr lang="de-DE" smtClean="0"/>
-              <a:t>‹#›</a:t>
+              <a:t>‹Nr.›</a:t>
             </a:fld>
             <a:endParaRPr lang="de-DE"/>
           </a:p>
@@ -14441,7 +14442,7 @@
           <a:p>
             <a:fld id="{85634D96-BAC6-624E-89B2-93829D52EF74}" type="datetimeFigureOut">
               <a:rPr lang="de-DE" smtClean="0"/>
-              <a:t>02.05.19</a:t>
+              <a:t>03.05.2019</a:t>
             </a:fld>
             <a:endParaRPr lang="de-DE"/>
           </a:p>
@@ -14511,7 +14512,7 @@
           <a:p>
             <a:fld id="{3A79EDE4-AB98-A64A-BFD5-DA8FF91B9E2C}" type="slidenum">
               <a:rPr lang="de-DE" smtClean="0"/>
-              <a:t>‹#›</a:t>
+              <a:t>‹Nr.›</a:t>
             </a:fld>
             <a:endParaRPr lang="de-DE"/>
           </a:p>
@@ -14741,7 +14742,7 @@
           <a:p>
             <a:fld id="{85634D96-BAC6-624E-89B2-93829D52EF74}" type="datetimeFigureOut">
               <a:rPr lang="de-DE" smtClean="0"/>
-              <a:t>02.05.19</a:t>
+              <a:t>03.05.2019</a:t>
             </a:fld>
             <a:endParaRPr lang="de-DE"/>
           </a:p>
@@ -14811,7 +14812,7 @@
           <a:p>
             <a:fld id="{3A79EDE4-AB98-A64A-BFD5-DA8FF91B9E2C}" type="slidenum">
               <a:rPr lang="de-DE" smtClean="0"/>
-              <a:t>‹#›</a:t>
+              <a:t>‹Nr.›</a:t>
             </a:fld>
             <a:endParaRPr lang="de-DE"/>
           </a:p>
@@ -15033,7 +15034,7 @@
           <a:p>
             <a:fld id="{85634D96-BAC6-624E-89B2-93829D52EF74}" type="datetimeFigureOut">
               <a:rPr lang="de-DE" smtClean="0"/>
-              <a:t>02.05.19</a:t>
+              <a:t>03.05.2019</a:t>
             </a:fld>
             <a:endParaRPr lang="de-DE"/>
           </a:p>
@@ -15103,7 +15104,7 @@
           <a:p>
             <a:fld id="{3A79EDE4-AB98-A64A-BFD5-DA8FF91B9E2C}" type="slidenum">
               <a:rPr lang="de-DE" smtClean="0"/>
-              <a:t>‹#›</a:t>
+              <a:t>‹Nr.›</a:t>
             </a:fld>
             <a:endParaRPr lang="de-DE"/>
           </a:p>
@@ -15472,7 +15473,7 @@
           <a:p>
             <a:fld id="{85634D96-BAC6-624E-89B2-93829D52EF74}" type="datetimeFigureOut">
               <a:rPr lang="de-DE" smtClean="0"/>
-              <a:t>02.05.19</a:t>
+              <a:t>03.05.2019</a:t>
             </a:fld>
             <a:endParaRPr lang="de-DE"/>
           </a:p>
@@ -15542,7 +15543,7 @@
           <a:p>
             <a:fld id="{3A79EDE4-AB98-A64A-BFD5-DA8FF91B9E2C}" type="slidenum">
               <a:rPr lang="de-DE" smtClean="0"/>
-              <a:t>‹#›</a:t>
+              <a:t>‹Nr.›</a:t>
             </a:fld>
             <a:endParaRPr lang="de-DE"/>
           </a:p>
@@ -15638,7 +15639,7 @@
           <a:p>
             <a:fld id="{85634D96-BAC6-624E-89B2-93829D52EF74}" type="datetimeFigureOut">
               <a:rPr lang="de-DE" smtClean="0"/>
-              <a:t>02.05.19</a:t>
+              <a:t>03.05.2019</a:t>
             </a:fld>
             <a:endParaRPr lang="de-DE"/>
           </a:p>
@@ -15708,7 +15709,7 @@
           <a:p>
             <a:fld id="{3A79EDE4-AB98-A64A-BFD5-DA8FF91B9E2C}" type="slidenum">
               <a:rPr lang="de-DE" smtClean="0"/>
-              <a:t>‹#›</a:t>
+              <a:t>‹Nr.›</a:t>
             </a:fld>
             <a:endParaRPr lang="de-DE"/>
           </a:p>
@@ -15775,7 +15776,7 @@
           <a:p>
             <a:fld id="{85634D96-BAC6-624E-89B2-93829D52EF74}" type="datetimeFigureOut">
               <a:rPr lang="de-DE" smtClean="0"/>
-              <a:t>02.05.19</a:t>
+              <a:t>03.05.2019</a:t>
             </a:fld>
             <a:endParaRPr lang="de-DE"/>
           </a:p>
@@ -15845,7 +15846,7 @@
           <a:p>
             <a:fld id="{3A79EDE4-AB98-A64A-BFD5-DA8FF91B9E2C}" type="slidenum">
               <a:rPr lang="de-DE" smtClean="0"/>
-              <a:t>‹#›</a:t>
+              <a:t>‹Nr.›</a:t>
             </a:fld>
             <a:endParaRPr lang="de-DE"/>
           </a:p>
@@ -16112,7 +16113,7 @@
           <a:p>
             <a:fld id="{85634D96-BAC6-624E-89B2-93829D52EF74}" type="datetimeFigureOut">
               <a:rPr lang="de-DE" smtClean="0"/>
-              <a:t>02.05.19</a:t>
+              <a:t>03.05.2019</a:t>
             </a:fld>
             <a:endParaRPr lang="de-DE"/>
           </a:p>
@@ -16182,7 +16183,7 @@
           <a:p>
             <a:fld id="{3A79EDE4-AB98-A64A-BFD5-DA8FF91B9E2C}" type="slidenum">
               <a:rPr lang="de-DE" smtClean="0"/>
-              <a:t>‹#›</a:t>
+              <a:t>‹Nr.›</a:t>
             </a:fld>
             <a:endParaRPr lang="de-DE"/>
           </a:p>
@@ -16425,7 +16426,7 @@
           <a:p>
             <a:fld id="{85634D96-BAC6-624E-89B2-93829D52EF74}" type="datetimeFigureOut">
               <a:rPr lang="de-DE" smtClean="0"/>
-              <a:t>02.05.19</a:t>
+              <a:t>03.05.2019</a:t>
             </a:fld>
             <a:endParaRPr lang="de-DE"/>
           </a:p>
@@ -16495,7 +16496,7 @@
           <a:p>
             <a:fld id="{3A79EDE4-AB98-A64A-BFD5-DA8FF91B9E2C}" type="slidenum">
               <a:rPr lang="de-DE" smtClean="0"/>
-              <a:t>‹#›</a:t>
+              <a:t>‹Nr.›</a:t>
             </a:fld>
             <a:endParaRPr lang="de-DE"/>
           </a:p>
@@ -16727,7 +16728,7 @@
           <a:p>
             <a:fld id="{3A79EDE4-AB98-A64A-BFD5-DA8FF91B9E2C}" type="slidenum">
               <a:rPr lang="de-DE" smtClean="0"/>
-              <a:t>‹#›</a:t>
+              <a:t>‹Nr.›</a:t>
             </a:fld>
             <a:endParaRPr lang="de-DE" dirty="0"/>
           </a:p>
@@ -21861,6 +21862,668 @@
       </p:sp>
       <p:sp>
         <p:nvSpPr>
+          <p:cNvPr id="11" name="Rectangle 10">
+            <a:extLst>
+              <a:ext uri="{FF2B5EF4-FFF2-40B4-BE49-F238E27FC236}">
+                <a16:creationId xmlns:a16="http://schemas.microsoft.com/office/drawing/2014/main" id="{A174B666-836D-0F45-8D17-7E77081D069C}"/>
+              </a:ext>
+            </a:extLst>
+          </p:cNvPr>
+          <p:cNvSpPr/>
+          <p:nvPr/>
+        </p:nvSpPr>
+        <p:spPr>
+          <a:xfrm>
+            <a:off x="4674188" y="2895547"/>
+            <a:ext cx="1086510" cy="224067"/>
+          </a:xfrm>
+          <a:prstGeom prst="rect">
+            <a:avLst/>
+          </a:prstGeom>
+          <a:noFill/>
+          <a:ln w="19050"/>
+        </p:spPr>
+        <p:style>
+          <a:lnRef idx="2">
+            <a:schemeClr val="accent1">
+              <a:shade val="50000"/>
+            </a:schemeClr>
+          </a:lnRef>
+          <a:fillRef idx="1">
+            <a:schemeClr val="accent1"/>
+          </a:fillRef>
+          <a:effectRef idx="0">
+            <a:schemeClr val="accent1"/>
+          </a:effectRef>
+          <a:fontRef idx="minor">
+            <a:schemeClr val="lt1"/>
+          </a:fontRef>
+        </p:style>
+        <p:txBody>
+          <a:bodyPr rtlCol="0" anchor="ctr"/>
+          <a:lstStyle/>
+          <a:p>
+            <a:pPr algn="ctr"/>
+            <a:endParaRPr lang="en-US">
+              <a:latin typeface="Garamond" panose="02020404030301010803" pitchFamily="18" charset="0"/>
+            </a:endParaRPr>
+          </a:p>
+        </p:txBody>
+      </p:sp>
+      <p:sp>
+        <p:nvSpPr>
+          <p:cNvPr id="18" name="TextBox 17">
+            <a:extLst>
+              <a:ext uri="{FF2B5EF4-FFF2-40B4-BE49-F238E27FC236}">
+                <a16:creationId xmlns:a16="http://schemas.microsoft.com/office/drawing/2014/main" id="{99B00595-D71B-5A4C-A4DF-46316A1A873F}"/>
+              </a:ext>
+            </a:extLst>
+          </p:cNvPr>
+          <p:cNvSpPr txBox="1"/>
+          <p:nvPr/>
+        </p:nvSpPr>
+        <p:spPr>
+          <a:xfrm>
+            <a:off x="8122314" y="3133169"/>
+            <a:ext cx="3185190" cy="2246769"/>
+          </a:xfrm>
+          <a:prstGeom prst="rect">
+            <a:avLst/>
+          </a:prstGeom>
+          <a:solidFill>
+            <a:schemeClr val="accent1">
+              <a:alpha val="11000"/>
+            </a:schemeClr>
+          </a:solidFill>
+        </p:spPr>
+        <p:txBody>
+          <a:bodyPr wrap="square" rtlCol="0">
+            <a:spAutoFit/>
+          </a:bodyPr>
+          <a:lstStyle/>
+          <a:p>
+            <a:pPr marL="285750" indent="-285750">
+              <a:buFont typeface="Wingdings" pitchFamily="2" charset="2"/>
+              <a:buChar char="§"/>
+            </a:pPr>
+            <a:r>
+              <a:rPr lang="en-US" sz="1400" b="1" dirty="0" err="1">
+                <a:latin typeface="Garamond" panose="02020404030301010803" pitchFamily="18" charset="0"/>
+              </a:rPr>
+              <a:t>PreCap</a:t>
+            </a:r>
+            <a:r>
+              <a:rPr lang="en-US" sz="1400" dirty="0">
+                <a:latin typeface="Garamond" panose="02020404030301010803" pitchFamily="18" charset="0"/>
+              </a:rPr>
+              <a:t>: </a:t>
+            </a:r>
+            <a:r>
+              <a:rPr lang="en-US" sz="1400" dirty="0" err="1">
+                <a:latin typeface="Garamond" panose="02020404030301010803" pitchFamily="18" charset="0"/>
+              </a:rPr>
+              <a:t>SDdomBanksdir</a:t>
+            </a:r>
+            <a:r>
+              <a:rPr lang="en-US" sz="1400" dirty="0">
+                <a:latin typeface="Garamond" panose="02020404030301010803" pitchFamily="18" charset="0"/>
+              </a:rPr>
+              <a:t> is most important</a:t>
+            </a:r>
+          </a:p>
+          <a:p>
+            <a:pPr marL="285750" indent="-285750">
+              <a:buFont typeface="Wingdings" pitchFamily="2" charset="2"/>
+              <a:buChar char="§"/>
+            </a:pPr>
+            <a:r>
+              <a:rPr lang="en-US" sz="1400" b="1" dirty="0">
+                <a:latin typeface="Garamond" panose="02020404030301010803" pitchFamily="18" charset="0"/>
+              </a:rPr>
+              <a:t>Cap: </a:t>
+            </a:r>
+            <a:r>
+              <a:rPr lang="en-US" sz="1400" dirty="0" err="1">
+                <a:latin typeface="Garamond" panose="02020404030301010803" pitchFamily="18" charset="0"/>
+              </a:rPr>
+              <a:t>SDofDomBanks</a:t>
+            </a:r>
+            <a:r>
+              <a:rPr lang="en-US" sz="1400" dirty="0">
+                <a:latin typeface="Garamond" panose="02020404030301010803" pitchFamily="18" charset="0"/>
+              </a:rPr>
+              <a:t> is most important</a:t>
+            </a:r>
+          </a:p>
+          <a:p>
+            <a:pPr marL="285750" indent="-285750">
+              <a:buFont typeface="Wingdings" pitchFamily="2" charset="2"/>
+              <a:buChar char="§"/>
+            </a:pPr>
+            <a:r>
+              <a:rPr lang="en-US" sz="1400" b="1" dirty="0" err="1">
+                <a:latin typeface="Garamond" panose="02020404030301010803" pitchFamily="18" charset="0"/>
+              </a:rPr>
+              <a:t>PostCap</a:t>
+            </a:r>
+            <a:r>
+              <a:rPr lang="en-US" sz="1400" b="1" dirty="0">
+                <a:latin typeface="Garamond" panose="02020404030301010803" pitchFamily="18" charset="0"/>
+              </a:rPr>
+              <a:t>:</a:t>
+            </a:r>
+            <a:r>
+              <a:rPr lang="en-US" sz="1400" dirty="0">
+                <a:latin typeface="Garamond" panose="02020404030301010803" pitchFamily="18" charset="0"/>
+              </a:rPr>
+              <a:t> </a:t>
+            </a:r>
+            <a:r>
+              <a:rPr lang="en-US" sz="1400" dirty="0" err="1">
+                <a:latin typeface="Garamond" panose="02020404030301010803" pitchFamily="18" charset="0"/>
+              </a:rPr>
+              <a:t>SDdomBanksdir</a:t>
+            </a:r>
+            <a:r>
+              <a:rPr lang="en-US" sz="1400" dirty="0">
+                <a:latin typeface="Garamond" panose="02020404030301010803" pitchFamily="18" charset="0"/>
+              </a:rPr>
+              <a:t> is most important</a:t>
+            </a:r>
+          </a:p>
+          <a:p>
+            <a:endParaRPr lang="en-US" sz="1400" dirty="0">
+              <a:latin typeface="Garamond" panose="02020404030301010803" pitchFamily="18" charset="0"/>
+            </a:endParaRPr>
+          </a:p>
+          <a:p>
+            <a:endParaRPr lang="en-US" sz="1400" dirty="0">
+              <a:latin typeface="Garamond" panose="02020404030301010803" pitchFamily="18" charset="0"/>
+            </a:endParaRPr>
+          </a:p>
+          <a:p>
+            <a:endParaRPr lang="en-US" sz="1400" dirty="0">
+              <a:latin typeface="Garamond" panose="02020404030301010803" pitchFamily="18" charset="0"/>
+            </a:endParaRPr>
+          </a:p>
+          <a:p>
+            <a:endParaRPr lang="en-US" sz="1400" dirty="0">
+              <a:latin typeface="Garamond" panose="02020404030301010803" pitchFamily="18" charset="0"/>
+            </a:endParaRPr>
+          </a:p>
+        </p:txBody>
+      </p:sp>
+      <p:cxnSp>
+        <p:nvCxnSpPr>
+          <p:cNvPr id="19" name="Straight Connector 18">
+            <a:extLst>
+              <a:ext uri="{FF2B5EF4-FFF2-40B4-BE49-F238E27FC236}">
+                <a16:creationId xmlns:a16="http://schemas.microsoft.com/office/drawing/2014/main" id="{91C5B05D-38D9-894A-B76D-BDCEB0DBE66B}"/>
+              </a:ext>
+            </a:extLst>
+          </p:cNvPr>
+          <p:cNvCxnSpPr>
+            <a:cxnSpLocks/>
+          </p:cNvCxnSpPr>
+          <p:nvPr/>
+        </p:nvCxnSpPr>
+        <p:spPr>
+          <a:xfrm>
+            <a:off x="8125768" y="4532708"/>
+            <a:ext cx="3181736" cy="0"/>
+          </a:xfrm>
+          <a:prstGeom prst="line">
+            <a:avLst/>
+          </a:prstGeom>
+          <a:ln w="19050">
+            <a:solidFill>
+              <a:srgbClr val="008240"/>
+            </a:solidFill>
+          </a:ln>
+        </p:spPr>
+        <p:style>
+          <a:lnRef idx="2">
+            <a:schemeClr val="dk1"/>
+          </a:lnRef>
+          <a:fillRef idx="0">
+            <a:schemeClr val="dk1"/>
+          </a:fillRef>
+          <a:effectRef idx="1">
+            <a:schemeClr val="dk1"/>
+          </a:effectRef>
+          <a:fontRef idx="minor">
+            <a:schemeClr val="tx1"/>
+          </a:fontRef>
+        </p:style>
+      </p:cxnSp>
+      <p:sp>
+        <p:nvSpPr>
+          <p:cNvPr id="21" name="TextBox 20">
+            <a:extLst>
+              <a:ext uri="{FF2B5EF4-FFF2-40B4-BE49-F238E27FC236}">
+                <a16:creationId xmlns:a16="http://schemas.microsoft.com/office/drawing/2014/main" id="{AF4EA053-703B-914C-AAA0-CEB6FA13C274}"/>
+              </a:ext>
+            </a:extLst>
+          </p:cNvPr>
+          <p:cNvSpPr txBox="1"/>
+          <p:nvPr/>
+        </p:nvSpPr>
+        <p:spPr>
+          <a:xfrm>
+            <a:off x="8076015" y="4568978"/>
+            <a:ext cx="3357480" cy="954107"/>
+          </a:xfrm>
+          <a:prstGeom prst="rect">
+            <a:avLst/>
+          </a:prstGeom>
+          <a:noFill/>
+        </p:spPr>
+        <p:txBody>
+          <a:bodyPr wrap="square" rtlCol="0">
+            <a:spAutoFit/>
+          </a:bodyPr>
+          <a:lstStyle/>
+          <a:p>
+            <a:r>
+              <a:rPr lang="en-US" sz="1400" dirty="0">
+                <a:latin typeface="Garamond" panose="02020404030301010803" pitchFamily="18" charset="0"/>
+                <a:sym typeface="Wingdings" pitchFamily="2" charset="2"/>
+              </a:rPr>
+              <a:t>The switch in importance indicates that different signals sent by the SNB influenced the development of the SMI</a:t>
+            </a:r>
+            <a:endParaRPr lang="en-US" sz="1400" dirty="0">
+              <a:latin typeface="Garamond" panose="02020404030301010803" pitchFamily="18" charset="0"/>
+            </a:endParaRPr>
+          </a:p>
+          <a:p>
+            <a:endParaRPr lang="en-US" sz="1400" dirty="0">
+              <a:latin typeface="Garamond" panose="02020404030301010803" pitchFamily="18" charset="0"/>
+            </a:endParaRPr>
+          </a:p>
+        </p:txBody>
+      </p:sp>
+      <p:sp>
+        <p:nvSpPr>
+          <p:cNvPr id="30" name="Rectangle 29">
+            <a:extLst>
+              <a:ext uri="{FF2B5EF4-FFF2-40B4-BE49-F238E27FC236}">
+                <a16:creationId xmlns:a16="http://schemas.microsoft.com/office/drawing/2014/main" id="{D4C4E341-5D1A-6F4D-AB00-A24ADD3C6812}"/>
+              </a:ext>
+            </a:extLst>
+          </p:cNvPr>
+          <p:cNvSpPr/>
+          <p:nvPr/>
+        </p:nvSpPr>
+        <p:spPr>
+          <a:xfrm>
+            <a:off x="6989505" y="2884199"/>
+            <a:ext cx="1086510" cy="224067"/>
+          </a:xfrm>
+          <a:prstGeom prst="rect">
+            <a:avLst/>
+          </a:prstGeom>
+          <a:noFill/>
+          <a:ln w="19050"/>
+        </p:spPr>
+        <p:style>
+          <a:lnRef idx="2">
+            <a:schemeClr val="accent1">
+              <a:shade val="50000"/>
+            </a:schemeClr>
+          </a:lnRef>
+          <a:fillRef idx="1">
+            <a:schemeClr val="accent1"/>
+          </a:fillRef>
+          <a:effectRef idx="0">
+            <a:schemeClr val="accent1"/>
+          </a:effectRef>
+          <a:fontRef idx="minor">
+            <a:schemeClr val="lt1"/>
+          </a:fontRef>
+        </p:style>
+        <p:txBody>
+          <a:bodyPr rtlCol="0" anchor="ctr"/>
+          <a:lstStyle/>
+          <a:p>
+            <a:pPr algn="ctr"/>
+            <a:endParaRPr lang="en-US">
+              <a:latin typeface="Garamond" panose="02020404030301010803" pitchFamily="18" charset="0"/>
+            </a:endParaRPr>
+          </a:p>
+        </p:txBody>
+      </p:sp>
+    </p:spTree>
+    <p:extLst>
+      <p:ext uri="{BB962C8B-B14F-4D97-AF65-F5344CB8AC3E}">
+        <p14:creationId xmlns:p14="http://schemas.microsoft.com/office/powerpoint/2010/main" val="3321395290"/>
+      </p:ext>
+    </p:extLst>
+  </p:cSld>
+  <p:clrMapOvr>
+    <a:masterClrMapping/>
+  </p:clrMapOvr>
+</p:sld>
+</file>
+
+<file path=ppt/slides/slide16.xml><?xml version="1.0" encoding="utf-8"?>
+<p:sld xmlns:a="http://schemas.openxmlformats.org/drawingml/2006/main" xmlns:r="http://schemas.openxmlformats.org/officeDocument/2006/relationships" xmlns:p="http://schemas.openxmlformats.org/presentationml/2006/main">
+  <p:cSld>
+    <p:spTree>
+      <p:nvGrpSpPr>
+        <p:cNvPr id="1" name=""/>
+        <p:cNvGrpSpPr/>
+        <p:nvPr/>
+      </p:nvGrpSpPr>
+      <p:grpSpPr>
+        <a:xfrm>
+          <a:off x="0" y="0"/>
+          <a:ext cx="0" cy="0"/>
+          <a:chOff x="0" y="0"/>
+          <a:chExt cx="0" cy="0"/>
+        </a:xfrm>
+      </p:grpSpPr>
+      <p:pic>
+        <p:nvPicPr>
+          <p:cNvPr id="4" name="Picture 3">
+            <a:extLst>
+              <a:ext uri="{FF2B5EF4-FFF2-40B4-BE49-F238E27FC236}">
+                <a16:creationId xmlns:a16="http://schemas.microsoft.com/office/drawing/2014/main" id="{495639B4-F68E-6E47-9E3C-06D58EFBF520}"/>
+              </a:ext>
+            </a:extLst>
+          </p:cNvPr>
+          <p:cNvPicPr>
+            <a:picLocks noChangeAspect="1"/>
+          </p:cNvPicPr>
+          <p:nvPr/>
+        </p:nvPicPr>
+        <p:blipFill>
+          <a:blip r:embed="rId2"/>
+          <a:stretch>
+            <a:fillRect/>
+          </a:stretch>
+        </p:blipFill>
+        <p:spPr>
+          <a:xfrm>
+            <a:off x="838200" y="2409433"/>
+            <a:ext cx="7470412" cy="3146405"/>
+          </a:xfrm>
+          <a:prstGeom prst="rect">
+            <a:avLst/>
+          </a:prstGeom>
+        </p:spPr>
+      </p:pic>
+      <p:pic>
+        <p:nvPicPr>
+          <p:cNvPr id="7" name="Picture 6">
+            <a:extLst>
+              <a:ext uri="{FF2B5EF4-FFF2-40B4-BE49-F238E27FC236}">
+                <a16:creationId xmlns:a16="http://schemas.microsoft.com/office/drawing/2014/main" id="{07B5C61B-8F33-D04F-AA20-C7F6ECCB9EAF}"/>
+              </a:ext>
+            </a:extLst>
+          </p:cNvPr>
+          <p:cNvPicPr>
+            <a:picLocks noChangeAspect="1"/>
+          </p:cNvPicPr>
+          <p:nvPr/>
+        </p:nvPicPr>
+        <p:blipFill>
+          <a:blip r:embed="rId3"/>
+          <a:stretch>
+            <a:fillRect/>
+          </a:stretch>
+        </p:blipFill>
+        <p:spPr>
+          <a:xfrm>
+            <a:off x="9541432" y="5942509"/>
+            <a:ext cx="2230843" cy="685027"/>
+          </a:xfrm>
+          <a:prstGeom prst="rect">
+            <a:avLst/>
+          </a:prstGeom>
+        </p:spPr>
+      </p:pic>
+      <p:sp>
+        <p:nvSpPr>
+          <p:cNvPr id="2" name="Title 1">
+            <a:extLst>
+              <a:ext uri="{FF2B5EF4-FFF2-40B4-BE49-F238E27FC236}">
+                <a16:creationId xmlns:a16="http://schemas.microsoft.com/office/drawing/2014/main" id="{06E72185-1262-224E-A639-374C64E7CD29}"/>
+              </a:ext>
+            </a:extLst>
+          </p:cNvPr>
+          <p:cNvSpPr>
+            <a:spLocks noGrp="1"/>
+          </p:cNvSpPr>
+          <p:nvPr>
+            <p:ph type="title"/>
+          </p:nvPr>
+        </p:nvSpPr>
+        <p:spPr/>
+        <p:txBody>
+          <a:bodyPr/>
+          <a:lstStyle/>
+          <a:p>
+            <a:r>
+              <a:rPr lang="en-US" dirty="0">
+                <a:latin typeface="Garamond" panose="02020404030301010803" pitchFamily="18" charset="0"/>
+              </a:rPr>
+              <a:t>We find a change in variable importance!</a:t>
+            </a:r>
+          </a:p>
+        </p:txBody>
+      </p:sp>
+      <p:cxnSp>
+        <p:nvCxnSpPr>
+          <p:cNvPr id="5" name="Straight Connector 4">
+            <a:extLst>
+              <a:ext uri="{FF2B5EF4-FFF2-40B4-BE49-F238E27FC236}">
+                <a16:creationId xmlns:a16="http://schemas.microsoft.com/office/drawing/2014/main" id="{F0CA2925-7FF0-E94D-B547-3A2C56441DCE}"/>
+              </a:ext>
+            </a:extLst>
+          </p:cNvPr>
+          <p:cNvCxnSpPr>
+            <a:cxnSpLocks/>
+          </p:cNvCxnSpPr>
+          <p:nvPr/>
+        </p:nvCxnSpPr>
+        <p:spPr>
+          <a:xfrm>
+            <a:off x="838200" y="1690688"/>
+            <a:ext cx="10515600" cy="0"/>
+          </a:xfrm>
+          <a:prstGeom prst="line">
+            <a:avLst/>
+          </a:prstGeom>
+          <a:ln w="44450">
+            <a:solidFill>
+              <a:srgbClr val="008240"/>
+            </a:solidFill>
+          </a:ln>
+        </p:spPr>
+        <p:style>
+          <a:lnRef idx="2">
+            <a:schemeClr val="dk1"/>
+          </a:lnRef>
+          <a:fillRef idx="0">
+            <a:schemeClr val="dk1"/>
+          </a:fillRef>
+          <a:effectRef idx="1">
+            <a:schemeClr val="dk1"/>
+          </a:effectRef>
+          <a:fontRef idx="minor">
+            <a:schemeClr val="tx1"/>
+          </a:fontRef>
+        </p:style>
+      </p:cxnSp>
+      <p:sp>
+        <p:nvSpPr>
+          <p:cNvPr id="12" name="Rectangle 11">
+            <a:extLst>
+              <a:ext uri="{FF2B5EF4-FFF2-40B4-BE49-F238E27FC236}">
+                <a16:creationId xmlns:a16="http://schemas.microsoft.com/office/drawing/2014/main" id="{06F453C1-B8D8-5D40-A757-DDF4F8EC21E8}"/>
+              </a:ext>
+            </a:extLst>
+          </p:cNvPr>
+          <p:cNvSpPr/>
+          <p:nvPr/>
+        </p:nvSpPr>
+        <p:spPr>
+          <a:xfrm>
+            <a:off x="883170" y="2409434"/>
+            <a:ext cx="10515600" cy="3721540"/>
+          </a:xfrm>
+          <a:prstGeom prst="rect">
+            <a:avLst/>
+          </a:prstGeom>
+          <a:noFill/>
+          <a:ln w="25400">
+            <a:solidFill>
+              <a:srgbClr val="008240"/>
+            </a:solidFill>
+          </a:ln>
+        </p:spPr>
+        <p:style>
+          <a:lnRef idx="2">
+            <a:schemeClr val="accent1">
+              <a:shade val="50000"/>
+            </a:schemeClr>
+          </a:lnRef>
+          <a:fillRef idx="1">
+            <a:schemeClr val="accent1"/>
+          </a:fillRef>
+          <a:effectRef idx="0">
+            <a:schemeClr val="accent1"/>
+          </a:effectRef>
+          <a:fontRef idx="minor">
+            <a:schemeClr val="lt1"/>
+          </a:fontRef>
+        </p:style>
+        <p:txBody>
+          <a:bodyPr rtlCol="0" anchor="ctr"/>
+          <a:lstStyle/>
+          <a:p>
+            <a:pPr algn="ctr"/>
+            <a:endParaRPr lang="en-US">
+              <a:latin typeface="Garamond" panose="02020404030301010803" pitchFamily="18" charset="0"/>
+            </a:endParaRPr>
+          </a:p>
+        </p:txBody>
+      </p:sp>
+      <p:sp>
+        <p:nvSpPr>
+          <p:cNvPr id="13" name="Rectangle 12">
+            <a:extLst>
+              <a:ext uri="{FF2B5EF4-FFF2-40B4-BE49-F238E27FC236}">
+                <a16:creationId xmlns:a16="http://schemas.microsoft.com/office/drawing/2014/main" id="{1F0A47D9-B7F6-ED44-8D10-37B998545356}"/>
+              </a:ext>
+            </a:extLst>
+          </p:cNvPr>
+          <p:cNvSpPr/>
+          <p:nvPr/>
+        </p:nvSpPr>
+        <p:spPr>
+          <a:xfrm>
+            <a:off x="883170" y="1914756"/>
+            <a:ext cx="10515600" cy="494677"/>
+          </a:xfrm>
+          <a:prstGeom prst="rect">
+            <a:avLst/>
+          </a:prstGeom>
+          <a:solidFill>
+            <a:schemeClr val="bg1">
+              <a:lumMod val="65000"/>
+            </a:schemeClr>
+          </a:solidFill>
+          <a:ln w="25400">
+            <a:solidFill>
+              <a:schemeClr val="bg1">
+                <a:lumMod val="65000"/>
+              </a:schemeClr>
+            </a:solidFill>
+          </a:ln>
+        </p:spPr>
+        <p:style>
+          <a:lnRef idx="2">
+            <a:schemeClr val="accent1">
+              <a:shade val="50000"/>
+            </a:schemeClr>
+          </a:lnRef>
+          <a:fillRef idx="1">
+            <a:schemeClr val="accent1"/>
+          </a:fillRef>
+          <a:effectRef idx="0">
+            <a:schemeClr val="accent1"/>
+          </a:effectRef>
+          <a:fontRef idx="minor">
+            <a:schemeClr val="lt1"/>
+          </a:fontRef>
+        </p:style>
+        <p:txBody>
+          <a:bodyPr rtlCol="0" anchor="ctr"/>
+          <a:lstStyle/>
+          <a:p>
+            <a:pPr algn="ctr"/>
+            <a:r>
+              <a:rPr lang="en-US" sz="3200" dirty="0">
+                <a:latin typeface="Garamond" panose="02020404030301010803" pitchFamily="18" charset="0"/>
+              </a:rPr>
+              <a:t>Current week results</a:t>
+            </a:r>
+          </a:p>
+        </p:txBody>
+      </p:sp>
+      <p:sp>
+        <p:nvSpPr>
+          <p:cNvPr id="9" name="Rectangle 8">
+            <a:extLst>
+              <a:ext uri="{FF2B5EF4-FFF2-40B4-BE49-F238E27FC236}">
+                <a16:creationId xmlns:a16="http://schemas.microsoft.com/office/drawing/2014/main" id="{F0CF7291-9CFB-7849-9411-C58D12AD629D}"/>
+              </a:ext>
+            </a:extLst>
+          </p:cNvPr>
+          <p:cNvSpPr/>
+          <p:nvPr/>
+        </p:nvSpPr>
+        <p:spPr>
+          <a:xfrm>
+            <a:off x="2393012" y="2884200"/>
+            <a:ext cx="897821" cy="224067"/>
+          </a:xfrm>
+          <a:prstGeom prst="rect">
+            <a:avLst/>
+          </a:prstGeom>
+          <a:noFill/>
+          <a:ln w="19050"/>
+        </p:spPr>
+        <p:style>
+          <a:lnRef idx="2">
+            <a:schemeClr val="accent1">
+              <a:shade val="50000"/>
+            </a:schemeClr>
+          </a:lnRef>
+          <a:fillRef idx="1">
+            <a:schemeClr val="accent1"/>
+          </a:fillRef>
+          <a:effectRef idx="0">
+            <a:schemeClr val="accent1"/>
+          </a:effectRef>
+          <a:fontRef idx="minor">
+            <a:schemeClr val="lt1"/>
+          </a:fontRef>
+        </p:style>
+        <p:txBody>
+          <a:bodyPr rtlCol="0" anchor="ctr"/>
+          <a:lstStyle/>
+          <a:p>
+            <a:pPr algn="ctr"/>
+            <a:endParaRPr lang="en-US">
+              <a:latin typeface="Garamond" panose="02020404030301010803" pitchFamily="18" charset="0"/>
+            </a:endParaRPr>
+          </a:p>
+        </p:txBody>
+      </p:sp>
+      <p:sp>
+        <p:nvSpPr>
           <p:cNvPr id="10" name="Rectangle 9">
             <a:extLst>
               <a:ext uri="{FF2B5EF4-FFF2-40B4-BE49-F238E27FC236}">
@@ -22525,7 +23188,7 @@
 </p:sld>
 </file>
 
-<file path=ppt/slides/slide16.xml><?xml version="1.0" encoding="utf-8"?>
+<file path=ppt/slides/slide17.xml><?xml version="1.0" encoding="utf-8"?>
 <p:sld xmlns:a="http://schemas.openxmlformats.org/drawingml/2006/main" xmlns:r="http://schemas.openxmlformats.org/officeDocument/2006/relationships" xmlns:p="http://schemas.openxmlformats.org/presentationml/2006/main">
   <p:cSld>
     <p:spTree>
@@ -23465,7 +24128,7 @@
 </p:sld>
 </file>
 
-<file path=ppt/slides/slide17.xml><?xml version="1.0" encoding="utf-8"?>
+<file path=ppt/slides/slide18.xml><?xml version="1.0" encoding="utf-8"?>
 <p:sld xmlns:a="http://schemas.openxmlformats.org/drawingml/2006/main" xmlns:r="http://schemas.openxmlformats.org/officeDocument/2006/relationships" xmlns:p="http://schemas.openxmlformats.org/presentationml/2006/main">
   <p:cSld>
     <p:spTree>
@@ -23654,7 +24317,7 @@
         <p:spPr>
           <a:xfrm>
             <a:off x="1042286" y="2559041"/>
-            <a:ext cx="7633363" cy="3662541"/>
+            <a:ext cx="10266544" cy="3539430"/>
           </a:xfrm>
           <a:prstGeom prst="rect">
             <a:avLst/>
@@ -23671,16 +24334,41 @@
               <a:rPr lang="en-US" dirty="0">
                 <a:latin typeface="Garamond" panose="02020404030301010803" pitchFamily="18" charset="0"/>
               </a:rPr>
-              <a:t>Run algorithm against different Target Variables</a:t>
-            </a:r>
-          </a:p>
-          <a:p>
-            <a:endParaRPr lang="en-US" dirty="0">
-              <a:latin typeface="Garamond" panose="02020404030301010803" pitchFamily="18" charset="0"/>
-            </a:endParaRPr>
-          </a:p>
-          <a:p>
-            <a:pPr marL="285750" indent="-285750">
+              <a:t>Run algorithm against </a:t>
+            </a:r>
+            <a:r>
+              <a:rPr lang="en-US" b="1" dirty="0">
+                <a:latin typeface="Garamond" panose="02020404030301010803" pitchFamily="18" charset="0"/>
+              </a:rPr>
+              <a:t>different Target Variables:</a:t>
+            </a:r>
+          </a:p>
+          <a:p>
+            <a:pPr marL="742950" lvl="1" indent="-285750">
+              <a:buFont typeface="Wingdings" pitchFamily="2" charset="2"/>
+              <a:buChar char="§"/>
+            </a:pPr>
+            <a:r>
+              <a:rPr lang="en-US" b="1" dirty="0">
+                <a:latin typeface="Garamond" panose="02020404030301010803" pitchFamily="18" charset="0"/>
+              </a:rPr>
+              <a:t>SPIEX</a:t>
+            </a:r>
+          </a:p>
+          <a:p>
+            <a:pPr marL="742950" lvl="1" indent="-285750">
+              <a:buFont typeface="Wingdings" pitchFamily="2" charset="2"/>
+              <a:buChar char="§"/>
+            </a:pPr>
+            <a:r>
+              <a:rPr lang="en-US" b="1" dirty="0">
+                <a:latin typeface="Garamond" panose="02020404030301010803" pitchFamily="18" charset="0"/>
+              </a:rPr>
+              <a:t>CHF/EUR</a:t>
+            </a:r>
+          </a:p>
+          <a:p>
+            <a:pPr marL="742950" lvl="1" indent="-285750">
               <a:buFont typeface="Wingdings" pitchFamily="2" charset="2"/>
               <a:buChar char="§"/>
             </a:pPr>
@@ -23694,97 +24382,113 @@
               <a:rPr lang="en-US" dirty="0">
                 <a:latin typeface="Garamond" panose="02020404030301010803" pitchFamily="18" charset="0"/>
               </a:rPr>
-              <a:t>no evidence for lagged effect on stock market </a:t>
-            </a:r>
-          </a:p>
-          <a:p>
-            <a:pPr marL="285750" indent="-285750">
+              <a:t>no evidence for lagged effect on stock market</a:t>
+            </a:r>
+          </a:p>
+          <a:p>
+            <a:pPr marL="742950" lvl="1" indent="-285750">
               <a:buFont typeface="Wingdings" pitchFamily="2" charset="2"/>
               <a:buChar char="§"/>
             </a:pPr>
+            <a:endParaRPr lang="en-US" dirty="0">
+              <a:latin typeface="Garamond" panose="02020404030301010803" pitchFamily="18" charset="0"/>
+            </a:endParaRPr>
+          </a:p>
+          <a:p>
             <a:r>
               <a:rPr lang="en-US" b="1" dirty="0">
                 <a:latin typeface="Garamond" panose="02020404030301010803" pitchFamily="18" charset="0"/>
               </a:rPr>
-              <a:t>CHF/EUR: </a:t>
+              <a:t>Splitting the data differently</a:t>
             </a:r>
             <a:r>
               <a:rPr lang="en-US" dirty="0">
                 <a:latin typeface="Garamond" panose="02020404030301010803" pitchFamily="18" charset="0"/>
               </a:rPr>
-              <a:t>confirms importance of Sight Deposits</a:t>
-            </a:r>
-          </a:p>
-          <a:p>
-            <a:pPr marL="285750" indent="-285750">
+              <a:t>: </a:t>
+            </a:r>
+          </a:p>
+          <a:p>
+            <a:pPr marL="742950" lvl="1" indent="-285750">
               <a:buFont typeface="Wingdings" pitchFamily="2" charset="2"/>
               <a:buChar char="§"/>
             </a:pPr>
-            <a:endParaRPr lang="en-US" b="1" dirty="0">
-              <a:latin typeface="Garamond" panose="02020404030301010803" pitchFamily="18" charset="0"/>
-            </a:endParaRPr>
-          </a:p>
-          <a:p>
-            <a:pPr marL="285750" indent="-285750">
+            <a:r>
+              <a:rPr lang="en-US" b="1" dirty="0">
+                <a:latin typeface="Garamond" panose="02020404030301010803" pitchFamily="18" charset="0"/>
+              </a:rPr>
+              <a:t>Large vs Small </a:t>
+            </a:r>
+            <a:r>
+              <a:rPr lang="en-US" dirty="0">
+                <a:latin typeface="Garamond" panose="02020404030301010803" pitchFamily="18" charset="0"/>
+              </a:rPr>
+              <a:t>Absolut Sight Deposit Changes (75% Quantile)</a:t>
+            </a:r>
+          </a:p>
+          <a:p>
+            <a:pPr marL="742950" lvl="1" indent="-285750">
               <a:buFont typeface="Wingdings" pitchFamily="2" charset="2"/>
               <a:buChar char="§"/>
             </a:pPr>
-            <a:endParaRPr lang="en-US" b="1" dirty="0">
-              <a:latin typeface="Garamond" panose="02020404030301010803" pitchFamily="18" charset="0"/>
-            </a:endParaRPr>
-          </a:p>
-          <a:p>
+            <a:r>
+              <a:rPr lang="en-US" b="1" dirty="0">
+                <a:latin typeface="Garamond" panose="02020404030301010803" pitchFamily="18" charset="0"/>
+              </a:rPr>
+              <a:t>Above vs. Below </a:t>
+            </a:r>
             <a:r>
               <a:rPr lang="en-US" dirty="0">
                 <a:latin typeface="Garamond" panose="02020404030301010803" pitchFamily="18" charset="0"/>
               </a:rPr>
-              <a:t>Splitting data differently</a:t>
-            </a:r>
-          </a:p>
-          <a:p>
+              <a:t>1.20 CHF/EUR</a:t>
+            </a:r>
+          </a:p>
+          <a:p>
+            <a:pPr marL="742950" lvl="1" indent="-285750">
+              <a:buFont typeface="Wingdings" pitchFamily="2" charset="2"/>
+              <a:buChar char="§"/>
+            </a:pPr>
             <a:endParaRPr lang="en-US" dirty="0">
               <a:latin typeface="Garamond" panose="02020404030301010803" pitchFamily="18" charset="0"/>
             </a:endParaRPr>
           </a:p>
           <a:p>
-            <a:pPr marL="285750" indent="-285750">
-              <a:buFont typeface="Wingdings" pitchFamily="2" charset="2"/>
-              <a:buChar char="§"/>
-            </a:pPr>
-            <a:r>
-              <a:rPr lang="en-US" b="1" dirty="0">
-                <a:latin typeface="Garamond" panose="02020404030301010803" pitchFamily="18" charset="0"/>
-              </a:rPr>
-              <a:t>75%-Quantile of Sight Deposit Changes:</a:t>
-            </a:r>
-            <a:endParaRPr lang="en-US" dirty="0">
-              <a:latin typeface="Garamond" panose="02020404030301010803" pitchFamily="18" charset="0"/>
-            </a:endParaRPr>
-          </a:p>
-          <a:p>
+            <a:pPr lvl="1"/>
             <a:endParaRPr lang="en-US" sz="1400" dirty="0">
               <a:latin typeface="Garamond" panose="02020404030301010803" pitchFamily="18" charset="0"/>
             </a:endParaRPr>
           </a:p>
           <a:p>
-            <a:endParaRPr lang="en-US" sz="1400" dirty="0">
-              <a:latin typeface="Garamond" panose="02020404030301010803" pitchFamily="18" charset="0"/>
-            </a:endParaRPr>
-          </a:p>
-          <a:p>
-            <a:endParaRPr lang="en-US" sz="1400" dirty="0">
-              <a:latin typeface="Garamond" panose="02020404030301010803" pitchFamily="18" charset="0"/>
-            </a:endParaRPr>
-          </a:p>
-          <a:p>
-            <a:endParaRPr lang="en-US" sz="1400" dirty="0">
-              <a:latin typeface="Garamond" panose="02020404030301010803" pitchFamily="18" charset="0"/>
-            </a:endParaRPr>
-          </a:p>
-          <a:p>
-            <a:endParaRPr lang="en-US" sz="1400" dirty="0">
-              <a:latin typeface="Garamond" panose="02020404030301010803" pitchFamily="18" charset="0"/>
-            </a:endParaRPr>
+            <a:pPr marL="342900" indent="-342900">
+              <a:buFont typeface="Wingdings" panose="05000000000000000000" pitchFamily="2" charset="2"/>
+              <a:buChar char="à"/>
+            </a:pPr>
+            <a:r>
+              <a:rPr lang="en-US" sz="2400" dirty="0">
+                <a:latin typeface="Garamond" panose="02020404030301010803" pitchFamily="18" charset="0"/>
+                <a:sym typeface="Wingdings" pitchFamily="2" charset="2"/>
+              </a:rPr>
+              <a:t>Robustness of results is established by m</a:t>
+            </a:r>
+            <a:r>
+              <a:rPr lang="en-US" sz="2400" dirty="0">
+                <a:latin typeface="Garamond" panose="02020404030301010803" pitchFamily="18" charset="0"/>
+              </a:rPr>
+              <a:t>odels with similar economic intuition</a:t>
+            </a:r>
+          </a:p>
+          <a:p>
+            <a:pPr marL="342900" indent="-342900">
+              <a:buFont typeface="Wingdings" panose="05000000000000000000" pitchFamily="2" charset="2"/>
+              <a:buChar char="à"/>
+            </a:pPr>
+            <a:r>
+              <a:rPr lang="en-US" sz="2400" dirty="0">
+                <a:latin typeface="Garamond" panose="02020404030301010803" pitchFamily="18" charset="0"/>
+              </a:rPr>
+              <a:t>Supporting evidence for importance of Sight Deposits</a:t>
+            </a:r>
           </a:p>
         </p:txBody>
       </p:sp>
@@ -23792,517 +24496,6 @@
     <p:extLst>
       <p:ext uri="{BB962C8B-B14F-4D97-AF65-F5344CB8AC3E}">
         <p14:creationId xmlns:p14="http://schemas.microsoft.com/office/powerpoint/2010/main" val="1657729084"/>
-      </p:ext>
-    </p:extLst>
-  </p:cSld>
-  <p:clrMapOvr>
-    <a:masterClrMapping/>
-  </p:clrMapOvr>
-</p:sld>
-</file>
-
-<file path=ppt/slides/slide18.xml><?xml version="1.0" encoding="utf-8"?>
-<p:sld xmlns:a="http://schemas.openxmlformats.org/drawingml/2006/main" xmlns:r="http://schemas.openxmlformats.org/officeDocument/2006/relationships" xmlns:p="http://schemas.openxmlformats.org/presentationml/2006/main">
-  <p:cSld>
-    <p:spTree>
-      <p:nvGrpSpPr>
-        <p:cNvPr id="1" name=""/>
-        <p:cNvGrpSpPr/>
-        <p:nvPr/>
-      </p:nvGrpSpPr>
-      <p:grpSpPr>
-        <a:xfrm>
-          <a:off x="0" y="0"/>
-          <a:ext cx="0" cy="0"/>
-          <a:chOff x="0" y="0"/>
-          <a:chExt cx="0" cy="0"/>
-        </a:xfrm>
-      </p:grpSpPr>
-      <p:pic>
-        <p:nvPicPr>
-          <p:cNvPr id="4" name="Picture 3">
-            <a:extLst>
-              <a:ext uri="{FF2B5EF4-FFF2-40B4-BE49-F238E27FC236}">
-                <a16:creationId xmlns:a16="http://schemas.microsoft.com/office/drawing/2014/main" id="{5EBFFF4D-5DF2-7649-84CE-D7D8E85B79F2}"/>
-              </a:ext>
-            </a:extLst>
-          </p:cNvPr>
-          <p:cNvPicPr>
-            <a:picLocks noChangeAspect="1"/>
-          </p:cNvPicPr>
-          <p:nvPr/>
-        </p:nvPicPr>
-        <p:blipFill>
-          <a:blip r:embed="rId2"/>
-          <a:stretch>
-            <a:fillRect/>
-          </a:stretch>
-        </p:blipFill>
-        <p:spPr>
-          <a:xfrm>
-            <a:off x="708455" y="2397854"/>
-            <a:ext cx="6384323" cy="3216043"/>
-          </a:xfrm>
-          <a:prstGeom prst="rect">
-            <a:avLst/>
-          </a:prstGeom>
-        </p:spPr>
-      </p:pic>
-      <p:pic>
-        <p:nvPicPr>
-          <p:cNvPr id="7" name="Picture 6">
-            <a:extLst>
-              <a:ext uri="{FF2B5EF4-FFF2-40B4-BE49-F238E27FC236}">
-                <a16:creationId xmlns:a16="http://schemas.microsoft.com/office/drawing/2014/main" id="{07B5C61B-8F33-D04F-AA20-C7F6ECCB9EAF}"/>
-              </a:ext>
-            </a:extLst>
-          </p:cNvPr>
-          <p:cNvPicPr>
-            <a:picLocks noChangeAspect="1"/>
-          </p:cNvPicPr>
-          <p:nvPr/>
-        </p:nvPicPr>
-        <p:blipFill>
-          <a:blip r:embed="rId3"/>
-          <a:stretch>
-            <a:fillRect/>
-          </a:stretch>
-        </p:blipFill>
-        <p:spPr>
-          <a:xfrm>
-            <a:off x="9541432" y="5942509"/>
-            <a:ext cx="2230843" cy="685027"/>
-          </a:xfrm>
-          <a:prstGeom prst="rect">
-            <a:avLst/>
-          </a:prstGeom>
-        </p:spPr>
-      </p:pic>
-      <p:sp>
-        <p:nvSpPr>
-          <p:cNvPr id="2" name="Title 1">
-            <a:extLst>
-              <a:ext uri="{FF2B5EF4-FFF2-40B4-BE49-F238E27FC236}">
-                <a16:creationId xmlns:a16="http://schemas.microsoft.com/office/drawing/2014/main" id="{06E72185-1262-224E-A639-374C64E7CD29}"/>
-              </a:ext>
-            </a:extLst>
-          </p:cNvPr>
-          <p:cNvSpPr>
-            <a:spLocks noGrp="1"/>
-          </p:cNvSpPr>
-          <p:nvPr>
-            <p:ph type="title"/>
-          </p:nvPr>
-        </p:nvSpPr>
-        <p:spPr/>
-        <p:txBody>
-          <a:bodyPr/>
-          <a:lstStyle/>
-          <a:p>
-            <a:r>
-              <a:rPr lang="en-US" dirty="0">
-                <a:latin typeface="Garamond" panose="02020404030301010803" pitchFamily="18" charset="0"/>
-              </a:rPr>
-              <a:t>When looking at next weeks variables, no clear statement is possible</a:t>
-            </a:r>
-          </a:p>
-        </p:txBody>
-      </p:sp>
-      <p:cxnSp>
-        <p:nvCxnSpPr>
-          <p:cNvPr id="5" name="Straight Connector 4">
-            <a:extLst>
-              <a:ext uri="{FF2B5EF4-FFF2-40B4-BE49-F238E27FC236}">
-                <a16:creationId xmlns:a16="http://schemas.microsoft.com/office/drawing/2014/main" id="{F0CA2925-7FF0-E94D-B547-3A2C56441DCE}"/>
-              </a:ext>
-            </a:extLst>
-          </p:cNvPr>
-          <p:cNvCxnSpPr>
-            <a:cxnSpLocks/>
-          </p:cNvCxnSpPr>
-          <p:nvPr/>
-        </p:nvCxnSpPr>
-        <p:spPr>
-          <a:xfrm>
-            <a:off x="838200" y="1690688"/>
-            <a:ext cx="10515600" cy="0"/>
-          </a:xfrm>
-          <a:prstGeom prst="line">
-            <a:avLst/>
-          </a:prstGeom>
-          <a:ln w="44450">
-            <a:solidFill>
-              <a:srgbClr val="008240"/>
-            </a:solidFill>
-          </a:ln>
-        </p:spPr>
-        <p:style>
-          <a:lnRef idx="2">
-            <a:schemeClr val="dk1"/>
-          </a:lnRef>
-          <a:fillRef idx="0">
-            <a:schemeClr val="dk1"/>
-          </a:fillRef>
-          <a:effectRef idx="1">
-            <a:schemeClr val="dk1"/>
-          </a:effectRef>
-          <a:fontRef idx="minor">
-            <a:schemeClr val="tx1"/>
-          </a:fontRef>
-        </p:style>
-      </p:cxnSp>
-      <p:sp>
-        <p:nvSpPr>
-          <p:cNvPr id="12" name="Rectangle 11">
-            <a:extLst>
-              <a:ext uri="{FF2B5EF4-FFF2-40B4-BE49-F238E27FC236}">
-                <a16:creationId xmlns:a16="http://schemas.microsoft.com/office/drawing/2014/main" id="{06F453C1-B8D8-5D40-A757-DDF4F8EC21E8}"/>
-              </a:ext>
-            </a:extLst>
-          </p:cNvPr>
-          <p:cNvSpPr/>
-          <p:nvPr/>
-        </p:nvSpPr>
-        <p:spPr>
-          <a:xfrm>
-            <a:off x="883170" y="2397854"/>
-            <a:ext cx="10515600" cy="3733119"/>
-          </a:xfrm>
-          <a:prstGeom prst="rect">
-            <a:avLst/>
-          </a:prstGeom>
-          <a:noFill/>
-          <a:ln w="25400">
-            <a:solidFill>
-              <a:srgbClr val="008240"/>
-            </a:solidFill>
-          </a:ln>
-        </p:spPr>
-        <p:style>
-          <a:lnRef idx="2">
-            <a:schemeClr val="accent1">
-              <a:shade val="50000"/>
-            </a:schemeClr>
-          </a:lnRef>
-          <a:fillRef idx="1">
-            <a:schemeClr val="accent1"/>
-          </a:fillRef>
-          <a:effectRef idx="0">
-            <a:schemeClr val="accent1"/>
-          </a:effectRef>
-          <a:fontRef idx="minor">
-            <a:schemeClr val="lt1"/>
-          </a:fontRef>
-        </p:style>
-        <p:txBody>
-          <a:bodyPr rtlCol="0" anchor="ctr"/>
-          <a:lstStyle/>
-          <a:p>
-            <a:pPr algn="ctr"/>
-            <a:endParaRPr lang="en-US">
-              <a:latin typeface="Garamond" panose="02020404030301010803" pitchFamily="18" charset="0"/>
-            </a:endParaRPr>
-          </a:p>
-        </p:txBody>
-      </p:sp>
-      <p:sp>
-        <p:nvSpPr>
-          <p:cNvPr id="13" name="Rectangle 12">
-            <a:extLst>
-              <a:ext uri="{FF2B5EF4-FFF2-40B4-BE49-F238E27FC236}">
-                <a16:creationId xmlns:a16="http://schemas.microsoft.com/office/drawing/2014/main" id="{1F0A47D9-B7F6-ED44-8D10-37B998545356}"/>
-              </a:ext>
-            </a:extLst>
-          </p:cNvPr>
-          <p:cNvSpPr/>
-          <p:nvPr/>
-        </p:nvSpPr>
-        <p:spPr>
-          <a:xfrm>
-            <a:off x="883170" y="1903177"/>
-            <a:ext cx="10515600" cy="494677"/>
-          </a:xfrm>
-          <a:prstGeom prst="rect">
-            <a:avLst/>
-          </a:prstGeom>
-          <a:solidFill>
-            <a:schemeClr val="bg1">
-              <a:lumMod val="65000"/>
-            </a:schemeClr>
-          </a:solidFill>
-          <a:ln w="25400">
-            <a:solidFill>
-              <a:schemeClr val="bg1">
-                <a:lumMod val="65000"/>
-              </a:schemeClr>
-            </a:solidFill>
-          </a:ln>
-        </p:spPr>
-        <p:style>
-          <a:lnRef idx="2">
-            <a:schemeClr val="accent1">
-              <a:shade val="50000"/>
-            </a:schemeClr>
-          </a:lnRef>
-          <a:fillRef idx="1">
-            <a:schemeClr val="accent1"/>
-          </a:fillRef>
-          <a:effectRef idx="0">
-            <a:schemeClr val="accent1"/>
-          </a:effectRef>
-          <a:fontRef idx="minor">
-            <a:schemeClr val="lt1"/>
-          </a:fontRef>
-        </p:style>
-        <p:txBody>
-          <a:bodyPr rtlCol="0" anchor="ctr"/>
-          <a:lstStyle/>
-          <a:p>
-            <a:pPr algn="ctr"/>
-            <a:r>
-              <a:rPr lang="en-US" sz="3200" dirty="0">
-                <a:latin typeface="Garamond" panose="02020404030301010803" pitchFamily="18" charset="0"/>
-              </a:rPr>
-              <a:t>Next week results</a:t>
-            </a:r>
-          </a:p>
-        </p:txBody>
-      </p:sp>
-      <p:sp>
-        <p:nvSpPr>
-          <p:cNvPr id="8" name="TextBox 7">
-            <a:extLst>
-              <a:ext uri="{FF2B5EF4-FFF2-40B4-BE49-F238E27FC236}">
-                <a16:creationId xmlns:a16="http://schemas.microsoft.com/office/drawing/2014/main" id="{33B8A874-34DA-E64D-8289-FCE39226C5D1}"/>
-              </a:ext>
-            </a:extLst>
-          </p:cNvPr>
-          <p:cNvSpPr txBox="1"/>
-          <p:nvPr/>
-        </p:nvSpPr>
-        <p:spPr>
-          <a:xfrm>
-            <a:off x="7267493" y="2698023"/>
-            <a:ext cx="4012074" cy="2246769"/>
-          </a:xfrm>
-          <a:prstGeom prst="rect">
-            <a:avLst/>
-          </a:prstGeom>
-          <a:solidFill>
-            <a:schemeClr val="accent1">
-              <a:alpha val="11000"/>
-            </a:schemeClr>
-          </a:solidFill>
-        </p:spPr>
-        <p:txBody>
-          <a:bodyPr wrap="square" rtlCol="0">
-            <a:spAutoFit/>
-          </a:bodyPr>
-          <a:lstStyle/>
-          <a:p>
-            <a:pPr marL="285750" indent="-285750">
-              <a:buFont typeface="Wingdings" pitchFamily="2" charset="2"/>
-              <a:buChar char="§"/>
-            </a:pPr>
-            <a:r>
-              <a:rPr lang="en-US" sz="1400" b="1" dirty="0">
-                <a:latin typeface="Garamond" panose="02020404030301010803" pitchFamily="18" charset="0"/>
-              </a:rPr>
-              <a:t>No significant difference </a:t>
-            </a:r>
-            <a:r>
-              <a:rPr lang="en-US" sz="1400" dirty="0">
-                <a:latin typeface="Garamond" panose="02020404030301010803" pitchFamily="18" charset="0"/>
-              </a:rPr>
-              <a:t>between </a:t>
-            </a:r>
-            <a:r>
-              <a:rPr lang="en-US" sz="1400" dirty="0" err="1">
-                <a:latin typeface="Garamond" panose="02020404030301010803" pitchFamily="18" charset="0"/>
-              </a:rPr>
-              <a:t>PreCap</a:t>
-            </a:r>
-            <a:r>
-              <a:rPr lang="en-US" sz="1400" dirty="0">
-                <a:latin typeface="Garamond" panose="02020404030301010803" pitchFamily="18" charset="0"/>
-              </a:rPr>
-              <a:t> and Cap period importance for </a:t>
-            </a:r>
-            <a:r>
-              <a:rPr lang="en-US" sz="1400" dirty="0" err="1">
-                <a:latin typeface="Garamond" panose="02020404030301010803" pitchFamily="18" charset="0"/>
-              </a:rPr>
-              <a:t>SDdomBanksdir</a:t>
-            </a:r>
-            <a:r>
-              <a:rPr lang="en-US" sz="1400" dirty="0">
-                <a:latin typeface="Garamond" panose="02020404030301010803" pitchFamily="18" charset="0"/>
-              </a:rPr>
-              <a:t>.</a:t>
-            </a:r>
-          </a:p>
-          <a:p>
-            <a:pPr marL="285750" indent="-285750">
-              <a:buFont typeface="Wingdings" pitchFamily="2" charset="2"/>
-              <a:buChar char="§"/>
-            </a:pPr>
-            <a:r>
-              <a:rPr lang="en-US" sz="1400" dirty="0">
-                <a:latin typeface="Garamond" panose="02020404030301010803" pitchFamily="18" charset="0"/>
-              </a:rPr>
-              <a:t>The effects in the current week data set are much more </a:t>
-            </a:r>
-            <a:r>
-              <a:rPr lang="en-US" sz="1400" b="1" dirty="0">
-                <a:latin typeface="Garamond" panose="02020404030301010803" pitchFamily="18" charset="0"/>
-              </a:rPr>
-              <a:t>mild and mixed</a:t>
-            </a:r>
-            <a:r>
-              <a:rPr lang="en-US" sz="1400" dirty="0">
-                <a:latin typeface="Garamond" panose="02020404030301010803" pitchFamily="18" charset="0"/>
-              </a:rPr>
-              <a:t>.</a:t>
-            </a:r>
-          </a:p>
-          <a:p>
-            <a:pPr marL="285750" indent="-285750">
-              <a:buFont typeface="Wingdings" pitchFamily="2" charset="2"/>
-              <a:buChar char="§"/>
-            </a:pPr>
-            <a:endParaRPr lang="en-US" sz="1400" dirty="0">
-              <a:latin typeface="Garamond" panose="02020404030301010803" pitchFamily="18" charset="0"/>
-            </a:endParaRPr>
-          </a:p>
-          <a:p>
-            <a:endParaRPr lang="en-US" sz="1400" dirty="0">
-              <a:latin typeface="Garamond" panose="02020404030301010803" pitchFamily="18" charset="0"/>
-            </a:endParaRPr>
-          </a:p>
-          <a:p>
-            <a:endParaRPr lang="en-US" sz="1400" dirty="0">
-              <a:latin typeface="Garamond" panose="02020404030301010803" pitchFamily="18" charset="0"/>
-            </a:endParaRPr>
-          </a:p>
-          <a:p>
-            <a:endParaRPr lang="en-US" sz="1400" dirty="0">
-              <a:latin typeface="Garamond" panose="02020404030301010803" pitchFamily="18" charset="0"/>
-            </a:endParaRPr>
-          </a:p>
-          <a:p>
-            <a:endParaRPr lang="en-US" sz="1400" dirty="0">
-              <a:latin typeface="Garamond" panose="02020404030301010803" pitchFamily="18" charset="0"/>
-            </a:endParaRPr>
-          </a:p>
-          <a:p>
-            <a:endParaRPr lang="en-US" sz="1400" dirty="0">
-              <a:latin typeface="Garamond" panose="02020404030301010803" pitchFamily="18" charset="0"/>
-            </a:endParaRPr>
-          </a:p>
-        </p:txBody>
-      </p:sp>
-      <p:cxnSp>
-        <p:nvCxnSpPr>
-          <p:cNvPr id="9" name="Straight Connector 8">
-            <a:extLst>
-              <a:ext uri="{FF2B5EF4-FFF2-40B4-BE49-F238E27FC236}">
-                <a16:creationId xmlns:a16="http://schemas.microsoft.com/office/drawing/2014/main" id="{498056FA-AF40-FD4C-866A-2FA037B1C280}"/>
-              </a:ext>
-            </a:extLst>
-          </p:cNvPr>
-          <p:cNvCxnSpPr>
-            <a:cxnSpLocks/>
-          </p:cNvCxnSpPr>
-          <p:nvPr/>
-        </p:nvCxnSpPr>
-        <p:spPr>
-          <a:xfrm>
-            <a:off x="7267493" y="3704805"/>
-            <a:ext cx="4012074" cy="0"/>
-          </a:xfrm>
-          <a:prstGeom prst="line">
-            <a:avLst/>
-          </a:prstGeom>
-          <a:ln w="19050">
-            <a:solidFill>
-              <a:srgbClr val="008240"/>
-            </a:solidFill>
-          </a:ln>
-        </p:spPr>
-        <p:style>
-          <a:lnRef idx="2">
-            <a:schemeClr val="dk1"/>
-          </a:lnRef>
-          <a:fillRef idx="0">
-            <a:schemeClr val="dk1"/>
-          </a:fillRef>
-          <a:effectRef idx="1">
-            <a:schemeClr val="dk1"/>
-          </a:effectRef>
-          <a:fontRef idx="minor">
-            <a:schemeClr val="tx1"/>
-          </a:fontRef>
-        </p:style>
-      </p:cxnSp>
-      <p:sp>
-        <p:nvSpPr>
-          <p:cNvPr id="10" name="TextBox 9">
-            <a:extLst>
-              <a:ext uri="{FF2B5EF4-FFF2-40B4-BE49-F238E27FC236}">
-                <a16:creationId xmlns:a16="http://schemas.microsoft.com/office/drawing/2014/main" id="{0317B9A9-BEDE-4F4A-B231-1823803655F3}"/>
-              </a:ext>
-            </a:extLst>
-          </p:cNvPr>
-          <p:cNvSpPr txBox="1"/>
-          <p:nvPr/>
-        </p:nvSpPr>
-        <p:spPr>
-          <a:xfrm>
-            <a:off x="7309437" y="3847745"/>
-            <a:ext cx="3999393" cy="954107"/>
-          </a:xfrm>
-          <a:prstGeom prst="rect">
-            <a:avLst/>
-          </a:prstGeom>
-          <a:noFill/>
-        </p:spPr>
-        <p:txBody>
-          <a:bodyPr wrap="square" rtlCol="0">
-            <a:spAutoFit/>
-          </a:bodyPr>
-          <a:lstStyle/>
-          <a:p>
-            <a:r>
-              <a:rPr lang="en-US" sz="1400" dirty="0">
-                <a:latin typeface="Garamond" panose="02020404030301010803" pitchFamily="18" charset="0"/>
-                <a:sym typeface="Wingdings" pitchFamily="2" charset="2"/>
-              </a:rPr>
-              <a:t> As one week passes between the communicated interventions of the SNB and the stock market observation, there might be </a:t>
-            </a:r>
-            <a:r>
-              <a:rPr lang="en-US" sz="1400" b="1" dirty="0">
-                <a:latin typeface="Garamond" panose="02020404030301010803" pitchFamily="18" charset="0"/>
-                <a:sym typeface="Wingdings" pitchFamily="2" charset="2"/>
-              </a:rPr>
-              <a:t>several other external effects influencing the stock market</a:t>
-            </a:r>
-            <a:r>
-              <a:rPr lang="en-US" sz="1400" dirty="0">
-                <a:latin typeface="Garamond" panose="02020404030301010803" pitchFamily="18" charset="0"/>
-                <a:sym typeface="Wingdings" pitchFamily="2" charset="2"/>
-              </a:rPr>
-              <a:t>.</a:t>
-            </a:r>
-            <a:endParaRPr lang="en-US" sz="1400" dirty="0">
-              <a:latin typeface="Garamond" panose="02020404030301010803" pitchFamily="18" charset="0"/>
-            </a:endParaRPr>
-          </a:p>
-        </p:txBody>
-      </p:sp>
-    </p:spTree>
-    <p:extLst>
-      <p:ext uri="{BB962C8B-B14F-4D97-AF65-F5344CB8AC3E}">
-        <p14:creationId xmlns:p14="http://schemas.microsoft.com/office/powerpoint/2010/main" val="3354737232"/>
       </p:ext>
     </p:extLst>
   </p:cSld>
@@ -27818,6 +28011,517 @@
 </p:sld>
 </file>
 
+<file path=ppt/slides/slide29.xml><?xml version="1.0" encoding="utf-8"?>
+<p:sld xmlns:a="http://schemas.openxmlformats.org/drawingml/2006/main" xmlns:r="http://schemas.openxmlformats.org/officeDocument/2006/relationships" xmlns:p="http://schemas.openxmlformats.org/presentationml/2006/main">
+  <p:cSld>
+    <p:spTree>
+      <p:nvGrpSpPr>
+        <p:cNvPr id="1" name=""/>
+        <p:cNvGrpSpPr/>
+        <p:nvPr/>
+      </p:nvGrpSpPr>
+      <p:grpSpPr>
+        <a:xfrm>
+          <a:off x="0" y="0"/>
+          <a:ext cx="0" cy="0"/>
+          <a:chOff x="0" y="0"/>
+          <a:chExt cx="0" cy="0"/>
+        </a:xfrm>
+      </p:grpSpPr>
+      <p:pic>
+        <p:nvPicPr>
+          <p:cNvPr id="4" name="Picture 3">
+            <a:extLst>
+              <a:ext uri="{FF2B5EF4-FFF2-40B4-BE49-F238E27FC236}">
+                <a16:creationId xmlns:a16="http://schemas.microsoft.com/office/drawing/2014/main" id="{5EBFFF4D-5DF2-7649-84CE-D7D8E85B79F2}"/>
+              </a:ext>
+            </a:extLst>
+          </p:cNvPr>
+          <p:cNvPicPr>
+            <a:picLocks noChangeAspect="1"/>
+          </p:cNvPicPr>
+          <p:nvPr/>
+        </p:nvPicPr>
+        <p:blipFill>
+          <a:blip r:embed="rId2"/>
+          <a:stretch>
+            <a:fillRect/>
+          </a:stretch>
+        </p:blipFill>
+        <p:spPr>
+          <a:xfrm>
+            <a:off x="708455" y="2397854"/>
+            <a:ext cx="6384323" cy="3216043"/>
+          </a:xfrm>
+          <a:prstGeom prst="rect">
+            <a:avLst/>
+          </a:prstGeom>
+        </p:spPr>
+      </p:pic>
+      <p:pic>
+        <p:nvPicPr>
+          <p:cNvPr id="7" name="Picture 6">
+            <a:extLst>
+              <a:ext uri="{FF2B5EF4-FFF2-40B4-BE49-F238E27FC236}">
+                <a16:creationId xmlns:a16="http://schemas.microsoft.com/office/drawing/2014/main" id="{07B5C61B-8F33-D04F-AA20-C7F6ECCB9EAF}"/>
+              </a:ext>
+            </a:extLst>
+          </p:cNvPr>
+          <p:cNvPicPr>
+            <a:picLocks noChangeAspect="1"/>
+          </p:cNvPicPr>
+          <p:nvPr/>
+        </p:nvPicPr>
+        <p:blipFill>
+          <a:blip r:embed="rId3"/>
+          <a:stretch>
+            <a:fillRect/>
+          </a:stretch>
+        </p:blipFill>
+        <p:spPr>
+          <a:xfrm>
+            <a:off x="9541432" y="5942509"/>
+            <a:ext cx="2230843" cy="685027"/>
+          </a:xfrm>
+          <a:prstGeom prst="rect">
+            <a:avLst/>
+          </a:prstGeom>
+        </p:spPr>
+      </p:pic>
+      <p:sp>
+        <p:nvSpPr>
+          <p:cNvPr id="2" name="Title 1">
+            <a:extLst>
+              <a:ext uri="{FF2B5EF4-FFF2-40B4-BE49-F238E27FC236}">
+                <a16:creationId xmlns:a16="http://schemas.microsoft.com/office/drawing/2014/main" id="{06E72185-1262-224E-A639-374C64E7CD29}"/>
+              </a:ext>
+            </a:extLst>
+          </p:cNvPr>
+          <p:cNvSpPr>
+            <a:spLocks noGrp="1"/>
+          </p:cNvSpPr>
+          <p:nvPr>
+            <p:ph type="title"/>
+          </p:nvPr>
+        </p:nvSpPr>
+        <p:spPr/>
+        <p:txBody>
+          <a:bodyPr/>
+          <a:lstStyle/>
+          <a:p>
+            <a:r>
+              <a:rPr lang="en-US" dirty="0">
+                <a:latin typeface="Garamond" panose="02020404030301010803" pitchFamily="18" charset="0"/>
+              </a:rPr>
+              <a:t>Appendix F</a:t>
+            </a:r>
+          </a:p>
+        </p:txBody>
+      </p:sp>
+      <p:cxnSp>
+        <p:nvCxnSpPr>
+          <p:cNvPr id="5" name="Straight Connector 4">
+            <a:extLst>
+              <a:ext uri="{FF2B5EF4-FFF2-40B4-BE49-F238E27FC236}">
+                <a16:creationId xmlns:a16="http://schemas.microsoft.com/office/drawing/2014/main" id="{F0CA2925-7FF0-E94D-B547-3A2C56441DCE}"/>
+              </a:ext>
+            </a:extLst>
+          </p:cNvPr>
+          <p:cNvCxnSpPr>
+            <a:cxnSpLocks/>
+          </p:cNvCxnSpPr>
+          <p:nvPr/>
+        </p:nvCxnSpPr>
+        <p:spPr>
+          <a:xfrm>
+            <a:off x="838200" y="1690688"/>
+            <a:ext cx="10515600" cy="0"/>
+          </a:xfrm>
+          <a:prstGeom prst="line">
+            <a:avLst/>
+          </a:prstGeom>
+          <a:ln w="44450">
+            <a:solidFill>
+              <a:srgbClr val="008240"/>
+            </a:solidFill>
+          </a:ln>
+        </p:spPr>
+        <p:style>
+          <a:lnRef idx="2">
+            <a:schemeClr val="dk1"/>
+          </a:lnRef>
+          <a:fillRef idx="0">
+            <a:schemeClr val="dk1"/>
+          </a:fillRef>
+          <a:effectRef idx="1">
+            <a:schemeClr val="dk1"/>
+          </a:effectRef>
+          <a:fontRef idx="minor">
+            <a:schemeClr val="tx1"/>
+          </a:fontRef>
+        </p:style>
+      </p:cxnSp>
+      <p:sp>
+        <p:nvSpPr>
+          <p:cNvPr id="12" name="Rectangle 11">
+            <a:extLst>
+              <a:ext uri="{FF2B5EF4-FFF2-40B4-BE49-F238E27FC236}">
+                <a16:creationId xmlns:a16="http://schemas.microsoft.com/office/drawing/2014/main" id="{06F453C1-B8D8-5D40-A757-DDF4F8EC21E8}"/>
+              </a:ext>
+            </a:extLst>
+          </p:cNvPr>
+          <p:cNvSpPr/>
+          <p:nvPr/>
+        </p:nvSpPr>
+        <p:spPr>
+          <a:xfrm>
+            <a:off x="883170" y="2397854"/>
+            <a:ext cx="10515600" cy="3733119"/>
+          </a:xfrm>
+          <a:prstGeom prst="rect">
+            <a:avLst/>
+          </a:prstGeom>
+          <a:noFill/>
+          <a:ln w="25400">
+            <a:solidFill>
+              <a:srgbClr val="008240"/>
+            </a:solidFill>
+          </a:ln>
+        </p:spPr>
+        <p:style>
+          <a:lnRef idx="2">
+            <a:schemeClr val="accent1">
+              <a:shade val="50000"/>
+            </a:schemeClr>
+          </a:lnRef>
+          <a:fillRef idx="1">
+            <a:schemeClr val="accent1"/>
+          </a:fillRef>
+          <a:effectRef idx="0">
+            <a:schemeClr val="accent1"/>
+          </a:effectRef>
+          <a:fontRef idx="minor">
+            <a:schemeClr val="lt1"/>
+          </a:fontRef>
+        </p:style>
+        <p:txBody>
+          <a:bodyPr rtlCol="0" anchor="ctr"/>
+          <a:lstStyle/>
+          <a:p>
+            <a:pPr algn="ctr"/>
+            <a:endParaRPr lang="en-US">
+              <a:latin typeface="Garamond" panose="02020404030301010803" pitchFamily="18" charset="0"/>
+            </a:endParaRPr>
+          </a:p>
+        </p:txBody>
+      </p:sp>
+      <p:sp>
+        <p:nvSpPr>
+          <p:cNvPr id="13" name="Rectangle 12">
+            <a:extLst>
+              <a:ext uri="{FF2B5EF4-FFF2-40B4-BE49-F238E27FC236}">
+                <a16:creationId xmlns:a16="http://schemas.microsoft.com/office/drawing/2014/main" id="{1F0A47D9-B7F6-ED44-8D10-37B998545356}"/>
+              </a:ext>
+            </a:extLst>
+          </p:cNvPr>
+          <p:cNvSpPr/>
+          <p:nvPr/>
+        </p:nvSpPr>
+        <p:spPr>
+          <a:xfrm>
+            <a:off x="883170" y="1903177"/>
+            <a:ext cx="10515600" cy="494677"/>
+          </a:xfrm>
+          <a:prstGeom prst="rect">
+            <a:avLst/>
+          </a:prstGeom>
+          <a:solidFill>
+            <a:schemeClr val="bg1">
+              <a:lumMod val="65000"/>
+            </a:schemeClr>
+          </a:solidFill>
+          <a:ln w="25400">
+            <a:solidFill>
+              <a:schemeClr val="bg1">
+                <a:lumMod val="65000"/>
+              </a:schemeClr>
+            </a:solidFill>
+          </a:ln>
+        </p:spPr>
+        <p:style>
+          <a:lnRef idx="2">
+            <a:schemeClr val="accent1">
+              <a:shade val="50000"/>
+            </a:schemeClr>
+          </a:lnRef>
+          <a:fillRef idx="1">
+            <a:schemeClr val="accent1"/>
+          </a:fillRef>
+          <a:effectRef idx="0">
+            <a:schemeClr val="accent1"/>
+          </a:effectRef>
+          <a:fontRef idx="minor">
+            <a:schemeClr val="lt1"/>
+          </a:fontRef>
+        </p:style>
+        <p:txBody>
+          <a:bodyPr rtlCol="0" anchor="ctr"/>
+          <a:lstStyle/>
+          <a:p>
+            <a:pPr algn="ctr"/>
+            <a:r>
+              <a:rPr lang="en-US" sz="3200" dirty="0">
+                <a:latin typeface="Garamond" panose="02020404030301010803" pitchFamily="18" charset="0"/>
+              </a:rPr>
+              <a:t>Next week results</a:t>
+            </a:r>
+          </a:p>
+        </p:txBody>
+      </p:sp>
+      <p:sp>
+        <p:nvSpPr>
+          <p:cNvPr id="8" name="TextBox 7">
+            <a:extLst>
+              <a:ext uri="{FF2B5EF4-FFF2-40B4-BE49-F238E27FC236}">
+                <a16:creationId xmlns:a16="http://schemas.microsoft.com/office/drawing/2014/main" id="{33B8A874-34DA-E64D-8289-FCE39226C5D1}"/>
+              </a:ext>
+            </a:extLst>
+          </p:cNvPr>
+          <p:cNvSpPr txBox="1"/>
+          <p:nvPr/>
+        </p:nvSpPr>
+        <p:spPr>
+          <a:xfrm>
+            <a:off x="7267493" y="2698023"/>
+            <a:ext cx="4012074" cy="2246769"/>
+          </a:xfrm>
+          <a:prstGeom prst="rect">
+            <a:avLst/>
+          </a:prstGeom>
+          <a:solidFill>
+            <a:schemeClr val="accent1">
+              <a:alpha val="11000"/>
+            </a:schemeClr>
+          </a:solidFill>
+        </p:spPr>
+        <p:txBody>
+          <a:bodyPr wrap="square" rtlCol="0">
+            <a:spAutoFit/>
+          </a:bodyPr>
+          <a:lstStyle/>
+          <a:p>
+            <a:pPr marL="285750" indent="-285750">
+              <a:buFont typeface="Wingdings" pitchFamily="2" charset="2"/>
+              <a:buChar char="§"/>
+            </a:pPr>
+            <a:r>
+              <a:rPr lang="en-US" sz="1400" b="1" dirty="0">
+                <a:latin typeface="Garamond" panose="02020404030301010803" pitchFamily="18" charset="0"/>
+              </a:rPr>
+              <a:t>No significant difference </a:t>
+            </a:r>
+            <a:r>
+              <a:rPr lang="en-US" sz="1400" dirty="0">
+                <a:latin typeface="Garamond" panose="02020404030301010803" pitchFamily="18" charset="0"/>
+              </a:rPr>
+              <a:t>between </a:t>
+            </a:r>
+            <a:r>
+              <a:rPr lang="en-US" sz="1400" dirty="0" err="1">
+                <a:latin typeface="Garamond" panose="02020404030301010803" pitchFamily="18" charset="0"/>
+              </a:rPr>
+              <a:t>PreCap</a:t>
+            </a:r>
+            <a:r>
+              <a:rPr lang="en-US" sz="1400" dirty="0">
+                <a:latin typeface="Garamond" panose="02020404030301010803" pitchFamily="18" charset="0"/>
+              </a:rPr>
+              <a:t> and Cap period importance for </a:t>
+            </a:r>
+            <a:r>
+              <a:rPr lang="en-US" sz="1400" dirty="0" err="1">
+                <a:latin typeface="Garamond" panose="02020404030301010803" pitchFamily="18" charset="0"/>
+              </a:rPr>
+              <a:t>SDdomBanksdir</a:t>
+            </a:r>
+            <a:r>
+              <a:rPr lang="en-US" sz="1400" dirty="0">
+                <a:latin typeface="Garamond" panose="02020404030301010803" pitchFamily="18" charset="0"/>
+              </a:rPr>
+              <a:t>.</a:t>
+            </a:r>
+          </a:p>
+          <a:p>
+            <a:pPr marL="285750" indent="-285750">
+              <a:buFont typeface="Wingdings" pitchFamily="2" charset="2"/>
+              <a:buChar char="§"/>
+            </a:pPr>
+            <a:r>
+              <a:rPr lang="en-US" sz="1400" dirty="0">
+                <a:latin typeface="Garamond" panose="02020404030301010803" pitchFamily="18" charset="0"/>
+              </a:rPr>
+              <a:t>The effects in the current week data set are much more </a:t>
+            </a:r>
+            <a:r>
+              <a:rPr lang="en-US" sz="1400" b="1" dirty="0">
+                <a:latin typeface="Garamond" panose="02020404030301010803" pitchFamily="18" charset="0"/>
+              </a:rPr>
+              <a:t>mild and mixed</a:t>
+            </a:r>
+            <a:r>
+              <a:rPr lang="en-US" sz="1400" dirty="0">
+                <a:latin typeface="Garamond" panose="02020404030301010803" pitchFamily="18" charset="0"/>
+              </a:rPr>
+              <a:t>.</a:t>
+            </a:r>
+          </a:p>
+          <a:p>
+            <a:pPr marL="285750" indent="-285750">
+              <a:buFont typeface="Wingdings" pitchFamily="2" charset="2"/>
+              <a:buChar char="§"/>
+            </a:pPr>
+            <a:endParaRPr lang="en-US" sz="1400" dirty="0">
+              <a:latin typeface="Garamond" panose="02020404030301010803" pitchFamily="18" charset="0"/>
+            </a:endParaRPr>
+          </a:p>
+          <a:p>
+            <a:endParaRPr lang="en-US" sz="1400" dirty="0">
+              <a:latin typeface="Garamond" panose="02020404030301010803" pitchFamily="18" charset="0"/>
+            </a:endParaRPr>
+          </a:p>
+          <a:p>
+            <a:endParaRPr lang="en-US" sz="1400" dirty="0">
+              <a:latin typeface="Garamond" panose="02020404030301010803" pitchFamily="18" charset="0"/>
+            </a:endParaRPr>
+          </a:p>
+          <a:p>
+            <a:endParaRPr lang="en-US" sz="1400" dirty="0">
+              <a:latin typeface="Garamond" panose="02020404030301010803" pitchFamily="18" charset="0"/>
+            </a:endParaRPr>
+          </a:p>
+          <a:p>
+            <a:endParaRPr lang="en-US" sz="1400" dirty="0">
+              <a:latin typeface="Garamond" panose="02020404030301010803" pitchFamily="18" charset="0"/>
+            </a:endParaRPr>
+          </a:p>
+          <a:p>
+            <a:endParaRPr lang="en-US" sz="1400" dirty="0">
+              <a:latin typeface="Garamond" panose="02020404030301010803" pitchFamily="18" charset="0"/>
+            </a:endParaRPr>
+          </a:p>
+        </p:txBody>
+      </p:sp>
+      <p:cxnSp>
+        <p:nvCxnSpPr>
+          <p:cNvPr id="9" name="Straight Connector 8">
+            <a:extLst>
+              <a:ext uri="{FF2B5EF4-FFF2-40B4-BE49-F238E27FC236}">
+                <a16:creationId xmlns:a16="http://schemas.microsoft.com/office/drawing/2014/main" id="{498056FA-AF40-FD4C-866A-2FA037B1C280}"/>
+              </a:ext>
+            </a:extLst>
+          </p:cNvPr>
+          <p:cNvCxnSpPr>
+            <a:cxnSpLocks/>
+          </p:cNvCxnSpPr>
+          <p:nvPr/>
+        </p:nvCxnSpPr>
+        <p:spPr>
+          <a:xfrm>
+            <a:off x="7267493" y="3704805"/>
+            <a:ext cx="4012074" cy="0"/>
+          </a:xfrm>
+          <a:prstGeom prst="line">
+            <a:avLst/>
+          </a:prstGeom>
+          <a:ln w="19050">
+            <a:solidFill>
+              <a:srgbClr val="008240"/>
+            </a:solidFill>
+          </a:ln>
+        </p:spPr>
+        <p:style>
+          <a:lnRef idx="2">
+            <a:schemeClr val="dk1"/>
+          </a:lnRef>
+          <a:fillRef idx="0">
+            <a:schemeClr val="dk1"/>
+          </a:fillRef>
+          <a:effectRef idx="1">
+            <a:schemeClr val="dk1"/>
+          </a:effectRef>
+          <a:fontRef idx="minor">
+            <a:schemeClr val="tx1"/>
+          </a:fontRef>
+        </p:style>
+      </p:cxnSp>
+      <p:sp>
+        <p:nvSpPr>
+          <p:cNvPr id="10" name="TextBox 9">
+            <a:extLst>
+              <a:ext uri="{FF2B5EF4-FFF2-40B4-BE49-F238E27FC236}">
+                <a16:creationId xmlns:a16="http://schemas.microsoft.com/office/drawing/2014/main" id="{0317B9A9-BEDE-4F4A-B231-1823803655F3}"/>
+              </a:ext>
+            </a:extLst>
+          </p:cNvPr>
+          <p:cNvSpPr txBox="1"/>
+          <p:nvPr/>
+        </p:nvSpPr>
+        <p:spPr>
+          <a:xfrm>
+            <a:off x="7309437" y="3847745"/>
+            <a:ext cx="3999393" cy="954107"/>
+          </a:xfrm>
+          <a:prstGeom prst="rect">
+            <a:avLst/>
+          </a:prstGeom>
+          <a:noFill/>
+        </p:spPr>
+        <p:txBody>
+          <a:bodyPr wrap="square" rtlCol="0">
+            <a:spAutoFit/>
+          </a:bodyPr>
+          <a:lstStyle/>
+          <a:p>
+            <a:r>
+              <a:rPr lang="en-US" sz="1400" dirty="0">
+                <a:latin typeface="Garamond" panose="02020404030301010803" pitchFamily="18" charset="0"/>
+                <a:sym typeface="Wingdings" pitchFamily="2" charset="2"/>
+              </a:rPr>
+              <a:t> As one week passes between the communicated interventions of the SNB and the stock market observation, there might be </a:t>
+            </a:r>
+            <a:r>
+              <a:rPr lang="en-US" sz="1400" b="1" dirty="0">
+                <a:latin typeface="Garamond" panose="02020404030301010803" pitchFamily="18" charset="0"/>
+                <a:sym typeface="Wingdings" pitchFamily="2" charset="2"/>
+              </a:rPr>
+              <a:t>several other external effects influencing the stock market</a:t>
+            </a:r>
+            <a:r>
+              <a:rPr lang="en-US" sz="1400" dirty="0">
+                <a:latin typeface="Garamond" panose="02020404030301010803" pitchFamily="18" charset="0"/>
+                <a:sym typeface="Wingdings" pitchFamily="2" charset="2"/>
+              </a:rPr>
+              <a:t>.</a:t>
+            </a:r>
+            <a:endParaRPr lang="en-US" sz="1400" dirty="0">
+              <a:latin typeface="Garamond" panose="02020404030301010803" pitchFamily="18" charset="0"/>
+            </a:endParaRPr>
+          </a:p>
+        </p:txBody>
+      </p:sp>
+    </p:spTree>
+    <p:extLst>
+      <p:ext uri="{BB962C8B-B14F-4D97-AF65-F5344CB8AC3E}">
+        <p14:creationId xmlns:p14="http://schemas.microsoft.com/office/powerpoint/2010/main" val="3354737232"/>
+      </p:ext>
+    </p:extLst>
+  </p:cSld>
+  <p:clrMapOvr>
+    <a:masterClrMapping/>
+  </p:clrMapOvr>
+</p:sld>
+</file>
+
 <file path=ppt/slides/slide3.xml><?xml version="1.0" encoding="utf-8"?>
 <p:sld xmlns:a="http://schemas.openxmlformats.org/drawingml/2006/main" xmlns:r="http://schemas.openxmlformats.org/officeDocument/2006/relationships" xmlns:p="http://schemas.openxmlformats.org/presentationml/2006/main">
   <p:cSld>
@@ -30230,71 +30934,6 @@
           </a:prstGeom>
         </p:spPr>
       </p:pic>
-      <p:sp>
-        <p:nvSpPr>
-          <p:cNvPr id="6" name="Textfeld 5">
-            <a:extLst>
-              <a:ext uri="{FF2B5EF4-FFF2-40B4-BE49-F238E27FC236}">
-                <a16:creationId xmlns:a16="http://schemas.microsoft.com/office/drawing/2014/main" id="{0D9712E1-CFBD-4EA8-8DED-7B507AC2DD4F}"/>
-              </a:ext>
-            </a:extLst>
-          </p:cNvPr>
-          <p:cNvSpPr txBox="1"/>
-          <p:nvPr/>
-        </p:nvSpPr>
-        <p:spPr>
-          <a:xfrm>
-            <a:off x="1014898" y="5432545"/>
-            <a:ext cx="9641955" cy="1092607"/>
-          </a:xfrm>
-          <a:prstGeom prst="rect">
-            <a:avLst/>
-          </a:prstGeom>
-          <a:noFill/>
-        </p:spPr>
-        <p:txBody>
-          <a:bodyPr wrap="square" rtlCol="0">
-            <a:spAutoFit/>
-          </a:bodyPr>
-          <a:lstStyle/>
-          <a:p>
-            <a:pPr marL="285750" indent="-285750">
-              <a:buFont typeface="Wingdings" panose="05000000000000000000" pitchFamily="2" charset="2"/>
-              <a:buChar char="§"/>
-            </a:pPr>
-            <a:r>
-              <a:rPr lang="en-US" dirty="0">
-                <a:latin typeface="Garamond" panose="02020404030301010803" pitchFamily="18" charset="0"/>
-              </a:rPr>
-              <a:t>Information about Sight Deposit as our Signal to be priced into the Stock Market.</a:t>
-            </a:r>
-          </a:p>
-          <a:p>
-            <a:pPr marL="285750" indent="-285750">
-              <a:buFont typeface="Wingdings" panose="05000000000000000000" pitchFamily="2" charset="2"/>
-              <a:buChar char="§"/>
-            </a:pPr>
-            <a:endParaRPr lang="en-US" sz="1000" dirty="0">
-              <a:latin typeface="Garamond" panose="02020404030301010803" pitchFamily="18" charset="0"/>
-            </a:endParaRPr>
-          </a:p>
-          <a:p>
-            <a:pPr marL="285750" indent="-285750">
-              <a:buFont typeface="Wingdings" panose="05000000000000000000" pitchFamily="2" charset="2"/>
-              <a:buChar char="§"/>
-            </a:pPr>
-            <a:r>
-              <a:rPr lang="en-US" dirty="0">
-                <a:latin typeface="Garamond" panose="02020404030301010803" pitchFamily="18" charset="0"/>
-              </a:rPr>
-              <a:t>No conclusion about directions of patterns</a:t>
-            </a:r>
-          </a:p>
-          <a:p>
-            <a:endParaRPr lang="de-CH" dirty="0"/>
-          </a:p>
-        </p:txBody>
-      </p:sp>
     </p:spTree>
     <p:extLst>
       <p:ext uri="{BB962C8B-B14F-4D97-AF65-F5344CB8AC3E}">
@@ -30380,7 +31019,7 @@
               <a:rPr lang="en-US" dirty="0">
                 <a:latin typeface="Garamond" panose="02020404030301010803" pitchFamily="18" charset="0"/>
               </a:rPr>
-              <a:t>The interventions of the SNB affected the Swiss Stock market</a:t>
+              <a:t>Effects of SNB Interventions on SMI</a:t>
             </a:r>
           </a:p>
         </p:txBody>
@@ -30443,7 +31082,7 @@
         <p:spPr>
           <a:xfrm>
             <a:off x="883170" y="2407654"/>
-            <a:ext cx="10515600" cy="3723320"/>
+            <a:ext cx="10515600" cy="3534855"/>
           </a:xfrm>
           <a:prstGeom prst="rect">
             <a:avLst/>
@@ -30559,7 +31198,7 @@
         </p:nvSpPr>
         <p:spPr>
           <a:xfrm>
-            <a:off x="1188871" y="4619069"/>
+            <a:off x="1188871" y="4607918"/>
             <a:ext cx="9904198" cy="1323439"/>
           </a:xfrm>
           <a:prstGeom prst="rect">
@@ -30716,10 +31355,10 @@
       </p:grpSpPr>
       <p:pic>
         <p:nvPicPr>
-          <p:cNvPr id="3" name="Picture 2">
-            <a:extLst>
-              <a:ext uri="{FF2B5EF4-FFF2-40B4-BE49-F238E27FC236}">
-                <a16:creationId xmlns:a16="http://schemas.microsoft.com/office/drawing/2014/main" id="{68282503-7FF9-6641-9FDC-DC7D97123257}"/>
+          <p:cNvPr id="7" name="Picture 6">
+            <a:extLst>
+              <a:ext uri="{FF2B5EF4-FFF2-40B4-BE49-F238E27FC236}">
+                <a16:creationId xmlns:a16="http://schemas.microsoft.com/office/drawing/2014/main" id="{07B5C61B-8F33-D04F-AA20-C7F6ECCB9EAF}"/>
               </a:ext>
             </a:extLst>
           </p:cNvPr>
@@ -30730,36 +31369,6 @@
         </p:nvPicPr>
         <p:blipFill>
           <a:blip r:embed="rId3"/>
-          <a:stretch>
-            <a:fillRect/>
-          </a:stretch>
-        </p:blipFill>
-        <p:spPr>
-          <a:xfrm>
-            <a:off x="838200" y="2488676"/>
-            <a:ext cx="6989789" cy="2974574"/>
-          </a:xfrm>
-          <a:prstGeom prst="rect">
-            <a:avLst/>
-          </a:prstGeom>
-        </p:spPr>
-      </p:pic>
-      <p:pic>
-        <p:nvPicPr>
-          <p:cNvPr id="7" name="Picture 6">
-            <a:extLst>
-              <a:ext uri="{FF2B5EF4-FFF2-40B4-BE49-F238E27FC236}">
-                <a16:creationId xmlns:a16="http://schemas.microsoft.com/office/drawing/2014/main" id="{07B5C61B-8F33-D04F-AA20-C7F6ECCB9EAF}"/>
-              </a:ext>
-            </a:extLst>
-          </p:cNvPr>
-          <p:cNvPicPr>
-            <a:picLocks noChangeAspect="1"/>
-          </p:cNvPicPr>
-          <p:nvPr/>
-        </p:nvPicPr>
-        <p:blipFill>
-          <a:blip r:embed="rId4"/>
           <a:stretch>
             <a:fillRect/>
           </a:stretch>
@@ -30799,7 +31408,7 @@
               <a:rPr lang="en-US" dirty="0">
                 <a:latin typeface="Garamond" panose="02020404030301010803" pitchFamily="18" charset="0"/>
               </a:rPr>
-              <a:t>We use an extensive data set to investigate the hypothesis</a:t>
+              <a:t>Data Set</a:t>
             </a:r>
           </a:p>
         </p:txBody>
@@ -31069,6 +31678,36 @@
           </a:p>
         </p:txBody>
       </p:sp>
+      <p:pic>
+        <p:nvPicPr>
+          <p:cNvPr id="6" name="Grafik 5">
+            <a:extLst>
+              <a:ext uri="{FF2B5EF4-FFF2-40B4-BE49-F238E27FC236}">
+                <a16:creationId xmlns:a16="http://schemas.microsoft.com/office/drawing/2014/main" id="{D3588562-4350-4B67-BC16-5680194071FE}"/>
+              </a:ext>
+            </a:extLst>
+          </p:cNvPr>
+          <p:cNvPicPr>
+            <a:picLocks noChangeAspect="1"/>
+          </p:cNvPicPr>
+          <p:nvPr/>
+        </p:nvPicPr>
+        <p:blipFill>
+          <a:blip r:embed="rId4"/>
+          <a:stretch>
+            <a:fillRect/>
+          </a:stretch>
+        </p:blipFill>
+        <p:spPr>
+          <a:xfrm>
+            <a:off x="1045775" y="2699612"/>
+            <a:ext cx="6708681" cy="2753333"/>
+          </a:xfrm>
+          <a:prstGeom prst="rect">
+            <a:avLst/>
+          </a:prstGeom>
+        </p:spPr>
+      </p:pic>
     </p:spTree>
     <p:extLst>
       <p:ext uri="{BB962C8B-B14F-4D97-AF65-F5344CB8AC3E}">
